--- a/Presentations/Group meetings/2018-11-6-Malthe.pptx
+++ b/Presentations/Group meetings/2018-11-6-Malthe.pptx
@@ -5,7 +5,7 @@
     <p:sldMasterId id="2147483648" r:id="rId1"/>
   </p:sldMasterIdLst>
   <p:notesMasterIdLst>
-    <p:notesMasterId r:id="rId17"/>
+    <p:notesMasterId r:id="rId21"/>
   </p:notesMasterIdLst>
   <p:sldIdLst>
     <p:sldId id="256" r:id="rId2"/>
@@ -23,6 +23,10 @@
     <p:sldId id="268" r:id="rId14"/>
     <p:sldId id="269" r:id="rId15"/>
     <p:sldId id="271" r:id="rId16"/>
+    <p:sldId id="273" r:id="rId17"/>
+    <p:sldId id="275" r:id="rId18"/>
+    <p:sldId id="276" r:id="rId19"/>
+    <p:sldId id="277" r:id="rId20"/>
   </p:sldIdLst>
   <p:sldSz cx="12192000" cy="6858000"/>
   <p:notesSz cx="6858000" cy="9144000"/>
@@ -121,6 +125,11 @@
       </a:defRPr>
     </a:lvl9pPr>
   </p:defaultTextStyle>
+  <p:extLst>
+    <p:ext uri="{EFAFB233-063F-42B5-8137-9DF3F51BA10A}">
+      <p15:sldGuideLst xmlns:p15="http://schemas.microsoft.com/office/powerpoint/2012/main"/>
+    </p:ext>
+  </p:extLst>
 </p:presentation>
 </file>
 
@@ -270,38 +279,37 @@
           <a:p>
             <a:pPr lvl="0"/>
             <a:r>
-              <a:rPr lang="en-US" smtClean="0"/>
+              <a:rPr lang="en-US"/>
               <a:t>Click to edit Master text styles</a:t>
             </a:r>
           </a:p>
           <a:p>
             <a:pPr lvl="1"/>
             <a:r>
-              <a:rPr lang="en-US" smtClean="0"/>
+              <a:rPr lang="en-US"/>
               <a:t>Second level</a:t>
             </a:r>
           </a:p>
           <a:p>
             <a:pPr lvl="2"/>
             <a:r>
-              <a:rPr lang="en-US" smtClean="0"/>
+              <a:rPr lang="en-US"/>
               <a:t>Third level</a:t>
             </a:r>
           </a:p>
           <a:p>
             <a:pPr lvl="3"/>
             <a:r>
-              <a:rPr lang="en-US" smtClean="0"/>
+              <a:rPr lang="en-US"/>
               <a:t>Fourth level</a:t>
             </a:r>
           </a:p>
           <a:p>
             <a:pPr lvl="4"/>
             <a:r>
-              <a:rPr lang="en-US" smtClean="0"/>
+              <a:rPr lang="en-US"/>
               <a:t>Fifth level</a:t>
             </a:r>
-            <a:endParaRPr lang="en-US"/>
           </a:p>
         </p:txBody>
       </p:sp>
@@ -1104,10 +1112,9 @@
           </a:lstStyle>
           <a:p>
             <a:r>
-              <a:rPr lang="en-US" smtClean="0"/>
+              <a:rPr lang="en-US"/>
               <a:t>Click to edit Master title style</a:t>
             </a:r>
-            <a:endParaRPr lang="en-US"/>
           </a:p>
         </p:txBody>
       </p:sp>
@@ -1169,10 +1176,9 @@
           </a:lstStyle>
           <a:p>
             <a:r>
-              <a:rPr lang="en-US" smtClean="0"/>
+              <a:rPr lang="en-US"/>
               <a:t>Click to edit Master subtitle style</a:t>
             </a:r>
-            <a:endParaRPr lang="en-US"/>
           </a:p>
         </p:txBody>
       </p:sp>
@@ -1287,10 +1293,9 @@
           <a:lstStyle/>
           <a:p>
             <a:r>
-              <a:rPr lang="en-US" smtClean="0"/>
+              <a:rPr lang="en-US"/>
               <a:t>Click to edit Master title style</a:t>
             </a:r>
-            <a:endParaRPr lang="en-US"/>
           </a:p>
         </p:txBody>
       </p:sp>
@@ -1311,38 +1316,37 @@
           <a:p>
             <a:pPr lvl="0"/>
             <a:r>
-              <a:rPr lang="en-US" smtClean="0"/>
+              <a:rPr lang="en-US"/>
               <a:t>Click to edit Master text styles</a:t>
             </a:r>
           </a:p>
           <a:p>
             <a:pPr lvl="1"/>
             <a:r>
-              <a:rPr lang="en-US" smtClean="0"/>
+              <a:rPr lang="en-US"/>
               <a:t>Second level</a:t>
             </a:r>
           </a:p>
           <a:p>
             <a:pPr lvl="2"/>
             <a:r>
-              <a:rPr lang="en-US" smtClean="0"/>
+              <a:rPr lang="en-US"/>
               <a:t>Third level</a:t>
             </a:r>
           </a:p>
           <a:p>
             <a:pPr lvl="3"/>
             <a:r>
-              <a:rPr lang="en-US" smtClean="0"/>
+              <a:rPr lang="en-US"/>
               <a:t>Fourth level</a:t>
             </a:r>
           </a:p>
           <a:p>
             <a:pPr lvl="4"/>
             <a:r>
-              <a:rPr lang="en-US" smtClean="0"/>
+              <a:rPr lang="en-US"/>
               <a:t>Fifth level</a:t>
             </a:r>
-            <a:endParaRPr lang="en-US"/>
           </a:p>
         </p:txBody>
       </p:sp>
@@ -1462,10 +1466,9 @@
           <a:lstStyle/>
           <a:p>
             <a:r>
-              <a:rPr lang="en-US" smtClean="0"/>
+              <a:rPr lang="en-US"/>
               <a:t>Click to edit Master title style</a:t>
             </a:r>
-            <a:endParaRPr lang="en-US"/>
           </a:p>
         </p:txBody>
       </p:sp>
@@ -1491,38 +1494,37 @@
           <a:p>
             <a:pPr lvl="0"/>
             <a:r>
-              <a:rPr lang="en-US" smtClean="0"/>
+              <a:rPr lang="en-US"/>
               <a:t>Click to edit Master text styles</a:t>
             </a:r>
           </a:p>
           <a:p>
             <a:pPr lvl="1"/>
             <a:r>
-              <a:rPr lang="en-US" smtClean="0"/>
+              <a:rPr lang="en-US"/>
               <a:t>Second level</a:t>
             </a:r>
           </a:p>
           <a:p>
             <a:pPr lvl="2"/>
             <a:r>
-              <a:rPr lang="en-US" smtClean="0"/>
+              <a:rPr lang="en-US"/>
               <a:t>Third level</a:t>
             </a:r>
           </a:p>
           <a:p>
             <a:pPr lvl="3"/>
             <a:r>
-              <a:rPr lang="en-US" smtClean="0"/>
+              <a:rPr lang="en-US"/>
               <a:t>Fourth level</a:t>
             </a:r>
           </a:p>
           <a:p>
             <a:pPr lvl="4"/>
             <a:r>
-              <a:rPr lang="en-US" smtClean="0"/>
+              <a:rPr lang="en-US"/>
               <a:t>Fifth level</a:t>
             </a:r>
-            <a:endParaRPr lang="en-US"/>
           </a:p>
         </p:txBody>
       </p:sp>
@@ -1637,10 +1639,9 @@
           <a:lstStyle/>
           <a:p>
             <a:r>
-              <a:rPr lang="en-US" smtClean="0"/>
+              <a:rPr lang="en-US"/>
               <a:t>Click to edit Master title style</a:t>
             </a:r>
-            <a:endParaRPr lang="en-US"/>
           </a:p>
         </p:txBody>
       </p:sp>
@@ -1661,38 +1662,37 @@
           <a:p>
             <a:pPr lvl="0"/>
             <a:r>
-              <a:rPr lang="en-US" smtClean="0"/>
+              <a:rPr lang="en-US"/>
               <a:t>Click to edit Master text styles</a:t>
             </a:r>
           </a:p>
           <a:p>
             <a:pPr lvl="1"/>
             <a:r>
-              <a:rPr lang="en-US" smtClean="0"/>
+              <a:rPr lang="en-US"/>
               <a:t>Second level</a:t>
             </a:r>
           </a:p>
           <a:p>
             <a:pPr lvl="2"/>
             <a:r>
-              <a:rPr lang="en-US" smtClean="0"/>
+              <a:rPr lang="en-US"/>
               <a:t>Third level</a:t>
             </a:r>
           </a:p>
           <a:p>
             <a:pPr lvl="3"/>
             <a:r>
-              <a:rPr lang="en-US" smtClean="0"/>
+              <a:rPr lang="en-US"/>
               <a:t>Fourth level</a:t>
             </a:r>
           </a:p>
           <a:p>
             <a:pPr lvl="4"/>
             <a:r>
-              <a:rPr lang="en-US" smtClean="0"/>
+              <a:rPr lang="en-US"/>
               <a:t>Fifth level</a:t>
             </a:r>
-            <a:endParaRPr lang="en-US"/>
           </a:p>
         </p:txBody>
       </p:sp>
@@ -1816,10 +1816,9 @@
           </a:lstStyle>
           <a:p>
             <a:r>
-              <a:rPr lang="en-US" smtClean="0"/>
+              <a:rPr lang="en-US"/>
               <a:t>Click to edit Master title style</a:t>
             </a:r>
-            <a:endParaRPr lang="en-US"/>
           </a:p>
         </p:txBody>
       </p:sp>
@@ -1936,7 +1935,7 @@
           <a:p>
             <a:pPr lvl="0"/>
             <a:r>
-              <a:rPr lang="en-US" smtClean="0"/>
+              <a:rPr lang="en-US"/>
               <a:t>Click to edit Master text styles</a:t>
             </a:r>
           </a:p>
@@ -2053,10 +2052,9 @@
           <a:lstStyle/>
           <a:p>
             <a:r>
-              <a:rPr lang="en-US" smtClean="0"/>
+              <a:rPr lang="en-US"/>
               <a:t>Click to edit Master title style</a:t>
             </a:r>
-            <a:endParaRPr lang="en-US"/>
           </a:p>
         </p:txBody>
       </p:sp>
@@ -2082,38 +2080,37 @@
           <a:p>
             <a:pPr lvl="0"/>
             <a:r>
-              <a:rPr lang="en-US" smtClean="0"/>
+              <a:rPr lang="en-US"/>
               <a:t>Click to edit Master text styles</a:t>
             </a:r>
           </a:p>
           <a:p>
             <a:pPr lvl="1"/>
             <a:r>
-              <a:rPr lang="en-US" smtClean="0"/>
+              <a:rPr lang="en-US"/>
               <a:t>Second level</a:t>
             </a:r>
           </a:p>
           <a:p>
             <a:pPr lvl="2"/>
             <a:r>
-              <a:rPr lang="en-US" smtClean="0"/>
+              <a:rPr lang="en-US"/>
               <a:t>Third level</a:t>
             </a:r>
           </a:p>
           <a:p>
             <a:pPr lvl="3"/>
             <a:r>
-              <a:rPr lang="en-US" smtClean="0"/>
+              <a:rPr lang="en-US"/>
               <a:t>Fourth level</a:t>
             </a:r>
           </a:p>
           <a:p>
             <a:pPr lvl="4"/>
             <a:r>
-              <a:rPr lang="en-US" smtClean="0"/>
+              <a:rPr lang="en-US"/>
               <a:t>Fifth level</a:t>
             </a:r>
-            <a:endParaRPr lang="en-US"/>
           </a:p>
         </p:txBody>
       </p:sp>
@@ -2139,38 +2136,37 @@
           <a:p>
             <a:pPr lvl="0"/>
             <a:r>
-              <a:rPr lang="en-US" smtClean="0"/>
+              <a:rPr lang="en-US"/>
               <a:t>Click to edit Master text styles</a:t>
             </a:r>
           </a:p>
           <a:p>
             <a:pPr lvl="1"/>
             <a:r>
-              <a:rPr lang="en-US" smtClean="0"/>
+              <a:rPr lang="en-US"/>
               <a:t>Second level</a:t>
             </a:r>
           </a:p>
           <a:p>
             <a:pPr lvl="2"/>
             <a:r>
-              <a:rPr lang="en-US" smtClean="0"/>
+              <a:rPr lang="en-US"/>
               <a:t>Third level</a:t>
             </a:r>
           </a:p>
           <a:p>
             <a:pPr lvl="3"/>
             <a:r>
-              <a:rPr lang="en-US" smtClean="0"/>
+              <a:rPr lang="en-US"/>
               <a:t>Fourth level</a:t>
             </a:r>
           </a:p>
           <a:p>
             <a:pPr lvl="4"/>
             <a:r>
-              <a:rPr lang="en-US" smtClean="0"/>
+              <a:rPr lang="en-US"/>
               <a:t>Fifth level</a:t>
             </a:r>
-            <a:endParaRPr lang="en-US"/>
           </a:p>
         </p:txBody>
       </p:sp>
@@ -2290,10 +2286,9 @@
           <a:lstStyle/>
           <a:p>
             <a:r>
-              <a:rPr lang="en-US" smtClean="0"/>
+              <a:rPr lang="en-US"/>
               <a:t>Click to edit Master title style</a:t>
             </a:r>
-            <a:endParaRPr lang="en-US"/>
           </a:p>
         </p:txBody>
       </p:sp>
@@ -2356,7 +2351,7 @@
           <a:p>
             <a:pPr lvl="0"/>
             <a:r>
-              <a:rPr lang="en-US" smtClean="0"/>
+              <a:rPr lang="en-US"/>
               <a:t>Click to edit Master text styles</a:t>
             </a:r>
           </a:p>
@@ -2384,38 +2379,37 @@
           <a:p>
             <a:pPr lvl="0"/>
             <a:r>
-              <a:rPr lang="en-US" smtClean="0"/>
+              <a:rPr lang="en-US"/>
               <a:t>Click to edit Master text styles</a:t>
             </a:r>
           </a:p>
           <a:p>
             <a:pPr lvl="1"/>
             <a:r>
-              <a:rPr lang="en-US" smtClean="0"/>
+              <a:rPr lang="en-US"/>
               <a:t>Second level</a:t>
             </a:r>
           </a:p>
           <a:p>
             <a:pPr lvl="2"/>
             <a:r>
-              <a:rPr lang="en-US" smtClean="0"/>
+              <a:rPr lang="en-US"/>
               <a:t>Third level</a:t>
             </a:r>
           </a:p>
           <a:p>
             <a:pPr lvl="3"/>
             <a:r>
-              <a:rPr lang="en-US" smtClean="0"/>
+              <a:rPr lang="en-US"/>
               <a:t>Fourth level</a:t>
             </a:r>
           </a:p>
           <a:p>
             <a:pPr lvl="4"/>
             <a:r>
-              <a:rPr lang="en-US" smtClean="0"/>
+              <a:rPr lang="en-US"/>
               <a:t>Fifth level</a:t>
             </a:r>
-            <a:endParaRPr lang="en-US"/>
           </a:p>
         </p:txBody>
       </p:sp>
@@ -2478,7 +2472,7 @@
           <a:p>
             <a:pPr lvl="0"/>
             <a:r>
-              <a:rPr lang="en-US" smtClean="0"/>
+              <a:rPr lang="en-US"/>
               <a:t>Click to edit Master text styles</a:t>
             </a:r>
           </a:p>
@@ -2506,38 +2500,37 @@
           <a:p>
             <a:pPr lvl="0"/>
             <a:r>
-              <a:rPr lang="en-US" smtClean="0"/>
+              <a:rPr lang="en-US"/>
               <a:t>Click to edit Master text styles</a:t>
             </a:r>
           </a:p>
           <a:p>
             <a:pPr lvl="1"/>
             <a:r>
-              <a:rPr lang="en-US" smtClean="0"/>
+              <a:rPr lang="en-US"/>
               <a:t>Second level</a:t>
             </a:r>
           </a:p>
           <a:p>
             <a:pPr lvl="2"/>
             <a:r>
-              <a:rPr lang="en-US" smtClean="0"/>
+              <a:rPr lang="en-US"/>
               <a:t>Third level</a:t>
             </a:r>
           </a:p>
           <a:p>
             <a:pPr lvl="3"/>
             <a:r>
-              <a:rPr lang="en-US" smtClean="0"/>
+              <a:rPr lang="en-US"/>
               <a:t>Fourth level</a:t>
             </a:r>
           </a:p>
           <a:p>
             <a:pPr lvl="4"/>
             <a:r>
-              <a:rPr lang="en-US" smtClean="0"/>
+              <a:rPr lang="en-US"/>
               <a:t>Fifth level</a:t>
             </a:r>
-            <a:endParaRPr lang="en-US"/>
           </a:p>
         </p:txBody>
       </p:sp>
@@ -2652,10 +2645,9 @@
           <a:lstStyle/>
           <a:p>
             <a:r>
-              <a:rPr lang="en-US" smtClean="0"/>
+              <a:rPr lang="en-US"/>
               <a:t>Click to edit Master title style</a:t>
             </a:r>
-            <a:endParaRPr lang="en-US"/>
           </a:p>
         </p:txBody>
       </p:sp>
@@ -2874,10 +2866,9 @@
           </a:lstStyle>
           <a:p>
             <a:r>
-              <a:rPr lang="en-US" smtClean="0"/>
+              <a:rPr lang="en-US"/>
               <a:t>Click to edit Master title style</a:t>
             </a:r>
-            <a:endParaRPr lang="en-US"/>
           </a:p>
         </p:txBody>
       </p:sp>
@@ -2931,38 +2922,37 @@
           <a:p>
             <a:pPr lvl="0"/>
             <a:r>
-              <a:rPr lang="en-US" smtClean="0"/>
+              <a:rPr lang="en-US"/>
               <a:t>Click to edit Master text styles</a:t>
             </a:r>
           </a:p>
           <a:p>
             <a:pPr lvl="1"/>
             <a:r>
-              <a:rPr lang="en-US" smtClean="0"/>
+              <a:rPr lang="en-US"/>
               <a:t>Second level</a:t>
             </a:r>
           </a:p>
           <a:p>
             <a:pPr lvl="2"/>
             <a:r>
-              <a:rPr lang="en-US" smtClean="0"/>
+              <a:rPr lang="en-US"/>
               <a:t>Third level</a:t>
             </a:r>
           </a:p>
           <a:p>
             <a:pPr lvl="3"/>
             <a:r>
-              <a:rPr lang="en-US" smtClean="0"/>
+              <a:rPr lang="en-US"/>
               <a:t>Fourth level</a:t>
             </a:r>
           </a:p>
           <a:p>
             <a:pPr lvl="4"/>
             <a:r>
-              <a:rPr lang="en-US" smtClean="0"/>
+              <a:rPr lang="en-US"/>
               <a:t>Fifth level</a:t>
             </a:r>
-            <a:endParaRPr lang="en-US"/>
           </a:p>
         </p:txBody>
       </p:sp>
@@ -3025,7 +3015,7 @@
           <a:p>
             <a:pPr lvl="0"/>
             <a:r>
-              <a:rPr lang="en-US" smtClean="0"/>
+              <a:rPr lang="en-US"/>
               <a:t>Click to edit Master text styles</a:t>
             </a:r>
           </a:p>
@@ -3151,10 +3141,9 @@
           </a:lstStyle>
           <a:p>
             <a:r>
-              <a:rPr lang="en-US" smtClean="0"/>
+              <a:rPr lang="en-US"/>
               <a:t>Click to edit Master title style</a:t>
             </a:r>
-            <a:endParaRPr lang="en-US"/>
           </a:p>
         </p:txBody>
       </p:sp>
@@ -3278,7 +3267,7 @@
           <a:p>
             <a:pPr lvl="0"/>
             <a:r>
-              <a:rPr lang="en-US" smtClean="0"/>
+              <a:rPr lang="en-US"/>
               <a:t>Click to edit Master text styles</a:t>
             </a:r>
           </a:p>
@@ -3410,10 +3399,9 @@
           <a:lstStyle/>
           <a:p>
             <a:r>
-              <a:rPr lang="en-US" smtClean="0"/>
+              <a:rPr lang="en-US"/>
               <a:t>Click to edit Master title style</a:t>
             </a:r>
-            <a:endParaRPr lang="en-US"/>
           </a:p>
         </p:txBody>
       </p:sp>
@@ -3444,38 +3432,37 @@
           <a:p>
             <a:pPr lvl="0"/>
             <a:r>
-              <a:rPr lang="en-US" smtClean="0"/>
+              <a:rPr lang="en-US"/>
               <a:t>Click to edit Master text styles</a:t>
             </a:r>
           </a:p>
           <a:p>
             <a:pPr lvl="1"/>
             <a:r>
-              <a:rPr lang="en-US" smtClean="0"/>
+              <a:rPr lang="en-US"/>
               <a:t>Second level</a:t>
             </a:r>
           </a:p>
           <a:p>
             <a:pPr lvl="2"/>
             <a:r>
-              <a:rPr lang="en-US" smtClean="0"/>
+              <a:rPr lang="en-US"/>
               <a:t>Third level</a:t>
             </a:r>
           </a:p>
           <a:p>
             <a:pPr lvl="3"/>
             <a:r>
-              <a:rPr lang="en-US" smtClean="0"/>
+              <a:rPr lang="en-US"/>
               <a:t>Fourth level</a:t>
             </a:r>
           </a:p>
           <a:p>
             <a:pPr lvl="4"/>
             <a:r>
-              <a:rPr lang="en-US" smtClean="0"/>
+              <a:rPr lang="en-US"/>
               <a:t>Fifth level</a:t>
             </a:r>
-            <a:endParaRPr lang="en-US"/>
           </a:p>
         </p:txBody>
       </p:sp>
@@ -4038,7 +4025,7 @@
           <p:cNvPr id="3" name="Oval 2">
             <a:extLst>
               <a:ext uri="{FF2B5EF4-FFF2-40B4-BE49-F238E27FC236}">
-                <a16:creationId xmlns:a16="http://schemas.microsoft.com/office/drawing/2014/main" xmlns="" id="{B073BD9C-6BDA-C347-9C0E-31CB52DA42B6}"/>
+                <a16:creationId xmlns:a16="http://schemas.microsoft.com/office/drawing/2014/main" id="{B073BD9C-6BDA-C347-9C0E-31CB52DA42B6}"/>
               </a:ext>
             </a:extLst>
           </p:cNvPr>
@@ -4092,7 +4079,7 @@
           <p:cNvPr id="19" name="Oval 18">
             <a:extLst>
               <a:ext uri="{FF2B5EF4-FFF2-40B4-BE49-F238E27FC236}">
-                <a16:creationId xmlns:a16="http://schemas.microsoft.com/office/drawing/2014/main" xmlns="" id="{B75FE795-2BFF-E54A-B090-C664817205DA}"/>
+                <a16:creationId xmlns:a16="http://schemas.microsoft.com/office/drawing/2014/main" id="{B75FE795-2BFF-E54A-B090-C664817205DA}"/>
               </a:ext>
             </a:extLst>
           </p:cNvPr>
@@ -4139,7 +4126,7 @@
           <p:cNvPr id="20" name="Oval 19">
             <a:extLst>
               <a:ext uri="{FF2B5EF4-FFF2-40B4-BE49-F238E27FC236}">
-                <a16:creationId xmlns:a16="http://schemas.microsoft.com/office/drawing/2014/main" xmlns="" id="{08F67ED2-E0EA-744D-A5C3-DFAF9C05EBB0}"/>
+                <a16:creationId xmlns:a16="http://schemas.microsoft.com/office/drawing/2014/main" id="{08F67ED2-E0EA-744D-A5C3-DFAF9C05EBB0}"/>
               </a:ext>
             </a:extLst>
           </p:cNvPr>
@@ -4186,7 +4173,7 @@
           <p:cNvPr id="38" name="Oval 37">
             <a:extLst>
               <a:ext uri="{FF2B5EF4-FFF2-40B4-BE49-F238E27FC236}">
-                <a16:creationId xmlns:a16="http://schemas.microsoft.com/office/drawing/2014/main" xmlns="" id="{D50BF41E-EF71-F94A-86B9-DF1B15F4B1FC}"/>
+                <a16:creationId xmlns:a16="http://schemas.microsoft.com/office/drawing/2014/main" id="{D50BF41E-EF71-F94A-86B9-DF1B15F4B1FC}"/>
               </a:ext>
             </a:extLst>
           </p:cNvPr>
@@ -4238,7 +4225,7 @@
           <p:cNvPr id="39" name="Picture 38">
             <a:extLst>
               <a:ext uri="{FF2B5EF4-FFF2-40B4-BE49-F238E27FC236}">
-                <a16:creationId xmlns:a16="http://schemas.microsoft.com/office/drawing/2014/main" xmlns="" id="{4E04806B-A48C-E042-86E9-CBD67367ED63}"/>
+                <a16:creationId xmlns:a16="http://schemas.microsoft.com/office/drawing/2014/main" id="{4E04806B-A48C-E042-86E9-CBD67367ED63}"/>
               </a:ext>
             </a:extLst>
           </p:cNvPr>
@@ -4274,7 +4261,7 @@
           <p:cNvPr id="40" name="Picture 39">
             <a:extLst>
               <a:ext uri="{FF2B5EF4-FFF2-40B4-BE49-F238E27FC236}">
-                <a16:creationId xmlns:a16="http://schemas.microsoft.com/office/drawing/2014/main" xmlns="" id="{4847759E-E771-9645-B94F-520F45A19480}"/>
+                <a16:creationId xmlns:a16="http://schemas.microsoft.com/office/drawing/2014/main" id="{4847759E-E771-9645-B94F-520F45A19480}"/>
               </a:ext>
             </a:extLst>
           </p:cNvPr>
@@ -4310,7 +4297,7 @@
           <p:cNvPr id="41" name="Picture 40">
             <a:extLst>
               <a:ext uri="{FF2B5EF4-FFF2-40B4-BE49-F238E27FC236}">
-                <a16:creationId xmlns:a16="http://schemas.microsoft.com/office/drawing/2014/main" xmlns="" id="{2A455A8A-721A-724A-99BC-08B770FA26C3}"/>
+                <a16:creationId xmlns:a16="http://schemas.microsoft.com/office/drawing/2014/main" id="{2A455A8A-721A-724A-99BC-08B770FA26C3}"/>
               </a:ext>
             </a:extLst>
           </p:cNvPr>
@@ -4346,7 +4333,7 @@
           <p:cNvPr id="42" name="TextBox 41">
             <a:extLst>
               <a:ext uri="{FF2B5EF4-FFF2-40B4-BE49-F238E27FC236}">
-                <a16:creationId xmlns:a16="http://schemas.microsoft.com/office/drawing/2014/main" xmlns="" id="{5AFBB60A-07C7-F641-A967-1FE814B00E94}"/>
+                <a16:creationId xmlns:a16="http://schemas.microsoft.com/office/drawing/2014/main" id="{5AFBB60A-07C7-F641-A967-1FE814B00E94}"/>
               </a:ext>
             </a:extLst>
           </p:cNvPr>
@@ -4381,7 +4368,7 @@
           <p:cNvPr id="43" name="TextBox 42">
             <a:extLst>
               <a:ext uri="{FF2B5EF4-FFF2-40B4-BE49-F238E27FC236}">
-                <a16:creationId xmlns:a16="http://schemas.microsoft.com/office/drawing/2014/main" xmlns="" id="{B465CC4F-702C-EB40-92B3-EBCC290A1759}"/>
+                <a16:creationId xmlns:a16="http://schemas.microsoft.com/office/drawing/2014/main" id="{B465CC4F-702C-EB40-92B3-EBCC290A1759}"/>
               </a:ext>
             </a:extLst>
           </p:cNvPr>
@@ -4416,7 +4403,7 @@
           <p:cNvPr id="44" name="TextBox 43">
             <a:extLst>
               <a:ext uri="{FF2B5EF4-FFF2-40B4-BE49-F238E27FC236}">
-                <a16:creationId xmlns:a16="http://schemas.microsoft.com/office/drawing/2014/main" xmlns="" id="{A3B6CEB5-3318-0A4D-AE9B-6A3FF7400028}"/>
+                <a16:creationId xmlns:a16="http://schemas.microsoft.com/office/drawing/2014/main" id="{A3B6CEB5-3318-0A4D-AE9B-6A3FF7400028}"/>
               </a:ext>
             </a:extLst>
           </p:cNvPr>
@@ -4451,7 +4438,7 @@
           <p:cNvPr id="45" name="Rectangle 44">
             <a:extLst>
               <a:ext uri="{FF2B5EF4-FFF2-40B4-BE49-F238E27FC236}">
-                <a16:creationId xmlns:a16="http://schemas.microsoft.com/office/drawing/2014/main" xmlns="" id="{D5D71723-DB53-C14A-98F5-82DB7A5DC130}"/>
+                <a16:creationId xmlns:a16="http://schemas.microsoft.com/office/drawing/2014/main" id="{D5D71723-DB53-C14A-98F5-82DB7A5DC130}"/>
               </a:ext>
             </a:extLst>
           </p:cNvPr>
@@ -4497,7 +4484,7 @@
           <p:cNvPr id="46" name="Rectangle 45">
             <a:extLst>
               <a:ext uri="{FF2B5EF4-FFF2-40B4-BE49-F238E27FC236}">
-                <a16:creationId xmlns:a16="http://schemas.microsoft.com/office/drawing/2014/main" xmlns="" id="{D26023F7-2B1D-7F47-BD38-851577017CEC}"/>
+                <a16:creationId xmlns:a16="http://schemas.microsoft.com/office/drawing/2014/main" id="{D26023F7-2B1D-7F47-BD38-851577017CEC}"/>
               </a:ext>
             </a:extLst>
           </p:cNvPr>
@@ -4543,7 +4530,7 @@
           <p:cNvPr id="47" name="Rectangle 46">
             <a:extLst>
               <a:ext uri="{FF2B5EF4-FFF2-40B4-BE49-F238E27FC236}">
-                <a16:creationId xmlns:a16="http://schemas.microsoft.com/office/drawing/2014/main" xmlns="" id="{AEC291F5-1339-3B45-8B0E-EF0C8F34F61E}"/>
+                <a16:creationId xmlns:a16="http://schemas.microsoft.com/office/drawing/2014/main" id="{AEC291F5-1339-3B45-8B0E-EF0C8F34F61E}"/>
               </a:ext>
             </a:extLst>
           </p:cNvPr>
@@ -4589,7 +4576,7 @@
           <p:cNvPr id="49" name="Straight Arrow Connector 48">
             <a:extLst>
               <a:ext uri="{FF2B5EF4-FFF2-40B4-BE49-F238E27FC236}">
-                <a16:creationId xmlns:a16="http://schemas.microsoft.com/office/drawing/2014/main" xmlns="" id="{8CC7D7B6-9487-0D41-8A89-1B4330C9AEA3}"/>
+                <a16:creationId xmlns:a16="http://schemas.microsoft.com/office/drawing/2014/main" id="{8CC7D7B6-9487-0D41-8A89-1B4330C9AEA3}"/>
               </a:ext>
             </a:extLst>
           </p:cNvPr>
@@ -4632,7 +4619,7 @@
           <p:cNvPr id="51" name="Straight Arrow Connector 50">
             <a:extLst>
               <a:ext uri="{FF2B5EF4-FFF2-40B4-BE49-F238E27FC236}">
-                <a16:creationId xmlns:a16="http://schemas.microsoft.com/office/drawing/2014/main" xmlns="" id="{51BB2CF8-DFCF-214B-BB0C-08604FD514B1}"/>
+                <a16:creationId xmlns:a16="http://schemas.microsoft.com/office/drawing/2014/main" id="{51BB2CF8-DFCF-214B-BB0C-08604FD514B1}"/>
               </a:ext>
             </a:extLst>
           </p:cNvPr>
@@ -4675,7 +4662,7 @@
           <p:cNvPr id="54" name="Straight Arrow Connector 53">
             <a:extLst>
               <a:ext uri="{FF2B5EF4-FFF2-40B4-BE49-F238E27FC236}">
-                <a16:creationId xmlns:a16="http://schemas.microsoft.com/office/drawing/2014/main" xmlns="" id="{2CAA39AB-3959-E04A-84E4-AC17685C42BD}"/>
+                <a16:creationId xmlns:a16="http://schemas.microsoft.com/office/drawing/2014/main" id="{2CAA39AB-3959-E04A-84E4-AC17685C42BD}"/>
               </a:ext>
             </a:extLst>
           </p:cNvPr>
@@ -4718,7 +4705,7 @@
           <p:cNvPr id="9" name="Graphic 8" descr="Binoculars">
             <a:extLst>
               <a:ext uri="{FF2B5EF4-FFF2-40B4-BE49-F238E27FC236}">
-                <a16:creationId xmlns:a16="http://schemas.microsoft.com/office/drawing/2014/main" xmlns="" id="{0307FDB9-D726-D54A-8E96-5C778AD4B9A7}"/>
+                <a16:creationId xmlns:a16="http://schemas.microsoft.com/office/drawing/2014/main" id="{0307FDB9-D726-D54A-8E96-5C778AD4B9A7}"/>
               </a:ext>
             </a:extLst>
           </p:cNvPr>
@@ -4731,7 +4718,7 @@
           <a:blip r:embed="rId6">
             <a:extLst>
               <a:ext uri="{96DAC541-7B7A-43D3-8B79-37D633B846F1}">
-                <asvg:svgBlip xmlns:asvg="http://schemas.microsoft.com/office/drawing/2016/SVG/main" xmlns="" r:embed="rId7"/>
+                <asvg:svgBlip xmlns:asvg="http://schemas.microsoft.com/office/drawing/2016/SVG/main" r:embed="rId7"/>
               </a:ext>
             </a:extLst>
           </a:blip>
@@ -4754,7 +4741,7 @@
           <p:cNvPr id="11" name="Graphic 10" descr="Atom">
             <a:extLst>
               <a:ext uri="{FF2B5EF4-FFF2-40B4-BE49-F238E27FC236}">
-                <a16:creationId xmlns:a16="http://schemas.microsoft.com/office/drawing/2014/main" xmlns="" id="{803445ED-BA53-F447-93B7-06103930BE36}"/>
+                <a16:creationId xmlns:a16="http://schemas.microsoft.com/office/drawing/2014/main" id="{803445ED-BA53-F447-93B7-06103930BE36}"/>
               </a:ext>
             </a:extLst>
           </p:cNvPr>
@@ -4767,7 +4754,7 @@
           <a:blip r:embed="rId8">
             <a:extLst>
               <a:ext uri="{96DAC541-7B7A-43D3-8B79-37D633B846F1}">
-                <asvg:svgBlip xmlns:asvg="http://schemas.microsoft.com/office/drawing/2016/SVG/main" xmlns="" r:embed="rId9"/>
+                <asvg:svgBlip xmlns:asvg="http://schemas.microsoft.com/office/drawing/2016/SVG/main" r:embed="rId9"/>
               </a:ext>
             </a:extLst>
           </a:blip>
@@ -4790,7 +4777,7 @@
           <p:cNvPr id="14" name="Graphic 13" descr="HeadWithGears">
             <a:extLst>
               <a:ext uri="{FF2B5EF4-FFF2-40B4-BE49-F238E27FC236}">
-                <a16:creationId xmlns:a16="http://schemas.microsoft.com/office/drawing/2014/main" xmlns="" id="{F1734F00-B7B6-2042-904B-EB85E52832BE}"/>
+                <a16:creationId xmlns:a16="http://schemas.microsoft.com/office/drawing/2014/main" id="{F1734F00-B7B6-2042-904B-EB85E52832BE}"/>
               </a:ext>
             </a:extLst>
           </p:cNvPr>
@@ -4803,7 +4790,7 @@
           <a:blip r:embed="rId10">
             <a:extLst>
               <a:ext uri="{96DAC541-7B7A-43D3-8B79-37D633B846F1}">
-                <asvg:svgBlip xmlns:asvg="http://schemas.microsoft.com/office/drawing/2016/SVG/main" xmlns="" r:embed="rId11"/>
+                <asvg:svgBlip xmlns:asvg="http://schemas.microsoft.com/office/drawing/2016/SVG/main" r:embed="rId11"/>
               </a:ext>
             </a:extLst>
           </a:blip>
@@ -4902,7 +4889,7 @@
           <p:cNvPr id="3" name="Oval 2">
             <a:extLst>
               <a:ext uri="{FF2B5EF4-FFF2-40B4-BE49-F238E27FC236}">
-                <a16:creationId xmlns:a16="http://schemas.microsoft.com/office/drawing/2014/main" xmlns="" id="{B073BD9C-6BDA-C347-9C0E-31CB52DA42B6}"/>
+                <a16:creationId xmlns:a16="http://schemas.microsoft.com/office/drawing/2014/main" id="{B073BD9C-6BDA-C347-9C0E-31CB52DA42B6}"/>
               </a:ext>
             </a:extLst>
           </p:cNvPr>
@@ -4956,7 +4943,7 @@
           <p:cNvPr id="12" name="Picture 11">
             <a:extLst>
               <a:ext uri="{FF2B5EF4-FFF2-40B4-BE49-F238E27FC236}">
-                <a16:creationId xmlns:a16="http://schemas.microsoft.com/office/drawing/2014/main" xmlns="" id="{EAAF42C1-FAEB-4947-8DE4-2C0AD5593B99}"/>
+                <a16:creationId xmlns:a16="http://schemas.microsoft.com/office/drawing/2014/main" id="{EAAF42C1-FAEB-4947-8DE4-2C0AD5593B99}"/>
               </a:ext>
             </a:extLst>
           </p:cNvPr>
@@ -4986,7 +4973,7 @@
           <p:cNvPr id="19" name="Oval 18">
             <a:extLst>
               <a:ext uri="{FF2B5EF4-FFF2-40B4-BE49-F238E27FC236}">
-                <a16:creationId xmlns:a16="http://schemas.microsoft.com/office/drawing/2014/main" xmlns="" id="{B75FE795-2BFF-E54A-B090-C664817205DA}"/>
+                <a16:creationId xmlns:a16="http://schemas.microsoft.com/office/drawing/2014/main" id="{B75FE795-2BFF-E54A-B090-C664817205DA}"/>
               </a:ext>
             </a:extLst>
           </p:cNvPr>
@@ -5033,7 +5020,7 @@
           <p:cNvPr id="20" name="Oval 19">
             <a:extLst>
               <a:ext uri="{FF2B5EF4-FFF2-40B4-BE49-F238E27FC236}">
-                <a16:creationId xmlns:a16="http://schemas.microsoft.com/office/drawing/2014/main" xmlns="" id="{08F67ED2-E0EA-744D-A5C3-DFAF9C05EBB0}"/>
+                <a16:creationId xmlns:a16="http://schemas.microsoft.com/office/drawing/2014/main" id="{08F67ED2-E0EA-744D-A5C3-DFAF9C05EBB0}"/>
               </a:ext>
             </a:extLst>
           </p:cNvPr>
@@ -5080,7 +5067,7 @@
           <p:cNvPr id="38" name="Oval 37">
             <a:extLst>
               <a:ext uri="{FF2B5EF4-FFF2-40B4-BE49-F238E27FC236}">
-                <a16:creationId xmlns:a16="http://schemas.microsoft.com/office/drawing/2014/main" xmlns="" id="{D50BF41E-EF71-F94A-86B9-DF1B15F4B1FC}"/>
+                <a16:creationId xmlns:a16="http://schemas.microsoft.com/office/drawing/2014/main" id="{D50BF41E-EF71-F94A-86B9-DF1B15F4B1FC}"/>
               </a:ext>
             </a:extLst>
           </p:cNvPr>
@@ -5132,7 +5119,7 @@
           <p:cNvPr id="39" name="Picture 38">
             <a:extLst>
               <a:ext uri="{FF2B5EF4-FFF2-40B4-BE49-F238E27FC236}">
-                <a16:creationId xmlns:a16="http://schemas.microsoft.com/office/drawing/2014/main" xmlns="" id="{4E04806B-A48C-E042-86E9-CBD67367ED63}"/>
+                <a16:creationId xmlns:a16="http://schemas.microsoft.com/office/drawing/2014/main" id="{4E04806B-A48C-E042-86E9-CBD67367ED63}"/>
               </a:ext>
             </a:extLst>
           </p:cNvPr>
@@ -5168,7 +5155,7 @@
           <p:cNvPr id="40" name="Picture 39">
             <a:extLst>
               <a:ext uri="{FF2B5EF4-FFF2-40B4-BE49-F238E27FC236}">
-                <a16:creationId xmlns:a16="http://schemas.microsoft.com/office/drawing/2014/main" xmlns="" id="{4847759E-E771-9645-B94F-520F45A19480}"/>
+                <a16:creationId xmlns:a16="http://schemas.microsoft.com/office/drawing/2014/main" id="{4847759E-E771-9645-B94F-520F45A19480}"/>
               </a:ext>
             </a:extLst>
           </p:cNvPr>
@@ -5204,7 +5191,7 @@
           <p:cNvPr id="41" name="Picture 40">
             <a:extLst>
               <a:ext uri="{FF2B5EF4-FFF2-40B4-BE49-F238E27FC236}">
-                <a16:creationId xmlns:a16="http://schemas.microsoft.com/office/drawing/2014/main" xmlns="" id="{2A455A8A-721A-724A-99BC-08B770FA26C3}"/>
+                <a16:creationId xmlns:a16="http://schemas.microsoft.com/office/drawing/2014/main" id="{2A455A8A-721A-724A-99BC-08B770FA26C3}"/>
               </a:ext>
             </a:extLst>
           </p:cNvPr>
@@ -5240,7 +5227,7 @@
           <p:cNvPr id="42" name="TextBox 41">
             <a:extLst>
               <a:ext uri="{FF2B5EF4-FFF2-40B4-BE49-F238E27FC236}">
-                <a16:creationId xmlns:a16="http://schemas.microsoft.com/office/drawing/2014/main" xmlns="" id="{5AFBB60A-07C7-F641-A967-1FE814B00E94}"/>
+                <a16:creationId xmlns:a16="http://schemas.microsoft.com/office/drawing/2014/main" id="{5AFBB60A-07C7-F641-A967-1FE814B00E94}"/>
               </a:ext>
             </a:extLst>
           </p:cNvPr>
@@ -5275,7 +5262,7 @@
           <p:cNvPr id="43" name="TextBox 42">
             <a:extLst>
               <a:ext uri="{FF2B5EF4-FFF2-40B4-BE49-F238E27FC236}">
-                <a16:creationId xmlns:a16="http://schemas.microsoft.com/office/drawing/2014/main" xmlns="" id="{B465CC4F-702C-EB40-92B3-EBCC290A1759}"/>
+                <a16:creationId xmlns:a16="http://schemas.microsoft.com/office/drawing/2014/main" id="{B465CC4F-702C-EB40-92B3-EBCC290A1759}"/>
               </a:ext>
             </a:extLst>
           </p:cNvPr>
@@ -5310,7 +5297,7 @@
           <p:cNvPr id="44" name="TextBox 43">
             <a:extLst>
               <a:ext uri="{FF2B5EF4-FFF2-40B4-BE49-F238E27FC236}">
-                <a16:creationId xmlns:a16="http://schemas.microsoft.com/office/drawing/2014/main" xmlns="" id="{A3B6CEB5-3318-0A4D-AE9B-6A3FF7400028}"/>
+                <a16:creationId xmlns:a16="http://schemas.microsoft.com/office/drawing/2014/main" id="{A3B6CEB5-3318-0A4D-AE9B-6A3FF7400028}"/>
               </a:ext>
             </a:extLst>
           </p:cNvPr>
@@ -5345,7 +5332,7 @@
           <p:cNvPr id="45" name="Rectangle 44">
             <a:extLst>
               <a:ext uri="{FF2B5EF4-FFF2-40B4-BE49-F238E27FC236}">
-                <a16:creationId xmlns:a16="http://schemas.microsoft.com/office/drawing/2014/main" xmlns="" id="{D5D71723-DB53-C14A-98F5-82DB7A5DC130}"/>
+                <a16:creationId xmlns:a16="http://schemas.microsoft.com/office/drawing/2014/main" id="{D5D71723-DB53-C14A-98F5-82DB7A5DC130}"/>
               </a:ext>
             </a:extLst>
           </p:cNvPr>
@@ -5391,7 +5378,7 @@
           <p:cNvPr id="46" name="Rectangle 45">
             <a:extLst>
               <a:ext uri="{FF2B5EF4-FFF2-40B4-BE49-F238E27FC236}">
-                <a16:creationId xmlns:a16="http://schemas.microsoft.com/office/drawing/2014/main" xmlns="" id="{D26023F7-2B1D-7F47-BD38-851577017CEC}"/>
+                <a16:creationId xmlns:a16="http://schemas.microsoft.com/office/drawing/2014/main" id="{D26023F7-2B1D-7F47-BD38-851577017CEC}"/>
               </a:ext>
             </a:extLst>
           </p:cNvPr>
@@ -5437,7 +5424,7 @@
           <p:cNvPr id="47" name="Rectangle 46">
             <a:extLst>
               <a:ext uri="{FF2B5EF4-FFF2-40B4-BE49-F238E27FC236}">
-                <a16:creationId xmlns:a16="http://schemas.microsoft.com/office/drawing/2014/main" xmlns="" id="{AEC291F5-1339-3B45-8B0E-EF0C8F34F61E}"/>
+                <a16:creationId xmlns:a16="http://schemas.microsoft.com/office/drawing/2014/main" id="{AEC291F5-1339-3B45-8B0E-EF0C8F34F61E}"/>
               </a:ext>
             </a:extLst>
           </p:cNvPr>
@@ -5483,7 +5470,7 @@
           <p:cNvPr id="49" name="Straight Arrow Connector 48">
             <a:extLst>
               <a:ext uri="{FF2B5EF4-FFF2-40B4-BE49-F238E27FC236}">
-                <a16:creationId xmlns:a16="http://schemas.microsoft.com/office/drawing/2014/main" xmlns="" id="{8CC7D7B6-9487-0D41-8A89-1B4330C9AEA3}"/>
+                <a16:creationId xmlns:a16="http://schemas.microsoft.com/office/drawing/2014/main" id="{8CC7D7B6-9487-0D41-8A89-1B4330C9AEA3}"/>
               </a:ext>
             </a:extLst>
           </p:cNvPr>
@@ -5526,7 +5513,7 @@
           <p:cNvPr id="51" name="Straight Arrow Connector 50">
             <a:extLst>
               <a:ext uri="{FF2B5EF4-FFF2-40B4-BE49-F238E27FC236}">
-                <a16:creationId xmlns:a16="http://schemas.microsoft.com/office/drawing/2014/main" xmlns="" id="{51BB2CF8-DFCF-214B-BB0C-08604FD514B1}"/>
+                <a16:creationId xmlns:a16="http://schemas.microsoft.com/office/drawing/2014/main" id="{51BB2CF8-DFCF-214B-BB0C-08604FD514B1}"/>
               </a:ext>
             </a:extLst>
           </p:cNvPr>
@@ -5569,7 +5556,7 @@
           <p:cNvPr id="54" name="Straight Arrow Connector 53">
             <a:extLst>
               <a:ext uri="{FF2B5EF4-FFF2-40B4-BE49-F238E27FC236}">
-                <a16:creationId xmlns:a16="http://schemas.microsoft.com/office/drawing/2014/main" xmlns="" id="{2CAA39AB-3959-E04A-84E4-AC17685C42BD}"/>
+                <a16:creationId xmlns:a16="http://schemas.microsoft.com/office/drawing/2014/main" id="{2CAA39AB-3959-E04A-84E4-AC17685C42BD}"/>
               </a:ext>
             </a:extLst>
           </p:cNvPr>
@@ -5612,7 +5599,7 @@
           <p:cNvPr id="9" name="Graphic 8" descr="Binoculars">
             <a:extLst>
               <a:ext uri="{FF2B5EF4-FFF2-40B4-BE49-F238E27FC236}">
-                <a16:creationId xmlns:a16="http://schemas.microsoft.com/office/drawing/2014/main" xmlns="" id="{0307FDB9-D726-D54A-8E96-5C778AD4B9A7}"/>
+                <a16:creationId xmlns:a16="http://schemas.microsoft.com/office/drawing/2014/main" id="{0307FDB9-D726-D54A-8E96-5C778AD4B9A7}"/>
               </a:ext>
             </a:extLst>
           </p:cNvPr>
@@ -5625,7 +5612,7 @@
           <a:blip r:embed="rId7">
             <a:extLst>
               <a:ext uri="{96DAC541-7B7A-43D3-8B79-37D633B846F1}">
-                <asvg:svgBlip xmlns:asvg="http://schemas.microsoft.com/office/drawing/2016/SVG/main" xmlns="" r:embed="rId8"/>
+                <asvg:svgBlip xmlns:asvg="http://schemas.microsoft.com/office/drawing/2016/SVG/main" r:embed="rId8"/>
               </a:ext>
             </a:extLst>
           </a:blip>
@@ -5648,7 +5635,7 @@
           <p:cNvPr id="11" name="Graphic 10" descr="Atom">
             <a:extLst>
               <a:ext uri="{FF2B5EF4-FFF2-40B4-BE49-F238E27FC236}">
-                <a16:creationId xmlns:a16="http://schemas.microsoft.com/office/drawing/2014/main" xmlns="" id="{803445ED-BA53-F447-93B7-06103930BE36}"/>
+                <a16:creationId xmlns:a16="http://schemas.microsoft.com/office/drawing/2014/main" id="{803445ED-BA53-F447-93B7-06103930BE36}"/>
               </a:ext>
             </a:extLst>
           </p:cNvPr>
@@ -5661,7 +5648,7 @@
           <a:blip r:embed="rId9">
             <a:extLst>
               <a:ext uri="{96DAC541-7B7A-43D3-8B79-37D633B846F1}">
-                <asvg:svgBlip xmlns:asvg="http://schemas.microsoft.com/office/drawing/2016/SVG/main" xmlns="" r:embed="rId10"/>
+                <asvg:svgBlip xmlns:asvg="http://schemas.microsoft.com/office/drawing/2016/SVG/main" r:embed="rId10"/>
               </a:ext>
             </a:extLst>
           </a:blip>
@@ -5684,7 +5671,7 @@
           <p:cNvPr id="14" name="Graphic 13" descr="HeadWithGears">
             <a:extLst>
               <a:ext uri="{FF2B5EF4-FFF2-40B4-BE49-F238E27FC236}">
-                <a16:creationId xmlns:a16="http://schemas.microsoft.com/office/drawing/2014/main" xmlns="" id="{F1734F00-B7B6-2042-904B-EB85E52832BE}"/>
+                <a16:creationId xmlns:a16="http://schemas.microsoft.com/office/drawing/2014/main" id="{F1734F00-B7B6-2042-904B-EB85E52832BE}"/>
               </a:ext>
             </a:extLst>
           </p:cNvPr>
@@ -5697,7 +5684,7 @@
           <a:blip r:embed="rId11">
             <a:extLst>
               <a:ext uri="{96DAC541-7B7A-43D3-8B79-37D633B846F1}">
-                <asvg:svgBlip xmlns:asvg="http://schemas.microsoft.com/office/drawing/2016/SVG/main" xmlns="" r:embed="rId12"/>
+                <asvg:svgBlip xmlns:asvg="http://schemas.microsoft.com/office/drawing/2016/SVG/main" r:embed="rId12"/>
               </a:ext>
             </a:extLst>
           </a:blip>
@@ -5796,7 +5783,7 @@
           <p:cNvPr id="3" name="Oval 2">
             <a:extLst>
               <a:ext uri="{FF2B5EF4-FFF2-40B4-BE49-F238E27FC236}">
-                <a16:creationId xmlns:a16="http://schemas.microsoft.com/office/drawing/2014/main" xmlns="" id="{B073BD9C-6BDA-C347-9C0E-31CB52DA42B6}"/>
+                <a16:creationId xmlns:a16="http://schemas.microsoft.com/office/drawing/2014/main" id="{B073BD9C-6BDA-C347-9C0E-31CB52DA42B6}"/>
               </a:ext>
             </a:extLst>
           </p:cNvPr>
@@ -5850,7 +5837,7 @@
           <p:cNvPr id="12" name="Picture 11">
             <a:extLst>
               <a:ext uri="{FF2B5EF4-FFF2-40B4-BE49-F238E27FC236}">
-                <a16:creationId xmlns:a16="http://schemas.microsoft.com/office/drawing/2014/main" xmlns="" id="{EAAF42C1-FAEB-4947-8DE4-2C0AD5593B99}"/>
+                <a16:creationId xmlns:a16="http://schemas.microsoft.com/office/drawing/2014/main" id="{EAAF42C1-FAEB-4947-8DE4-2C0AD5593B99}"/>
               </a:ext>
             </a:extLst>
           </p:cNvPr>
@@ -5880,7 +5867,7 @@
           <p:cNvPr id="19" name="Oval 18">
             <a:extLst>
               <a:ext uri="{FF2B5EF4-FFF2-40B4-BE49-F238E27FC236}">
-                <a16:creationId xmlns:a16="http://schemas.microsoft.com/office/drawing/2014/main" xmlns="" id="{B75FE795-2BFF-E54A-B090-C664817205DA}"/>
+                <a16:creationId xmlns:a16="http://schemas.microsoft.com/office/drawing/2014/main" id="{B75FE795-2BFF-E54A-B090-C664817205DA}"/>
               </a:ext>
             </a:extLst>
           </p:cNvPr>
@@ -5927,7 +5914,7 @@
           <p:cNvPr id="20" name="Oval 19">
             <a:extLst>
               <a:ext uri="{FF2B5EF4-FFF2-40B4-BE49-F238E27FC236}">
-                <a16:creationId xmlns:a16="http://schemas.microsoft.com/office/drawing/2014/main" xmlns="" id="{08F67ED2-E0EA-744D-A5C3-DFAF9C05EBB0}"/>
+                <a16:creationId xmlns:a16="http://schemas.microsoft.com/office/drawing/2014/main" id="{08F67ED2-E0EA-744D-A5C3-DFAF9C05EBB0}"/>
               </a:ext>
             </a:extLst>
           </p:cNvPr>
@@ -5974,7 +5961,7 @@
           <p:cNvPr id="35" name="Picture 34">
             <a:extLst>
               <a:ext uri="{FF2B5EF4-FFF2-40B4-BE49-F238E27FC236}">
-                <a16:creationId xmlns:a16="http://schemas.microsoft.com/office/drawing/2014/main" xmlns="" id="{2E698A0B-399F-4D4C-B908-B836437D1CA1}"/>
+                <a16:creationId xmlns:a16="http://schemas.microsoft.com/office/drawing/2014/main" id="{2E698A0B-399F-4D4C-B908-B836437D1CA1}"/>
               </a:ext>
             </a:extLst>
           </p:cNvPr>
@@ -6004,7 +5991,7 @@
           <p:cNvPr id="38" name="Oval 37">
             <a:extLst>
               <a:ext uri="{FF2B5EF4-FFF2-40B4-BE49-F238E27FC236}">
-                <a16:creationId xmlns:a16="http://schemas.microsoft.com/office/drawing/2014/main" xmlns="" id="{D50BF41E-EF71-F94A-86B9-DF1B15F4B1FC}"/>
+                <a16:creationId xmlns:a16="http://schemas.microsoft.com/office/drawing/2014/main" id="{D50BF41E-EF71-F94A-86B9-DF1B15F4B1FC}"/>
               </a:ext>
             </a:extLst>
           </p:cNvPr>
@@ -6056,7 +6043,7 @@
           <p:cNvPr id="39" name="Picture 38">
             <a:extLst>
               <a:ext uri="{FF2B5EF4-FFF2-40B4-BE49-F238E27FC236}">
-                <a16:creationId xmlns:a16="http://schemas.microsoft.com/office/drawing/2014/main" xmlns="" id="{4E04806B-A48C-E042-86E9-CBD67367ED63}"/>
+                <a16:creationId xmlns:a16="http://schemas.microsoft.com/office/drawing/2014/main" id="{4E04806B-A48C-E042-86E9-CBD67367ED63}"/>
               </a:ext>
             </a:extLst>
           </p:cNvPr>
@@ -6092,7 +6079,7 @@
           <p:cNvPr id="40" name="Picture 39">
             <a:extLst>
               <a:ext uri="{FF2B5EF4-FFF2-40B4-BE49-F238E27FC236}">
-                <a16:creationId xmlns:a16="http://schemas.microsoft.com/office/drawing/2014/main" xmlns="" id="{4847759E-E771-9645-B94F-520F45A19480}"/>
+                <a16:creationId xmlns:a16="http://schemas.microsoft.com/office/drawing/2014/main" id="{4847759E-E771-9645-B94F-520F45A19480}"/>
               </a:ext>
             </a:extLst>
           </p:cNvPr>
@@ -6128,7 +6115,7 @@
           <p:cNvPr id="41" name="Picture 40">
             <a:extLst>
               <a:ext uri="{FF2B5EF4-FFF2-40B4-BE49-F238E27FC236}">
-                <a16:creationId xmlns:a16="http://schemas.microsoft.com/office/drawing/2014/main" xmlns="" id="{2A455A8A-721A-724A-99BC-08B770FA26C3}"/>
+                <a16:creationId xmlns:a16="http://schemas.microsoft.com/office/drawing/2014/main" id="{2A455A8A-721A-724A-99BC-08B770FA26C3}"/>
               </a:ext>
             </a:extLst>
           </p:cNvPr>
@@ -6164,7 +6151,7 @@
           <p:cNvPr id="42" name="TextBox 41">
             <a:extLst>
               <a:ext uri="{FF2B5EF4-FFF2-40B4-BE49-F238E27FC236}">
-                <a16:creationId xmlns:a16="http://schemas.microsoft.com/office/drawing/2014/main" xmlns="" id="{5AFBB60A-07C7-F641-A967-1FE814B00E94}"/>
+                <a16:creationId xmlns:a16="http://schemas.microsoft.com/office/drawing/2014/main" id="{5AFBB60A-07C7-F641-A967-1FE814B00E94}"/>
               </a:ext>
             </a:extLst>
           </p:cNvPr>
@@ -6199,7 +6186,7 @@
           <p:cNvPr id="43" name="TextBox 42">
             <a:extLst>
               <a:ext uri="{FF2B5EF4-FFF2-40B4-BE49-F238E27FC236}">
-                <a16:creationId xmlns:a16="http://schemas.microsoft.com/office/drawing/2014/main" xmlns="" id="{B465CC4F-702C-EB40-92B3-EBCC290A1759}"/>
+                <a16:creationId xmlns:a16="http://schemas.microsoft.com/office/drawing/2014/main" id="{B465CC4F-702C-EB40-92B3-EBCC290A1759}"/>
               </a:ext>
             </a:extLst>
           </p:cNvPr>
@@ -6234,7 +6221,7 @@
           <p:cNvPr id="44" name="TextBox 43">
             <a:extLst>
               <a:ext uri="{FF2B5EF4-FFF2-40B4-BE49-F238E27FC236}">
-                <a16:creationId xmlns:a16="http://schemas.microsoft.com/office/drawing/2014/main" xmlns="" id="{A3B6CEB5-3318-0A4D-AE9B-6A3FF7400028}"/>
+                <a16:creationId xmlns:a16="http://schemas.microsoft.com/office/drawing/2014/main" id="{A3B6CEB5-3318-0A4D-AE9B-6A3FF7400028}"/>
               </a:ext>
             </a:extLst>
           </p:cNvPr>
@@ -6269,7 +6256,7 @@
           <p:cNvPr id="45" name="Rectangle 44">
             <a:extLst>
               <a:ext uri="{FF2B5EF4-FFF2-40B4-BE49-F238E27FC236}">
-                <a16:creationId xmlns:a16="http://schemas.microsoft.com/office/drawing/2014/main" xmlns="" id="{D5D71723-DB53-C14A-98F5-82DB7A5DC130}"/>
+                <a16:creationId xmlns:a16="http://schemas.microsoft.com/office/drawing/2014/main" id="{D5D71723-DB53-C14A-98F5-82DB7A5DC130}"/>
               </a:ext>
             </a:extLst>
           </p:cNvPr>
@@ -6315,7 +6302,7 @@
           <p:cNvPr id="46" name="Rectangle 45">
             <a:extLst>
               <a:ext uri="{FF2B5EF4-FFF2-40B4-BE49-F238E27FC236}">
-                <a16:creationId xmlns:a16="http://schemas.microsoft.com/office/drawing/2014/main" xmlns="" id="{D26023F7-2B1D-7F47-BD38-851577017CEC}"/>
+                <a16:creationId xmlns:a16="http://schemas.microsoft.com/office/drawing/2014/main" id="{D26023F7-2B1D-7F47-BD38-851577017CEC}"/>
               </a:ext>
             </a:extLst>
           </p:cNvPr>
@@ -6361,7 +6348,7 @@
           <p:cNvPr id="47" name="Rectangle 46">
             <a:extLst>
               <a:ext uri="{FF2B5EF4-FFF2-40B4-BE49-F238E27FC236}">
-                <a16:creationId xmlns:a16="http://schemas.microsoft.com/office/drawing/2014/main" xmlns="" id="{AEC291F5-1339-3B45-8B0E-EF0C8F34F61E}"/>
+                <a16:creationId xmlns:a16="http://schemas.microsoft.com/office/drawing/2014/main" id="{AEC291F5-1339-3B45-8B0E-EF0C8F34F61E}"/>
               </a:ext>
             </a:extLst>
           </p:cNvPr>
@@ -6407,7 +6394,7 @@
           <p:cNvPr id="49" name="Straight Arrow Connector 48">
             <a:extLst>
               <a:ext uri="{FF2B5EF4-FFF2-40B4-BE49-F238E27FC236}">
-                <a16:creationId xmlns:a16="http://schemas.microsoft.com/office/drawing/2014/main" xmlns="" id="{8CC7D7B6-9487-0D41-8A89-1B4330C9AEA3}"/>
+                <a16:creationId xmlns:a16="http://schemas.microsoft.com/office/drawing/2014/main" id="{8CC7D7B6-9487-0D41-8A89-1B4330C9AEA3}"/>
               </a:ext>
             </a:extLst>
           </p:cNvPr>
@@ -6450,7 +6437,7 @@
           <p:cNvPr id="51" name="Straight Arrow Connector 50">
             <a:extLst>
               <a:ext uri="{FF2B5EF4-FFF2-40B4-BE49-F238E27FC236}">
-                <a16:creationId xmlns:a16="http://schemas.microsoft.com/office/drawing/2014/main" xmlns="" id="{51BB2CF8-DFCF-214B-BB0C-08604FD514B1}"/>
+                <a16:creationId xmlns:a16="http://schemas.microsoft.com/office/drawing/2014/main" id="{51BB2CF8-DFCF-214B-BB0C-08604FD514B1}"/>
               </a:ext>
             </a:extLst>
           </p:cNvPr>
@@ -6493,7 +6480,7 @@
           <p:cNvPr id="54" name="Straight Arrow Connector 53">
             <a:extLst>
               <a:ext uri="{FF2B5EF4-FFF2-40B4-BE49-F238E27FC236}">
-                <a16:creationId xmlns:a16="http://schemas.microsoft.com/office/drawing/2014/main" xmlns="" id="{2CAA39AB-3959-E04A-84E4-AC17685C42BD}"/>
+                <a16:creationId xmlns:a16="http://schemas.microsoft.com/office/drawing/2014/main" id="{2CAA39AB-3959-E04A-84E4-AC17685C42BD}"/>
               </a:ext>
             </a:extLst>
           </p:cNvPr>
@@ -6536,7 +6523,7 @@
           <p:cNvPr id="5" name="TextBox 4">
             <a:extLst>
               <a:ext uri="{FF2B5EF4-FFF2-40B4-BE49-F238E27FC236}">
-                <a16:creationId xmlns:a16="http://schemas.microsoft.com/office/drawing/2014/main" xmlns="" id="{D5DFEE21-A2C1-A443-967F-7D6E9C2A0A58}"/>
+                <a16:creationId xmlns:a16="http://schemas.microsoft.com/office/drawing/2014/main" id="{D5DFEE21-A2C1-A443-967F-7D6E9C2A0A58}"/>
               </a:ext>
             </a:extLst>
           </p:cNvPr>
@@ -6571,7 +6558,7 @@
           <p:cNvPr id="25" name="TextBox 24">
             <a:extLst>
               <a:ext uri="{FF2B5EF4-FFF2-40B4-BE49-F238E27FC236}">
-                <a16:creationId xmlns:a16="http://schemas.microsoft.com/office/drawing/2014/main" xmlns="" id="{4EB2492B-E995-A84D-840C-031180384FE6}"/>
+                <a16:creationId xmlns:a16="http://schemas.microsoft.com/office/drawing/2014/main" id="{4EB2492B-E995-A84D-840C-031180384FE6}"/>
               </a:ext>
             </a:extLst>
           </p:cNvPr>
@@ -6606,7 +6593,7 @@
           <p:cNvPr id="26" name="TextBox 25">
             <a:extLst>
               <a:ext uri="{FF2B5EF4-FFF2-40B4-BE49-F238E27FC236}">
-                <a16:creationId xmlns:a16="http://schemas.microsoft.com/office/drawing/2014/main" xmlns="" id="{3C588F17-12CD-9841-B51E-AA162FC60453}"/>
+                <a16:creationId xmlns:a16="http://schemas.microsoft.com/office/drawing/2014/main" id="{3C588F17-12CD-9841-B51E-AA162FC60453}"/>
               </a:ext>
             </a:extLst>
           </p:cNvPr>
@@ -6641,7 +6628,7 @@
           <p:cNvPr id="27" name="TextBox 26">
             <a:extLst>
               <a:ext uri="{FF2B5EF4-FFF2-40B4-BE49-F238E27FC236}">
-                <a16:creationId xmlns:a16="http://schemas.microsoft.com/office/drawing/2014/main" xmlns="" id="{86790816-24AF-3A45-A9F0-34067721F6C1}"/>
+                <a16:creationId xmlns:a16="http://schemas.microsoft.com/office/drawing/2014/main" id="{86790816-24AF-3A45-A9F0-34067721F6C1}"/>
               </a:ext>
             </a:extLst>
           </p:cNvPr>
@@ -6676,7 +6663,7 @@
           <p:cNvPr id="28" name="TextBox 27">
             <a:extLst>
               <a:ext uri="{FF2B5EF4-FFF2-40B4-BE49-F238E27FC236}">
-                <a16:creationId xmlns:a16="http://schemas.microsoft.com/office/drawing/2014/main" xmlns="" id="{E33AF501-099A-D740-AE03-8C24A738040D}"/>
+                <a16:creationId xmlns:a16="http://schemas.microsoft.com/office/drawing/2014/main" id="{E33AF501-099A-D740-AE03-8C24A738040D}"/>
               </a:ext>
             </a:extLst>
           </p:cNvPr>
@@ -6711,7 +6698,7 @@
           <p:cNvPr id="29" name="TextBox 28">
             <a:extLst>
               <a:ext uri="{FF2B5EF4-FFF2-40B4-BE49-F238E27FC236}">
-                <a16:creationId xmlns:a16="http://schemas.microsoft.com/office/drawing/2014/main" xmlns="" id="{3F6E636C-07EE-1F43-94AD-3ED8A6AB91CA}"/>
+                <a16:creationId xmlns:a16="http://schemas.microsoft.com/office/drawing/2014/main" id="{3F6E636C-07EE-1F43-94AD-3ED8A6AB91CA}"/>
               </a:ext>
             </a:extLst>
           </p:cNvPr>
@@ -6746,7 +6733,7 @@
           <p:cNvPr id="30" name="TextBox 29">
             <a:extLst>
               <a:ext uri="{FF2B5EF4-FFF2-40B4-BE49-F238E27FC236}">
-                <a16:creationId xmlns:a16="http://schemas.microsoft.com/office/drawing/2014/main" xmlns="" id="{0EE8BA27-FD6A-6C47-89E6-CB1805217D5F}"/>
+                <a16:creationId xmlns:a16="http://schemas.microsoft.com/office/drawing/2014/main" id="{0EE8BA27-FD6A-6C47-89E6-CB1805217D5F}"/>
               </a:ext>
             </a:extLst>
           </p:cNvPr>
@@ -6781,7 +6768,7 @@
           <p:cNvPr id="9" name="Graphic 8" descr="Binoculars">
             <a:extLst>
               <a:ext uri="{FF2B5EF4-FFF2-40B4-BE49-F238E27FC236}">
-                <a16:creationId xmlns:a16="http://schemas.microsoft.com/office/drawing/2014/main" xmlns="" id="{0307FDB9-D726-D54A-8E96-5C778AD4B9A7}"/>
+                <a16:creationId xmlns:a16="http://schemas.microsoft.com/office/drawing/2014/main" id="{0307FDB9-D726-D54A-8E96-5C778AD4B9A7}"/>
               </a:ext>
             </a:extLst>
           </p:cNvPr>
@@ -6794,7 +6781,7 @@
           <a:blip r:embed="rId7">
             <a:extLst>
               <a:ext uri="{96DAC541-7B7A-43D3-8B79-37D633B846F1}">
-                <asvg:svgBlip xmlns:asvg="http://schemas.microsoft.com/office/drawing/2016/SVG/main" xmlns="" r:embed="rId8"/>
+                <asvg:svgBlip xmlns:asvg="http://schemas.microsoft.com/office/drawing/2016/SVG/main" r:embed="rId8"/>
               </a:ext>
             </a:extLst>
           </a:blip>
@@ -6817,7 +6804,7 @@
           <p:cNvPr id="11" name="Graphic 10" descr="Atom">
             <a:extLst>
               <a:ext uri="{FF2B5EF4-FFF2-40B4-BE49-F238E27FC236}">
-                <a16:creationId xmlns:a16="http://schemas.microsoft.com/office/drawing/2014/main" xmlns="" id="{803445ED-BA53-F447-93B7-06103930BE36}"/>
+                <a16:creationId xmlns:a16="http://schemas.microsoft.com/office/drawing/2014/main" id="{803445ED-BA53-F447-93B7-06103930BE36}"/>
               </a:ext>
             </a:extLst>
           </p:cNvPr>
@@ -6830,7 +6817,7 @@
           <a:blip r:embed="rId9">
             <a:extLst>
               <a:ext uri="{96DAC541-7B7A-43D3-8B79-37D633B846F1}">
-                <asvg:svgBlip xmlns:asvg="http://schemas.microsoft.com/office/drawing/2016/SVG/main" xmlns="" r:embed="rId10"/>
+                <asvg:svgBlip xmlns:asvg="http://schemas.microsoft.com/office/drawing/2016/SVG/main" r:embed="rId10"/>
               </a:ext>
             </a:extLst>
           </a:blip>
@@ -6853,7 +6840,7 @@
           <p:cNvPr id="14" name="Graphic 13" descr="HeadWithGears">
             <a:extLst>
               <a:ext uri="{FF2B5EF4-FFF2-40B4-BE49-F238E27FC236}">
-                <a16:creationId xmlns:a16="http://schemas.microsoft.com/office/drawing/2014/main" xmlns="" id="{F1734F00-B7B6-2042-904B-EB85E52832BE}"/>
+                <a16:creationId xmlns:a16="http://schemas.microsoft.com/office/drawing/2014/main" id="{F1734F00-B7B6-2042-904B-EB85E52832BE}"/>
               </a:ext>
             </a:extLst>
           </p:cNvPr>
@@ -6866,7 +6853,7 @@
           <a:blip r:embed="rId11">
             <a:extLst>
               <a:ext uri="{96DAC541-7B7A-43D3-8B79-37D633B846F1}">
-                <asvg:svgBlip xmlns:asvg="http://schemas.microsoft.com/office/drawing/2016/SVG/main" xmlns="" r:embed="rId12"/>
+                <asvg:svgBlip xmlns:asvg="http://schemas.microsoft.com/office/drawing/2016/SVG/main" r:embed="rId12"/>
               </a:ext>
             </a:extLst>
           </a:blip>
@@ -6965,7 +6952,7 @@
           <p:cNvPr id="3" name="Oval 2">
             <a:extLst>
               <a:ext uri="{FF2B5EF4-FFF2-40B4-BE49-F238E27FC236}">
-                <a16:creationId xmlns:a16="http://schemas.microsoft.com/office/drawing/2014/main" xmlns="" id="{B073BD9C-6BDA-C347-9C0E-31CB52DA42B6}"/>
+                <a16:creationId xmlns:a16="http://schemas.microsoft.com/office/drawing/2014/main" id="{B073BD9C-6BDA-C347-9C0E-31CB52DA42B6}"/>
               </a:ext>
             </a:extLst>
           </p:cNvPr>
@@ -7019,7 +7006,7 @@
           <p:cNvPr id="12" name="Picture 11">
             <a:extLst>
               <a:ext uri="{FF2B5EF4-FFF2-40B4-BE49-F238E27FC236}">
-                <a16:creationId xmlns:a16="http://schemas.microsoft.com/office/drawing/2014/main" xmlns="" id="{EAAF42C1-FAEB-4947-8DE4-2C0AD5593B99}"/>
+                <a16:creationId xmlns:a16="http://schemas.microsoft.com/office/drawing/2014/main" id="{EAAF42C1-FAEB-4947-8DE4-2C0AD5593B99}"/>
               </a:ext>
             </a:extLst>
           </p:cNvPr>
@@ -7049,7 +7036,7 @@
           <p:cNvPr id="19" name="Oval 18">
             <a:extLst>
               <a:ext uri="{FF2B5EF4-FFF2-40B4-BE49-F238E27FC236}">
-                <a16:creationId xmlns:a16="http://schemas.microsoft.com/office/drawing/2014/main" xmlns="" id="{B75FE795-2BFF-E54A-B090-C664817205DA}"/>
+                <a16:creationId xmlns:a16="http://schemas.microsoft.com/office/drawing/2014/main" id="{B75FE795-2BFF-E54A-B090-C664817205DA}"/>
               </a:ext>
             </a:extLst>
           </p:cNvPr>
@@ -7096,7 +7083,7 @@
           <p:cNvPr id="20" name="Oval 19">
             <a:extLst>
               <a:ext uri="{FF2B5EF4-FFF2-40B4-BE49-F238E27FC236}">
-                <a16:creationId xmlns:a16="http://schemas.microsoft.com/office/drawing/2014/main" xmlns="" id="{08F67ED2-E0EA-744D-A5C3-DFAF9C05EBB0}"/>
+                <a16:creationId xmlns:a16="http://schemas.microsoft.com/office/drawing/2014/main" id="{08F67ED2-E0EA-744D-A5C3-DFAF9C05EBB0}"/>
               </a:ext>
             </a:extLst>
           </p:cNvPr>
@@ -7143,7 +7130,7 @@
           <p:cNvPr id="35" name="Picture 34">
             <a:extLst>
               <a:ext uri="{FF2B5EF4-FFF2-40B4-BE49-F238E27FC236}">
-                <a16:creationId xmlns:a16="http://schemas.microsoft.com/office/drawing/2014/main" xmlns="" id="{2E698A0B-399F-4D4C-B908-B836437D1CA1}"/>
+                <a16:creationId xmlns:a16="http://schemas.microsoft.com/office/drawing/2014/main" id="{2E698A0B-399F-4D4C-B908-B836437D1CA1}"/>
               </a:ext>
             </a:extLst>
           </p:cNvPr>
@@ -7173,7 +7160,7 @@
           <p:cNvPr id="38" name="Oval 37">
             <a:extLst>
               <a:ext uri="{FF2B5EF4-FFF2-40B4-BE49-F238E27FC236}">
-                <a16:creationId xmlns:a16="http://schemas.microsoft.com/office/drawing/2014/main" xmlns="" id="{D50BF41E-EF71-F94A-86B9-DF1B15F4B1FC}"/>
+                <a16:creationId xmlns:a16="http://schemas.microsoft.com/office/drawing/2014/main" id="{D50BF41E-EF71-F94A-86B9-DF1B15F4B1FC}"/>
               </a:ext>
             </a:extLst>
           </p:cNvPr>
@@ -7225,7 +7212,7 @@
           <p:cNvPr id="39" name="Picture 38">
             <a:extLst>
               <a:ext uri="{FF2B5EF4-FFF2-40B4-BE49-F238E27FC236}">
-                <a16:creationId xmlns:a16="http://schemas.microsoft.com/office/drawing/2014/main" xmlns="" id="{4E04806B-A48C-E042-86E9-CBD67367ED63}"/>
+                <a16:creationId xmlns:a16="http://schemas.microsoft.com/office/drawing/2014/main" id="{4E04806B-A48C-E042-86E9-CBD67367ED63}"/>
               </a:ext>
             </a:extLst>
           </p:cNvPr>
@@ -7261,7 +7248,7 @@
           <p:cNvPr id="40" name="Picture 39">
             <a:extLst>
               <a:ext uri="{FF2B5EF4-FFF2-40B4-BE49-F238E27FC236}">
-                <a16:creationId xmlns:a16="http://schemas.microsoft.com/office/drawing/2014/main" xmlns="" id="{4847759E-E771-9645-B94F-520F45A19480}"/>
+                <a16:creationId xmlns:a16="http://schemas.microsoft.com/office/drawing/2014/main" id="{4847759E-E771-9645-B94F-520F45A19480}"/>
               </a:ext>
             </a:extLst>
           </p:cNvPr>
@@ -7297,7 +7284,7 @@
           <p:cNvPr id="41" name="Picture 40">
             <a:extLst>
               <a:ext uri="{FF2B5EF4-FFF2-40B4-BE49-F238E27FC236}">
-                <a16:creationId xmlns:a16="http://schemas.microsoft.com/office/drawing/2014/main" xmlns="" id="{2A455A8A-721A-724A-99BC-08B770FA26C3}"/>
+                <a16:creationId xmlns:a16="http://schemas.microsoft.com/office/drawing/2014/main" id="{2A455A8A-721A-724A-99BC-08B770FA26C3}"/>
               </a:ext>
             </a:extLst>
           </p:cNvPr>
@@ -7333,7 +7320,7 @@
           <p:cNvPr id="42" name="TextBox 41">
             <a:extLst>
               <a:ext uri="{FF2B5EF4-FFF2-40B4-BE49-F238E27FC236}">
-                <a16:creationId xmlns:a16="http://schemas.microsoft.com/office/drawing/2014/main" xmlns="" id="{5AFBB60A-07C7-F641-A967-1FE814B00E94}"/>
+                <a16:creationId xmlns:a16="http://schemas.microsoft.com/office/drawing/2014/main" id="{5AFBB60A-07C7-F641-A967-1FE814B00E94}"/>
               </a:ext>
             </a:extLst>
           </p:cNvPr>
@@ -7368,7 +7355,7 @@
           <p:cNvPr id="43" name="TextBox 42">
             <a:extLst>
               <a:ext uri="{FF2B5EF4-FFF2-40B4-BE49-F238E27FC236}">
-                <a16:creationId xmlns:a16="http://schemas.microsoft.com/office/drawing/2014/main" xmlns="" id="{B465CC4F-702C-EB40-92B3-EBCC290A1759}"/>
+                <a16:creationId xmlns:a16="http://schemas.microsoft.com/office/drawing/2014/main" id="{B465CC4F-702C-EB40-92B3-EBCC290A1759}"/>
               </a:ext>
             </a:extLst>
           </p:cNvPr>
@@ -7403,7 +7390,7 @@
           <p:cNvPr id="44" name="TextBox 43">
             <a:extLst>
               <a:ext uri="{FF2B5EF4-FFF2-40B4-BE49-F238E27FC236}">
-                <a16:creationId xmlns:a16="http://schemas.microsoft.com/office/drawing/2014/main" xmlns="" id="{A3B6CEB5-3318-0A4D-AE9B-6A3FF7400028}"/>
+                <a16:creationId xmlns:a16="http://schemas.microsoft.com/office/drawing/2014/main" id="{A3B6CEB5-3318-0A4D-AE9B-6A3FF7400028}"/>
               </a:ext>
             </a:extLst>
           </p:cNvPr>
@@ -7438,7 +7425,7 @@
           <p:cNvPr id="45" name="Rectangle 44">
             <a:extLst>
               <a:ext uri="{FF2B5EF4-FFF2-40B4-BE49-F238E27FC236}">
-                <a16:creationId xmlns:a16="http://schemas.microsoft.com/office/drawing/2014/main" xmlns="" id="{D5D71723-DB53-C14A-98F5-82DB7A5DC130}"/>
+                <a16:creationId xmlns:a16="http://schemas.microsoft.com/office/drawing/2014/main" id="{D5D71723-DB53-C14A-98F5-82DB7A5DC130}"/>
               </a:ext>
             </a:extLst>
           </p:cNvPr>
@@ -7484,7 +7471,7 @@
           <p:cNvPr id="46" name="Rectangle 45">
             <a:extLst>
               <a:ext uri="{FF2B5EF4-FFF2-40B4-BE49-F238E27FC236}">
-                <a16:creationId xmlns:a16="http://schemas.microsoft.com/office/drawing/2014/main" xmlns="" id="{D26023F7-2B1D-7F47-BD38-851577017CEC}"/>
+                <a16:creationId xmlns:a16="http://schemas.microsoft.com/office/drawing/2014/main" id="{D26023F7-2B1D-7F47-BD38-851577017CEC}"/>
               </a:ext>
             </a:extLst>
           </p:cNvPr>
@@ -7530,7 +7517,7 @@
           <p:cNvPr id="47" name="Rectangle 46">
             <a:extLst>
               <a:ext uri="{FF2B5EF4-FFF2-40B4-BE49-F238E27FC236}">
-                <a16:creationId xmlns:a16="http://schemas.microsoft.com/office/drawing/2014/main" xmlns="" id="{AEC291F5-1339-3B45-8B0E-EF0C8F34F61E}"/>
+                <a16:creationId xmlns:a16="http://schemas.microsoft.com/office/drawing/2014/main" id="{AEC291F5-1339-3B45-8B0E-EF0C8F34F61E}"/>
               </a:ext>
             </a:extLst>
           </p:cNvPr>
@@ -7576,7 +7563,7 @@
           <p:cNvPr id="49" name="Straight Arrow Connector 48">
             <a:extLst>
               <a:ext uri="{FF2B5EF4-FFF2-40B4-BE49-F238E27FC236}">
-                <a16:creationId xmlns:a16="http://schemas.microsoft.com/office/drawing/2014/main" xmlns="" id="{8CC7D7B6-9487-0D41-8A89-1B4330C9AEA3}"/>
+                <a16:creationId xmlns:a16="http://schemas.microsoft.com/office/drawing/2014/main" id="{8CC7D7B6-9487-0D41-8A89-1B4330C9AEA3}"/>
               </a:ext>
             </a:extLst>
           </p:cNvPr>
@@ -7619,7 +7606,7 @@
           <p:cNvPr id="51" name="Straight Arrow Connector 50">
             <a:extLst>
               <a:ext uri="{FF2B5EF4-FFF2-40B4-BE49-F238E27FC236}">
-                <a16:creationId xmlns:a16="http://schemas.microsoft.com/office/drawing/2014/main" xmlns="" id="{51BB2CF8-DFCF-214B-BB0C-08604FD514B1}"/>
+                <a16:creationId xmlns:a16="http://schemas.microsoft.com/office/drawing/2014/main" id="{51BB2CF8-DFCF-214B-BB0C-08604FD514B1}"/>
               </a:ext>
             </a:extLst>
           </p:cNvPr>
@@ -7662,7 +7649,7 @@
           <p:cNvPr id="54" name="Straight Arrow Connector 53">
             <a:extLst>
               <a:ext uri="{FF2B5EF4-FFF2-40B4-BE49-F238E27FC236}">
-                <a16:creationId xmlns:a16="http://schemas.microsoft.com/office/drawing/2014/main" xmlns="" id="{2CAA39AB-3959-E04A-84E4-AC17685C42BD}"/>
+                <a16:creationId xmlns:a16="http://schemas.microsoft.com/office/drawing/2014/main" id="{2CAA39AB-3959-E04A-84E4-AC17685C42BD}"/>
               </a:ext>
             </a:extLst>
           </p:cNvPr>
@@ -7705,7 +7692,7 @@
           <p:cNvPr id="5" name="TextBox 4">
             <a:extLst>
               <a:ext uri="{FF2B5EF4-FFF2-40B4-BE49-F238E27FC236}">
-                <a16:creationId xmlns:a16="http://schemas.microsoft.com/office/drawing/2014/main" xmlns="" id="{D5DFEE21-A2C1-A443-967F-7D6E9C2A0A58}"/>
+                <a16:creationId xmlns:a16="http://schemas.microsoft.com/office/drawing/2014/main" id="{D5DFEE21-A2C1-A443-967F-7D6E9C2A0A58}"/>
               </a:ext>
             </a:extLst>
           </p:cNvPr>
@@ -7740,7 +7727,7 @@
           <p:cNvPr id="25" name="TextBox 24">
             <a:extLst>
               <a:ext uri="{FF2B5EF4-FFF2-40B4-BE49-F238E27FC236}">
-                <a16:creationId xmlns:a16="http://schemas.microsoft.com/office/drawing/2014/main" xmlns="" id="{4EB2492B-E995-A84D-840C-031180384FE6}"/>
+                <a16:creationId xmlns:a16="http://schemas.microsoft.com/office/drawing/2014/main" id="{4EB2492B-E995-A84D-840C-031180384FE6}"/>
               </a:ext>
             </a:extLst>
           </p:cNvPr>
@@ -7775,7 +7762,7 @@
           <p:cNvPr id="26" name="TextBox 25">
             <a:extLst>
               <a:ext uri="{FF2B5EF4-FFF2-40B4-BE49-F238E27FC236}">
-                <a16:creationId xmlns:a16="http://schemas.microsoft.com/office/drawing/2014/main" xmlns="" id="{3C588F17-12CD-9841-B51E-AA162FC60453}"/>
+                <a16:creationId xmlns:a16="http://schemas.microsoft.com/office/drawing/2014/main" id="{3C588F17-12CD-9841-B51E-AA162FC60453}"/>
               </a:ext>
             </a:extLst>
           </p:cNvPr>
@@ -7810,7 +7797,7 @@
           <p:cNvPr id="27" name="TextBox 26">
             <a:extLst>
               <a:ext uri="{FF2B5EF4-FFF2-40B4-BE49-F238E27FC236}">
-                <a16:creationId xmlns:a16="http://schemas.microsoft.com/office/drawing/2014/main" xmlns="" id="{86790816-24AF-3A45-A9F0-34067721F6C1}"/>
+                <a16:creationId xmlns:a16="http://schemas.microsoft.com/office/drawing/2014/main" id="{86790816-24AF-3A45-A9F0-34067721F6C1}"/>
               </a:ext>
             </a:extLst>
           </p:cNvPr>
@@ -7845,7 +7832,7 @@
           <p:cNvPr id="28" name="TextBox 27">
             <a:extLst>
               <a:ext uri="{FF2B5EF4-FFF2-40B4-BE49-F238E27FC236}">
-                <a16:creationId xmlns:a16="http://schemas.microsoft.com/office/drawing/2014/main" xmlns="" id="{E33AF501-099A-D740-AE03-8C24A738040D}"/>
+                <a16:creationId xmlns:a16="http://schemas.microsoft.com/office/drawing/2014/main" id="{E33AF501-099A-D740-AE03-8C24A738040D}"/>
               </a:ext>
             </a:extLst>
           </p:cNvPr>
@@ -7880,7 +7867,7 @@
           <p:cNvPr id="30" name="TextBox 29">
             <a:extLst>
               <a:ext uri="{FF2B5EF4-FFF2-40B4-BE49-F238E27FC236}">
-                <a16:creationId xmlns:a16="http://schemas.microsoft.com/office/drawing/2014/main" xmlns="" id="{0EE8BA27-FD6A-6C47-89E6-CB1805217D5F}"/>
+                <a16:creationId xmlns:a16="http://schemas.microsoft.com/office/drawing/2014/main" id="{0EE8BA27-FD6A-6C47-89E6-CB1805217D5F}"/>
               </a:ext>
             </a:extLst>
           </p:cNvPr>
@@ -7915,7 +7902,7 @@
           <p:cNvPr id="9" name="Graphic 8" descr="Binoculars">
             <a:extLst>
               <a:ext uri="{FF2B5EF4-FFF2-40B4-BE49-F238E27FC236}">
-                <a16:creationId xmlns:a16="http://schemas.microsoft.com/office/drawing/2014/main" xmlns="" id="{0307FDB9-D726-D54A-8E96-5C778AD4B9A7}"/>
+                <a16:creationId xmlns:a16="http://schemas.microsoft.com/office/drawing/2014/main" id="{0307FDB9-D726-D54A-8E96-5C778AD4B9A7}"/>
               </a:ext>
             </a:extLst>
           </p:cNvPr>
@@ -7928,7 +7915,7 @@
           <a:blip r:embed="rId7">
             <a:extLst>
               <a:ext uri="{96DAC541-7B7A-43D3-8B79-37D633B846F1}">
-                <asvg:svgBlip xmlns:asvg="http://schemas.microsoft.com/office/drawing/2016/SVG/main" xmlns="" r:embed="rId8"/>
+                <asvg:svgBlip xmlns:asvg="http://schemas.microsoft.com/office/drawing/2016/SVG/main" r:embed="rId8"/>
               </a:ext>
             </a:extLst>
           </a:blip>
@@ -7951,7 +7938,7 @@
           <p:cNvPr id="11" name="Graphic 10" descr="Atom">
             <a:extLst>
               <a:ext uri="{FF2B5EF4-FFF2-40B4-BE49-F238E27FC236}">
-                <a16:creationId xmlns:a16="http://schemas.microsoft.com/office/drawing/2014/main" xmlns="" id="{803445ED-BA53-F447-93B7-06103930BE36}"/>
+                <a16:creationId xmlns:a16="http://schemas.microsoft.com/office/drawing/2014/main" id="{803445ED-BA53-F447-93B7-06103930BE36}"/>
               </a:ext>
             </a:extLst>
           </p:cNvPr>
@@ -7964,7 +7951,7 @@
           <a:blip r:embed="rId9">
             <a:extLst>
               <a:ext uri="{96DAC541-7B7A-43D3-8B79-37D633B846F1}">
-                <asvg:svgBlip xmlns:asvg="http://schemas.microsoft.com/office/drawing/2016/SVG/main" xmlns="" r:embed="rId10"/>
+                <asvg:svgBlip xmlns:asvg="http://schemas.microsoft.com/office/drawing/2016/SVG/main" r:embed="rId10"/>
               </a:ext>
             </a:extLst>
           </a:blip>
@@ -7987,7 +7974,7 @@
           <p:cNvPr id="14" name="Graphic 13" descr="HeadWithGears">
             <a:extLst>
               <a:ext uri="{FF2B5EF4-FFF2-40B4-BE49-F238E27FC236}">
-                <a16:creationId xmlns:a16="http://schemas.microsoft.com/office/drawing/2014/main" xmlns="" id="{F1734F00-B7B6-2042-904B-EB85E52832BE}"/>
+                <a16:creationId xmlns:a16="http://schemas.microsoft.com/office/drawing/2014/main" id="{F1734F00-B7B6-2042-904B-EB85E52832BE}"/>
               </a:ext>
             </a:extLst>
           </p:cNvPr>
@@ -8000,7 +7987,7 @@
           <a:blip r:embed="rId11">
             <a:extLst>
               <a:ext uri="{96DAC541-7B7A-43D3-8B79-37D633B846F1}">
-                <asvg:svgBlip xmlns:asvg="http://schemas.microsoft.com/office/drawing/2016/SVG/main" xmlns="" r:embed="rId12"/>
+                <asvg:svgBlip xmlns:asvg="http://schemas.microsoft.com/office/drawing/2016/SVG/main" r:embed="rId12"/>
               </a:ext>
             </a:extLst>
           </a:blip>
@@ -8023,7 +8010,7 @@
           <p:cNvPr id="4" name="5-Point Star 3">
             <a:extLst>
               <a:ext uri="{FF2B5EF4-FFF2-40B4-BE49-F238E27FC236}">
-                <a16:creationId xmlns:a16="http://schemas.microsoft.com/office/drawing/2014/main" xmlns="" id="{B583A645-FA5E-FD4B-BD40-AE889B17BDEB}"/>
+                <a16:creationId xmlns:a16="http://schemas.microsoft.com/office/drawing/2014/main" id="{B583A645-FA5E-FD4B-BD40-AE889B17BDEB}"/>
               </a:ext>
             </a:extLst>
           </p:cNvPr>
@@ -8145,7 +8132,7 @@
           <p:cNvPr id="3" name="Oval 2">
             <a:extLst>
               <a:ext uri="{FF2B5EF4-FFF2-40B4-BE49-F238E27FC236}">
-                <a16:creationId xmlns:a16="http://schemas.microsoft.com/office/drawing/2014/main" xmlns="" id="{B073BD9C-6BDA-C347-9C0E-31CB52DA42B6}"/>
+                <a16:creationId xmlns:a16="http://schemas.microsoft.com/office/drawing/2014/main" id="{B073BD9C-6BDA-C347-9C0E-31CB52DA42B6}"/>
               </a:ext>
             </a:extLst>
           </p:cNvPr>
@@ -8199,7 +8186,7 @@
           <p:cNvPr id="12" name="Picture 11">
             <a:extLst>
               <a:ext uri="{FF2B5EF4-FFF2-40B4-BE49-F238E27FC236}">
-                <a16:creationId xmlns:a16="http://schemas.microsoft.com/office/drawing/2014/main" xmlns="" id="{EAAF42C1-FAEB-4947-8DE4-2C0AD5593B99}"/>
+                <a16:creationId xmlns:a16="http://schemas.microsoft.com/office/drawing/2014/main" id="{EAAF42C1-FAEB-4947-8DE4-2C0AD5593B99}"/>
               </a:ext>
             </a:extLst>
           </p:cNvPr>
@@ -8229,7 +8216,7 @@
           <p:cNvPr id="19" name="Oval 18">
             <a:extLst>
               <a:ext uri="{FF2B5EF4-FFF2-40B4-BE49-F238E27FC236}">
-                <a16:creationId xmlns:a16="http://schemas.microsoft.com/office/drawing/2014/main" xmlns="" id="{B75FE795-2BFF-E54A-B090-C664817205DA}"/>
+                <a16:creationId xmlns:a16="http://schemas.microsoft.com/office/drawing/2014/main" id="{B75FE795-2BFF-E54A-B090-C664817205DA}"/>
               </a:ext>
             </a:extLst>
           </p:cNvPr>
@@ -8276,7 +8263,7 @@
           <p:cNvPr id="20" name="Oval 19">
             <a:extLst>
               <a:ext uri="{FF2B5EF4-FFF2-40B4-BE49-F238E27FC236}">
-                <a16:creationId xmlns:a16="http://schemas.microsoft.com/office/drawing/2014/main" xmlns="" id="{08F67ED2-E0EA-744D-A5C3-DFAF9C05EBB0}"/>
+                <a16:creationId xmlns:a16="http://schemas.microsoft.com/office/drawing/2014/main" id="{08F67ED2-E0EA-744D-A5C3-DFAF9C05EBB0}"/>
               </a:ext>
             </a:extLst>
           </p:cNvPr>
@@ -8323,7 +8310,7 @@
           <p:cNvPr id="35" name="Picture 34">
             <a:extLst>
               <a:ext uri="{FF2B5EF4-FFF2-40B4-BE49-F238E27FC236}">
-                <a16:creationId xmlns:a16="http://schemas.microsoft.com/office/drawing/2014/main" xmlns="" id="{2E698A0B-399F-4D4C-B908-B836437D1CA1}"/>
+                <a16:creationId xmlns:a16="http://schemas.microsoft.com/office/drawing/2014/main" id="{2E698A0B-399F-4D4C-B908-B836437D1CA1}"/>
               </a:ext>
             </a:extLst>
           </p:cNvPr>
@@ -8353,7 +8340,7 @@
           <p:cNvPr id="37" name="Picture 36">
             <a:extLst>
               <a:ext uri="{FF2B5EF4-FFF2-40B4-BE49-F238E27FC236}">
-                <a16:creationId xmlns:a16="http://schemas.microsoft.com/office/drawing/2014/main" xmlns="" id="{089A8EB1-7BF3-3B48-B79F-BFE89310F787}"/>
+                <a16:creationId xmlns:a16="http://schemas.microsoft.com/office/drawing/2014/main" id="{089A8EB1-7BF3-3B48-B79F-BFE89310F787}"/>
               </a:ext>
             </a:extLst>
           </p:cNvPr>
@@ -8383,7 +8370,7 @@
           <p:cNvPr id="38" name="Oval 37">
             <a:extLst>
               <a:ext uri="{FF2B5EF4-FFF2-40B4-BE49-F238E27FC236}">
-                <a16:creationId xmlns:a16="http://schemas.microsoft.com/office/drawing/2014/main" xmlns="" id="{D50BF41E-EF71-F94A-86B9-DF1B15F4B1FC}"/>
+                <a16:creationId xmlns:a16="http://schemas.microsoft.com/office/drawing/2014/main" id="{D50BF41E-EF71-F94A-86B9-DF1B15F4B1FC}"/>
               </a:ext>
             </a:extLst>
           </p:cNvPr>
@@ -8435,7 +8422,7 @@
           <p:cNvPr id="39" name="Picture 38">
             <a:extLst>
               <a:ext uri="{FF2B5EF4-FFF2-40B4-BE49-F238E27FC236}">
-                <a16:creationId xmlns:a16="http://schemas.microsoft.com/office/drawing/2014/main" xmlns="" id="{4E04806B-A48C-E042-86E9-CBD67367ED63}"/>
+                <a16:creationId xmlns:a16="http://schemas.microsoft.com/office/drawing/2014/main" id="{4E04806B-A48C-E042-86E9-CBD67367ED63}"/>
               </a:ext>
             </a:extLst>
           </p:cNvPr>
@@ -8471,7 +8458,7 @@
           <p:cNvPr id="40" name="Picture 39">
             <a:extLst>
               <a:ext uri="{FF2B5EF4-FFF2-40B4-BE49-F238E27FC236}">
-                <a16:creationId xmlns:a16="http://schemas.microsoft.com/office/drawing/2014/main" xmlns="" id="{4847759E-E771-9645-B94F-520F45A19480}"/>
+                <a16:creationId xmlns:a16="http://schemas.microsoft.com/office/drawing/2014/main" id="{4847759E-E771-9645-B94F-520F45A19480}"/>
               </a:ext>
             </a:extLst>
           </p:cNvPr>
@@ -8507,7 +8494,7 @@
           <p:cNvPr id="41" name="Picture 40">
             <a:extLst>
               <a:ext uri="{FF2B5EF4-FFF2-40B4-BE49-F238E27FC236}">
-                <a16:creationId xmlns:a16="http://schemas.microsoft.com/office/drawing/2014/main" xmlns="" id="{2A455A8A-721A-724A-99BC-08B770FA26C3}"/>
+                <a16:creationId xmlns:a16="http://schemas.microsoft.com/office/drawing/2014/main" id="{2A455A8A-721A-724A-99BC-08B770FA26C3}"/>
               </a:ext>
             </a:extLst>
           </p:cNvPr>
@@ -8543,7 +8530,7 @@
           <p:cNvPr id="42" name="TextBox 41">
             <a:extLst>
               <a:ext uri="{FF2B5EF4-FFF2-40B4-BE49-F238E27FC236}">
-                <a16:creationId xmlns:a16="http://schemas.microsoft.com/office/drawing/2014/main" xmlns="" id="{5AFBB60A-07C7-F641-A967-1FE814B00E94}"/>
+                <a16:creationId xmlns:a16="http://schemas.microsoft.com/office/drawing/2014/main" id="{5AFBB60A-07C7-F641-A967-1FE814B00E94}"/>
               </a:ext>
             </a:extLst>
           </p:cNvPr>
@@ -8578,7 +8565,7 @@
           <p:cNvPr id="43" name="TextBox 42">
             <a:extLst>
               <a:ext uri="{FF2B5EF4-FFF2-40B4-BE49-F238E27FC236}">
-                <a16:creationId xmlns:a16="http://schemas.microsoft.com/office/drawing/2014/main" xmlns="" id="{B465CC4F-702C-EB40-92B3-EBCC290A1759}"/>
+                <a16:creationId xmlns:a16="http://schemas.microsoft.com/office/drawing/2014/main" id="{B465CC4F-702C-EB40-92B3-EBCC290A1759}"/>
               </a:ext>
             </a:extLst>
           </p:cNvPr>
@@ -8613,7 +8600,7 @@
           <p:cNvPr id="44" name="TextBox 43">
             <a:extLst>
               <a:ext uri="{FF2B5EF4-FFF2-40B4-BE49-F238E27FC236}">
-                <a16:creationId xmlns:a16="http://schemas.microsoft.com/office/drawing/2014/main" xmlns="" id="{A3B6CEB5-3318-0A4D-AE9B-6A3FF7400028}"/>
+                <a16:creationId xmlns:a16="http://schemas.microsoft.com/office/drawing/2014/main" id="{A3B6CEB5-3318-0A4D-AE9B-6A3FF7400028}"/>
               </a:ext>
             </a:extLst>
           </p:cNvPr>
@@ -8648,7 +8635,7 @@
           <p:cNvPr id="45" name="Rectangle 44">
             <a:extLst>
               <a:ext uri="{FF2B5EF4-FFF2-40B4-BE49-F238E27FC236}">
-                <a16:creationId xmlns:a16="http://schemas.microsoft.com/office/drawing/2014/main" xmlns="" id="{D5D71723-DB53-C14A-98F5-82DB7A5DC130}"/>
+                <a16:creationId xmlns:a16="http://schemas.microsoft.com/office/drawing/2014/main" id="{D5D71723-DB53-C14A-98F5-82DB7A5DC130}"/>
               </a:ext>
             </a:extLst>
           </p:cNvPr>
@@ -8694,7 +8681,7 @@
           <p:cNvPr id="46" name="Rectangle 45">
             <a:extLst>
               <a:ext uri="{FF2B5EF4-FFF2-40B4-BE49-F238E27FC236}">
-                <a16:creationId xmlns:a16="http://schemas.microsoft.com/office/drawing/2014/main" xmlns="" id="{D26023F7-2B1D-7F47-BD38-851577017CEC}"/>
+                <a16:creationId xmlns:a16="http://schemas.microsoft.com/office/drawing/2014/main" id="{D26023F7-2B1D-7F47-BD38-851577017CEC}"/>
               </a:ext>
             </a:extLst>
           </p:cNvPr>
@@ -8740,7 +8727,7 @@
           <p:cNvPr id="47" name="Rectangle 46">
             <a:extLst>
               <a:ext uri="{FF2B5EF4-FFF2-40B4-BE49-F238E27FC236}">
-                <a16:creationId xmlns:a16="http://schemas.microsoft.com/office/drawing/2014/main" xmlns="" id="{AEC291F5-1339-3B45-8B0E-EF0C8F34F61E}"/>
+                <a16:creationId xmlns:a16="http://schemas.microsoft.com/office/drawing/2014/main" id="{AEC291F5-1339-3B45-8B0E-EF0C8F34F61E}"/>
               </a:ext>
             </a:extLst>
           </p:cNvPr>
@@ -8786,7 +8773,7 @@
           <p:cNvPr id="49" name="Straight Arrow Connector 48">
             <a:extLst>
               <a:ext uri="{FF2B5EF4-FFF2-40B4-BE49-F238E27FC236}">
-                <a16:creationId xmlns:a16="http://schemas.microsoft.com/office/drawing/2014/main" xmlns="" id="{8CC7D7B6-9487-0D41-8A89-1B4330C9AEA3}"/>
+                <a16:creationId xmlns:a16="http://schemas.microsoft.com/office/drawing/2014/main" id="{8CC7D7B6-9487-0D41-8A89-1B4330C9AEA3}"/>
               </a:ext>
             </a:extLst>
           </p:cNvPr>
@@ -8829,7 +8816,7 @@
           <p:cNvPr id="51" name="Straight Arrow Connector 50">
             <a:extLst>
               <a:ext uri="{FF2B5EF4-FFF2-40B4-BE49-F238E27FC236}">
-                <a16:creationId xmlns:a16="http://schemas.microsoft.com/office/drawing/2014/main" xmlns="" id="{51BB2CF8-DFCF-214B-BB0C-08604FD514B1}"/>
+                <a16:creationId xmlns:a16="http://schemas.microsoft.com/office/drawing/2014/main" id="{51BB2CF8-DFCF-214B-BB0C-08604FD514B1}"/>
               </a:ext>
             </a:extLst>
           </p:cNvPr>
@@ -8872,7 +8859,7 @@
           <p:cNvPr id="54" name="Straight Arrow Connector 53">
             <a:extLst>
               <a:ext uri="{FF2B5EF4-FFF2-40B4-BE49-F238E27FC236}">
-                <a16:creationId xmlns:a16="http://schemas.microsoft.com/office/drawing/2014/main" xmlns="" id="{2CAA39AB-3959-E04A-84E4-AC17685C42BD}"/>
+                <a16:creationId xmlns:a16="http://schemas.microsoft.com/office/drawing/2014/main" id="{2CAA39AB-3959-E04A-84E4-AC17685C42BD}"/>
               </a:ext>
             </a:extLst>
           </p:cNvPr>
@@ -8915,7 +8902,7 @@
           <p:cNvPr id="5" name="TextBox 4">
             <a:extLst>
               <a:ext uri="{FF2B5EF4-FFF2-40B4-BE49-F238E27FC236}">
-                <a16:creationId xmlns:a16="http://schemas.microsoft.com/office/drawing/2014/main" xmlns="" id="{D5DFEE21-A2C1-A443-967F-7D6E9C2A0A58}"/>
+                <a16:creationId xmlns:a16="http://schemas.microsoft.com/office/drawing/2014/main" id="{D5DFEE21-A2C1-A443-967F-7D6E9C2A0A58}"/>
               </a:ext>
             </a:extLst>
           </p:cNvPr>
@@ -8950,7 +8937,7 @@
           <p:cNvPr id="25" name="TextBox 24">
             <a:extLst>
               <a:ext uri="{FF2B5EF4-FFF2-40B4-BE49-F238E27FC236}">
-                <a16:creationId xmlns:a16="http://schemas.microsoft.com/office/drawing/2014/main" xmlns="" id="{4EB2492B-E995-A84D-840C-031180384FE6}"/>
+                <a16:creationId xmlns:a16="http://schemas.microsoft.com/office/drawing/2014/main" id="{4EB2492B-E995-A84D-840C-031180384FE6}"/>
               </a:ext>
             </a:extLst>
           </p:cNvPr>
@@ -8985,7 +8972,7 @@
           <p:cNvPr id="26" name="TextBox 25">
             <a:extLst>
               <a:ext uri="{FF2B5EF4-FFF2-40B4-BE49-F238E27FC236}">
-                <a16:creationId xmlns:a16="http://schemas.microsoft.com/office/drawing/2014/main" xmlns="" id="{3C588F17-12CD-9841-B51E-AA162FC60453}"/>
+                <a16:creationId xmlns:a16="http://schemas.microsoft.com/office/drawing/2014/main" id="{3C588F17-12CD-9841-B51E-AA162FC60453}"/>
               </a:ext>
             </a:extLst>
           </p:cNvPr>
@@ -9020,7 +9007,7 @@
           <p:cNvPr id="27" name="TextBox 26">
             <a:extLst>
               <a:ext uri="{FF2B5EF4-FFF2-40B4-BE49-F238E27FC236}">
-                <a16:creationId xmlns:a16="http://schemas.microsoft.com/office/drawing/2014/main" xmlns="" id="{86790816-24AF-3A45-A9F0-34067721F6C1}"/>
+                <a16:creationId xmlns:a16="http://schemas.microsoft.com/office/drawing/2014/main" id="{86790816-24AF-3A45-A9F0-34067721F6C1}"/>
               </a:ext>
             </a:extLst>
           </p:cNvPr>
@@ -9055,7 +9042,7 @@
           <p:cNvPr id="28" name="TextBox 27">
             <a:extLst>
               <a:ext uri="{FF2B5EF4-FFF2-40B4-BE49-F238E27FC236}">
-                <a16:creationId xmlns:a16="http://schemas.microsoft.com/office/drawing/2014/main" xmlns="" id="{E33AF501-099A-D740-AE03-8C24A738040D}"/>
+                <a16:creationId xmlns:a16="http://schemas.microsoft.com/office/drawing/2014/main" id="{E33AF501-099A-D740-AE03-8C24A738040D}"/>
               </a:ext>
             </a:extLst>
           </p:cNvPr>
@@ -9090,7 +9077,7 @@
           <p:cNvPr id="30" name="TextBox 29">
             <a:extLst>
               <a:ext uri="{FF2B5EF4-FFF2-40B4-BE49-F238E27FC236}">
-                <a16:creationId xmlns:a16="http://schemas.microsoft.com/office/drawing/2014/main" xmlns="" id="{0EE8BA27-FD6A-6C47-89E6-CB1805217D5F}"/>
+                <a16:creationId xmlns:a16="http://schemas.microsoft.com/office/drawing/2014/main" id="{0EE8BA27-FD6A-6C47-89E6-CB1805217D5F}"/>
               </a:ext>
             </a:extLst>
           </p:cNvPr>
@@ -9125,7 +9112,7 @@
           <p:cNvPr id="9" name="Graphic 8" descr="Binoculars">
             <a:extLst>
               <a:ext uri="{FF2B5EF4-FFF2-40B4-BE49-F238E27FC236}">
-                <a16:creationId xmlns:a16="http://schemas.microsoft.com/office/drawing/2014/main" xmlns="" id="{0307FDB9-D726-D54A-8E96-5C778AD4B9A7}"/>
+                <a16:creationId xmlns:a16="http://schemas.microsoft.com/office/drawing/2014/main" id="{0307FDB9-D726-D54A-8E96-5C778AD4B9A7}"/>
               </a:ext>
             </a:extLst>
           </p:cNvPr>
@@ -9138,7 +9125,7 @@
           <a:blip r:embed="rId8">
             <a:extLst>
               <a:ext uri="{96DAC541-7B7A-43D3-8B79-37D633B846F1}">
-                <asvg:svgBlip xmlns:asvg="http://schemas.microsoft.com/office/drawing/2016/SVG/main" xmlns="" r:embed="rId9"/>
+                <asvg:svgBlip xmlns:asvg="http://schemas.microsoft.com/office/drawing/2016/SVG/main" r:embed="rId9"/>
               </a:ext>
             </a:extLst>
           </a:blip>
@@ -9161,7 +9148,7 @@
           <p:cNvPr id="11" name="Graphic 10" descr="Atom">
             <a:extLst>
               <a:ext uri="{FF2B5EF4-FFF2-40B4-BE49-F238E27FC236}">
-                <a16:creationId xmlns:a16="http://schemas.microsoft.com/office/drawing/2014/main" xmlns="" id="{803445ED-BA53-F447-93B7-06103930BE36}"/>
+                <a16:creationId xmlns:a16="http://schemas.microsoft.com/office/drawing/2014/main" id="{803445ED-BA53-F447-93B7-06103930BE36}"/>
               </a:ext>
             </a:extLst>
           </p:cNvPr>
@@ -9174,7 +9161,7 @@
           <a:blip r:embed="rId10">
             <a:extLst>
               <a:ext uri="{96DAC541-7B7A-43D3-8B79-37D633B846F1}">
-                <asvg:svgBlip xmlns:asvg="http://schemas.microsoft.com/office/drawing/2016/SVG/main" xmlns="" r:embed="rId11"/>
+                <asvg:svgBlip xmlns:asvg="http://schemas.microsoft.com/office/drawing/2016/SVG/main" r:embed="rId11"/>
               </a:ext>
             </a:extLst>
           </a:blip>
@@ -9197,7 +9184,7 @@
           <p:cNvPr id="14" name="Graphic 13" descr="HeadWithGears">
             <a:extLst>
               <a:ext uri="{FF2B5EF4-FFF2-40B4-BE49-F238E27FC236}">
-                <a16:creationId xmlns:a16="http://schemas.microsoft.com/office/drawing/2014/main" xmlns="" id="{F1734F00-B7B6-2042-904B-EB85E52832BE}"/>
+                <a16:creationId xmlns:a16="http://schemas.microsoft.com/office/drawing/2014/main" id="{F1734F00-B7B6-2042-904B-EB85E52832BE}"/>
               </a:ext>
             </a:extLst>
           </p:cNvPr>
@@ -9210,7 +9197,7 @@
           <a:blip r:embed="rId12">
             <a:extLst>
               <a:ext uri="{96DAC541-7B7A-43D3-8B79-37D633B846F1}">
-                <asvg:svgBlip xmlns:asvg="http://schemas.microsoft.com/office/drawing/2016/SVG/main" xmlns="" r:embed="rId13"/>
+                <asvg:svgBlip xmlns:asvg="http://schemas.microsoft.com/office/drawing/2016/SVG/main" r:embed="rId13"/>
               </a:ext>
             </a:extLst>
           </a:blip>
@@ -9233,7 +9220,7 @@
           <p:cNvPr id="4" name="5-Point Star 3">
             <a:extLst>
               <a:ext uri="{FF2B5EF4-FFF2-40B4-BE49-F238E27FC236}">
-                <a16:creationId xmlns:a16="http://schemas.microsoft.com/office/drawing/2014/main" xmlns="" id="{B583A645-FA5E-FD4B-BD40-AE889B17BDEB}"/>
+                <a16:creationId xmlns:a16="http://schemas.microsoft.com/office/drawing/2014/main" id="{B583A645-FA5E-FD4B-BD40-AE889B17BDEB}"/>
               </a:ext>
             </a:extLst>
           </p:cNvPr>
@@ -9279,7 +9266,7 @@
           <p:cNvPr id="34" name="5-Point Star 33">
             <a:extLst>
               <a:ext uri="{FF2B5EF4-FFF2-40B4-BE49-F238E27FC236}">
-                <a16:creationId xmlns:a16="http://schemas.microsoft.com/office/drawing/2014/main" xmlns="" id="{C409094D-ED76-3340-9261-EFF5B78CD414}"/>
+                <a16:creationId xmlns:a16="http://schemas.microsoft.com/office/drawing/2014/main" id="{C409094D-ED76-3340-9261-EFF5B78CD414}"/>
               </a:ext>
             </a:extLst>
           </p:cNvPr>
@@ -9367,13 +9354,8 @@
           <a:p>
             <a:r>
               <a:rPr lang="en-US" dirty="0"/>
-              <a:t>M</a:t>
-            </a:r>
-            <a:r>
-              <a:rPr lang="en-US" dirty="0" smtClean="0"/>
-              <a:t>ethod</a:t>
-            </a:r>
-            <a:endParaRPr lang="en-US" dirty="0"/>
+              <a:t>Method</a:t>
+            </a:r>
           </a:p>
         </p:txBody>
       </p:sp>
@@ -9411,6 +9393,6377 @@
     <p:extLst>
       <p:ext uri="{BB962C8B-B14F-4D97-AF65-F5344CB8AC3E}">
         <p14:creationId xmlns:p14="http://schemas.microsoft.com/office/powerpoint/2010/main" val="1051040766"/>
+      </p:ext>
+    </p:extLst>
+  </p:cSld>
+  <p:clrMapOvr>
+    <a:masterClrMapping/>
+  </p:clrMapOvr>
+</p:sld>
+</file>
+
+<file path=ppt/slides/slide16.xml><?xml version="1.0" encoding="utf-8"?>
+<p:sld xmlns:a="http://schemas.openxmlformats.org/drawingml/2006/main" xmlns:r="http://schemas.openxmlformats.org/officeDocument/2006/relationships" xmlns:p="http://schemas.openxmlformats.org/presentationml/2006/main">
+  <p:cSld>
+    <p:spTree>
+      <p:nvGrpSpPr>
+        <p:cNvPr id="1" name=""/>
+        <p:cNvGrpSpPr/>
+        <p:nvPr/>
+      </p:nvGrpSpPr>
+      <p:grpSpPr>
+        <a:xfrm>
+          <a:off x="0" y="0"/>
+          <a:ext cx="0" cy="0"/>
+          <a:chOff x="0" y="0"/>
+          <a:chExt cx="0" cy="0"/>
+        </a:xfrm>
+      </p:grpSpPr>
+      <p:sp>
+        <p:nvSpPr>
+          <p:cNvPr id="2" name="Title 1">
+            <a:extLst>
+              <a:ext uri="{FF2B5EF4-FFF2-40B4-BE49-F238E27FC236}">
+                <a16:creationId xmlns:a16="http://schemas.microsoft.com/office/drawing/2014/main" id="{90371848-C3C2-2946-8721-32944148379F}"/>
+              </a:ext>
+            </a:extLst>
+          </p:cNvPr>
+          <p:cNvSpPr>
+            <a:spLocks noGrp="1"/>
+          </p:cNvSpPr>
+          <p:nvPr>
+            <p:ph type="title"/>
+          </p:nvPr>
+        </p:nvSpPr>
+        <p:spPr/>
+        <p:txBody>
+          <a:bodyPr/>
+          <a:lstStyle/>
+          <a:p>
+            <a:r>
+              <a:rPr lang="da-DK" dirty="0" err="1"/>
+              <a:t>Gaussian</a:t>
+            </a:r>
+            <a:r>
+              <a:rPr lang="da-DK" dirty="0"/>
+              <a:t> </a:t>
+            </a:r>
+            <a:r>
+              <a:rPr lang="da-DK" dirty="0" err="1"/>
+              <a:t>process</a:t>
+            </a:r>
+            <a:r>
+              <a:rPr lang="da-DK" dirty="0"/>
+              <a:t> regression</a:t>
+            </a:r>
+          </a:p>
+        </p:txBody>
+      </p:sp>
+      <p:pic>
+        <p:nvPicPr>
+          <p:cNvPr id="5" name="Picture 4">
+            <a:extLst>
+              <a:ext uri="{FF2B5EF4-FFF2-40B4-BE49-F238E27FC236}">
+                <a16:creationId xmlns:a16="http://schemas.microsoft.com/office/drawing/2014/main" id="{96C8DA8D-9BEF-744E-AFF8-50655E69712A}"/>
+              </a:ext>
+            </a:extLst>
+          </p:cNvPr>
+          <p:cNvPicPr>
+            <a:picLocks noChangeAspect="1"/>
+          </p:cNvPicPr>
+          <p:nvPr/>
+        </p:nvPicPr>
+        <p:blipFill>
+          <a:blip r:embed="rId2">
+            <a:extLst>
+              <a:ext uri="{28A0092B-C50C-407E-A947-70E740481C1C}">
+                <a14:useLocalDpi xmlns:a14="http://schemas.microsoft.com/office/drawing/2010/main" val="0"/>
+              </a:ext>
+            </a:extLst>
+          </a:blip>
+          <a:stretch>
+            <a:fillRect/>
+          </a:stretch>
+        </p:blipFill>
+        <p:spPr>
+          <a:xfrm>
+            <a:off x="6680517" y="2401449"/>
+            <a:ext cx="5347072" cy="4013204"/>
+          </a:xfrm>
+          <a:prstGeom prst="rect">
+            <a:avLst/>
+          </a:prstGeom>
+        </p:spPr>
+      </p:pic>
+      <mc:AlternateContent xmlns:mc="http://schemas.openxmlformats.org/markup-compatibility/2006">
+        <mc:Choice xmlns:a14="http://schemas.microsoft.com/office/drawing/2010/main" Requires="a14">
+          <p:sp>
+            <p:nvSpPr>
+              <p:cNvPr id="7" name="TextBox 6">
+                <a:extLst>
+                  <a:ext uri="{FF2B5EF4-FFF2-40B4-BE49-F238E27FC236}">
+                    <a16:creationId xmlns:a16="http://schemas.microsoft.com/office/drawing/2014/main" id="{B326EACE-184C-7541-863E-4FC005F8970C}"/>
+                  </a:ext>
+                </a:extLst>
+              </p:cNvPr>
+              <p:cNvSpPr txBox="1"/>
+              <p:nvPr/>
+            </p:nvSpPr>
+            <p:spPr>
+              <a:xfrm>
+                <a:off x="520044" y="5002492"/>
+                <a:ext cx="5091266" cy="936025"/>
+              </a:xfrm>
+              <a:prstGeom prst="rect">
+                <a:avLst/>
+              </a:prstGeom>
+              <a:noFill/>
+            </p:spPr>
+            <p:txBody>
+              <a:bodyPr wrap="none" rtlCol="0">
+                <a:spAutoFit/>
+              </a:bodyPr>
+              <a:lstStyle/>
+              <a:p>
+                <a:pPr/>
+                <a14:m>
+                  <m:oMathPara xmlns:m="http://schemas.openxmlformats.org/officeDocument/2006/math">
+                    <m:oMathParaPr>
+                      <m:jc m:val="centerGroup"/>
+                    </m:oMathParaPr>
+                    <m:oMath xmlns:m="http://schemas.openxmlformats.org/officeDocument/2006/math">
+                      <m:sSub>
+                        <m:sSubPr>
+                          <m:ctrlPr>
+                            <a:rPr lang="en-US" sz="2400" b="0" i="1" smtClean="0">
+                              <a:latin typeface="Cambria Math" panose="02040503050406030204" pitchFamily="18" charset="0"/>
+                            </a:rPr>
+                          </m:ctrlPr>
+                        </m:sSubPr>
+                        <m:e>
+                          <m:r>
+                            <a:rPr lang="en-US" sz="2400" b="0" i="1" smtClean="0">
+                              <a:latin typeface="Cambria Math" panose="02040503050406030204" pitchFamily="18" charset="0"/>
+                            </a:rPr>
+                            <m:t>𝐾</m:t>
+                          </m:r>
+                        </m:e>
+                        <m:sub>
+                          <m:r>
+                            <a:rPr lang="en-US" sz="2400" b="0" i="1" smtClean="0">
+                              <a:latin typeface="Cambria Math" panose="02040503050406030204" pitchFamily="18" charset="0"/>
+                            </a:rPr>
+                            <m:t>𝑖𝑗</m:t>
+                          </m:r>
+                        </m:sub>
+                      </m:sSub>
+                      <m:r>
+                        <a:rPr lang="en-US" sz="2400" b="0" i="1" smtClean="0">
+                          <a:latin typeface="Cambria Math" panose="02040503050406030204" pitchFamily="18" charset="0"/>
+                        </a:rPr>
+                        <m:t>=</m:t>
+                      </m:r>
+                      <m:r>
+                        <a:rPr lang="en-US" sz="2400" b="0" i="1" smtClean="0">
+                          <a:latin typeface="Cambria Math" panose="02040503050406030204" pitchFamily="18" charset="0"/>
+                        </a:rPr>
+                        <m:t>𝑘</m:t>
+                      </m:r>
+                      <m:r>
+                        <a:rPr lang="en-US" sz="2400" b="0" i="1" smtClean="0">
+                          <a:latin typeface="Cambria Math" panose="02040503050406030204" pitchFamily="18" charset="0"/>
+                        </a:rPr>
+                        <m:t>(</m:t>
+                      </m:r>
+                      <m:sSub>
+                        <m:sSubPr>
+                          <m:ctrlPr>
+                            <a:rPr lang="en-US" sz="2400" b="0" i="1" smtClean="0">
+                              <a:latin typeface="Cambria Math" panose="02040503050406030204" pitchFamily="18" charset="0"/>
+                            </a:rPr>
+                          </m:ctrlPr>
+                        </m:sSubPr>
+                        <m:e>
+                          <m:r>
+                            <a:rPr lang="en-US" sz="2400" b="1" i="1" smtClean="0">
+                              <a:latin typeface="Cambria Math" panose="02040503050406030204" pitchFamily="18" charset="0"/>
+                            </a:rPr>
+                            <m:t>𝒙</m:t>
+                          </m:r>
+                        </m:e>
+                        <m:sub>
+                          <m:r>
+                            <a:rPr lang="en-US" sz="2400" b="0" i="1" smtClean="0">
+                              <a:latin typeface="Cambria Math" panose="02040503050406030204" pitchFamily="18" charset="0"/>
+                            </a:rPr>
+                            <m:t>𝑖</m:t>
+                          </m:r>
+                        </m:sub>
+                      </m:sSub>
+                      <m:r>
+                        <a:rPr lang="en-US" sz="2400" b="0" i="1" smtClean="0">
+                          <a:latin typeface="Cambria Math" panose="02040503050406030204" pitchFamily="18" charset="0"/>
+                        </a:rPr>
+                        <m:t>,</m:t>
+                      </m:r>
+                      <m:sSub>
+                        <m:sSubPr>
+                          <m:ctrlPr>
+                            <a:rPr lang="en-US" sz="2400" b="0" i="1" smtClean="0">
+                              <a:latin typeface="Cambria Math" panose="02040503050406030204" pitchFamily="18" charset="0"/>
+                            </a:rPr>
+                          </m:ctrlPr>
+                        </m:sSubPr>
+                        <m:e>
+                          <m:r>
+                            <a:rPr lang="en-US" sz="2400" b="1" i="1" smtClean="0">
+                              <a:latin typeface="Cambria Math" panose="02040503050406030204" pitchFamily="18" charset="0"/>
+                            </a:rPr>
+                            <m:t>𝒙</m:t>
+                          </m:r>
+                        </m:e>
+                        <m:sub>
+                          <m:r>
+                            <a:rPr lang="en-US" sz="2400" b="0" i="1" smtClean="0">
+                              <a:latin typeface="Cambria Math" panose="02040503050406030204" pitchFamily="18" charset="0"/>
+                            </a:rPr>
+                            <m:t>𝑗</m:t>
+                          </m:r>
+                        </m:sub>
+                      </m:sSub>
+                      <m:r>
+                        <a:rPr lang="en-US" sz="2400" b="0" i="1" smtClean="0">
+                          <a:latin typeface="Cambria Math" panose="02040503050406030204" pitchFamily="18" charset="0"/>
+                        </a:rPr>
+                        <m:t>)</m:t>
+                      </m:r>
+                      <m:r>
+                        <a:rPr lang="en-US" sz="2400" b="0" i="1" smtClean="0">
+                          <a:latin typeface="Cambria Math" charset="0"/>
+                        </a:rPr>
+                        <m:t>=</m:t>
+                      </m:r>
+                      <m:func>
+                        <m:funcPr>
+                          <m:ctrlPr>
+                            <a:rPr lang="en-US" sz="2400" b="0" i="1" smtClean="0">
+                              <a:latin typeface="Cambria Math" panose="02040503050406030204" pitchFamily="18" charset="0"/>
+                            </a:rPr>
+                          </m:ctrlPr>
+                        </m:funcPr>
+                        <m:fName>
+                          <m:r>
+                            <m:rPr>
+                              <m:sty m:val="p"/>
+                            </m:rPr>
+                            <a:rPr lang="en-US" sz="2400" b="0" i="0" smtClean="0">
+                              <a:latin typeface="Cambria Math" panose="02040503050406030204" pitchFamily="18" charset="0"/>
+                            </a:rPr>
+                            <m:t>exp</m:t>
+                          </m:r>
+                        </m:fName>
+                        <m:e>
+                          <m:d>
+                            <m:dPr>
+                              <m:ctrlPr>
+                                <a:rPr lang="en-US" sz="2400" i="1">
+                                  <a:latin typeface="Cambria Math" panose="02040503050406030204" pitchFamily="18" charset="0"/>
+                                </a:rPr>
+                              </m:ctrlPr>
+                            </m:dPr>
+                            <m:e>
+                              <m:r>
+                                <a:rPr lang="en-US" sz="2400" i="1">
+                                  <a:latin typeface="Cambria Math" charset="0"/>
+                                </a:rPr>
+                                <m:t>−</m:t>
+                              </m:r>
+                              <m:f>
+                                <m:fPr>
+                                  <m:ctrlPr>
+                                    <a:rPr lang="en-US" sz="2400" i="1">
+                                      <a:latin typeface="Cambria Math" panose="02040503050406030204" pitchFamily="18" charset="0"/>
+                                    </a:rPr>
+                                  </m:ctrlPr>
+                                </m:fPr>
+                                <m:num>
+                                  <m:sSup>
+                                    <m:sSupPr>
+                                      <m:ctrlPr>
+                                        <a:rPr lang="en-US" sz="2400" i="1">
+                                          <a:latin typeface="Cambria Math" panose="02040503050406030204" pitchFamily="18" charset="0"/>
+                                        </a:rPr>
+                                      </m:ctrlPr>
+                                    </m:sSupPr>
+                                    <m:e>
+                                      <m:d>
+                                        <m:dPr>
+                                          <m:begChr m:val="‖"/>
+                                          <m:endChr m:val="‖"/>
+                                          <m:ctrlPr>
+                                            <a:rPr lang="en-US" sz="2400" i="1">
+                                              <a:latin typeface="Cambria Math" panose="02040503050406030204" pitchFamily="18" charset="0"/>
+                                            </a:rPr>
+                                          </m:ctrlPr>
+                                        </m:dPr>
+                                        <m:e>
+                                          <m:sSub>
+                                            <m:sSubPr>
+                                              <m:ctrlPr>
+                                                <a:rPr lang="en-US" sz="2400" b="0" i="1" smtClean="0">
+                                                  <a:latin typeface="Cambria Math" panose="02040503050406030204" pitchFamily="18" charset="0"/>
+                                                </a:rPr>
+                                              </m:ctrlPr>
+                                            </m:sSubPr>
+                                            <m:e>
+                                              <m:r>
+                                                <a:rPr lang="en-US" sz="2400" b="1" i="1">
+                                                  <a:latin typeface="Cambria Math" charset="0"/>
+                                                </a:rPr>
+                                                <m:t>𝒙</m:t>
+                                              </m:r>
+                                            </m:e>
+                                            <m:sub>
+                                              <m:r>
+                                                <a:rPr lang="en-US" sz="2400" b="0" i="1" smtClean="0">
+                                                  <a:latin typeface="Cambria Math" panose="02040503050406030204" pitchFamily="18" charset="0"/>
+                                                </a:rPr>
+                                                <m:t>𝑖</m:t>
+                                              </m:r>
+                                            </m:sub>
+                                          </m:sSub>
+                                          <m:r>
+                                            <a:rPr lang="en-US" sz="2400" i="1">
+                                              <a:latin typeface="Cambria Math" charset="0"/>
+                                            </a:rPr>
+                                            <m:t>−</m:t>
+                                          </m:r>
+                                          <m:sSub>
+                                            <m:sSubPr>
+                                              <m:ctrlPr>
+                                                <a:rPr lang="en-US" sz="2400" i="1">
+                                                  <a:latin typeface="Cambria Math" panose="02040503050406030204" pitchFamily="18" charset="0"/>
+                                                </a:rPr>
+                                              </m:ctrlPr>
+                                            </m:sSubPr>
+                                            <m:e>
+                                              <m:r>
+                                                <a:rPr lang="en-US" sz="2400" b="1" i="1">
+                                                  <a:latin typeface="Cambria Math" charset="0"/>
+                                                </a:rPr>
+                                                <m:t>𝒙</m:t>
+                                              </m:r>
+                                            </m:e>
+                                            <m:sub>
+                                              <m:r>
+                                                <a:rPr lang="en-US" sz="2400" b="0" i="1" smtClean="0">
+                                                  <a:latin typeface="Cambria Math" panose="02040503050406030204" pitchFamily="18" charset="0"/>
+                                                </a:rPr>
+                                                <m:t>𝑗</m:t>
+                                              </m:r>
+                                            </m:sub>
+                                          </m:sSub>
+                                        </m:e>
+                                      </m:d>
+                                    </m:e>
+                                    <m:sup>
+                                      <m:r>
+                                        <a:rPr lang="en-US" sz="2400" i="1">
+                                          <a:latin typeface="Cambria Math" charset="0"/>
+                                        </a:rPr>
+                                        <m:t>2</m:t>
+                                      </m:r>
+                                    </m:sup>
+                                  </m:sSup>
+                                </m:num>
+                                <m:den>
+                                  <m:r>
+                                    <a:rPr lang="en-US" sz="2400" i="1">
+                                      <a:latin typeface="Cambria Math" charset="0"/>
+                                    </a:rPr>
+                                    <m:t>2</m:t>
+                                  </m:r>
+                                  <m:sSup>
+                                    <m:sSupPr>
+                                      <m:ctrlPr>
+                                        <a:rPr lang="en-US" sz="2400" i="1">
+                                          <a:latin typeface="Cambria Math" panose="02040503050406030204" pitchFamily="18" charset="0"/>
+                                        </a:rPr>
+                                      </m:ctrlPr>
+                                    </m:sSupPr>
+                                    <m:e>
+                                      <m:r>
+                                        <a:rPr lang="en-US" sz="2400" b="0" i="1" smtClean="0">
+                                          <a:latin typeface="Cambria Math" panose="02040503050406030204" pitchFamily="18" charset="0"/>
+                                        </a:rPr>
+                                        <m:t>𝑙</m:t>
+                                      </m:r>
+                                    </m:e>
+                                    <m:sup>
+                                      <m:r>
+                                        <a:rPr lang="en-US" sz="2400" i="1">
+                                          <a:latin typeface="Cambria Math" charset="0"/>
+                                        </a:rPr>
+                                        <m:t>2</m:t>
+                                      </m:r>
+                                    </m:sup>
+                                  </m:sSup>
+                                </m:den>
+                              </m:f>
+                            </m:e>
+                          </m:d>
+                        </m:e>
+                      </m:func>
+                    </m:oMath>
+                  </m:oMathPara>
+                </a14:m>
+                <a:endParaRPr lang="en-US" sz="2400" dirty="0"/>
+              </a:p>
+            </p:txBody>
+          </p:sp>
+        </mc:Choice>
+        <mc:Fallback>
+          <p:sp>
+            <p:nvSpPr>
+              <p:cNvPr id="7" name="TextBox 6">
+                <a:extLst>
+                  <a:ext uri="{FF2B5EF4-FFF2-40B4-BE49-F238E27FC236}">
+                    <a16:creationId xmlns:a16="http://schemas.microsoft.com/office/drawing/2014/main" id="{B326EACE-184C-7541-863E-4FC005F8970C}"/>
+                  </a:ext>
+                </a:extLst>
+              </p:cNvPr>
+              <p:cNvSpPr txBox="1">
+                <a:spLocks noRot="1" noChangeAspect="1" noMove="1" noResize="1" noEditPoints="1" noAdjustHandles="1" noChangeArrowheads="1" noChangeShapeType="1" noTextEdit="1"/>
+              </p:cNvSpPr>
+              <p:nvPr/>
+            </p:nvSpPr>
+            <p:spPr>
+              <a:xfrm>
+                <a:off x="520044" y="5002492"/>
+                <a:ext cx="5091266" cy="936025"/>
+              </a:xfrm>
+              <a:prstGeom prst="rect">
+                <a:avLst/>
+              </a:prstGeom>
+              <a:blipFill>
+                <a:blip r:embed="rId3"/>
+                <a:stretch>
+                  <a:fillRect b="-5333"/>
+                </a:stretch>
+              </a:blipFill>
+            </p:spPr>
+            <p:txBody>
+              <a:bodyPr/>
+              <a:lstStyle/>
+              <a:p>
+                <a:r>
+                  <a:rPr lang="da-DK">
+                    <a:noFill/>
+                  </a:rPr>
+                  <a:t> </a:t>
+                </a:r>
+              </a:p>
+            </p:txBody>
+          </p:sp>
+        </mc:Fallback>
+      </mc:AlternateContent>
+      <mc:AlternateContent xmlns:mc="http://schemas.openxmlformats.org/markup-compatibility/2006">
+        <mc:Choice xmlns:a14="http://schemas.microsoft.com/office/drawing/2010/main" Requires="a14">
+          <p:sp>
+            <p:nvSpPr>
+              <p:cNvPr id="8" name="TextBox 7">
+                <a:extLst>
+                  <a:ext uri="{FF2B5EF4-FFF2-40B4-BE49-F238E27FC236}">
+                    <a16:creationId xmlns:a16="http://schemas.microsoft.com/office/drawing/2014/main" id="{4565886E-73A9-DD4D-90C2-BD9C2AFADF7F}"/>
+                  </a:ext>
+                </a:extLst>
+              </p:cNvPr>
+              <p:cNvSpPr txBox="1"/>
+              <p:nvPr/>
+            </p:nvSpPr>
+            <p:spPr>
+              <a:xfrm>
+                <a:off x="404866" y="1828495"/>
+                <a:ext cx="3451522" cy="1172629"/>
+              </a:xfrm>
+              <a:prstGeom prst="rect">
+                <a:avLst/>
+              </a:prstGeom>
+              <a:noFill/>
+            </p:spPr>
+            <p:txBody>
+              <a:bodyPr wrap="none" rtlCol="0">
+                <a:spAutoFit/>
+              </a:bodyPr>
+              <a:lstStyle/>
+              <a:p>
+                <a:pPr/>
+                <a14:m>
+                  <m:oMathPara xmlns:m="http://schemas.openxmlformats.org/officeDocument/2006/math">
+                    <m:oMathParaPr>
+                      <m:jc m:val="centerGroup"/>
+                    </m:oMathParaPr>
+                    <m:oMath xmlns:m="http://schemas.openxmlformats.org/officeDocument/2006/math">
+                      <m:sSup>
+                        <m:sSupPr>
+                          <m:ctrlPr>
+                            <a:rPr lang="en-US" sz="2400" i="1" smtClean="0">
+                              <a:latin typeface="Cambria Math" panose="02040503050406030204" pitchFamily="18" charset="0"/>
+                            </a:rPr>
+                          </m:ctrlPr>
+                        </m:sSupPr>
+                        <m:e>
+                          <m:r>
+                            <a:rPr lang="en-US" sz="2400" b="0" i="1" smtClean="0">
+                              <a:latin typeface="Cambria Math" charset="0"/>
+                            </a:rPr>
+                            <m:t>𝐸</m:t>
+                          </m:r>
+                        </m:e>
+                        <m:sup>
+                          <m:r>
+                            <a:rPr lang="en-US" sz="2400" b="0" i="1" smtClean="0">
+                              <a:latin typeface="Cambria Math" charset="0"/>
+                            </a:rPr>
+                            <m:t>𝑀𝐿</m:t>
+                          </m:r>
+                        </m:sup>
+                      </m:sSup>
+                      <m:d>
+                        <m:dPr>
+                          <m:ctrlPr>
+                            <a:rPr lang="en-US" sz="2400" i="1" smtClean="0">
+                              <a:latin typeface="Cambria Math" panose="02040503050406030204" pitchFamily="18" charset="0"/>
+                            </a:rPr>
+                          </m:ctrlPr>
+                        </m:dPr>
+                        <m:e>
+                          <m:sSup>
+                            <m:sSupPr>
+                              <m:ctrlPr>
+                                <a:rPr lang="en-US" sz="2400" b="1" i="1" smtClean="0">
+                                  <a:latin typeface="Cambria Math" panose="02040503050406030204" pitchFamily="18" charset="0"/>
+                                </a:rPr>
+                              </m:ctrlPr>
+                            </m:sSupPr>
+                            <m:e>
+                              <m:r>
+                                <a:rPr lang="en-US" sz="2400" b="1" i="1" smtClean="0">
+                                  <a:latin typeface="Cambria Math" panose="02040503050406030204" pitchFamily="18" charset="0"/>
+                                </a:rPr>
+                                <m:t>𝒙</m:t>
+                              </m:r>
+                            </m:e>
+                            <m:sup>
+                              <m:r>
+                                <a:rPr lang="en-US" sz="2400" b="1" i="1" smtClean="0">
+                                  <a:latin typeface="Cambria Math" panose="02040503050406030204" pitchFamily="18" charset="0"/>
+                                </a:rPr>
+                                <m:t>∗</m:t>
+                              </m:r>
+                            </m:sup>
+                          </m:sSup>
+                        </m:e>
+                      </m:d>
+                      <m:r>
+                        <a:rPr lang="en-US" sz="2400" b="0" i="1" smtClean="0">
+                          <a:latin typeface="Cambria Math" charset="0"/>
+                        </a:rPr>
+                        <m:t>=</m:t>
+                      </m:r>
+                      <m:nary>
+                        <m:naryPr>
+                          <m:chr m:val="∑"/>
+                          <m:ctrlPr>
+                            <a:rPr lang="en-US" sz="2400" i="1" smtClean="0">
+                              <a:latin typeface="Cambria Math" panose="02040503050406030204" pitchFamily="18" charset="0"/>
+                            </a:rPr>
+                          </m:ctrlPr>
+                        </m:naryPr>
+                        <m:sub>
+                          <m:r>
+                            <a:rPr lang="en-US" sz="2400" b="0" i="1" smtClean="0">
+                              <a:latin typeface="Cambria Math" panose="02040503050406030204" pitchFamily="18" charset="0"/>
+                            </a:rPr>
+                            <m:t>𝑗</m:t>
+                          </m:r>
+                        </m:sub>
+                        <m:sup>
+                          <m:r>
+                            <a:rPr lang="en-US" sz="2400" b="0" i="1" smtClean="0">
+                              <a:latin typeface="Cambria Math" charset="0"/>
+                            </a:rPr>
+                            <m:t>𝑁</m:t>
+                          </m:r>
+                        </m:sup>
+                        <m:e>
+                          <m:sSub>
+                            <m:sSubPr>
+                              <m:ctrlPr>
+                                <a:rPr lang="en-US" sz="2400" i="1" smtClean="0">
+                                  <a:latin typeface="Cambria Math" panose="02040503050406030204" pitchFamily="18" charset="0"/>
+                                </a:rPr>
+                              </m:ctrlPr>
+                            </m:sSubPr>
+                            <m:e>
+                              <m:r>
+                                <a:rPr lang="en-US" sz="2400" b="0" i="1" smtClean="0">
+                                  <a:latin typeface="Cambria Math" charset="0"/>
+                                </a:rPr>
+                                <m:t>𝛼</m:t>
+                              </m:r>
+                            </m:e>
+                            <m:sub>
+                              <m:r>
+                                <a:rPr lang="en-US" sz="2400" b="0" i="1" smtClean="0">
+                                  <a:latin typeface="Cambria Math" panose="02040503050406030204" pitchFamily="18" charset="0"/>
+                                </a:rPr>
+                                <m:t>𝑗</m:t>
+                              </m:r>
+                            </m:sub>
+                          </m:sSub>
+                          <m:sSub>
+                            <m:sSubPr>
+                              <m:ctrlPr>
+                                <a:rPr lang="en-US" sz="2400" b="0" i="1" smtClean="0">
+                                  <a:latin typeface="Cambria Math" panose="02040503050406030204" pitchFamily="18" charset="0"/>
+                                </a:rPr>
+                              </m:ctrlPr>
+                            </m:sSubPr>
+                            <m:e>
+                              <m:r>
+                                <a:rPr lang="en-US" sz="2400" b="0" i="1" smtClean="0">
+                                  <a:latin typeface="Cambria Math" panose="02040503050406030204" pitchFamily="18" charset="0"/>
+                                </a:rPr>
+                                <m:t>𝐾</m:t>
+                              </m:r>
+                            </m:e>
+                            <m:sub>
+                              <m:r>
+                                <a:rPr lang="en-US" sz="2400" b="0" i="1" smtClean="0">
+                                  <a:latin typeface="Cambria Math" panose="02040503050406030204" pitchFamily="18" charset="0"/>
+                                </a:rPr>
+                                <m:t>𝑖𝑗</m:t>
+                              </m:r>
+                            </m:sub>
+                          </m:sSub>
+                          <m:r>
+                            <a:rPr lang="en-US" sz="2400" b="0" i="1" smtClean="0">
+                              <a:latin typeface="Cambria Math" panose="02040503050406030204" pitchFamily="18" charset="0"/>
+                            </a:rPr>
+                            <m:t>+</m:t>
+                          </m:r>
+                          <m:r>
+                            <a:rPr lang="en-US" sz="2400" b="0" i="1" smtClean="0">
+                              <a:latin typeface="Cambria Math" panose="02040503050406030204" pitchFamily="18" charset="0"/>
+                            </a:rPr>
+                            <m:t>𝛽</m:t>
+                          </m:r>
+                        </m:e>
+                      </m:nary>
+                    </m:oMath>
+                  </m:oMathPara>
+                </a14:m>
+                <a:endParaRPr lang="en-US" sz="2400" dirty="0"/>
+              </a:p>
+            </p:txBody>
+          </p:sp>
+        </mc:Choice>
+        <mc:Fallback>
+          <p:sp>
+            <p:nvSpPr>
+              <p:cNvPr id="8" name="TextBox 7">
+                <a:extLst>
+                  <a:ext uri="{FF2B5EF4-FFF2-40B4-BE49-F238E27FC236}">
+                    <a16:creationId xmlns:a16="http://schemas.microsoft.com/office/drawing/2014/main" id="{4565886E-73A9-DD4D-90C2-BD9C2AFADF7F}"/>
+                  </a:ext>
+                </a:extLst>
+              </p:cNvPr>
+              <p:cNvSpPr txBox="1">
+                <a:spLocks noRot="1" noChangeAspect="1" noMove="1" noResize="1" noEditPoints="1" noAdjustHandles="1" noChangeArrowheads="1" noChangeShapeType="1" noTextEdit="1"/>
+              </p:cNvSpPr>
+              <p:nvPr/>
+            </p:nvSpPr>
+            <p:spPr>
+              <a:xfrm>
+                <a:off x="404866" y="1828495"/>
+                <a:ext cx="3451522" cy="1172629"/>
+              </a:xfrm>
+              <a:prstGeom prst="rect">
+                <a:avLst/>
+              </a:prstGeom>
+              <a:blipFill>
+                <a:blip r:embed="rId4"/>
+                <a:stretch>
+                  <a:fillRect t="-100000" b="-150000"/>
+                </a:stretch>
+              </a:blipFill>
+            </p:spPr>
+            <p:txBody>
+              <a:bodyPr/>
+              <a:lstStyle/>
+              <a:p>
+                <a:r>
+                  <a:rPr lang="da-DK">
+                    <a:noFill/>
+                  </a:rPr>
+                  <a:t> </a:t>
+                </a:r>
+              </a:p>
+            </p:txBody>
+          </p:sp>
+        </mc:Fallback>
+      </mc:AlternateContent>
+      <p:pic>
+        <p:nvPicPr>
+          <p:cNvPr id="10" name="Picture 9"/>
+          <p:cNvPicPr>
+            <a:picLocks noChangeAspect="1"/>
+          </p:cNvPicPr>
+          <p:nvPr/>
+        </p:nvPicPr>
+        <p:blipFill>
+          <a:blip r:embed="rId5">
+            <a:extLst>
+              <a:ext uri="{28A0092B-C50C-407E-A947-70E740481C1C}">
+                <a14:useLocalDpi xmlns:a14="http://schemas.microsoft.com/office/drawing/2010/main" val="0"/>
+              </a:ext>
+            </a:extLst>
+          </a:blip>
+          <a:stretch>
+            <a:fillRect/>
+          </a:stretch>
+        </p:blipFill>
+        <p:spPr>
+          <a:xfrm>
+            <a:off x="197853" y="138764"/>
+            <a:ext cx="1236312" cy="259626"/>
+          </a:xfrm>
+          <a:prstGeom prst="rect">
+            <a:avLst/>
+          </a:prstGeom>
+        </p:spPr>
+      </p:pic>
+      <mc:AlternateContent xmlns:mc="http://schemas.openxmlformats.org/markup-compatibility/2006">
+        <mc:Choice xmlns:a14="http://schemas.microsoft.com/office/drawing/2010/main" Requires="a14">
+          <p:sp>
+            <p:nvSpPr>
+              <p:cNvPr id="11" name="TextBox 10">
+                <a:extLst>
+                  <a:ext uri="{FF2B5EF4-FFF2-40B4-BE49-F238E27FC236}">
+                    <a16:creationId xmlns:a16="http://schemas.microsoft.com/office/drawing/2014/main" id="{BB012DDB-BC0C-FE43-A518-218DE1F61A4D}"/>
+                  </a:ext>
+                </a:extLst>
+              </p:cNvPr>
+              <p:cNvSpPr txBox="1"/>
+              <p:nvPr/>
+            </p:nvSpPr>
+            <p:spPr>
+              <a:xfrm>
+                <a:off x="462461" y="3081350"/>
+                <a:ext cx="3395866" cy="635367"/>
+              </a:xfrm>
+              <a:prstGeom prst="rect">
+                <a:avLst/>
+              </a:prstGeom>
+              <a:noFill/>
+            </p:spPr>
+            <p:txBody>
+              <a:bodyPr wrap="none" rtlCol="0">
+                <a:spAutoFit/>
+              </a:bodyPr>
+              <a:lstStyle/>
+              <a:p>
+                <a:pPr/>
+                <a14:m>
+                  <m:oMath xmlns:m="http://schemas.openxmlformats.org/officeDocument/2006/math">
+                    <m:sSup>
+                      <m:sSupPr>
+                        <m:ctrlPr>
+                          <a:rPr lang="en-US" sz="2400" i="1" smtClean="0">
+                            <a:latin typeface="Cambria Math" panose="02040503050406030204" pitchFamily="18" charset="0"/>
+                          </a:rPr>
+                        </m:ctrlPr>
+                      </m:sSupPr>
+                      <m:e>
+                        <m:r>
+                          <a:rPr lang="en-US" sz="2400" b="1" i="1" smtClean="0">
+                            <a:latin typeface="Cambria Math" panose="02040503050406030204" pitchFamily="18" charset="0"/>
+                          </a:rPr>
+                          <m:t>𝑭</m:t>
+                        </m:r>
+                      </m:e>
+                      <m:sup>
+                        <m:r>
+                          <a:rPr lang="en-US" sz="2400" b="0" i="1" smtClean="0">
+                            <a:latin typeface="Cambria Math" charset="0"/>
+                          </a:rPr>
+                          <m:t>𝑀𝐿</m:t>
+                        </m:r>
+                      </m:sup>
+                    </m:sSup>
+                    <m:d>
+                      <m:dPr>
+                        <m:ctrlPr>
+                          <a:rPr lang="en-US" sz="2400" i="1" smtClean="0">
+                            <a:latin typeface="Cambria Math" panose="02040503050406030204" pitchFamily="18" charset="0"/>
+                          </a:rPr>
+                        </m:ctrlPr>
+                      </m:dPr>
+                      <m:e>
+                        <m:sSup>
+                          <m:sSupPr>
+                            <m:ctrlPr>
+                              <a:rPr lang="en-US" sz="2400" b="1" i="1" smtClean="0">
+                                <a:latin typeface="Cambria Math" panose="02040503050406030204" pitchFamily="18" charset="0"/>
+                              </a:rPr>
+                            </m:ctrlPr>
+                          </m:sSupPr>
+                          <m:e>
+                            <m:r>
+                              <a:rPr lang="en-US" sz="2400" b="1" i="1" smtClean="0">
+                                <a:latin typeface="Cambria Math" panose="02040503050406030204" pitchFamily="18" charset="0"/>
+                              </a:rPr>
+                              <m:t>𝒙</m:t>
+                            </m:r>
+                          </m:e>
+                          <m:sup>
+                            <m:r>
+                              <a:rPr lang="en-US" sz="2400" b="1" i="1" smtClean="0">
+                                <a:latin typeface="Cambria Math" panose="02040503050406030204" pitchFamily="18" charset="0"/>
+                              </a:rPr>
+                              <m:t>∗</m:t>
+                            </m:r>
+                          </m:sup>
+                        </m:sSup>
+                      </m:e>
+                    </m:d>
+                    <m:r>
+                      <a:rPr lang="en-US" sz="2400" b="0" i="1" smtClean="0">
+                        <a:latin typeface="Cambria Math" charset="0"/>
+                      </a:rPr>
+                      <m:t>=</m:t>
+                    </m:r>
+                    <m:r>
+                      <a:rPr lang="en-US" sz="2400" b="0" i="1" smtClean="0">
+                        <a:latin typeface="Cambria Math" panose="02040503050406030204" pitchFamily="18" charset="0"/>
+                      </a:rPr>
+                      <m:t>−</m:t>
+                    </m:r>
+                    <m:f>
+                      <m:fPr>
+                        <m:ctrlPr>
+                          <a:rPr lang="en-US" sz="2400" b="0" i="1" smtClean="0">
+                            <a:latin typeface="Cambria Math" panose="02040503050406030204" pitchFamily="18" charset="0"/>
+                          </a:rPr>
+                        </m:ctrlPr>
+                      </m:fPr>
+                      <m:num>
+                        <m:r>
+                          <a:rPr lang="en-US" sz="2400" b="0" i="1" smtClean="0">
+                            <a:latin typeface="Cambria Math" panose="02040503050406030204" pitchFamily="18" charset="0"/>
+                          </a:rPr>
+                          <m:t>𝜕</m:t>
+                        </m:r>
+                      </m:num>
+                      <m:den>
+                        <m:r>
+                          <a:rPr lang="en-US" sz="2400" b="0" i="1" smtClean="0">
+                            <a:latin typeface="Cambria Math" panose="02040503050406030204" pitchFamily="18" charset="0"/>
+                          </a:rPr>
+                          <m:t>𝜕</m:t>
+                        </m:r>
+                        <m:r>
+                          <a:rPr lang="en-US" sz="2400" b="1" i="1" smtClean="0">
+                            <a:latin typeface="Cambria Math" panose="02040503050406030204" pitchFamily="18" charset="0"/>
+                          </a:rPr>
+                          <m:t>𝑹</m:t>
+                        </m:r>
+                      </m:den>
+                    </m:f>
+                  </m:oMath>
+                </a14:m>
+                <a:r>
+                  <a:rPr lang="en-US" sz="2400" dirty="0"/>
+                  <a:t> </a:t>
+                </a:r>
+                <a14:m>
+                  <m:oMath xmlns:m="http://schemas.openxmlformats.org/officeDocument/2006/math">
+                    <m:sSup>
+                      <m:sSupPr>
+                        <m:ctrlPr>
+                          <a:rPr lang="en-US" sz="2400" i="1">
+                            <a:latin typeface="Cambria Math" panose="02040503050406030204" pitchFamily="18" charset="0"/>
+                          </a:rPr>
+                        </m:ctrlPr>
+                      </m:sSupPr>
+                      <m:e>
+                        <m:r>
+                          <a:rPr lang="en-US" sz="2400" i="1">
+                            <a:latin typeface="Cambria Math" charset="0"/>
+                          </a:rPr>
+                          <m:t>𝐸</m:t>
+                        </m:r>
+                      </m:e>
+                      <m:sup>
+                        <m:r>
+                          <a:rPr lang="en-US" sz="2400" i="1">
+                            <a:latin typeface="Cambria Math" charset="0"/>
+                          </a:rPr>
+                          <m:t>𝑀𝐿</m:t>
+                        </m:r>
+                      </m:sup>
+                    </m:sSup>
+                    <m:d>
+                      <m:dPr>
+                        <m:ctrlPr>
+                          <a:rPr lang="en-US" sz="2400" i="1">
+                            <a:latin typeface="Cambria Math" panose="02040503050406030204" pitchFamily="18" charset="0"/>
+                          </a:rPr>
+                        </m:ctrlPr>
+                      </m:dPr>
+                      <m:e>
+                        <m:sSub>
+                          <m:sSubPr>
+                            <m:ctrlPr>
+                              <a:rPr lang="en-US" sz="2400" b="1" i="1">
+                                <a:latin typeface="Cambria Math" panose="02040503050406030204" pitchFamily="18" charset="0"/>
+                              </a:rPr>
+                            </m:ctrlPr>
+                          </m:sSubPr>
+                          <m:e>
+                            <m:r>
+                              <a:rPr lang="en-US" sz="2400" b="1" i="1">
+                                <a:latin typeface="Cambria Math" charset="0"/>
+                              </a:rPr>
+                              <m:t>𝒙</m:t>
+                            </m:r>
+                          </m:e>
+                          <m:sub>
+                            <m:r>
+                              <a:rPr lang="en-US" sz="2400" b="1" i="1">
+                                <a:latin typeface="Cambria Math" panose="02040503050406030204" pitchFamily="18" charset="0"/>
+                              </a:rPr>
+                              <m:t>𝒊</m:t>
+                            </m:r>
+                          </m:sub>
+                        </m:sSub>
+                      </m:e>
+                    </m:d>
+                  </m:oMath>
+                </a14:m>
+                <a:endParaRPr lang="en-US" sz="2400" b="0" dirty="0"/>
+              </a:p>
+            </p:txBody>
+          </p:sp>
+        </mc:Choice>
+        <mc:Fallback>
+          <p:sp>
+            <p:nvSpPr>
+              <p:cNvPr id="11" name="TextBox 10">
+                <a:extLst>
+                  <a:ext uri="{FF2B5EF4-FFF2-40B4-BE49-F238E27FC236}">
+                    <a16:creationId xmlns:a16="http://schemas.microsoft.com/office/drawing/2014/main" id="{BB012DDB-BC0C-FE43-A518-218DE1F61A4D}"/>
+                  </a:ext>
+                </a:extLst>
+              </p:cNvPr>
+              <p:cNvSpPr txBox="1">
+                <a:spLocks noRot="1" noChangeAspect="1" noMove="1" noResize="1" noEditPoints="1" noAdjustHandles="1" noChangeArrowheads="1" noChangeShapeType="1" noTextEdit="1"/>
+              </p:cNvSpPr>
+              <p:nvPr/>
+            </p:nvSpPr>
+            <p:spPr>
+              <a:xfrm>
+                <a:off x="462461" y="3081350"/>
+                <a:ext cx="3395866" cy="635367"/>
+              </a:xfrm>
+              <a:prstGeom prst="rect">
+                <a:avLst/>
+              </a:prstGeom>
+              <a:blipFill>
+                <a:blip r:embed="rId6"/>
+                <a:stretch>
+                  <a:fillRect l="-373" b="-3922"/>
+                </a:stretch>
+              </a:blipFill>
+            </p:spPr>
+            <p:txBody>
+              <a:bodyPr/>
+              <a:lstStyle/>
+              <a:p>
+                <a:r>
+                  <a:rPr lang="da-DK">
+                    <a:noFill/>
+                  </a:rPr>
+                  <a:t> </a:t>
+                </a:r>
+              </a:p>
+            </p:txBody>
+          </p:sp>
+        </mc:Fallback>
+      </mc:AlternateContent>
+      <mc:AlternateContent xmlns:mc="http://schemas.openxmlformats.org/markup-compatibility/2006">
+        <mc:Choice xmlns:a14="http://schemas.microsoft.com/office/drawing/2010/main" Requires="a14">
+          <p:sp>
+            <p:nvSpPr>
+              <p:cNvPr id="3" name="Rectangle 2">
+                <a:extLst>
+                  <a:ext uri="{FF2B5EF4-FFF2-40B4-BE49-F238E27FC236}">
+                    <a16:creationId xmlns:a16="http://schemas.microsoft.com/office/drawing/2014/main" id="{67AED2B4-B067-1F42-ABA8-9D82AA92F92F}"/>
+                  </a:ext>
+                </a:extLst>
+              </p:cNvPr>
+              <p:cNvSpPr/>
+              <p:nvPr/>
+            </p:nvSpPr>
+            <p:spPr>
+              <a:xfrm>
+                <a:off x="5124157" y="2041907"/>
+                <a:ext cx="2475871" cy="461665"/>
+              </a:xfrm>
+              <a:prstGeom prst="rect">
+                <a:avLst/>
+              </a:prstGeom>
+            </p:spPr>
+            <p:txBody>
+              <a:bodyPr wrap="none">
+                <a:spAutoFit/>
+              </a:bodyPr>
+              <a:lstStyle/>
+              <a:p>
+                <a14:m>
+                  <m:oMathPara xmlns:m="http://schemas.openxmlformats.org/officeDocument/2006/math">
+                    <m:oMathParaPr>
+                      <m:jc m:val="centerGroup"/>
+                    </m:oMathParaPr>
+                    <m:oMath xmlns:m="http://schemas.openxmlformats.org/officeDocument/2006/math">
+                      <m:r>
+                        <a:rPr lang="en-US" sz="2400" b="1" i="1" smtClean="0">
+                          <a:latin typeface="Cambria Math" panose="02040503050406030204" pitchFamily="18" charset="0"/>
+                        </a:rPr>
+                        <m:t>𝜶</m:t>
+                      </m:r>
+                      <m:r>
+                        <a:rPr lang="en-US" sz="2400" i="1">
+                          <a:latin typeface="Cambria Math" panose="02040503050406030204" pitchFamily="18" charset="0"/>
+                        </a:rPr>
+                        <m:t>=</m:t>
+                      </m:r>
+                      <m:sSup>
+                        <m:sSupPr>
+                          <m:ctrlPr>
+                            <a:rPr lang="en-US" sz="2400" i="1">
+                              <a:latin typeface="Cambria Math" panose="02040503050406030204" pitchFamily="18" charset="0"/>
+                            </a:rPr>
+                          </m:ctrlPr>
+                        </m:sSupPr>
+                        <m:e>
+                          <m:d>
+                            <m:dPr>
+                              <m:ctrlPr>
+                                <a:rPr lang="en-US" sz="2400" i="1">
+                                  <a:latin typeface="Cambria Math" panose="02040503050406030204" pitchFamily="18" charset="0"/>
+                                </a:rPr>
+                              </m:ctrlPr>
+                            </m:dPr>
+                            <m:e>
+                              <m:r>
+                                <a:rPr lang="en-US" sz="2400" b="1">
+                                  <a:latin typeface="Cambria Math" panose="02040503050406030204" pitchFamily="18" charset="0"/>
+                                </a:rPr>
+                                <m:t>𝐊</m:t>
+                              </m:r>
+                              <m:r>
+                                <a:rPr lang="en-US" sz="2400" i="1">
+                                  <a:latin typeface="Cambria Math" panose="02040503050406030204" pitchFamily="18" charset="0"/>
+                                </a:rPr>
+                                <m:t>+</m:t>
+                              </m:r>
+                              <m:r>
+                                <a:rPr lang="en-US" sz="2400" i="1">
+                                  <a:latin typeface="Cambria Math" panose="02040503050406030204" pitchFamily="18" charset="0"/>
+                                </a:rPr>
+                                <m:t>𝜆</m:t>
+                              </m:r>
+                              <m:r>
+                                <a:rPr lang="en-US" sz="2400" b="1">
+                                  <a:latin typeface="Cambria Math" panose="02040503050406030204" pitchFamily="18" charset="0"/>
+                                </a:rPr>
+                                <m:t>𝐈</m:t>
+                              </m:r>
+                            </m:e>
+                          </m:d>
+                        </m:e>
+                        <m:sup>
+                          <m:r>
+                            <a:rPr lang="en-US" sz="2400" i="1">
+                              <a:latin typeface="Cambria Math" panose="02040503050406030204" pitchFamily="18" charset="0"/>
+                            </a:rPr>
+                            <m:t>−1</m:t>
+                          </m:r>
+                        </m:sup>
+                      </m:sSup>
+                      <m:r>
+                        <a:rPr lang="en-US" sz="2400" b="1" i="1" smtClean="0">
+                          <a:latin typeface="Cambria Math" panose="02040503050406030204" pitchFamily="18" charset="0"/>
+                        </a:rPr>
+                        <m:t>𝑬</m:t>
+                      </m:r>
+                    </m:oMath>
+                  </m:oMathPara>
+                </a14:m>
+                <a:endParaRPr lang="da-DK" sz="2400" b="1" dirty="0"/>
+              </a:p>
+            </p:txBody>
+          </p:sp>
+        </mc:Choice>
+        <mc:Fallback>
+          <p:sp>
+            <p:nvSpPr>
+              <p:cNvPr id="3" name="Rectangle 2">
+                <a:extLst>
+                  <a:ext uri="{FF2B5EF4-FFF2-40B4-BE49-F238E27FC236}">
+                    <a16:creationId xmlns:a16="http://schemas.microsoft.com/office/drawing/2014/main" id="{67AED2B4-B067-1F42-ABA8-9D82AA92F92F}"/>
+                  </a:ext>
+                </a:extLst>
+              </p:cNvPr>
+              <p:cNvSpPr>
+                <a:spLocks noRot="1" noChangeAspect="1" noMove="1" noResize="1" noEditPoints="1" noAdjustHandles="1" noChangeArrowheads="1" noChangeShapeType="1" noTextEdit="1"/>
+              </p:cNvSpPr>
+              <p:nvPr/>
+            </p:nvSpPr>
+            <p:spPr>
+              <a:xfrm>
+                <a:off x="5124157" y="2041907"/>
+                <a:ext cx="2475871" cy="461665"/>
+              </a:xfrm>
+              <a:prstGeom prst="rect">
+                <a:avLst/>
+              </a:prstGeom>
+              <a:blipFill>
+                <a:blip r:embed="rId7"/>
+                <a:stretch>
+                  <a:fillRect/>
+                </a:stretch>
+              </a:blipFill>
+            </p:spPr>
+            <p:txBody>
+              <a:bodyPr/>
+              <a:lstStyle/>
+              <a:p>
+                <a:r>
+                  <a:rPr lang="da-DK">
+                    <a:noFill/>
+                  </a:rPr>
+                  <a:t> </a:t>
+                </a:r>
+              </a:p>
+            </p:txBody>
+          </p:sp>
+        </mc:Fallback>
+      </mc:AlternateContent>
+      <p:sp>
+        <p:nvSpPr>
+          <p:cNvPr id="13" name="TextBox 12">
+            <a:extLst>
+              <a:ext uri="{FF2B5EF4-FFF2-40B4-BE49-F238E27FC236}">
+                <a16:creationId xmlns:a16="http://schemas.microsoft.com/office/drawing/2014/main" id="{066E202D-18D7-A642-8AE3-7D8CF187D524}"/>
+              </a:ext>
+            </a:extLst>
+          </p:cNvPr>
+          <p:cNvSpPr txBox="1"/>
+          <p:nvPr/>
+        </p:nvSpPr>
+        <p:spPr>
+          <a:xfrm>
+            <a:off x="360213" y="1427008"/>
+            <a:ext cx="1575816" cy="461665"/>
+          </a:xfrm>
+          <a:prstGeom prst="rect">
+            <a:avLst/>
+          </a:prstGeom>
+          <a:noFill/>
+        </p:spPr>
+        <p:txBody>
+          <a:bodyPr wrap="none" rtlCol="0">
+            <a:spAutoFit/>
+          </a:bodyPr>
+          <a:lstStyle/>
+          <a:p>
+            <a:r>
+              <a:rPr lang="da-DK" sz="2400" b="1" dirty="0" err="1"/>
+              <a:t>Prediction</a:t>
+            </a:r>
+            <a:r>
+              <a:rPr lang="da-DK" sz="2400" b="1" dirty="0"/>
+              <a:t>:</a:t>
+            </a:r>
+          </a:p>
+        </p:txBody>
+      </p:sp>
+      <p:sp>
+        <p:nvSpPr>
+          <p:cNvPr id="14" name="TextBox 13">
+            <a:extLst>
+              <a:ext uri="{FF2B5EF4-FFF2-40B4-BE49-F238E27FC236}">
+                <a16:creationId xmlns:a16="http://schemas.microsoft.com/office/drawing/2014/main" id="{D8AA17F5-17AA-654E-B89B-E4E9C5F05D4A}"/>
+              </a:ext>
+            </a:extLst>
+          </p:cNvPr>
+          <p:cNvSpPr txBox="1"/>
+          <p:nvPr/>
+        </p:nvSpPr>
+        <p:spPr>
+          <a:xfrm>
+            <a:off x="5124157" y="1427007"/>
+            <a:ext cx="1287468" cy="461665"/>
+          </a:xfrm>
+          <a:prstGeom prst="rect">
+            <a:avLst/>
+          </a:prstGeom>
+          <a:noFill/>
+        </p:spPr>
+        <p:txBody>
+          <a:bodyPr wrap="none" rtlCol="0">
+            <a:spAutoFit/>
+          </a:bodyPr>
+          <a:lstStyle/>
+          <a:p>
+            <a:r>
+              <a:rPr lang="da-DK" sz="2400" b="1" dirty="0"/>
+              <a:t>Training:</a:t>
+            </a:r>
+          </a:p>
+        </p:txBody>
+      </p:sp>
+      <mc:AlternateContent xmlns:mc="http://schemas.openxmlformats.org/markup-compatibility/2006">
+        <mc:Choice xmlns:a14="http://schemas.microsoft.com/office/drawing/2010/main" Requires="a14">
+          <p:sp>
+            <p:nvSpPr>
+              <p:cNvPr id="16" name="TextBox 15">
+                <a:extLst>
+                  <a:ext uri="{FF2B5EF4-FFF2-40B4-BE49-F238E27FC236}">
+                    <a16:creationId xmlns:a16="http://schemas.microsoft.com/office/drawing/2014/main" id="{2CF36B65-5856-0E4A-A3F2-9073C8FBF3BB}"/>
+                  </a:ext>
+                </a:extLst>
+              </p:cNvPr>
+              <p:cNvSpPr txBox="1"/>
+              <p:nvPr/>
+            </p:nvSpPr>
+            <p:spPr>
+              <a:xfrm>
+                <a:off x="462461" y="3890776"/>
+                <a:ext cx="6072560" cy="539571"/>
+              </a:xfrm>
+              <a:prstGeom prst="rect">
+                <a:avLst/>
+              </a:prstGeom>
+              <a:noFill/>
+            </p:spPr>
+            <p:txBody>
+              <a:bodyPr wrap="none" rtlCol="0">
+                <a:spAutoFit/>
+              </a:bodyPr>
+              <a:lstStyle/>
+              <a:p>
+                <a:pPr/>
+                <a14:m>
+                  <m:oMathPara xmlns:m="http://schemas.openxmlformats.org/officeDocument/2006/math">
+                    <m:oMathParaPr>
+                      <m:jc m:val="centerGroup"/>
+                    </m:oMathParaPr>
+                    <m:oMath xmlns:m="http://schemas.openxmlformats.org/officeDocument/2006/math">
+                      <m:sSup>
+                        <m:sSupPr>
+                          <m:ctrlPr>
+                            <a:rPr lang="en-US" sz="2400" b="0" i="1" smtClean="0">
+                              <a:latin typeface="Cambria Math" panose="02040503050406030204" pitchFamily="18" charset="0"/>
+                            </a:rPr>
+                          </m:ctrlPr>
+                        </m:sSupPr>
+                        <m:e>
+                          <m:r>
+                            <a:rPr lang="en-US" sz="2400" b="0" i="1" smtClean="0">
+                              <a:latin typeface="Cambria Math" panose="02040503050406030204" pitchFamily="18" charset="0"/>
+                            </a:rPr>
+                            <m:t>𝜎</m:t>
+                          </m:r>
+                        </m:e>
+                        <m:sup>
+                          <m:r>
+                            <a:rPr lang="en-US" sz="2400" b="0" i="1" smtClean="0">
+                              <a:latin typeface="Cambria Math" panose="02040503050406030204" pitchFamily="18" charset="0"/>
+                            </a:rPr>
+                            <m:t>𝑀𝐿</m:t>
+                          </m:r>
+                        </m:sup>
+                      </m:sSup>
+                      <m:d>
+                        <m:dPr>
+                          <m:ctrlPr>
+                            <a:rPr lang="en-US" sz="2400" b="0" i="1" smtClean="0">
+                              <a:latin typeface="Cambria Math" panose="02040503050406030204" pitchFamily="18" charset="0"/>
+                            </a:rPr>
+                          </m:ctrlPr>
+                        </m:dPr>
+                        <m:e>
+                          <m:sSup>
+                            <m:sSupPr>
+                              <m:ctrlPr>
+                                <a:rPr lang="en-US" sz="2400" b="1" i="1" smtClean="0">
+                                  <a:latin typeface="Cambria Math" panose="02040503050406030204" pitchFamily="18" charset="0"/>
+                                </a:rPr>
+                              </m:ctrlPr>
+                            </m:sSupPr>
+                            <m:e>
+                              <m:r>
+                                <a:rPr lang="en-US" sz="2400" b="1" i="1" smtClean="0">
+                                  <a:latin typeface="Cambria Math" panose="02040503050406030204" pitchFamily="18" charset="0"/>
+                                </a:rPr>
+                                <m:t>𝒙</m:t>
+                              </m:r>
+                            </m:e>
+                            <m:sup>
+                              <m:r>
+                                <a:rPr lang="en-US" sz="2400" b="1" i="1" smtClean="0">
+                                  <a:latin typeface="Cambria Math" panose="02040503050406030204" pitchFamily="18" charset="0"/>
+                                </a:rPr>
+                                <m:t>∗</m:t>
+                              </m:r>
+                            </m:sup>
+                          </m:sSup>
+                        </m:e>
+                      </m:d>
+                      <m:r>
+                        <a:rPr lang="en-US" sz="2400" b="0" i="1" smtClean="0">
+                          <a:latin typeface="Cambria Math" panose="02040503050406030204" pitchFamily="18" charset="0"/>
+                        </a:rPr>
+                        <m:t>= </m:t>
+                      </m:r>
+                      <m:rad>
+                        <m:radPr>
+                          <m:degHide m:val="on"/>
+                          <m:ctrlPr>
+                            <a:rPr lang="en-US" sz="2400" b="0" i="1" smtClean="0">
+                              <a:latin typeface="Cambria Math" panose="02040503050406030204" pitchFamily="18" charset="0"/>
+                            </a:rPr>
+                          </m:ctrlPr>
+                        </m:radPr>
+                        <m:deg/>
+                        <m:e>
+                          <m:r>
+                            <a:rPr lang="en-US" sz="2400" b="0" i="1" smtClean="0">
+                              <a:latin typeface="Cambria Math" panose="02040503050406030204" pitchFamily="18" charset="0"/>
+                            </a:rPr>
+                            <m:t>𝜃</m:t>
+                          </m:r>
+                          <m:r>
+                            <a:rPr lang="en-US" sz="2400" b="0" i="1" smtClean="0">
+                              <a:latin typeface="Cambria Math" panose="02040503050406030204" pitchFamily="18" charset="0"/>
+                            </a:rPr>
+                            <m:t>(1−</m:t>
+                          </m:r>
+                          <m:sSup>
+                            <m:sSupPr>
+                              <m:ctrlPr>
+                                <a:rPr lang="en-US" sz="2400" b="0" i="1" smtClean="0">
+                                  <a:latin typeface="Cambria Math" panose="02040503050406030204" pitchFamily="18" charset="0"/>
+                                </a:rPr>
+                              </m:ctrlPr>
+                            </m:sSupPr>
+                            <m:e>
+                              <m:r>
+                                <a:rPr lang="en-US" sz="2400" b="1" i="1" smtClean="0">
+                                  <a:latin typeface="Cambria Math" panose="02040503050406030204" pitchFamily="18" charset="0"/>
+                                </a:rPr>
+                                <m:t>𝜿</m:t>
+                              </m:r>
+                              <m:d>
+                                <m:dPr>
+                                  <m:ctrlPr>
+                                    <a:rPr lang="en-US" sz="2400" i="1">
+                                      <a:latin typeface="Cambria Math" panose="02040503050406030204" pitchFamily="18" charset="0"/>
+                                    </a:rPr>
+                                  </m:ctrlPr>
+                                </m:dPr>
+                                <m:e>
+                                  <m:sSup>
+                                    <m:sSupPr>
+                                      <m:ctrlPr>
+                                        <a:rPr lang="en-US" sz="2400" b="1" i="1">
+                                          <a:latin typeface="Cambria Math" panose="02040503050406030204" pitchFamily="18" charset="0"/>
+                                        </a:rPr>
+                                      </m:ctrlPr>
+                                    </m:sSupPr>
+                                    <m:e>
+                                      <m:r>
+                                        <a:rPr lang="en-US" sz="2400" b="1" i="1">
+                                          <a:latin typeface="Cambria Math" panose="02040503050406030204" pitchFamily="18" charset="0"/>
+                                        </a:rPr>
+                                        <m:t>𝒙</m:t>
+                                      </m:r>
+                                    </m:e>
+                                    <m:sup>
+                                      <m:r>
+                                        <a:rPr lang="en-US" sz="2400" b="1" i="1">
+                                          <a:latin typeface="Cambria Math" panose="02040503050406030204" pitchFamily="18" charset="0"/>
+                                        </a:rPr>
+                                        <m:t>∗</m:t>
+                                      </m:r>
+                                    </m:sup>
+                                  </m:sSup>
+                                </m:e>
+                              </m:d>
+                            </m:e>
+                            <m:sup>
+                              <m:r>
+                                <a:rPr lang="en-US" sz="2400" b="0" i="1" smtClean="0">
+                                  <a:latin typeface="Cambria Math" panose="02040503050406030204" pitchFamily="18" charset="0"/>
+                                </a:rPr>
+                                <m:t>𝑇</m:t>
+                              </m:r>
+                            </m:sup>
+                          </m:sSup>
+                          <m:sSup>
+                            <m:sSupPr>
+                              <m:ctrlPr>
+                                <a:rPr lang="en-US" sz="2400" i="1">
+                                  <a:latin typeface="Cambria Math" panose="02040503050406030204" pitchFamily="18" charset="0"/>
+                                </a:rPr>
+                              </m:ctrlPr>
+                            </m:sSupPr>
+                            <m:e>
+                              <m:d>
+                                <m:dPr>
+                                  <m:ctrlPr>
+                                    <a:rPr lang="en-US" sz="2400" i="1">
+                                      <a:latin typeface="Cambria Math" panose="02040503050406030204" pitchFamily="18" charset="0"/>
+                                    </a:rPr>
+                                  </m:ctrlPr>
+                                </m:dPr>
+                                <m:e>
+                                  <m:r>
+                                    <a:rPr lang="en-US" sz="2400" b="1">
+                                      <a:latin typeface="Cambria Math" panose="02040503050406030204" pitchFamily="18" charset="0"/>
+                                    </a:rPr>
+                                    <m:t>𝐊</m:t>
+                                  </m:r>
+                                  <m:r>
+                                    <a:rPr lang="en-US" sz="2400" i="1">
+                                      <a:latin typeface="Cambria Math" panose="02040503050406030204" pitchFamily="18" charset="0"/>
+                                    </a:rPr>
+                                    <m:t>+</m:t>
+                                  </m:r>
+                                  <m:r>
+                                    <a:rPr lang="en-US" sz="2400" i="1">
+                                      <a:latin typeface="Cambria Math" panose="02040503050406030204" pitchFamily="18" charset="0"/>
+                                    </a:rPr>
+                                    <m:t>𝜆</m:t>
+                                  </m:r>
+                                  <m:r>
+                                    <a:rPr lang="en-US" sz="2400" b="1">
+                                      <a:latin typeface="Cambria Math" panose="02040503050406030204" pitchFamily="18" charset="0"/>
+                                    </a:rPr>
+                                    <m:t>𝐈</m:t>
+                                  </m:r>
+                                </m:e>
+                              </m:d>
+                            </m:e>
+                            <m:sup>
+                              <m:r>
+                                <a:rPr lang="en-US" sz="2400" i="1">
+                                  <a:latin typeface="Cambria Math" panose="02040503050406030204" pitchFamily="18" charset="0"/>
+                                </a:rPr>
+                                <m:t>−1</m:t>
+                              </m:r>
+                            </m:sup>
+                          </m:sSup>
+                          <m:r>
+                            <a:rPr lang="en-US" sz="2400" b="1" i="1" smtClean="0">
+                              <a:latin typeface="Cambria Math" panose="02040503050406030204" pitchFamily="18" charset="0"/>
+                            </a:rPr>
+                            <m:t>𝜿</m:t>
+                          </m:r>
+                          <m:d>
+                            <m:dPr>
+                              <m:ctrlPr>
+                                <a:rPr lang="en-US" sz="2400" i="1">
+                                  <a:latin typeface="Cambria Math" panose="02040503050406030204" pitchFamily="18" charset="0"/>
+                                </a:rPr>
+                              </m:ctrlPr>
+                            </m:dPr>
+                            <m:e>
+                              <m:sSup>
+                                <m:sSupPr>
+                                  <m:ctrlPr>
+                                    <a:rPr lang="en-US" sz="2400" b="1" i="1">
+                                      <a:latin typeface="Cambria Math" panose="02040503050406030204" pitchFamily="18" charset="0"/>
+                                    </a:rPr>
+                                  </m:ctrlPr>
+                                </m:sSupPr>
+                                <m:e>
+                                  <m:r>
+                                    <a:rPr lang="en-US" sz="2400" b="1" i="1">
+                                      <a:latin typeface="Cambria Math" panose="02040503050406030204" pitchFamily="18" charset="0"/>
+                                    </a:rPr>
+                                    <m:t>𝒙</m:t>
+                                  </m:r>
+                                </m:e>
+                                <m:sup>
+                                  <m:r>
+                                    <a:rPr lang="en-US" sz="2400" b="1" i="1">
+                                      <a:latin typeface="Cambria Math" panose="02040503050406030204" pitchFamily="18" charset="0"/>
+                                    </a:rPr>
+                                    <m:t>∗</m:t>
+                                  </m:r>
+                                </m:sup>
+                              </m:sSup>
+                            </m:e>
+                          </m:d>
+                          <m:r>
+                            <a:rPr lang="en-US" sz="2400" b="0" i="1" smtClean="0">
+                              <a:latin typeface="Cambria Math" panose="02040503050406030204" pitchFamily="18" charset="0"/>
+                            </a:rPr>
+                            <m:t>)</m:t>
+                          </m:r>
+                        </m:e>
+                      </m:rad>
+                    </m:oMath>
+                  </m:oMathPara>
+                </a14:m>
+                <a:endParaRPr lang="en-US" sz="2400" b="0" dirty="0"/>
+              </a:p>
+            </p:txBody>
+          </p:sp>
+        </mc:Choice>
+        <mc:Fallback>
+          <p:sp>
+            <p:nvSpPr>
+              <p:cNvPr id="16" name="TextBox 15">
+                <a:extLst>
+                  <a:ext uri="{FF2B5EF4-FFF2-40B4-BE49-F238E27FC236}">
+                    <a16:creationId xmlns:a16="http://schemas.microsoft.com/office/drawing/2014/main" id="{2CF36B65-5856-0E4A-A3F2-9073C8FBF3BB}"/>
+                  </a:ext>
+                </a:extLst>
+              </p:cNvPr>
+              <p:cNvSpPr txBox="1">
+                <a:spLocks noRot="1" noChangeAspect="1" noMove="1" noResize="1" noEditPoints="1" noAdjustHandles="1" noChangeArrowheads="1" noChangeShapeType="1" noTextEdit="1"/>
+              </p:cNvSpPr>
+              <p:nvPr/>
+            </p:nvSpPr>
+            <p:spPr>
+              <a:xfrm>
+                <a:off x="462461" y="3890776"/>
+                <a:ext cx="6072560" cy="539571"/>
+              </a:xfrm>
+              <a:prstGeom prst="rect">
+                <a:avLst/>
+              </a:prstGeom>
+              <a:blipFill>
+                <a:blip r:embed="rId8"/>
+                <a:stretch>
+                  <a:fillRect b="-15909"/>
+                </a:stretch>
+              </a:blipFill>
+            </p:spPr>
+            <p:txBody>
+              <a:bodyPr/>
+              <a:lstStyle/>
+              <a:p>
+                <a:r>
+                  <a:rPr lang="da-DK">
+                    <a:noFill/>
+                  </a:rPr>
+                  <a:t> </a:t>
+                </a:r>
+              </a:p>
+            </p:txBody>
+          </p:sp>
+        </mc:Fallback>
+      </mc:AlternateContent>
+      <mc:AlternateContent xmlns:mc="http://schemas.openxmlformats.org/markup-compatibility/2006">
+        <mc:Choice xmlns:a14="http://schemas.microsoft.com/office/drawing/2010/main" Requires="a14">
+          <p:sp>
+            <p:nvSpPr>
+              <p:cNvPr id="17" name="Rectangle 16">
+                <a:extLst>
+                  <a:ext uri="{FF2B5EF4-FFF2-40B4-BE49-F238E27FC236}">
+                    <a16:creationId xmlns:a16="http://schemas.microsoft.com/office/drawing/2014/main" id="{54AA8573-33C7-BD48-8BC9-DA44AB3FC885}"/>
+                  </a:ext>
+                </a:extLst>
+              </p:cNvPr>
+              <p:cNvSpPr/>
+              <p:nvPr/>
+            </p:nvSpPr>
+            <p:spPr>
+              <a:xfrm>
+                <a:off x="545947" y="6049872"/>
+                <a:ext cx="2458622" cy="461665"/>
+              </a:xfrm>
+              <a:prstGeom prst="rect">
+                <a:avLst/>
+              </a:prstGeom>
+            </p:spPr>
+            <p:txBody>
+              <a:bodyPr wrap="none">
+                <a:spAutoFit/>
+              </a:bodyPr>
+              <a:lstStyle/>
+              <a:p>
+                <a14:m>
+                  <m:oMathPara xmlns:m="http://schemas.openxmlformats.org/officeDocument/2006/math">
+                    <m:oMathParaPr>
+                      <m:jc m:val="centerGroup"/>
+                    </m:oMathParaPr>
+                    <m:oMath xmlns:m="http://schemas.openxmlformats.org/officeDocument/2006/math">
+                      <m:r>
+                        <a:rPr lang="en-US" sz="2400" b="1" i="1" smtClean="0">
+                          <a:latin typeface="Cambria Math" panose="02040503050406030204" pitchFamily="18" charset="0"/>
+                        </a:rPr>
+                        <m:t>𝜿</m:t>
+                      </m:r>
+                      <m:d>
+                        <m:dPr>
+                          <m:ctrlPr>
+                            <a:rPr lang="en-US" sz="2400" i="1">
+                              <a:latin typeface="Cambria Math" panose="02040503050406030204" pitchFamily="18" charset="0"/>
+                            </a:rPr>
+                          </m:ctrlPr>
+                        </m:dPr>
+                        <m:e>
+                          <m:sSup>
+                            <m:sSupPr>
+                              <m:ctrlPr>
+                                <a:rPr lang="en-US" sz="2400" b="1" i="1">
+                                  <a:latin typeface="Cambria Math" panose="02040503050406030204" pitchFamily="18" charset="0"/>
+                                </a:rPr>
+                              </m:ctrlPr>
+                            </m:sSupPr>
+                            <m:e>
+                              <m:r>
+                                <a:rPr lang="en-US" sz="2400" b="1" i="1">
+                                  <a:latin typeface="Cambria Math" panose="02040503050406030204" pitchFamily="18" charset="0"/>
+                                </a:rPr>
+                                <m:t>𝒙</m:t>
+                              </m:r>
+                            </m:e>
+                            <m:sup>
+                              <m:r>
+                                <a:rPr lang="en-US" sz="2400" b="1" i="1">
+                                  <a:latin typeface="Cambria Math" panose="02040503050406030204" pitchFamily="18" charset="0"/>
+                                </a:rPr>
+                                <m:t>∗</m:t>
+                              </m:r>
+                            </m:sup>
+                          </m:sSup>
+                        </m:e>
+                      </m:d>
+                      <m:r>
+                        <a:rPr lang="en-US" sz="2400" b="1" i="1" smtClean="0">
+                          <a:latin typeface="Cambria Math" panose="02040503050406030204" pitchFamily="18" charset="0"/>
+                        </a:rPr>
+                        <m:t>=</m:t>
+                      </m:r>
+                      <m:r>
+                        <a:rPr lang="en-US" sz="2400" b="0" i="1" smtClean="0">
+                          <a:latin typeface="Cambria Math" panose="02040503050406030204" pitchFamily="18" charset="0"/>
+                        </a:rPr>
+                        <m:t>𝑘</m:t>
+                      </m:r>
+                      <m:r>
+                        <a:rPr lang="en-US" sz="2400" b="0" i="1" smtClean="0">
+                          <a:latin typeface="Cambria Math" panose="02040503050406030204" pitchFamily="18" charset="0"/>
+                        </a:rPr>
+                        <m:t>(</m:t>
+                      </m:r>
+                      <m:sSup>
+                        <m:sSupPr>
+                          <m:ctrlPr>
+                            <a:rPr lang="en-US" sz="2400" b="0" i="1" smtClean="0">
+                              <a:latin typeface="Cambria Math" panose="02040503050406030204" pitchFamily="18" charset="0"/>
+                            </a:rPr>
+                          </m:ctrlPr>
+                        </m:sSupPr>
+                        <m:e>
+                          <m:r>
+                            <a:rPr lang="en-US" sz="2400" b="1" i="1" smtClean="0">
+                              <a:latin typeface="Cambria Math" panose="02040503050406030204" pitchFamily="18" charset="0"/>
+                            </a:rPr>
+                            <m:t>𝒙</m:t>
+                          </m:r>
+                        </m:e>
+                        <m:sup>
+                          <m:r>
+                            <a:rPr lang="en-US" sz="2400" b="0" i="1" smtClean="0">
+                              <a:latin typeface="Cambria Math" panose="02040503050406030204" pitchFamily="18" charset="0"/>
+                            </a:rPr>
+                            <m:t>∗</m:t>
+                          </m:r>
+                        </m:sup>
+                      </m:sSup>
+                      <m:r>
+                        <a:rPr lang="en-US" sz="2400" b="0" i="1" smtClean="0">
+                          <a:latin typeface="Cambria Math" panose="02040503050406030204" pitchFamily="18" charset="0"/>
+                        </a:rPr>
+                        <m:t>, </m:t>
+                      </m:r>
+                      <m:r>
+                        <a:rPr lang="en-US" sz="2400" b="1" i="1" smtClean="0">
+                          <a:latin typeface="Cambria Math" panose="02040503050406030204" pitchFamily="18" charset="0"/>
+                        </a:rPr>
+                        <m:t>𝑿</m:t>
+                      </m:r>
+                      <m:r>
+                        <a:rPr lang="en-US" sz="2400" b="0" i="1" smtClean="0">
+                          <a:latin typeface="Cambria Math" panose="02040503050406030204" pitchFamily="18" charset="0"/>
+                        </a:rPr>
+                        <m:t>)</m:t>
+                      </m:r>
+                    </m:oMath>
+                  </m:oMathPara>
+                </a14:m>
+                <a:endParaRPr lang="da-DK" sz="2400" dirty="0"/>
+              </a:p>
+            </p:txBody>
+          </p:sp>
+        </mc:Choice>
+        <mc:Fallback>
+          <p:sp>
+            <p:nvSpPr>
+              <p:cNvPr id="17" name="Rectangle 16">
+                <a:extLst>
+                  <a:ext uri="{FF2B5EF4-FFF2-40B4-BE49-F238E27FC236}">
+                    <a16:creationId xmlns:a16="http://schemas.microsoft.com/office/drawing/2014/main" id="{54AA8573-33C7-BD48-8BC9-DA44AB3FC885}"/>
+                  </a:ext>
+                </a:extLst>
+              </p:cNvPr>
+              <p:cNvSpPr>
+                <a:spLocks noRot="1" noChangeAspect="1" noMove="1" noResize="1" noEditPoints="1" noAdjustHandles="1" noChangeArrowheads="1" noChangeShapeType="1" noTextEdit="1"/>
+              </p:cNvSpPr>
+              <p:nvPr/>
+            </p:nvSpPr>
+            <p:spPr>
+              <a:xfrm>
+                <a:off x="545947" y="6049872"/>
+                <a:ext cx="2458622" cy="461665"/>
+              </a:xfrm>
+              <a:prstGeom prst="rect">
+                <a:avLst/>
+              </a:prstGeom>
+              <a:blipFill>
+                <a:blip r:embed="rId9"/>
+                <a:stretch>
+                  <a:fillRect b="-15789"/>
+                </a:stretch>
+              </a:blipFill>
+            </p:spPr>
+            <p:txBody>
+              <a:bodyPr/>
+              <a:lstStyle/>
+              <a:p>
+                <a:r>
+                  <a:rPr lang="da-DK">
+                    <a:noFill/>
+                  </a:rPr>
+                  <a:t> </a:t>
+                </a:r>
+              </a:p>
+            </p:txBody>
+          </p:sp>
+        </mc:Fallback>
+      </mc:AlternateContent>
+      <p:sp>
+        <p:nvSpPr>
+          <p:cNvPr id="18" name="TextBox 17">
+            <a:extLst>
+              <a:ext uri="{FF2B5EF4-FFF2-40B4-BE49-F238E27FC236}">
+                <a16:creationId xmlns:a16="http://schemas.microsoft.com/office/drawing/2014/main" id="{8DE64B79-B3BA-C84C-848C-E8C1148D0F8F}"/>
+              </a:ext>
+            </a:extLst>
+          </p:cNvPr>
+          <p:cNvSpPr txBox="1"/>
+          <p:nvPr/>
+        </p:nvSpPr>
+        <p:spPr>
+          <a:xfrm>
+            <a:off x="545947" y="4772395"/>
+            <a:ext cx="1092800" cy="461665"/>
+          </a:xfrm>
+          <a:prstGeom prst="rect">
+            <a:avLst/>
+          </a:prstGeom>
+          <a:noFill/>
+        </p:spPr>
+        <p:txBody>
+          <a:bodyPr wrap="none" rtlCol="0">
+            <a:spAutoFit/>
+          </a:bodyPr>
+          <a:lstStyle/>
+          <a:p>
+            <a:r>
+              <a:rPr lang="da-DK" sz="2400" b="1" dirty="0" err="1"/>
+              <a:t>Kernel</a:t>
+            </a:r>
+            <a:r>
+              <a:rPr lang="da-DK" sz="2400" b="1" dirty="0"/>
+              <a:t>:</a:t>
+            </a:r>
+          </a:p>
+        </p:txBody>
+      </p:sp>
+    </p:spTree>
+    <p:extLst>
+      <p:ext uri="{BB962C8B-B14F-4D97-AF65-F5344CB8AC3E}">
+        <p14:creationId xmlns:p14="http://schemas.microsoft.com/office/powerpoint/2010/main" val="894329336"/>
+      </p:ext>
+    </p:extLst>
+  </p:cSld>
+  <p:clrMapOvr>
+    <a:masterClrMapping/>
+  </p:clrMapOvr>
+</p:sld>
+</file>
+
+<file path=ppt/slides/slide17.xml><?xml version="1.0" encoding="utf-8"?>
+<p:sld xmlns:a="http://schemas.openxmlformats.org/drawingml/2006/main" xmlns:r="http://schemas.openxmlformats.org/officeDocument/2006/relationships" xmlns:p="http://schemas.openxmlformats.org/presentationml/2006/main">
+  <p:cSld>
+    <p:spTree>
+      <p:nvGrpSpPr>
+        <p:cNvPr id="1" name=""/>
+        <p:cNvGrpSpPr/>
+        <p:nvPr/>
+      </p:nvGrpSpPr>
+      <p:grpSpPr>
+        <a:xfrm>
+          <a:off x="0" y="0"/>
+          <a:ext cx="0" cy="0"/>
+          <a:chOff x="0" y="0"/>
+          <a:chExt cx="0" cy="0"/>
+        </a:xfrm>
+      </p:grpSpPr>
+      <p:sp>
+        <p:nvSpPr>
+          <p:cNvPr id="2" name="Title 1">
+            <a:extLst>
+              <a:ext uri="{FF2B5EF4-FFF2-40B4-BE49-F238E27FC236}">
+                <a16:creationId xmlns:a16="http://schemas.microsoft.com/office/drawing/2014/main" id="{90371848-C3C2-2946-8721-32944148379F}"/>
+              </a:ext>
+            </a:extLst>
+          </p:cNvPr>
+          <p:cNvSpPr>
+            <a:spLocks noGrp="1"/>
+          </p:cNvSpPr>
+          <p:nvPr>
+            <p:ph type="title"/>
+          </p:nvPr>
+        </p:nvSpPr>
+        <p:spPr/>
+        <p:txBody>
+          <a:bodyPr/>
+          <a:lstStyle/>
+          <a:p>
+            <a:r>
+              <a:rPr lang="da-DK" dirty="0" err="1"/>
+              <a:t>Gaussian</a:t>
+            </a:r>
+            <a:r>
+              <a:rPr lang="da-DK" dirty="0"/>
+              <a:t> </a:t>
+            </a:r>
+            <a:r>
+              <a:rPr lang="da-DK" dirty="0" err="1"/>
+              <a:t>process</a:t>
+            </a:r>
+            <a:r>
+              <a:rPr lang="da-DK" dirty="0"/>
+              <a:t> regression</a:t>
+            </a:r>
+          </a:p>
+        </p:txBody>
+      </p:sp>
+      <p:pic>
+        <p:nvPicPr>
+          <p:cNvPr id="5" name="Picture 4">
+            <a:extLst>
+              <a:ext uri="{FF2B5EF4-FFF2-40B4-BE49-F238E27FC236}">
+                <a16:creationId xmlns:a16="http://schemas.microsoft.com/office/drawing/2014/main" id="{96C8DA8D-9BEF-744E-AFF8-50655E69712A}"/>
+              </a:ext>
+            </a:extLst>
+          </p:cNvPr>
+          <p:cNvPicPr>
+            <a:picLocks noChangeAspect="1"/>
+          </p:cNvPicPr>
+          <p:nvPr/>
+        </p:nvPicPr>
+        <p:blipFill>
+          <a:blip r:embed="rId2"/>
+          <a:stretch>
+            <a:fillRect/>
+          </a:stretch>
+        </p:blipFill>
+        <p:spPr>
+          <a:xfrm>
+            <a:off x="6680517" y="2401449"/>
+            <a:ext cx="5347072" cy="4013203"/>
+          </a:xfrm>
+          <a:prstGeom prst="rect">
+            <a:avLst/>
+          </a:prstGeom>
+        </p:spPr>
+      </p:pic>
+      <mc:AlternateContent xmlns:mc="http://schemas.openxmlformats.org/markup-compatibility/2006">
+        <mc:Choice xmlns:a14="http://schemas.microsoft.com/office/drawing/2010/main" Requires="a14">
+          <p:sp>
+            <p:nvSpPr>
+              <p:cNvPr id="7" name="TextBox 6">
+                <a:extLst>
+                  <a:ext uri="{FF2B5EF4-FFF2-40B4-BE49-F238E27FC236}">
+                    <a16:creationId xmlns:a16="http://schemas.microsoft.com/office/drawing/2014/main" id="{B326EACE-184C-7541-863E-4FC005F8970C}"/>
+                  </a:ext>
+                </a:extLst>
+              </p:cNvPr>
+              <p:cNvSpPr txBox="1"/>
+              <p:nvPr/>
+            </p:nvSpPr>
+            <p:spPr>
+              <a:xfrm>
+                <a:off x="520044" y="5002492"/>
+                <a:ext cx="5091266" cy="936025"/>
+              </a:xfrm>
+              <a:prstGeom prst="rect">
+                <a:avLst/>
+              </a:prstGeom>
+              <a:noFill/>
+            </p:spPr>
+            <p:txBody>
+              <a:bodyPr wrap="none" rtlCol="0">
+                <a:spAutoFit/>
+              </a:bodyPr>
+              <a:lstStyle/>
+              <a:p>
+                <a:pPr/>
+                <a14:m>
+                  <m:oMathPara xmlns:m="http://schemas.openxmlformats.org/officeDocument/2006/math">
+                    <m:oMathParaPr>
+                      <m:jc m:val="centerGroup"/>
+                    </m:oMathParaPr>
+                    <m:oMath xmlns:m="http://schemas.openxmlformats.org/officeDocument/2006/math">
+                      <m:sSub>
+                        <m:sSubPr>
+                          <m:ctrlPr>
+                            <a:rPr lang="en-US" sz="2400" b="0" i="1" smtClean="0">
+                              <a:latin typeface="Cambria Math" panose="02040503050406030204" pitchFamily="18" charset="0"/>
+                            </a:rPr>
+                          </m:ctrlPr>
+                        </m:sSubPr>
+                        <m:e>
+                          <m:r>
+                            <a:rPr lang="en-US" sz="2400" b="0" i="1" smtClean="0">
+                              <a:latin typeface="Cambria Math" panose="02040503050406030204" pitchFamily="18" charset="0"/>
+                            </a:rPr>
+                            <m:t>𝐾</m:t>
+                          </m:r>
+                        </m:e>
+                        <m:sub>
+                          <m:r>
+                            <a:rPr lang="en-US" sz="2400" b="0" i="1" smtClean="0">
+                              <a:latin typeface="Cambria Math" panose="02040503050406030204" pitchFamily="18" charset="0"/>
+                            </a:rPr>
+                            <m:t>𝑖𝑗</m:t>
+                          </m:r>
+                        </m:sub>
+                      </m:sSub>
+                      <m:r>
+                        <a:rPr lang="en-US" sz="2400" b="0" i="1" smtClean="0">
+                          <a:latin typeface="Cambria Math" panose="02040503050406030204" pitchFamily="18" charset="0"/>
+                        </a:rPr>
+                        <m:t>=</m:t>
+                      </m:r>
+                      <m:r>
+                        <a:rPr lang="en-US" sz="2400" b="0" i="1" smtClean="0">
+                          <a:latin typeface="Cambria Math" panose="02040503050406030204" pitchFamily="18" charset="0"/>
+                        </a:rPr>
+                        <m:t>𝑘</m:t>
+                      </m:r>
+                      <m:r>
+                        <a:rPr lang="en-US" sz="2400" b="0" i="1" smtClean="0">
+                          <a:latin typeface="Cambria Math" panose="02040503050406030204" pitchFamily="18" charset="0"/>
+                        </a:rPr>
+                        <m:t>(</m:t>
+                      </m:r>
+                      <m:sSub>
+                        <m:sSubPr>
+                          <m:ctrlPr>
+                            <a:rPr lang="en-US" sz="2400" b="0" i="1" smtClean="0">
+                              <a:latin typeface="Cambria Math" panose="02040503050406030204" pitchFamily="18" charset="0"/>
+                            </a:rPr>
+                          </m:ctrlPr>
+                        </m:sSubPr>
+                        <m:e>
+                          <m:r>
+                            <a:rPr lang="en-US" sz="2400" b="1" i="1" smtClean="0">
+                              <a:latin typeface="Cambria Math" panose="02040503050406030204" pitchFamily="18" charset="0"/>
+                            </a:rPr>
+                            <m:t>𝒙</m:t>
+                          </m:r>
+                        </m:e>
+                        <m:sub>
+                          <m:r>
+                            <a:rPr lang="en-US" sz="2400" b="0" i="1" smtClean="0">
+                              <a:latin typeface="Cambria Math" panose="02040503050406030204" pitchFamily="18" charset="0"/>
+                            </a:rPr>
+                            <m:t>𝑖</m:t>
+                          </m:r>
+                        </m:sub>
+                      </m:sSub>
+                      <m:r>
+                        <a:rPr lang="en-US" sz="2400" b="0" i="1" smtClean="0">
+                          <a:latin typeface="Cambria Math" panose="02040503050406030204" pitchFamily="18" charset="0"/>
+                        </a:rPr>
+                        <m:t>,</m:t>
+                      </m:r>
+                      <m:sSub>
+                        <m:sSubPr>
+                          <m:ctrlPr>
+                            <a:rPr lang="en-US" sz="2400" b="0" i="1" smtClean="0">
+                              <a:latin typeface="Cambria Math" panose="02040503050406030204" pitchFamily="18" charset="0"/>
+                            </a:rPr>
+                          </m:ctrlPr>
+                        </m:sSubPr>
+                        <m:e>
+                          <m:r>
+                            <a:rPr lang="en-US" sz="2400" b="1" i="1" smtClean="0">
+                              <a:latin typeface="Cambria Math" panose="02040503050406030204" pitchFamily="18" charset="0"/>
+                            </a:rPr>
+                            <m:t>𝒙</m:t>
+                          </m:r>
+                        </m:e>
+                        <m:sub>
+                          <m:r>
+                            <a:rPr lang="en-US" sz="2400" b="0" i="1" smtClean="0">
+                              <a:latin typeface="Cambria Math" panose="02040503050406030204" pitchFamily="18" charset="0"/>
+                            </a:rPr>
+                            <m:t>𝑗</m:t>
+                          </m:r>
+                        </m:sub>
+                      </m:sSub>
+                      <m:r>
+                        <a:rPr lang="en-US" sz="2400" b="0" i="1" smtClean="0">
+                          <a:latin typeface="Cambria Math" panose="02040503050406030204" pitchFamily="18" charset="0"/>
+                        </a:rPr>
+                        <m:t>)</m:t>
+                      </m:r>
+                      <m:r>
+                        <a:rPr lang="en-US" sz="2400" b="0" i="1" smtClean="0">
+                          <a:latin typeface="Cambria Math" charset="0"/>
+                        </a:rPr>
+                        <m:t>=</m:t>
+                      </m:r>
+                      <m:func>
+                        <m:funcPr>
+                          <m:ctrlPr>
+                            <a:rPr lang="en-US" sz="2400" b="0" i="1" smtClean="0">
+                              <a:latin typeface="Cambria Math" panose="02040503050406030204" pitchFamily="18" charset="0"/>
+                            </a:rPr>
+                          </m:ctrlPr>
+                        </m:funcPr>
+                        <m:fName>
+                          <m:r>
+                            <m:rPr>
+                              <m:sty m:val="p"/>
+                            </m:rPr>
+                            <a:rPr lang="en-US" sz="2400" b="0" i="0" smtClean="0">
+                              <a:latin typeface="Cambria Math" panose="02040503050406030204" pitchFamily="18" charset="0"/>
+                            </a:rPr>
+                            <m:t>exp</m:t>
+                          </m:r>
+                        </m:fName>
+                        <m:e>
+                          <m:d>
+                            <m:dPr>
+                              <m:ctrlPr>
+                                <a:rPr lang="en-US" sz="2400" i="1">
+                                  <a:latin typeface="Cambria Math" panose="02040503050406030204" pitchFamily="18" charset="0"/>
+                                </a:rPr>
+                              </m:ctrlPr>
+                            </m:dPr>
+                            <m:e>
+                              <m:r>
+                                <a:rPr lang="en-US" sz="2400" i="1">
+                                  <a:latin typeface="Cambria Math" charset="0"/>
+                                </a:rPr>
+                                <m:t>−</m:t>
+                              </m:r>
+                              <m:f>
+                                <m:fPr>
+                                  <m:ctrlPr>
+                                    <a:rPr lang="en-US" sz="2400" i="1">
+                                      <a:latin typeface="Cambria Math" panose="02040503050406030204" pitchFamily="18" charset="0"/>
+                                    </a:rPr>
+                                  </m:ctrlPr>
+                                </m:fPr>
+                                <m:num>
+                                  <m:sSup>
+                                    <m:sSupPr>
+                                      <m:ctrlPr>
+                                        <a:rPr lang="en-US" sz="2400" i="1">
+                                          <a:latin typeface="Cambria Math" panose="02040503050406030204" pitchFamily="18" charset="0"/>
+                                        </a:rPr>
+                                      </m:ctrlPr>
+                                    </m:sSupPr>
+                                    <m:e>
+                                      <m:d>
+                                        <m:dPr>
+                                          <m:begChr m:val="‖"/>
+                                          <m:endChr m:val="‖"/>
+                                          <m:ctrlPr>
+                                            <a:rPr lang="en-US" sz="2400" i="1">
+                                              <a:latin typeface="Cambria Math" panose="02040503050406030204" pitchFamily="18" charset="0"/>
+                                            </a:rPr>
+                                          </m:ctrlPr>
+                                        </m:dPr>
+                                        <m:e>
+                                          <m:sSub>
+                                            <m:sSubPr>
+                                              <m:ctrlPr>
+                                                <a:rPr lang="en-US" sz="2400" b="0" i="1" smtClean="0">
+                                                  <a:latin typeface="Cambria Math" panose="02040503050406030204" pitchFamily="18" charset="0"/>
+                                                </a:rPr>
+                                              </m:ctrlPr>
+                                            </m:sSubPr>
+                                            <m:e>
+                                              <m:r>
+                                                <a:rPr lang="en-US" sz="2400" b="1" i="1">
+                                                  <a:latin typeface="Cambria Math" charset="0"/>
+                                                </a:rPr>
+                                                <m:t>𝒙</m:t>
+                                              </m:r>
+                                            </m:e>
+                                            <m:sub>
+                                              <m:r>
+                                                <a:rPr lang="en-US" sz="2400" b="0" i="1" smtClean="0">
+                                                  <a:latin typeface="Cambria Math" panose="02040503050406030204" pitchFamily="18" charset="0"/>
+                                                </a:rPr>
+                                                <m:t>𝑖</m:t>
+                                              </m:r>
+                                            </m:sub>
+                                          </m:sSub>
+                                          <m:r>
+                                            <a:rPr lang="en-US" sz="2400" i="1">
+                                              <a:latin typeface="Cambria Math" charset="0"/>
+                                            </a:rPr>
+                                            <m:t>−</m:t>
+                                          </m:r>
+                                          <m:sSub>
+                                            <m:sSubPr>
+                                              <m:ctrlPr>
+                                                <a:rPr lang="en-US" sz="2400" i="1">
+                                                  <a:latin typeface="Cambria Math" panose="02040503050406030204" pitchFamily="18" charset="0"/>
+                                                </a:rPr>
+                                              </m:ctrlPr>
+                                            </m:sSubPr>
+                                            <m:e>
+                                              <m:r>
+                                                <a:rPr lang="en-US" sz="2400" b="1" i="1">
+                                                  <a:latin typeface="Cambria Math" charset="0"/>
+                                                </a:rPr>
+                                                <m:t>𝒙</m:t>
+                                              </m:r>
+                                            </m:e>
+                                            <m:sub>
+                                              <m:r>
+                                                <a:rPr lang="en-US" sz="2400" b="0" i="1" smtClean="0">
+                                                  <a:latin typeface="Cambria Math" panose="02040503050406030204" pitchFamily="18" charset="0"/>
+                                                </a:rPr>
+                                                <m:t>𝑗</m:t>
+                                              </m:r>
+                                            </m:sub>
+                                          </m:sSub>
+                                        </m:e>
+                                      </m:d>
+                                    </m:e>
+                                    <m:sup>
+                                      <m:r>
+                                        <a:rPr lang="en-US" sz="2400" i="1">
+                                          <a:latin typeface="Cambria Math" charset="0"/>
+                                        </a:rPr>
+                                        <m:t>2</m:t>
+                                      </m:r>
+                                    </m:sup>
+                                  </m:sSup>
+                                </m:num>
+                                <m:den>
+                                  <m:r>
+                                    <a:rPr lang="en-US" sz="2400" i="1">
+                                      <a:latin typeface="Cambria Math" charset="0"/>
+                                    </a:rPr>
+                                    <m:t>2</m:t>
+                                  </m:r>
+                                  <m:sSup>
+                                    <m:sSupPr>
+                                      <m:ctrlPr>
+                                        <a:rPr lang="en-US" sz="2400" i="1">
+                                          <a:latin typeface="Cambria Math" panose="02040503050406030204" pitchFamily="18" charset="0"/>
+                                        </a:rPr>
+                                      </m:ctrlPr>
+                                    </m:sSupPr>
+                                    <m:e>
+                                      <m:r>
+                                        <a:rPr lang="en-US" sz="2400" b="0" i="1" smtClean="0">
+                                          <a:latin typeface="Cambria Math" panose="02040503050406030204" pitchFamily="18" charset="0"/>
+                                        </a:rPr>
+                                        <m:t>𝑙</m:t>
+                                      </m:r>
+                                    </m:e>
+                                    <m:sup>
+                                      <m:r>
+                                        <a:rPr lang="en-US" sz="2400" i="1">
+                                          <a:latin typeface="Cambria Math" charset="0"/>
+                                        </a:rPr>
+                                        <m:t>2</m:t>
+                                      </m:r>
+                                    </m:sup>
+                                  </m:sSup>
+                                </m:den>
+                              </m:f>
+                            </m:e>
+                          </m:d>
+                        </m:e>
+                      </m:func>
+                    </m:oMath>
+                  </m:oMathPara>
+                </a14:m>
+                <a:endParaRPr lang="en-US" sz="2400" dirty="0"/>
+              </a:p>
+            </p:txBody>
+          </p:sp>
+        </mc:Choice>
+        <mc:Fallback>
+          <p:sp>
+            <p:nvSpPr>
+              <p:cNvPr id="7" name="TextBox 6">
+                <a:extLst>
+                  <a:ext uri="{FF2B5EF4-FFF2-40B4-BE49-F238E27FC236}">
+                    <a16:creationId xmlns:a16="http://schemas.microsoft.com/office/drawing/2014/main" id="{B326EACE-184C-7541-863E-4FC005F8970C}"/>
+                  </a:ext>
+                </a:extLst>
+              </p:cNvPr>
+              <p:cNvSpPr txBox="1">
+                <a:spLocks noRot="1" noChangeAspect="1" noMove="1" noResize="1" noEditPoints="1" noAdjustHandles="1" noChangeArrowheads="1" noChangeShapeType="1" noTextEdit="1"/>
+              </p:cNvSpPr>
+              <p:nvPr/>
+            </p:nvSpPr>
+            <p:spPr>
+              <a:xfrm>
+                <a:off x="520044" y="5002492"/>
+                <a:ext cx="5091266" cy="936025"/>
+              </a:xfrm>
+              <a:prstGeom prst="rect">
+                <a:avLst/>
+              </a:prstGeom>
+              <a:blipFill>
+                <a:blip r:embed="rId3"/>
+                <a:stretch>
+                  <a:fillRect b="-5333"/>
+                </a:stretch>
+              </a:blipFill>
+            </p:spPr>
+            <p:txBody>
+              <a:bodyPr/>
+              <a:lstStyle/>
+              <a:p>
+                <a:r>
+                  <a:rPr lang="da-DK">
+                    <a:noFill/>
+                  </a:rPr>
+                  <a:t> </a:t>
+                </a:r>
+              </a:p>
+            </p:txBody>
+          </p:sp>
+        </mc:Fallback>
+      </mc:AlternateContent>
+      <mc:AlternateContent xmlns:mc="http://schemas.openxmlformats.org/markup-compatibility/2006">
+        <mc:Choice xmlns:a14="http://schemas.microsoft.com/office/drawing/2010/main" Requires="a14">
+          <p:sp>
+            <p:nvSpPr>
+              <p:cNvPr id="8" name="TextBox 7">
+                <a:extLst>
+                  <a:ext uri="{FF2B5EF4-FFF2-40B4-BE49-F238E27FC236}">
+                    <a16:creationId xmlns:a16="http://schemas.microsoft.com/office/drawing/2014/main" id="{4565886E-73A9-DD4D-90C2-BD9C2AFADF7F}"/>
+                  </a:ext>
+                </a:extLst>
+              </p:cNvPr>
+              <p:cNvSpPr txBox="1"/>
+              <p:nvPr/>
+            </p:nvSpPr>
+            <p:spPr>
+              <a:xfrm>
+                <a:off x="404866" y="1828495"/>
+                <a:ext cx="3451522" cy="1172629"/>
+              </a:xfrm>
+              <a:prstGeom prst="rect">
+                <a:avLst/>
+              </a:prstGeom>
+              <a:noFill/>
+            </p:spPr>
+            <p:txBody>
+              <a:bodyPr wrap="none" rtlCol="0">
+                <a:spAutoFit/>
+              </a:bodyPr>
+              <a:lstStyle/>
+              <a:p>
+                <a:pPr/>
+                <a14:m>
+                  <m:oMathPara xmlns:m="http://schemas.openxmlformats.org/officeDocument/2006/math">
+                    <m:oMathParaPr>
+                      <m:jc m:val="centerGroup"/>
+                    </m:oMathParaPr>
+                    <m:oMath xmlns:m="http://schemas.openxmlformats.org/officeDocument/2006/math">
+                      <m:sSup>
+                        <m:sSupPr>
+                          <m:ctrlPr>
+                            <a:rPr lang="en-US" sz="2400" i="1" smtClean="0">
+                              <a:latin typeface="Cambria Math" panose="02040503050406030204" pitchFamily="18" charset="0"/>
+                            </a:rPr>
+                          </m:ctrlPr>
+                        </m:sSupPr>
+                        <m:e>
+                          <m:r>
+                            <a:rPr lang="en-US" sz="2400" b="0" i="1" smtClean="0">
+                              <a:latin typeface="Cambria Math" charset="0"/>
+                            </a:rPr>
+                            <m:t>𝐸</m:t>
+                          </m:r>
+                        </m:e>
+                        <m:sup>
+                          <m:r>
+                            <a:rPr lang="en-US" sz="2400" b="0" i="1" smtClean="0">
+                              <a:latin typeface="Cambria Math" charset="0"/>
+                            </a:rPr>
+                            <m:t>𝑀𝐿</m:t>
+                          </m:r>
+                        </m:sup>
+                      </m:sSup>
+                      <m:d>
+                        <m:dPr>
+                          <m:ctrlPr>
+                            <a:rPr lang="en-US" sz="2400" i="1" smtClean="0">
+                              <a:latin typeface="Cambria Math" panose="02040503050406030204" pitchFamily="18" charset="0"/>
+                            </a:rPr>
+                          </m:ctrlPr>
+                        </m:dPr>
+                        <m:e>
+                          <m:sSup>
+                            <m:sSupPr>
+                              <m:ctrlPr>
+                                <a:rPr lang="en-US" sz="2400" b="1" i="1" smtClean="0">
+                                  <a:latin typeface="Cambria Math" panose="02040503050406030204" pitchFamily="18" charset="0"/>
+                                </a:rPr>
+                              </m:ctrlPr>
+                            </m:sSupPr>
+                            <m:e>
+                              <m:r>
+                                <a:rPr lang="en-US" sz="2400" b="1" i="1" smtClean="0">
+                                  <a:latin typeface="Cambria Math" panose="02040503050406030204" pitchFamily="18" charset="0"/>
+                                </a:rPr>
+                                <m:t>𝒙</m:t>
+                              </m:r>
+                            </m:e>
+                            <m:sup>
+                              <m:r>
+                                <a:rPr lang="en-US" sz="2400" b="1" i="1" smtClean="0">
+                                  <a:latin typeface="Cambria Math" panose="02040503050406030204" pitchFamily="18" charset="0"/>
+                                </a:rPr>
+                                <m:t>∗</m:t>
+                              </m:r>
+                            </m:sup>
+                          </m:sSup>
+                        </m:e>
+                      </m:d>
+                      <m:r>
+                        <a:rPr lang="en-US" sz="2400" b="0" i="1" smtClean="0">
+                          <a:latin typeface="Cambria Math" charset="0"/>
+                        </a:rPr>
+                        <m:t>=</m:t>
+                      </m:r>
+                      <m:nary>
+                        <m:naryPr>
+                          <m:chr m:val="∑"/>
+                          <m:ctrlPr>
+                            <a:rPr lang="en-US" sz="2400" i="1" smtClean="0">
+                              <a:latin typeface="Cambria Math" panose="02040503050406030204" pitchFamily="18" charset="0"/>
+                            </a:rPr>
+                          </m:ctrlPr>
+                        </m:naryPr>
+                        <m:sub>
+                          <m:r>
+                            <a:rPr lang="en-US" sz="2400" b="0" i="1" smtClean="0">
+                              <a:latin typeface="Cambria Math" panose="02040503050406030204" pitchFamily="18" charset="0"/>
+                            </a:rPr>
+                            <m:t>𝑗</m:t>
+                          </m:r>
+                        </m:sub>
+                        <m:sup>
+                          <m:r>
+                            <a:rPr lang="en-US" sz="2400" b="0" i="1" smtClean="0">
+                              <a:latin typeface="Cambria Math" charset="0"/>
+                            </a:rPr>
+                            <m:t>𝑁</m:t>
+                          </m:r>
+                        </m:sup>
+                        <m:e>
+                          <m:sSub>
+                            <m:sSubPr>
+                              <m:ctrlPr>
+                                <a:rPr lang="en-US" sz="2400" i="1" smtClean="0">
+                                  <a:latin typeface="Cambria Math" panose="02040503050406030204" pitchFamily="18" charset="0"/>
+                                </a:rPr>
+                              </m:ctrlPr>
+                            </m:sSubPr>
+                            <m:e>
+                              <m:r>
+                                <a:rPr lang="en-US" sz="2400" b="0" i="1" smtClean="0">
+                                  <a:latin typeface="Cambria Math" charset="0"/>
+                                </a:rPr>
+                                <m:t>𝛼</m:t>
+                              </m:r>
+                            </m:e>
+                            <m:sub>
+                              <m:r>
+                                <a:rPr lang="en-US" sz="2400" b="0" i="1" smtClean="0">
+                                  <a:latin typeface="Cambria Math" panose="02040503050406030204" pitchFamily="18" charset="0"/>
+                                </a:rPr>
+                                <m:t>𝑗</m:t>
+                              </m:r>
+                            </m:sub>
+                          </m:sSub>
+                          <m:sSub>
+                            <m:sSubPr>
+                              <m:ctrlPr>
+                                <a:rPr lang="en-US" sz="2400" b="0" i="1" smtClean="0">
+                                  <a:latin typeface="Cambria Math" panose="02040503050406030204" pitchFamily="18" charset="0"/>
+                                </a:rPr>
+                              </m:ctrlPr>
+                            </m:sSubPr>
+                            <m:e>
+                              <m:r>
+                                <a:rPr lang="en-US" sz="2400" b="0" i="1" smtClean="0">
+                                  <a:latin typeface="Cambria Math" panose="02040503050406030204" pitchFamily="18" charset="0"/>
+                                </a:rPr>
+                                <m:t>𝐾</m:t>
+                              </m:r>
+                            </m:e>
+                            <m:sub>
+                              <m:r>
+                                <a:rPr lang="en-US" sz="2400" b="0" i="1" smtClean="0">
+                                  <a:latin typeface="Cambria Math" panose="02040503050406030204" pitchFamily="18" charset="0"/>
+                                </a:rPr>
+                                <m:t>𝑖𝑗</m:t>
+                              </m:r>
+                            </m:sub>
+                          </m:sSub>
+                          <m:r>
+                            <a:rPr lang="en-US" sz="2400" b="0" i="1" smtClean="0">
+                              <a:latin typeface="Cambria Math" panose="02040503050406030204" pitchFamily="18" charset="0"/>
+                            </a:rPr>
+                            <m:t>+</m:t>
+                          </m:r>
+                          <m:r>
+                            <a:rPr lang="en-US" sz="2400" b="0" i="1" smtClean="0">
+                              <a:latin typeface="Cambria Math" panose="02040503050406030204" pitchFamily="18" charset="0"/>
+                            </a:rPr>
+                            <m:t>𝛽</m:t>
+                          </m:r>
+                        </m:e>
+                      </m:nary>
+                    </m:oMath>
+                  </m:oMathPara>
+                </a14:m>
+                <a:endParaRPr lang="en-US" sz="2400" dirty="0"/>
+              </a:p>
+            </p:txBody>
+          </p:sp>
+        </mc:Choice>
+        <mc:Fallback>
+          <p:sp>
+            <p:nvSpPr>
+              <p:cNvPr id="8" name="TextBox 7">
+                <a:extLst>
+                  <a:ext uri="{FF2B5EF4-FFF2-40B4-BE49-F238E27FC236}">
+                    <a16:creationId xmlns:a16="http://schemas.microsoft.com/office/drawing/2014/main" id="{4565886E-73A9-DD4D-90C2-BD9C2AFADF7F}"/>
+                  </a:ext>
+                </a:extLst>
+              </p:cNvPr>
+              <p:cNvSpPr txBox="1">
+                <a:spLocks noRot="1" noChangeAspect="1" noMove="1" noResize="1" noEditPoints="1" noAdjustHandles="1" noChangeArrowheads="1" noChangeShapeType="1" noTextEdit="1"/>
+              </p:cNvSpPr>
+              <p:nvPr/>
+            </p:nvSpPr>
+            <p:spPr>
+              <a:xfrm>
+                <a:off x="404866" y="1828495"/>
+                <a:ext cx="3451522" cy="1172629"/>
+              </a:xfrm>
+              <a:prstGeom prst="rect">
+                <a:avLst/>
+              </a:prstGeom>
+              <a:blipFill>
+                <a:blip r:embed="rId4"/>
+                <a:stretch>
+                  <a:fillRect t="-100000" b="-150000"/>
+                </a:stretch>
+              </a:blipFill>
+            </p:spPr>
+            <p:txBody>
+              <a:bodyPr/>
+              <a:lstStyle/>
+              <a:p>
+                <a:r>
+                  <a:rPr lang="da-DK">
+                    <a:noFill/>
+                  </a:rPr>
+                  <a:t> </a:t>
+                </a:r>
+              </a:p>
+            </p:txBody>
+          </p:sp>
+        </mc:Fallback>
+      </mc:AlternateContent>
+      <p:pic>
+        <p:nvPicPr>
+          <p:cNvPr id="10" name="Picture 9"/>
+          <p:cNvPicPr>
+            <a:picLocks noChangeAspect="1"/>
+          </p:cNvPicPr>
+          <p:nvPr/>
+        </p:nvPicPr>
+        <p:blipFill>
+          <a:blip r:embed="rId5">
+            <a:extLst>
+              <a:ext uri="{28A0092B-C50C-407E-A947-70E740481C1C}">
+                <a14:useLocalDpi xmlns:a14="http://schemas.microsoft.com/office/drawing/2010/main" val="0"/>
+              </a:ext>
+            </a:extLst>
+          </a:blip>
+          <a:stretch>
+            <a:fillRect/>
+          </a:stretch>
+        </p:blipFill>
+        <p:spPr>
+          <a:xfrm>
+            <a:off x="197853" y="138764"/>
+            <a:ext cx="1236312" cy="259626"/>
+          </a:xfrm>
+          <a:prstGeom prst="rect">
+            <a:avLst/>
+          </a:prstGeom>
+        </p:spPr>
+      </p:pic>
+      <mc:AlternateContent xmlns:mc="http://schemas.openxmlformats.org/markup-compatibility/2006">
+        <mc:Choice xmlns:a14="http://schemas.microsoft.com/office/drawing/2010/main" Requires="a14">
+          <p:sp>
+            <p:nvSpPr>
+              <p:cNvPr id="11" name="TextBox 10">
+                <a:extLst>
+                  <a:ext uri="{FF2B5EF4-FFF2-40B4-BE49-F238E27FC236}">
+                    <a16:creationId xmlns:a16="http://schemas.microsoft.com/office/drawing/2014/main" id="{BB012DDB-BC0C-FE43-A518-218DE1F61A4D}"/>
+                  </a:ext>
+                </a:extLst>
+              </p:cNvPr>
+              <p:cNvSpPr txBox="1"/>
+              <p:nvPr/>
+            </p:nvSpPr>
+            <p:spPr>
+              <a:xfrm>
+                <a:off x="462461" y="3081350"/>
+                <a:ext cx="3395866" cy="635367"/>
+              </a:xfrm>
+              <a:prstGeom prst="rect">
+                <a:avLst/>
+              </a:prstGeom>
+              <a:noFill/>
+            </p:spPr>
+            <p:txBody>
+              <a:bodyPr wrap="none" rtlCol="0">
+                <a:spAutoFit/>
+              </a:bodyPr>
+              <a:lstStyle/>
+              <a:p>
+                <a:pPr/>
+                <a14:m>
+                  <m:oMath xmlns:m="http://schemas.openxmlformats.org/officeDocument/2006/math">
+                    <m:sSup>
+                      <m:sSupPr>
+                        <m:ctrlPr>
+                          <a:rPr lang="en-US" sz="2400" i="1" smtClean="0">
+                            <a:latin typeface="Cambria Math" panose="02040503050406030204" pitchFamily="18" charset="0"/>
+                          </a:rPr>
+                        </m:ctrlPr>
+                      </m:sSupPr>
+                      <m:e>
+                        <m:r>
+                          <a:rPr lang="en-US" sz="2400" b="1" i="1" smtClean="0">
+                            <a:latin typeface="Cambria Math" panose="02040503050406030204" pitchFamily="18" charset="0"/>
+                          </a:rPr>
+                          <m:t>𝑭</m:t>
+                        </m:r>
+                      </m:e>
+                      <m:sup>
+                        <m:r>
+                          <a:rPr lang="en-US" sz="2400" b="0" i="1" smtClean="0">
+                            <a:latin typeface="Cambria Math" charset="0"/>
+                          </a:rPr>
+                          <m:t>𝑀𝐿</m:t>
+                        </m:r>
+                      </m:sup>
+                    </m:sSup>
+                    <m:d>
+                      <m:dPr>
+                        <m:ctrlPr>
+                          <a:rPr lang="en-US" sz="2400" i="1" smtClean="0">
+                            <a:latin typeface="Cambria Math" panose="02040503050406030204" pitchFamily="18" charset="0"/>
+                          </a:rPr>
+                        </m:ctrlPr>
+                      </m:dPr>
+                      <m:e>
+                        <m:sSup>
+                          <m:sSupPr>
+                            <m:ctrlPr>
+                              <a:rPr lang="en-US" sz="2400" b="1" i="1" smtClean="0">
+                                <a:latin typeface="Cambria Math" panose="02040503050406030204" pitchFamily="18" charset="0"/>
+                              </a:rPr>
+                            </m:ctrlPr>
+                          </m:sSupPr>
+                          <m:e>
+                            <m:r>
+                              <a:rPr lang="en-US" sz="2400" b="1" i="1" smtClean="0">
+                                <a:latin typeface="Cambria Math" panose="02040503050406030204" pitchFamily="18" charset="0"/>
+                              </a:rPr>
+                              <m:t>𝒙</m:t>
+                            </m:r>
+                          </m:e>
+                          <m:sup>
+                            <m:r>
+                              <a:rPr lang="en-US" sz="2400" b="1" i="1" smtClean="0">
+                                <a:latin typeface="Cambria Math" panose="02040503050406030204" pitchFamily="18" charset="0"/>
+                              </a:rPr>
+                              <m:t>∗</m:t>
+                            </m:r>
+                          </m:sup>
+                        </m:sSup>
+                      </m:e>
+                    </m:d>
+                    <m:r>
+                      <a:rPr lang="en-US" sz="2400" b="0" i="1" smtClean="0">
+                        <a:latin typeface="Cambria Math" charset="0"/>
+                      </a:rPr>
+                      <m:t>=</m:t>
+                    </m:r>
+                    <m:r>
+                      <a:rPr lang="en-US" sz="2400" b="0" i="1" smtClean="0">
+                        <a:latin typeface="Cambria Math" panose="02040503050406030204" pitchFamily="18" charset="0"/>
+                      </a:rPr>
+                      <m:t>−</m:t>
+                    </m:r>
+                    <m:f>
+                      <m:fPr>
+                        <m:ctrlPr>
+                          <a:rPr lang="en-US" sz="2400" b="0" i="1" smtClean="0">
+                            <a:latin typeface="Cambria Math" panose="02040503050406030204" pitchFamily="18" charset="0"/>
+                          </a:rPr>
+                        </m:ctrlPr>
+                      </m:fPr>
+                      <m:num>
+                        <m:r>
+                          <a:rPr lang="en-US" sz="2400" b="0" i="1" smtClean="0">
+                            <a:latin typeface="Cambria Math" panose="02040503050406030204" pitchFamily="18" charset="0"/>
+                          </a:rPr>
+                          <m:t>𝜕</m:t>
+                        </m:r>
+                      </m:num>
+                      <m:den>
+                        <m:r>
+                          <a:rPr lang="en-US" sz="2400" b="0" i="1" smtClean="0">
+                            <a:latin typeface="Cambria Math" panose="02040503050406030204" pitchFamily="18" charset="0"/>
+                          </a:rPr>
+                          <m:t>𝜕</m:t>
+                        </m:r>
+                        <m:r>
+                          <a:rPr lang="en-US" sz="2400" b="1" i="1" smtClean="0">
+                            <a:latin typeface="Cambria Math" panose="02040503050406030204" pitchFamily="18" charset="0"/>
+                          </a:rPr>
+                          <m:t>𝑹</m:t>
+                        </m:r>
+                      </m:den>
+                    </m:f>
+                  </m:oMath>
+                </a14:m>
+                <a:r>
+                  <a:rPr lang="en-US" sz="2400" dirty="0"/>
+                  <a:t> </a:t>
+                </a:r>
+                <a14:m>
+                  <m:oMath xmlns:m="http://schemas.openxmlformats.org/officeDocument/2006/math">
+                    <m:sSup>
+                      <m:sSupPr>
+                        <m:ctrlPr>
+                          <a:rPr lang="en-US" sz="2400" i="1">
+                            <a:latin typeface="Cambria Math" panose="02040503050406030204" pitchFamily="18" charset="0"/>
+                          </a:rPr>
+                        </m:ctrlPr>
+                      </m:sSupPr>
+                      <m:e>
+                        <m:r>
+                          <a:rPr lang="en-US" sz="2400" i="1">
+                            <a:latin typeface="Cambria Math" charset="0"/>
+                          </a:rPr>
+                          <m:t>𝐸</m:t>
+                        </m:r>
+                      </m:e>
+                      <m:sup>
+                        <m:r>
+                          <a:rPr lang="en-US" sz="2400" i="1">
+                            <a:latin typeface="Cambria Math" charset="0"/>
+                          </a:rPr>
+                          <m:t>𝑀𝐿</m:t>
+                        </m:r>
+                      </m:sup>
+                    </m:sSup>
+                    <m:d>
+                      <m:dPr>
+                        <m:ctrlPr>
+                          <a:rPr lang="en-US" sz="2400" i="1">
+                            <a:latin typeface="Cambria Math" panose="02040503050406030204" pitchFamily="18" charset="0"/>
+                          </a:rPr>
+                        </m:ctrlPr>
+                      </m:dPr>
+                      <m:e>
+                        <m:sSub>
+                          <m:sSubPr>
+                            <m:ctrlPr>
+                              <a:rPr lang="en-US" sz="2400" b="1" i="1">
+                                <a:latin typeface="Cambria Math" panose="02040503050406030204" pitchFamily="18" charset="0"/>
+                              </a:rPr>
+                            </m:ctrlPr>
+                          </m:sSubPr>
+                          <m:e>
+                            <m:r>
+                              <a:rPr lang="en-US" sz="2400" b="1" i="1">
+                                <a:latin typeface="Cambria Math" charset="0"/>
+                              </a:rPr>
+                              <m:t>𝒙</m:t>
+                            </m:r>
+                          </m:e>
+                          <m:sub>
+                            <m:r>
+                              <a:rPr lang="en-US" sz="2400" b="1" i="1">
+                                <a:latin typeface="Cambria Math" panose="02040503050406030204" pitchFamily="18" charset="0"/>
+                              </a:rPr>
+                              <m:t>𝒊</m:t>
+                            </m:r>
+                          </m:sub>
+                        </m:sSub>
+                      </m:e>
+                    </m:d>
+                  </m:oMath>
+                </a14:m>
+                <a:endParaRPr lang="en-US" sz="2400" b="0" dirty="0"/>
+              </a:p>
+            </p:txBody>
+          </p:sp>
+        </mc:Choice>
+        <mc:Fallback>
+          <p:sp>
+            <p:nvSpPr>
+              <p:cNvPr id="11" name="TextBox 10">
+                <a:extLst>
+                  <a:ext uri="{FF2B5EF4-FFF2-40B4-BE49-F238E27FC236}">
+                    <a16:creationId xmlns:a16="http://schemas.microsoft.com/office/drawing/2014/main" id="{BB012DDB-BC0C-FE43-A518-218DE1F61A4D}"/>
+                  </a:ext>
+                </a:extLst>
+              </p:cNvPr>
+              <p:cNvSpPr txBox="1">
+                <a:spLocks noRot="1" noChangeAspect="1" noMove="1" noResize="1" noEditPoints="1" noAdjustHandles="1" noChangeArrowheads="1" noChangeShapeType="1" noTextEdit="1"/>
+              </p:cNvSpPr>
+              <p:nvPr/>
+            </p:nvSpPr>
+            <p:spPr>
+              <a:xfrm>
+                <a:off x="462461" y="3081350"/>
+                <a:ext cx="3395866" cy="635367"/>
+              </a:xfrm>
+              <a:prstGeom prst="rect">
+                <a:avLst/>
+              </a:prstGeom>
+              <a:blipFill>
+                <a:blip r:embed="rId6"/>
+                <a:stretch>
+                  <a:fillRect l="-373" b="-3922"/>
+                </a:stretch>
+              </a:blipFill>
+            </p:spPr>
+            <p:txBody>
+              <a:bodyPr/>
+              <a:lstStyle/>
+              <a:p>
+                <a:r>
+                  <a:rPr lang="da-DK">
+                    <a:noFill/>
+                  </a:rPr>
+                  <a:t> </a:t>
+                </a:r>
+              </a:p>
+            </p:txBody>
+          </p:sp>
+        </mc:Fallback>
+      </mc:AlternateContent>
+      <mc:AlternateContent xmlns:mc="http://schemas.openxmlformats.org/markup-compatibility/2006">
+        <mc:Choice xmlns:a14="http://schemas.microsoft.com/office/drawing/2010/main" Requires="a14">
+          <p:sp>
+            <p:nvSpPr>
+              <p:cNvPr id="3" name="Rectangle 2">
+                <a:extLst>
+                  <a:ext uri="{FF2B5EF4-FFF2-40B4-BE49-F238E27FC236}">
+                    <a16:creationId xmlns:a16="http://schemas.microsoft.com/office/drawing/2014/main" id="{67AED2B4-B067-1F42-ABA8-9D82AA92F92F}"/>
+                  </a:ext>
+                </a:extLst>
+              </p:cNvPr>
+              <p:cNvSpPr/>
+              <p:nvPr/>
+            </p:nvSpPr>
+            <p:spPr>
+              <a:xfrm>
+                <a:off x="5124157" y="2041907"/>
+                <a:ext cx="2475871" cy="461665"/>
+              </a:xfrm>
+              <a:prstGeom prst="rect">
+                <a:avLst/>
+              </a:prstGeom>
+            </p:spPr>
+            <p:txBody>
+              <a:bodyPr wrap="none">
+                <a:spAutoFit/>
+              </a:bodyPr>
+              <a:lstStyle/>
+              <a:p>
+                <a14:m>
+                  <m:oMathPara xmlns:m="http://schemas.openxmlformats.org/officeDocument/2006/math">
+                    <m:oMathParaPr>
+                      <m:jc m:val="centerGroup"/>
+                    </m:oMathParaPr>
+                    <m:oMath xmlns:m="http://schemas.openxmlformats.org/officeDocument/2006/math">
+                      <m:r>
+                        <a:rPr lang="en-US" sz="2400" b="1" i="1" smtClean="0">
+                          <a:latin typeface="Cambria Math" panose="02040503050406030204" pitchFamily="18" charset="0"/>
+                        </a:rPr>
+                        <m:t>𝜶</m:t>
+                      </m:r>
+                      <m:r>
+                        <a:rPr lang="en-US" sz="2400" i="1">
+                          <a:latin typeface="Cambria Math" panose="02040503050406030204" pitchFamily="18" charset="0"/>
+                        </a:rPr>
+                        <m:t>=</m:t>
+                      </m:r>
+                      <m:sSup>
+                        <m:sSupPr>
+                          <m:ctrlPr>
+                            <a:rPr lang="en-US" sz="2400" i="1">
+                              <a:latin typeface="Cambria Math" panose="02040503050406030204" pitchFamily="18" charset="0"/>
+                            </a:rPr>
+                          </m:ctrlPr>
+                        </m:sSupPr>
+                        <m:e>
+                          <m:d>
+                            <m:dPr>
+                              <m:ctrlPr>
+                                <a:rPr lang="en-US" sz="2400" i="1">
+                                  <a:latin typeface="Cambria Math" panose="02040503050406030204" pitchFamily="18" charset="0"/>
+                                </a:rPr>
+                              </m:ctrlPr>
+                            </m:dPr>
+                            <m:e>
+                              <m:r>
+                                <a:rPr lang="en-US" sz="2400" b="1">
+                                  <a:latin typeface="Cambria Math" panose="02040503050406030204" pitchFamily="18" charset="0"/>
+                                </a:rPr>
+                                <m:t>𝐊</m:t>
+                              </m:r>
+                              <m:r>
+                                <a:rPr lang="en-US" sz="2400" i="1">
+                                  <a:latin typeface="Cambria Math" panose="02040503050406030204" pitchFamily="18" charset="0"/>
+                                </a:rPr>
+                                <m:t>+</m:t>
+                              </m:r>
+                              <m:r>
+                                <a:rPr lang="en-US" sz="2400" i="1">
+                                  <a:latin typeface="Cambria Math" panose="02040503050406030204" pitchFamily="18" charset="0"/>
+                                </a:rPr>
+                                <m:t>𝜆</m:t>
+                              </m:r>
+                              <m:r>
+                                <a:rPr lang="en-US" sz="2400" b="1">
+                                  <a:latin typeface="Cambria Math" panose="02040503050406030204" pitchFamily="18" charset="0"/>
+                                </a:rPr>
+                                <m:t>𝐈</m:t>
+                              </m:r>
+                            </m:e>
+                          </m:d>
+                        </m:e>
+                        <m:sup>
+                          <m:r>
+                            <a:rPr lang="en-US" sz="2400" i="1">
+                              <a:latin typeface="Cambria Math" panose="02040503050406030204" pitchFamily="18" charset="0"/>
+                            </a:rPr>
+                            <m:t>−1</m:t>
+                          </m:r>
+                        </m:sup>
+                      </m:sSup>
+                      <m:r>
+                        <a:rPr lang="en-US" sz="2400" b="1" i="1" smtClean="0">
+                          <a:latin typeface="Cambria Math" panose="02040503050406030204" pitchFamily="18" charset="0"/>
+                        </a:rPr>
+                        <m:t>𝑬</m:t>
+                      </m:r>
+                    </m:oMath>
+                  </m:oMathPara>
+                </a14:m>
+                <a:endParaRPr lang="da-DK" sz="2400" b="1" dirty="0"/>
+              </a:p>
+            </p:txBody>
+          </p:sp>
+        </mc:Choice>
+        <mc:Fallback>
+          <p:sp>
+            <p:nvSpPr>
+              <p:cNvPr id="3" name="Rectangle 2">
+                <a:extLst>
+                  <a:ext uri="{FF2B5EF4-FFF2-40B4-BE49-F238E27FC236}">
+                    <a16:creationId xmlns:a16="http://schemas.microsoft.com/office/drawing/2014/main" id="{67AED2B4-B067-1F42-ABA8-9D82AA92F92F}"/>
+                  </a:ext>
+                </a:extLst>
+              </p:cNvPr>
+              <p:cNvSpPr>
+                <a:spLocks noRot="1" noChangeAspect="1" noMove="1" noResize="1" noEditPoints="1" noAdjustHandles="1" noChangeArrowheads="1" noChangeShapeType="1" noTextEdit="1"/>
+              </p:cNvSpPr>
+              <p:nvPr/>
+            </p:nvSpPr>
+            <p:spPr>
+              <a:xfrm>
+                <a:off x="5124157" y="2041907"/>
+                <a:ext cx="2475871" cy="461665"/>
+              </a:xfrm>
+              <a:prstGeom prst="rect">
+                <a:avLst/>
+              </a:prstGeom>
+              <a:blipFill>
+                <a:blip r:embed="rId7"/>
+                <a:stretch>
+                  <a:fillRect/>
+                </a:stretch>
+              </a:blipFill>
+            </p:spPr>
+            <p:txBody>
+              <a:bodyPr/>
+              <a:lstStyle/>
+              <a:p>
+                <a:r>
+                  <a:rPr lang="da-DK">
+                    <a:noFill/>
+                  </a:rPr>
+                  <a:t> </a:t>
+                </a:r>
+              </a:p>
+            </p:txBody>
+          </p:sp>
+        </mc:Fallback>
+      </mc:AlternateContent>
+      <p:sp>
+        <p:nvSpPr>
+          <p:cNvPr id="13" name="TextBox 12">
+            <a:extLst>
+              <a:ext uri="{FF2B5EF4-FFF2-40B4-BE49-F238E27FC236}">
+                <a16:creationId xmlns:a16="http://schemas.microsoft.com/office/drawing/2014/main" id="{066E202D-18D7-A642-8AE3-7D8CF187D524}"/>
+              </a:ext>
+            </a:extLst>
+          </p:cNvPr>
+          <p:cNvSpPr txBox="1"/>
+          <p:nvPr/>
+        </p:nvSpPr>
+        <p:spPr>
+          <a:xfrm>
+            <a:off x="360213" y="1427008"/>
+            <a:ext cx="1575816" cy="461665"/>
+          </a:xfrm>
+          <a:prstGeom prst="rect">
+            <a:avLst/>
+          </a:prstGeom>
+          <a:noFill/>
+        </p:spPr>
+        <p:txBody>
+          <a:bodyPr wrap="none" rtlCol="0">
+            <a:spAutoFit/>
+          </a:bodyPr>
+          <a:lstStyle/>
+          <a:p>
+            <a:r>
+              <a:rPr lang="da-DK" sz="2400" b="1" dirty="0" err="1"/>
+              <a:t>Prediction</a:t>
+            </a:r>
+            <a:r>
+              <a:rPr lang="da-DK" sz="2400" b="1" dirty="0"/>
+              <a:t>:</a:t>
+            </a:r>
+          </a:p>
+        </p:txBody>
+      </p:sp>
+      <p:sp>
+        <p:nvSpPr>
+          <p:cNvPr id="14" name="TextBox 13">
+            <a:extLst>
+              <a:ext uri="{FF2B5EF4-FFF2-40B4-BE49-F238E27FC236}">
+                <a16:creationId xmlns:a16="http://schemas.microsoft.com/office/drawing/2014/main" id="{D8AA17F5-17AA-654E-B89B-E4E9C5F05D4A}"/>
+              </a:ext>
+            </a:extLst>
+          </p:cNvPr>
+          <p:cNvSpPr txBox="1"/>
+          <p:nvPr/>
+        </p:nvSpPr>
+        <p:spPr>
+          <a:xfrm>
+            <a:off x="5124157" y="1427007"/>
+            <a:ext cx="1287468" cy="461665"/>
+          </a:xfrm>
+          <a:prstGeom prst="rect">
+            <a:avLst/>
+          </a:prstGeom>
+          <a:noFill/>
+        </p:spPr>
+        <p:txBody>
+          <a:bodyPr wrap="none" rtlCol="0">
+            <a:spAutoFit/>
+          </a:bodyPr>
+          <a:lstStyle/>
+          <a:p>
+            <a:r>
+              <a:rPr lang="da-DK" sz="2400" b="1" dirty="0"/>
+              <a:t>Training:</a:t>
+            </a:r>
+          </a:p>
+        </p:txBody>
+      </p:sp>
+      <mc:AlternateContent xmlns:mc="http://schemas.openxmlformats.org/markup-compatibility/2006">
+        <mc:Choice xmlns:a14="http://schemas.microsoft.com/office/drawing/2010/main" Requires="a14">
+          <p:sp>
+            <p:nvSpPr>
+              <p:cNvPr id="16" name="TextBox 15">
+                <a:extLst>
+                  <a:ext uri="{FF2B5EF4-FFF2-40B4-BE49-F238E27FC236}">
+                    <a16:creationId xmlns:a16="http://schemas.microsoft.com/office/drawing/2014/main" id="{2CF36B65-5856-0E4A-A3F2-9073C8FBF3BB}"/>
+                  </a:ext>
+                </a:extLst>
+              </p:cNvPr>
+              <p:cNvSpPr txBox="1"/>
+              <p:nvPr/>
+            </p:nvSpPr>
+            <p:spPr>
+              <a:xfrm>
+                <a:off x="462461" y="3890776"/>
+                <a:ext cx="6072560" cy="539571"/>
+              </a:xfrm>
+              <a:prstGeom prst="rect">
+                <a:avLst/>
+              </a:prstGeom>
+              <a:noFill/>
+            </p:spPr>
+            <p:txBody>
+              <a:bodyPr wrap="none" rtlCol="0">
+                <a:spAutoFit/>
+              </a:bodyPr>
+              <a:lstStyle/>
+              <a:p>
+                <a:pPr/>
+                <a14:m>
+                  <m:oMathPara xmlns:m="http://schemas.openxmlformats.org/officeDocument/2006/math">
+                    <m:oMathParaPr>
+                      <m:jc m:val="centerGroup"/>
+                    </m:oMathParaPr>
+                    <m:oMath xmlns:m="http://schemas.openxmlformats.org/officeDocument/2006/math">
+                      <m:sSup>
+                        <m:sSupPr>
+                          <m:ctrlPr>
+                            <a:rPr lang="en-US" sz="2400" b="0" i="1" smtClean="0">
+                              <a:latin typeface="Cambria Math" panose="02040503050406030204" pitchFamily="18" charset="0"/>
+                            </a:rPr>
+                          </m:ctrlPr>
+                        </m:sSupPr>
+                        <m:e>
+                          <m:r>
+                            <a:rPr lang="en-US" sz="2400" b="0" i="1" smtClean="0">
+                              <a:latin typeface="Cambria Math" panose="02040503050406030204" pitchFamily="18" charset="0"/>
+                            </a:rPr>
+                            <m:t>𝜎</m:t>
+                          </m:r>
+                        </m:e>
+                        <m:sup>
+                          <m:r>
+                            <a:rPr lang="en-US" sz="2400" b="0" i="1" smtClean="0">
+                              <a:latin typeface="Cambria Math" panose="02040503050406030204" pitchFamily="18" charset="0"/>
+                            </a:rPr>
+                            <m:t>𝑀𝐿</m:t>
+                          </m:r>
+                        </m:sup>
+                      </m:sSup>
+                      <m:d>
+                        <m:dPr>
+                          <m:ctrlPr>
+                            <a:rPr lang="en-US" sz="2400" b="0" i="1" smtClean="0">
+                              <a:latin typeface="Cambria Math" panose="02040503050406030204" pitchFamily="18" charset="0"/>
+                            </a:rPr>
+                          </m:ctrlPr>
+                        </m:dPr>
+                        <m:e>
+                          <m:sSup>
+                            <m:sSupPr>
+                              <m:ctrlPr>
+                                <a:rPr lang="en-US" sz="2400" b="1" i="1" smtClean="0">
+                                  <a:latin typeface="Cambria Math" panose="02040503050406030204" pitchFamily="18" charset="0"/>
+                                </a:rPr>
+                              </m:ctrlPr>
+                            </m:sSupPr>
+                            <m:e>
+                              <m:r>
+                                <a:rPr lang="en-US" sz="2400" b="1" i="1" smtClean="0">
+                                  <a:latin typeface="Cambria Math" panose="02040503050406030204" pitchFamily="18" charset="0"/>
+                                </a:rPr>
+                                <m:t>𝒙</m:t>
+                              </m:r>
+                            </m:e>
+                            <m:sup>
+                              <m:r>
+                                <a:rPr lang="en-US" sz="2400" b="1" i="1" smtClean="0">
+                                  <a:latin typeface="Cambria Math" panose="02040503050406030204" pitchFamily="18" charset="0"/>
+                                </a:rPr>
+                                <m:t>∗</m:t>
+                              </m:r>
+                            </m:sup>
+                          </m:sSup>
+                        </m:e>
+                      </m:d>
+                      <m:r>
+                        <a:rPr lang="en-US" sz="2400" b="0" i="1" smtClean="0">
+                          <a:latin typeface="Cambria Math" panose="02040503050406030204" pitchFamily="18" charset="0"/>
+                        </a:rPr>
+                        <m:t>= </m:t>
+                      </m:r>
+                      <m:rad>
+                        <m:radPr>
+                          <m:degHide m:val="on"/>
+                          <m:ctrlPr>
+                            <a:rPr lang="en-US" sz="2400" b="0" i="1" smtClean="0">
+                              <a:latin typeface="Cambria Math" panose="02040503050406030204" pitchFamily="18" charset="0"/>
+                            </a:rPr>
+                          </m:ctrlPr>
+                        </m:radPr>
+                        <m:deg/>
+                        <m:e>
+                          <m:r>
+                            <a:rPr lang="en-US" sz="2400" b="0" i="1" smtClean="0">
+                              <a:latin typeface="Cambria Math" panose="02040503050406030204" pitchFamily="18" charset="0"/>
+                            </a:rPr>
+                            <m:t>𝜃</m:t>
+                          </m:r>
+                          <m:r>
+                            <a:rPr lang="en-US" sz="2400" b="0" i="1" smtClean="0">
+                              <a:latin typeface="Cambria Math" panose="02040503050406030204" pitchFamily="18" charset="0"/>
+                            </a:rPr>
+                            <m:t>(1−</m:t>
+                          </m:r>
+                          <m:sSup>
+                            <m:sSupPr>
+                              <m:ctrlPr>
+                                <a:rPr lang="en-US" sz="2400" b="0" i="1" smtClean="0">
+                                  <a:latin typeface="Cambria Math" panose="02040503050406030204" pitchFamily="18" charset="0"/>
+                                </a:rPr>
+                              </m:ctrlPr>
+                            </m:sSupPr>
+                            <m:e>
+                              <m:r>
+                                <a:rPr lang="en-US" sz="2400" b="1" i="1" smtClean="0">
+                                  <a:latin typeface="Cambria Math" panose="02040503050406030204" pitchFamily="18" charset="0"/>
+                                </a:rPr>
+                                <m:t>𝜿</m:t>
+                              </m:r>
+                              <m:d>
+                                <m:dPr>
+                                  <m:ctrlPr>
+                                    <a:rPr lang="en-US" sz="2400" i="1">
+                                      <a:latin typeface="Cambria Math" panose="02040503050406030204" pitchFamily="18" charset="0"/>
+                                    </a:rPr>
+                                  </m:ctrlPr>
+                                </m:dPr>
+                                <m:e>
+                                  <m:sSup>
+                                    <m:sSupPr>
+                                      <m:ctrlPr>
+                                        <a:rPr lang="en-US" sz="2400" b="1" i="1">
+                                          <a:latin typeface="Cambria Math" panose="02040503050406030204" pitchFamily="18" charset="0"/>
+                                        </a:rPr>
+                                      </m:ctrlPr>
+                                    </m:sSupPr>
+                                    <m:e>
+                                      <m:r>
+                                        <a:rPr lang="en-US" sz="2400" b="1" i="1">
+                                          <a:latin typeface="Cambria Math" panose="02040503050406030204" pitchFamily="18" charset="0"/>
+                                        </a:rPr>
+                                        <m:t>𝒙</m:t>
+                                      </m:r>
+                                    </m:e>
+                                    <m:sup>
+                                      <m:r>
+                                        <a:rPr lang="en-US" sz="2400" b="1" i="1">
+                                          <a:latin typeface="Cambria Math" panose="02040503050406030204" pitchFamily="18" charset="0"/>
+                                        </a:rPr>
+                                        <m:t>∗</m:t>
+                                      </m:r>
+                                    </m:sup>
+                                  </m:sSup>
+                                </m:e>
+                              </m:d>
+                            </m:e>
+                            <m:sup>
+                              <m:r>
+                                <a:rPr lang="en-US" sz="2400" b="0" i="1" smtClean="0">
+                                  <a:latin typeface="Cambria Math" panose="02040503050406030204" pitchFamily="18" charset="0"/>
+                                </a:rPr>
+                                <m:t>𝑇</m:t>
+                              </m:r>
+                            </m:sup>
+                          </m:sSup>
+                          <m:sSup>
+                            <m:sSupPr>
+                              <m:ctrlPr>
+                                <a:rPr lang="en-US" sz="2400" i="1">
+                                  <a:latin typeface="Cambria Math" panose="02040503050406030204" pitchFamily="18" charset="0"/>
+                                </a:rPr>
+                              </m:ctrlPr>
+                            </m:sSupPr>
+                            <m:e>
+                              <m:d>
+                                <m:dPr>
+                                  <m:ctrlPr>
+                                    <a:rPr lang="en-US" sz="2400" i="1">
+                                      <a:latin typeface="Cambria Math" panose="02040503050406030204" pitchFamily="18" charset="0"/>
+                                    </a:rPr>
+                                  </m:ctrlPr>
+                                </m:dPr>
+                                <m:e>
+                                  <m:r>
+                                    <a:rPr lang="en-US" sz="2400" b="1">
+                                      <a:latin typeface="Cambria Math" panose="02040503050406030204" pitchFamily="18" charset="0"/>
+                                    </a:rPr>
+                                    <m:t>𝐊</m:t>
+                                  </m:r>
+                                  <m:r>
+                                    <a:rPr lang="en-US" sz="2400" i="1">
+                                      <a:latin typeface="Cambria Math" panose="02040503050406030204" pitchFamily="18" charset="0"/>
+                                    </a:rPr>
+                                    <m:t>+</m:t>
+                                  </m:r>
+                                  <m:r>
+                                    <a:rPr lang="en-US" sz="2400" i="1">
+                                      <a:latin typeface="Cambria Math" panose="02040503050406030204" pitchFamily="18" charset="0"/>
+                                    </a:rPr>
+                                    <m:t>𝜆</m:t>
+                                  </m:r>
+                                  <m:r>
+                                    <a:rPr lang="en-US" sz="2400" b="1">
+                                      <a:latin typeface="Cambria Math" panose="02040503050406030204" pitchFamily="18" charset="0"/>
+                                    </a:rPr>
+                                    <m:t>𝐈</m:t>
+                                  </m:r>
+                                </m:e>
+                              </m:d>
+                            </m:e>
+                            <m:sup>
+                              <m:r>
+                                <a:rPr lang="en-US" sz="2400" i="1">
+                                  <a:latin typeface="Cambria Math" panose="02040503050406030204" pitchFamily="18" charset="0"/>
+                                </a:rPr>
+                                <m:t>−1</m:t>
+                              </m:r>
+                            </m:sup>
+                          </m:sSup>
+                          <m:r>
+                            <a:rPr lang="en-US" sz="2400" b="1" i="1" smtClean="0">
+                              <a:latin typeface="Cambria Math" panose="02040503050406030204" pitchFamily="18" charset="0"/>
+                            </a:rPr>
+                            <m:t>𝜿</m:t>
+                          </m:r>
+                          <m:d>
+                            <m:dPr>
+                              <m:ctrlPr>
+                                <a:rPr lang="en-US" sz="2400" i="1">
+                                  <a:latin typeface="Cambria Math" panose="02040503050406030204" pitchFamily="18" charset="0"/>
+                                </a:rPr>
+                              </m:ctrlPr>
+                            </m:dPr>
+                            <m:e>
+                              <m:sSup>
+                                <m:sSupPr>
+                                  <m:ctrlPr>
+                                    <a:rPr lang="en-US" sz="2400" b="1" i="1">
+                                      <a:latin typeface="Cambria Math" panose="02040503050406030204" pitchFamily="18" charset="0"/>
+                                    </a:rPr>
+                                  </m:ctrlPr>
+                                </m:sSupPr>
+                                <m:e>
+                                  <m:r>
+                                    <a:rPr lang="en-US" sz="2400" b="1" i="1">
+                                      <a:latin typeface="Cambria Math" panose="02040503050406030204" pitchFamily="18" charset="0"/>
+                                    </a:rPr>
+                                    <m:t>𝒙</m:t>
+                                  </m:r>
+                                </m:e>
+                                <m:sup>
+                                  <m:r>
+                                    <a:rPr lang="en-US" sz="2400" b="1" i="1">
+                                      <a:latin typeface="Cambria Math" panose="02040503050406030204" pitchFamily="18" charset="0"/>
+                                    </a:rPr>
+                                    <m:t>∗</m:t>
+                                  </m:r>
+                                </m:sup>
+                              </m:sSup>
+                            </m:e>
+                          </m:d>
+                          <m:r>
+                            <a:rPr lang="en-US" sz="2400" b="0" i="1" smtClean="0">
+                              <a:latin typeface="Cambria Math" panose="02040503050406030204" pitchFamily="18" charset="0"/>
+                            </a:rPr>
+                            <m:t>)</m:t>
+                          </m:r>
+                        </m:e>
+                      </m:rad>
+                    </m:oMath>
+                  </m:oMathPara>
+                </a14:m>
+                <a:endParaRPr lang="en-US" sz="2400" b="0" dirty="0"/>
+              </a:p>
+            </p:txBody>
+          </p:sp>
+        </mc:Choice>
+        <mc:Fallback>
+          <p:sp>
+            <p:nvSpPr>
+              <p:cNvPr id="16" name="TextBox 15">
+                <a:extLst>
+                  <a:ext uri="{FF2B5EF4-FFF2-40B4-BE49-F238E27FC236}">
+                    <a16:creationId xmlns:a16="http://schemas.microsoft.com/office/drawing/2014/main" id="{2CF36B65-5856-0E4A-A3F2-9073C8FBF3BB}"/>
+                  </a:ext>
+                </a:extLst>
+              </p:cNvPr>
+              <p:cNvSpPr txBox="1">
+                <a:spLocks noRot="1" noChangeAspect="1" noMove="1" noResize="1" noEditPoints="1" noAdjustHandles="1" noChangeArrowheads="1" noChangeShapeType="1" noTextEdit="1"/>
+              </p:cNvSpPr>
+              <p:nvPr/>
+            </p:nvSpPr>
+            <p:spPr>
+              <a:xfrm>
+                <a:off x="462461" y="3890776"/>
+                <a:ext cx="6072560" cy="539571"/>
+              </a:xfrm>
+              <a:prstGeom prst="rect">
+                <a:avLst/>
+              </a:prstGeom>
+              <a:blipFill>
+                <a:blip r:embed="rId8"/>
+                <a:stretch>
+                  <a:fillRect b="-15909"/>
+                </a:stretch>
+              </a:blipFill>
+            </p:spPr>
+            <p:txBody>
+              <a:bodyPr/>
+              <a:lstStyle/>
+              <a:p>
+                <a:r>
+                  <a:rPr lang="da-DK">
+                    <a:noFill/>
+                  </a:rPr>
+                  <a:t> </a:t>
+                </a:r>
+              </a:p>
+            </p:txBody>
+          </p:sp>
+        </mc:Fallback>
+      </mc:AlternateContent>
+      <mc:AlternateContent xmlns:mc="http://schemas.openxmlformats.org/markup-compatibility/2006">
+        <mc:Choice xmlns:a14="http://schemas.microsoft.com/office/drawing/2010/main" Requires="a14">
+          <p:sp>
+            <p:nvSpPr>
+              <p:cNvPr id="17" name="Rectangle 16">
+                <a:extLst>
+                  <a:ext uri="{FF2B5EF4-FFF2-40B4-BE49-F238E27FC236}">
+                    <a16:creationId xmlns:a16="http://schemas.microsoft.com/office/drawing/2014/main" id="{54AA8573-33C7-BD48-8BC9-DA44AB3FC885}"/>
+                  </a:ext>
+                </a:extLst>
+              </p:cNvPr>
+              <p:cNvSpPr/>
+              <p:nvPr/>
+            </p:nvSpPr>
+            <p:spPr>
+              <a:xfrm>
+                <a:off x="545947" y="6049872"/>
+                <a:ext cx="2458622" cy="461665"/>
+              </a:xfrm>
+              <a:prstGeom prst="rect">
+                <a:avLst/>
+              </a:prstGeom>
+            </p:spPr>
+            <p:txBody>
+              <a:bodyPr wrap="none">
+                <a:spAutoFit/>
+              </a:bodyPr>
+              <a:lstStyle/>
+              <a:p>
+                <a14:m>
+                  <m:oMathPara xmlns:m="http://schemas.openxmlformats.org/officeDocument/2006/math">
+                    <m:oMathParaPr>
+                      <m:jc m:val="centerGroup"/>
+                    </m:oMathParaPr>
+                    <m:oMath xmlns:m="http://schemas.openxmlformats.org/officeDocument/2006/math">
+                      <m:r>
+                        <a:rPr lang="en-US" sz="2400" b="1" i="1" smtClean="0">
+                          <a:latin typeface="Cambria Math" panose="02040503050406030204" pitchFamily="18" charset="0"/>
+                        </a:rPr>
+                        <m:t>𝜿</m:t>
+                      </m:r>
+                      <m:d>
+                        <m:dPr>
+                          <m:ctrlPr>
+                            <a:rPr lang="en-US" sz="2400" i="1">
+                              <a:latin typeface="Cambria Math" panose="02040503050406030204" pitchFamily="18" charset="0"/>
+                            </a:rPr>
+                          </m:ctrlPr>
+                        </m:dPr>
+                        <m:e>
+                          <m:sSup>
+                            <m:sSupPr>
+                              <m:ctrlPr>
+                                <a:rPr lang="en-US" sz="2400" b="1" i="1">
+                                  <a:latin typeface="Cambria Math" panose="02040503050406030204" pitchFamily="18" charset="0"/>
+                                </a:rPr>
+                              </m:ctrlPr>
+                            </m:sSupPr>
+                            <m:e>
+                              <m:r>
+                                <a:rPr lang="en-US" sz="2400" b="1" i="1">
+                                  <a:latin typeface="Cambria Math" panose="02040503050406030204" pitchFamily="18" charset="0"/>
+                                </a:rPr>
+                                <m:t>𝒙</m:t>
+                              </m:r>
+                            </m:e>
+                            <m:sup>
+                              <m:r>
+                                <a:rPr lang="en-US" sz="2400" b="1" i="1">
+                                  <a:latin typeface="Cambria Math" panose="02040503050406030204" pitchFamily="18" charset="0"/>
+                                </a:rPr>
+                                <m:t>∗</m:t>
+                              </m:r>
+                            </m:sup>
+                          </m:sSup>
+                        </m:e>
+                      </m:d>
+                      <m:r>
+                        <a:rPr lang="en-US" sz="2400" b="1" i="1" smtClean="0">
+                          <a:latin typeface="Cambria Math" panose="02040503050406030204" pitchFamily="18" charset="0"/>
+                        </a:rPr>
+                        <m:t>=</m:t>
+                      </m:r>
+                      <m:r>
+                        <a:rPr lang="en-US" sz="2400" b="0" i="1" smtClean="0">
+                          <a:latin typeface="Cambria Math" panose="02040503050406030204" pitchFamily="18" charset="0"/>
+                        </a:rPr>
+                        <m:t>𝑘</m:t>
+                      </m:r>
+                      <m:r>
+                        <a:rPr lang="en-US" sz="2400" b="0" i="1" smtClean="0">
+                          <a:latin typeface="Cambria Math" panose="02040503050406030204" pitchFamily="18" charset="0"/>
+                        </a:rPr>
+                        <m:t>(</m:t>
+                      </m:r>
+                      <m:sSup>
+                        <m:sSupPr>
+                          <m:ctrlPr>
+                            <a:rPr lang="en-US" sz="2400" b="0" i="1" smtClean="0">
+                              <a:latin typeface="Cambria Math" panose="02040503050406030204" pitchFamily="18" charset="0"/>
+                            </a:rPr>
+                          </m:ctrlPr>
+                        </m:sSupPr>
+                        <m:e>
+                          <m:r>
+                            <a:rPr lang="en-US" sz="2400" b="1" i="1" smtClean="0">
+                              <a:latin typeface="Cambria Math" panose="02040503050406030204" pitchFamily="18" charset="0"/>
+                            </a:rPr>
+                            <m:t>𝒙</m:t>
+                          </m:r>
+                        </m:e>
+                        <m:sup>
+                          <m:r>
+                            <a:rPr lang="en-US" sz="2400" b="0" i="1" smtClean="0">
+                              <a:latin typeface="Cambria Math" panose="02040503050406030204" pitchFamily="18" charset="0"/>
+                            </a:rPr>
+                            <m:t>∗</m:t>
+                          </m:r>
+                        </m:sup>
+                      </m:sSup>
+                      <m:r>
+                        <a:rPr lang="en-US" sz="2400" b="0" i="1" smtClean="0">
+                          <a:latin typeface="Cambria Math" panose="02040503050406030204" pitchFamily="18" charset="0"/>
+                        </a:rPr>
+                        <m:t>, </m:t>
+                      </m:r>
+                      <m:r>
+                        <a:rPr lang="en-US" sz="2400" b="1" i="1" smtClean="0">
+                          <a:latin typeface="Cambria Math" panose="02040503050406030204" pitchFamily="18" charset="0"/>
+                        </a:rPr>
+                        <m:t>𝑿</m:t>
+                      </m:r>
+                      <m:r>
+                        <a:rPr lang="en-US" sz="2400" b="0" i="1" smtClean="0">
+                          <a:latin typeface="Cambria Math" panose="02040503050406030204" pitchFamily="18" charset="0"/>
+                        </a:rPr>
+                        <m:t>)</m:t>
+                      </m:r>
+                    </m:oMath>
+                  </m:oMathPara>
+                </a14:m>
+                <a:endParaRPr lang="da-DK" sz="2400" dirty="0"/>
+              </a:p>
+            </p:txBody>
+          </p:sp>
+        </mc:Choice>
+        <mc:Fallback>
+          <p:sp>
+            <p:nvSpPr>
+              <p:cNvPr id="17" name="Rectangle 16">
+                <a:extLst>
+                  <a:ext uri="{FF2B5EF4-FFF2-40B4-BE49-F238E27FC236}">
+                    <a16:creationId xmlns:a16="http://schemas.microsoft.com/office/drawing/2014/main" id="{54AA8573-33C7-BD48-8BC9-DA44AB3FC885}"/>
+                  </a:ext>
+                </a:extLst>
+              </p:cNvPr>
+              <p:cNvSpPr>
+                <a:spLocks noRot="1" noChangeAspect="1" noMove="1" noResize="1" noEditPoints="1" noAdjustHandles="1" noChangeArrowheads="1" noChangeShapeType="1" noTextEdit="1"/>
+              </p:cNvSpPr>
+              <p:nvPr/>
+            </p:nvSpPr>
+            <p:spPr>
+              <a:xfrm>
+                <a:off x="545947" y="6049872"/>
+                <a:ext cx="2458622" cy="461665"/>
+              </a:xfrm>
+              <a:prstGeom prst="rect">
+                <a:avLst/>
+              </a:prstGeom>
+              <a:blipFill>
+                <a:blip r:embed="rId9"/>
+                <a:stretch>
+                  <a:fillRect b="-15789"/>
+                </a:stretch>
+              </a:blipFill>
+            </p:spPr>
+            <p:txBody>
+              <a:bodyPr/>
+              <a:lstStyle/>
+              <a:p>
+                <a:r>
+                  <a:rPr lang="da-DK">
+                    <a:noFill/>
+                  </a:rPr>
+                  <a:t> </a:t>
+                </a:r>
+              </a:p>
+            </p:txBody>
+          </p:sp>
+        </mc:Fallback>
+      </mc:AlternateContent>
+      <p:sp>
+        <p:nvSpPr>
+          <p:cNvPr id="18" name="TextBox 17">
+            <a:extLst>
+              <a:ext uri="{FF2B5EF4-FFF2-40B4-BE49-F238E27FC236}">
+                <a16:creationId xmlns:a16="http://schemas.microsoft.com/office/drawing/2014/main" id="{8DE64B79-B3BA-C84C-848C-E8C1148D0F8F}"/>
+              </a:ext>
+            </a:extLst>
+          </p:cNvPr>
+          <p:cNvSpPr txBox="1"/>
+          <p:nvPr/>
+        </p:nvSpPr>
+        <p:spPr>
+          <a:xfrm>
+            <a:off x="545947" y="4772395"/>
+            <a:ext cx="1092800" cy="461665"/>
+          </a:xfrm>
+          <a:prstGeom prst="rect">
+            <a:avLst/>
+          </a:prstGeom>
+          <a:noFill/>
+        </p:spPr>
+        <p:txBody>
+          <a:bodyPr wrap="none" rtlCol="0">
+            <a:spAutoFit/>
+          </a:bodyPr>
+          <a:lstStyle/>
+          <a:p>
+            <a:r>
+              <a:rPr lang="da-DK" sz="2400" b="1" dirty="0" err="1"/>
+              <a:t>Kernel</a:t>
+            </a:r>
+            <a:r>
+              <a:rPr lang="da-DK" sz="2400" b="1" dirty="0"/>
+              <a:t>:</a:t>
+            </a:r>
+          </a:p>
+        </p:txBody>
+      </p:sp>
+    </p:spTree>
+    <p:extLst>
+      <p:ext uri="{BB962C8B-B14F-4D97-AF65-F5344CB8AC3E}">
+        <p14:creationId xmlns:p14="http://schemas.microsoft.com/office/powerpoint/2010/main" val="125173257"/>
+      </p:ext>
+    </p:extLst>
+  </p:cSld>
+  <p:clrMapOvr>
+    <a:masterClrMapping/>
+  </p:clrMapOvr>
+</p:sld>
+</file>
+
+<file path=ppt/slides/slide18.xml><?xml version="1.0" encoding="utf-8"?>
+<p:sld xmlns:a="http://schemas.openxmlformats.org/drawingml/2006/main" xmlns:r="http://schemas.openxmlformats.org/officeDocument/2006/relationships" xmlns:p="http://schemas.openxmlformats.org/presentationml/2006/main">
+  <p:cSld>
+    <p:spTree>
+      <p:nvGrpSpPr>
+        <p:cNvPr id="1" name=""/>
+        <p:cNvGrpSpPr/>
+        <p:nvPr/>
+      </p:nvGrpSpPr>
+      <p:grpSpPr>
+        <a:xfrm>
+          <a:off x="0" y="0"/>
+          <a:ext cx="0" cy="0"/>
+          <a:chOff x="0" y="0"/>
+          <a:chExt cx="0" cy="0"/>
+        </a:xfrm>
+      </p:grpSpPr>
+      <p:sp>
+        <p:nvSpPr>
+          <p:cNvPr id="2" name="Title 1">
+            <a:extLst>
+              <a:ext uri="{FF2B5EF4-FFF2-40B4-BE49-F238E27FC236}">
+                <a16:creationId xmlns:a16="http://schemas.microsoft.com/office/drawing/2014/main" id="{90371848-C3C2-2946-8721-32944148379F}"/>
+              </a:ext>
+            </a:extLst>
+          </p:cNvPr>
+          <p:cNvSpPr>
+            <a:spLocks noGrp="1"/>
+          </p:cNvSpPr>
+          <p:nvPr>
+            <p:ph type="title"/>
+          </p:nvPr>
+        </p:nvSpPr>
+        <p:spPr/>
+        <p:txBody>
+          <a:bodyPr/>
+          <a:lstStyle/>
+          <a:p>
+            <a:r>
+              <a:rPr lang="da-DK" dirty="0" err="1"/>
+              <a:t>Gaussian</a:t>
+            </a:r>
+            <a:r>
+              <a:rPr lang="da-DK" dirty="0"/>
+              <a:t> </a:t>
+            </a:r>
+            <a:r>
+              <a:rPr lang="da-DK" dirty="0" err="1"/>
+              <a:t>process</a:t>
+            </a:r>
+            <a:r>
+              <a:rPr lang="da-DK" dirty="0"/>
+              <a:t> regression</a:t>
+            </a:r>
+          </a:p>
+        </p:txBody>
+      </p:sp>
+      <p:pic>
+        <p:nvPicPr>
+          <p:cNvPr id="5" name="Picture 4">
+            <a:extLst>
+              <a:ext uri="{FF2B5EF4-FFF2-40B4-BE49-F238E27FC236}">
+                <a16:creationId xmlns:a16="http://schemas.microsoft.com/office/drawing/2014/main" id="{96C8DA8D-9BEF-744E-AFF8-50655E69712A}"/>
+              </a:ext>
+            </a:extLst>
+          </p:cNvPr>
+          <p:cNvPicPr>
+            <a:picLocks noChangeAspect="1"/>
+          </p:cNvPicPr>
+          <p:nvPr/>
+        </p:nvPicPr>
+        <p:blipFill>
+          <a:blip r:embed="rId2"/>
+          <a:stretch>
+            <a:fillRect/>
+          </a:stretch>
+        </p:blipFill>
+        <p:spPr>
+          <a:xfrm>
+            <a:off x="6680517" y="2401449"/>
+            <a:ext cx="5347071" cy="4013203"/>
+          </a:xfrm>
+          <a:prstGeom prst="rect">
+            <a:avLst/>
+          </a:prstGeom>
+        </p:spPr>
+      </p:pic>
+      <mc:AlternateContent xmlns:mc="http://schemas.openxmlformats.org/markup-compatibility/2006">
+        <mc:Choice xmlns:a14="http://schemas.microsoft.com/office/drawing/2010/main" Requires="a14">
+          <p:sp>
+            <p:nvSpPr>
+              <p:cNvPr id="7" name="TextBox 6">
+                <a:extLst>
+                  <a:ext uri="{FF2B5EF4-FFF2-40B4-BE49-F238E27FC236}">
+                    <a16:creationId xmlns:a16="http://schemas.microsoft.com/office/drawing/2014/main" id="{B326EACE-184C-7541-863E-4FC005F8970C}"/>
+                  </a:ext>
+                </a:extLst>
+              </p:cNvPr>
+              <p:cNvSpPr txBox="1"/>
+              <p:nvPr/>
+            </p:nvSpPr>
+            <p:spPr>
+              <a:xfrm>
+                <a:off x="520044" y="5002492"/>
+                <a:ext cx="5091266" cy="936025"/>
+              </a:xfrm>
+              <a:prstGeom prst="rect">
+                <a:avLst/>
+              </a:prstGeom>
+              <a:noFill/>
+            </p:spPr>
+            <p:txBody>
+              <a:bodyPr wrap="none" rtlCol="0">
+                <a:spAutoFit/>
+              </a:bodyPr>
+              <a:lstStyle/>
+              <a:p>
+                <a:pPr/>
+                <a14:m>
+                  <m:oMathPara xmlns:m="http://schemas.openxmlformats.org/officeDocument/2006/math">
+                    <m:oMathParaPr>
+                      <m:jc m:val="centerGroup"/>
+                    </m:oMathParaPr>
+                    <m:oMath xmlns:m="http://schemas.openxmlformats.org/officeDocument/2006/math">
+                      <m:sSub>
+                        <m:sSubPr>
+                          <m:ctrlPr>
+                            <a:rPr lang="en-US" sz="2400" b="0" i="1" smtClean="0">
+                              <a:latin typeface="Cambria Math" panose="02040503050406030204" pitchFamily="18" charset="0"/>
+                            </a:rPr>
+                          </m:ctrlPr>
+                        </m:sSubPr>
+                        <m:e>
+                          <m:r>
+                            <a:rPr lang="en-US" sz="2400" b="0" i="1" smtClean="0">
+                              <a:latin typeface="Cambria Math" panose="02040503050406030204" pitchFamily="18" charset="0"/>
+                            </a:rPr>
+                            <m:t>𝐾</m:t>
+                          </m:r>
+                        </m:e>
+                        <m:sub>
+                          <m:r>
+                            <a:rPr lang="en-US" sz="2400" b="0" i="1" smtClean="0">
+                              <a:latin typeface="Cambria Math" panose="02040503050406030204" pitchFamily="18" charset="0"/>
+                            </a:rPr>
+                            <m:t>𝑖𝑗</m:t>
+                          </m:r>
+                        </m:sub>
+                      </m:sSub>
+                      <m:r>
+                        <a:rPr lang="en-US" sz="2400" b="0" i="1" smtClean="0">
+                          <a:latin typeface="Cambria Math" panose="02040503050406030204" pitchFamily="18" charset="0"/>
+                        </a:rPr>
+                        <m:t>=</m:t>
+                      </m:r>
+                      <m:r>
+                        <a:rPr lang="en-US" sz="2400" b="0" i="1" smtClean="0">
+                          <a:latin typeface="Cambria Math" panose="02040503050406030204" pitchFamily="18" charset="0"/>
+                        </a:rPr>
+                        <m:t>𝑘</m:t>
+                      </m:r>
+                      <m:r>
+                        <a:rPr lang="en-US" sz="2400" b="0" i="1" smtClean="0">
+                          <a:latin typeface="Cambria Math" panose="02040503050406030204" pitchFamily="18" charset="0"/>
+                        </a:rPr>
+                        <m:t>(</m:t>
+                      </m:r>
+                      <m:sSub>
+                        <m:sSubPr>
+                          <m:ctrlPr>
+                            <a:rPr lang="en-US" sz="2400" b="0" i="1" smtClean="0">
+                              <a:latin typeface="Cambria Math" panose="02040503050406030204" pitchFamily="18" charset="0"/>
+                            </a:rPr>
+                          </m:ctrlPr>
+                        </m:sSubPr>
+                        <m:e>
+                          <m:r>
+                            <a:rPr lang="en-US" sz="2400" b="1" i="1" smtClean="0">
+                              <a:latin typeface="Cambria Math" panose="02040503050406030204" pitchFamily="18" charset="0"/>
+                            </a:rPr>
+                            <m:t>𝒙</m:t>
+                          </m:r>
+                        </m:e>
+                        <m:sub>
+                          <m:r>
+                            <a:rPr lang="en-US" sz="2400" b="0" i="1" smtClean="0">
+                              <a:latin typeface="Cambria Math" panose="02040503050406030204" pitchFamily="18" charset="0"/>
+                            </a:rPr>
+                            <m:t>𝑖</m:t>
+                          </m:r>
+                        </m:sub>
+                      </m:sSub>
+                      <m:r>
+                        <a:rPr lang="en-US" sz="2400" b="0" i="1" smtClean="0">
+                          <a:latin typeface="Cambria Math" panose="02040503050406030204" pitchFamily="18" charset="0"/>
+                        </a:rPr>
+                        <m:t>,</m:t>
+                      </m:r>
+                      <m:sSub>
+                        <m:sSubPr>
+                          <m:ctrlPr>
+                            <a:rPr lang="en-US" sz="2400" b="0" i="1" smtClean="0">
+                              <a:latin typeface="Cambria Math" panose="02040503050406030204" pitchFamily="18" charset="0"/>
+                            </a:rPr>
+                          </m:ctrlPr>
+                        </m:sSubPr>
+                        <m:e>
+                          <m:r>
+                            <a:rPr lang="en-US" sz="2400" b="1" i="1" smtClean="0">
+                              <a:latin typeface="Cambria Math" panose="02040503050406030204" pitchFamily="18" charset="0"/>
+                            </a:rPr>
+                            <m:t>𝒙</m:t>
+                          </m:r>
+                        </m:e>
+                        <m:sub>
+                          <m:r>
+                            <a:rPr lang="en-US" sz="2400" b="0" i="1" smtClean="0">
+                              <a:latin typeface="Cambria Math" panose="02040503050406030204" pitchFamily="18" charset="0"/>
+                            </a:rPr>
+                            <m:t>𝑗</m:t>
+                          </m:r>
+                        </m:sub>
+                      </m:sSub>
+                      <m:r>
+                        <a:rPr lang="en-US" sz="2400" b="0" i="1" smtClean="0">
+                          <a:latin typeface="Cambria Math" panose="02040503050406030204" pitchFamily="18" charset="0"/>
+                        </a:rPr>
+                        <m:t>)</m:t>
+                      </m:r>
+                      <m:r>
+                        <a:rPr lang="en-US" sz="2400" b="0" i="1" smtClean="0">
+                          <a:latin typeface="Cambria Math" charset="0"/>
+                        </a:rPr>
+                        <m:t>=</m:t>
+                      </m:r>
+                      <m:func>
+                        <m:funcPr>
+                          <m:ctrlPr>
+                            <a:rPr lang="en-US" sz="2400" b="0" i="1" smtClean="0">
+                              <a:latin typeface="Cambria Math" panose="02040503050406030204" pitchFamily="18" charset="0"/>
+                            </a:rPr>
+                          </m:ctrlPr>
+                        </m:funcPr>
+                        <m:fName>
+                          <m:r>
+                            <m:rPr>
+                              <m:sty m:val="p"/>
+                            </m:rPr>
+                            <a:rPr lang="en-US" sz="2400" b="0" i="0" smtClean="0">
+                              <a:latin typeface="Cambria Math" panose="02040503050406030204" pitchFamily="18" charset="0"/>
+                            </a:rPr>
+                            <m:t>exp</m:t>
+                          </m:r>
+                        </m:fName>
+                        <m:e>
+                          <m:d>
+                            <m:dPr>
+                              <m:ctrlPr>
+                                <a:rPr lang="en-US" sz="2400" i="1">
+                                  <a:latin typeface="Cambria Math" panose="02040503050406030204" pitchFamily="18" charset="0"/>
+                                </a:rPr>
+                              </m:ctrlPr>
+                            </m:dPr>
+                            <m:e>
+                              <m:r>
+                                <a:rPr lang="en-US" sz="2400" i="1">
+                                  <a:latin typeface="Cambria Math" charset="0"/>
+                                </a:rPr>
+                                <m:t>−</m:t>
+                              </m:r>
+                              <m:f>
+                                <m:fPr>
+                                  <m:ctrlPr>
+                                    <a:rPr lang="en-US" sz="2400" i="1">
+                                      <a:latin typeface="Cambria Math" panose="02040503050406030204" pitchFamily="18" charset="0"/>
+                                    </a:rPr>
+                                  </m:ctrlPr>
+                                </m:fPr>
+                                <m:num>
+                                  <m:sSup>
+                                    <m:sSupPr>
+                                      <m:ctrlPr>
+                                        <a:rPr lang="en-US" sz="2400" i="1">
+                                          <a:latin typeface="Cambria Math" panose="02040503050406030204" pitchFamily="18" charset="0"/>
+                                        </a:rPr>
+                                      </m:ctrlPr>
+                                    </m:sSupPr>
+                                    <m:e>
+                                      <m:d>
+                                        <m:dPr>
+                                          <m:begChr m:val="‖"/>
+                                          <m:endChr m:val="‖"/>
+                                          <m:ctrlPr>
+                                            <a:rPr lang="en-US" sz="2400" i="1">
+                                              <a:latin typeface="Cambria Math" panose="02040503050406030204" pitchFamily="18" charset="0"/>
+                                            </a:rPr>
+                                          </m:ctrlPr>
+                                        </m:dPr>
+                                        <m:e>
+                                          <m:sSub>
+                                            <m:sSubPr>
+                                              <m:ctrlPr>
+                                                <a:rPr lang="en-US" sz="2400" b="0" i="1" smtClean="0">
+                                                  <a:latin typeface="Cambria Math" panose="02040503050406030204" pitchFamily="18" charset="0"/>
+                                                </a:rPr>
+                                              </m:ctrlPr>
+                                            </m:sSubPr>
+                                            <m:e>
+                                              <m:r>
+                                                <a:rPr lang="en-US" sz="2400" b="1" i="1">
+                                                  <a:latin typeface="Cambria Math" charset="0"/>
+                                                </a:rPr>
+                                                <m:t>𝒙</m:t>
+                                              </m:r>
+                                            </m:e>
+                                            <m:sub>
+                                              <m:r>
+                                                <a:rPr lang="en-US" sz="2400" b="0" i="1" smtClean="0">
+                                                  <a:latin typeface="Cambria Math" panose="02040503050406030204" pitchFamily="18" charset="0"/>
+                                                </a:rPr>
+                                                <m:t>𝑖</m:t>
+                                              </m:r>
+                                            </m:sub>
+                                          </m:sSub>
+                                          <m:r>
+                                            <a:rPr lang="en-US" sz="2400" i="1">
+                                              <a:latin typeface="Cambria Math" charset="0"/>
+                                            </a:rPr>
+                                            <m:t>−</m:t>
+                                          </m:r>
+                                          <m:sSub>
+                                            <m:sSubPr>
+                                              <m:ctrlPr>
+                                                <a:rPr lang="en-US" sz="2400" i="1">
+                                                  <a:latin typeface="Cambria Math" panose="02040503050406030204" pitchFamily="18" charset="0"/>
+                                                </a:rPr>
+                                              </m:ctrlPr>
+                                            </m:sSubPr>
+                                            <m:e>
+                                              <m:r>
+                                                <a:rPr lang="en-US" sz="2400" b="1" i="1">
+                                                  <a:latin typeface="Cambria Math" charset="0"/>
+                                                </a:rPr>
+                                                <m:t>𝒙</m:t>
+                                              </m:r>
+                                            </m:e>
+                                            <m:sub>
+                                              <m:r>
+                                                <a:rPr lang="en-US" sz="2400" b="0" i="1" smtClean="0">
+                                                  <a:latin typeface="Cambria Math" panose="02040503050406030204" pitchFamily="18" charset="0"/>
+                                                </a:rPr>
+                                                <m:t>𝑗</m:t>
+                                              </m:r>
+                                            </m:sub>
+                                          </m:sSub>
+                                        </m:e>
+                                      </m:d>
+                                    </m:e>
+                                    <m:sup>
+                                      <m:r>
+                                        <a:rPr lang="en-US" sz="2400" i="1">
+                                          <a:latin typeface="Cambria Math" charset="0"/>
+                                        </a:rPr>
+                                        <m:t>2</m:t>
+                                      </m:r>
+                                    </m:sup>
+                                  </m:sSup>
+                                </m:num>
+                                <m:den>
+                                  <m:r>
+                                    <a:rPr lang="en-US" sz="2400" i="1">
+                                      <a:latin typeface="Cambria Math" charset="0"/>
+                                    </a:rPr>
+                                    <m:t>2</m:t>
+                                  </m:r>
+                                  <m:sSup>
+                                    <m:sSupPr>
+                                      <m:ctrlPr>
+                                        <a:rPr lang="en-US" sz="2400" i="1">
+                                          <a:latin typeface="Cambria Math" panose="02040503050406030204" pitchFamily="18" charset="0"/>
+                                        </a:rPr>
+                                      </m:ctrlPr>
+                                    </m:sSupPr>
+                                    <m:e>
+                                      <m:r>
+                                        <a:rPr lang="en-US" sz="2400" b="0" i="1" smtClean="0">
+                                          <a:latin typeface="Cambria Math" panose="02040503050406030204" pitchFamily="18" charset="0"/>
+                                        </a:rPr>
+                                        <m:t>𝑙</m:t>
+                                      </m:r>
+                                    </m:e>
+                                    <m:sup>
+                                      <m:r>
+                                        <a:rPr lang="en-US" sz="2400" i="1">
+                                          <a:latin typeface="Cambria Math" charset="0"/>
+                                        </a:rPr>
+                                        <m:t>2</m:t>
+                                      </m:r>
+                                    </m:sup>
+                                  </m:sSup>
+                                </m:den>
+                              </m:f>
+                            </m:e>
+                          </m:d>
+                        </m:e>
+                      </m:func>
+                    </m:oMath>
+                  </m:oMathPara>
+                </a14:m>
+                <a:endParaRPr lang="en-US" sz="2400" dirty="0"/>
+              </a:p>
+            </p:txBody>
+          </p:sp>
+        </mc:Choice>
+        <mc:Fallback>
+          <p:sp>
+            <p:nvSpPr>
+              <p:cNvPr id="7" name="TextBox 6">
+                <a:extLst>
+                  <a:ext uri="{FF2B5EF4-FFF2-40B4-BE49-F238E27FC236}">
+                    <a16:creationId xmlns:a16="http://schemas.microsoft.com/office/drawing/2014/main" id="{B326EACE-184C-7541-863E-4FC005F8970C}"/>
+                  </a:ext>
+                </a:extLst>
+              </p:cNvPr>
+              <p:cNvSpPr txBox="1">
+                <a:spLocks noRot="1" noChangeAspect="1" noMove="1" noResize="1" noEditPoints="1" noAdjustHandles="1" noChangeArrowheads="1" noChangeShapeType="1" noTextEdit="1"/>
+              </p:cNvSpPr>
+              <p:nvPr/>
+            </p:nvSpPr>
+            <p:spPr>
+              <a:xfrm>
+                <a:off x="520044" y="5002492"/>
+                <a:ext cx="5091266" cy="936025"/>
+              </a:xfrm>
+              <a:prstGeom prst="rect">
+                <a:avLst/>
+              </a:prstGeom>
+              <a:blipFill>
+                <a:blip r:embed="rId3"/>
+                <a:stretch>
+                  <a:fillRect b="-5333"/>
+                </a:stretch>
+              </a:blipFill>
+            </p:spPr>
+            <p:txBody>
+              <a:bodyPr/>
+              <a:lstStyle/>
+              <a:p>
+                <a:r>
+                  <a:rPr lang="da-DK">
+                    <a:noFill/>
+                  </a:rPr>
+                  <a:t> </a:t>
+                </a:r>
+              </a:p>
+            </p:txBody>
+          </p:sp>
+        </mc:Fallback>
+      </mc:AlternateContent>
+      <mc:AlternateContent xmlns:mc="http://schemas.openxmlformats.org/markup-compatibility/2006">
+        <mc:Choice xmlns:a14="http://schemas.microsoft.com/office/drawing/2010/main" Requires="a14">
+          <p:sp>
+            <p:nvSpPr>
+              <p:cNvPr id="8" name="TextBox 7">
+                <a:extLst>
+                  <a:ext uri="{FF2B5EF4-FFF2-40B4-BE49-F238E27FC236}">
+                    <a16:creationId xmlns:a16="http://schemas.microsoft.com/office/drawing/2014/main" id="{4565886E-73A9-DD4D-90C2-BD9C2AFADF7F}"/>
+                  </a:ext>
+                </a:extLst>
+              </p:cNvPr>
+              <p:cNvSpPr txBox="1"/>
+              <p:nvPr/>
+            </p:nvSpPr>
+            <p:spPr>
+              <a:xfrm>
+                <a:off x="404866" y="1828495"/>
+                <a:ext cx="3451522" cy="1172629"/>
+              </a:xfrm>
+              <a:prstGeom prst="rect">
+                <a:avLst/>
+              </a:prstGeom>
+              <a:noFill/>
+            </p:spPr>
+            <p:txBody>
+              <a:bodyPr wrap="none" rtlCol="0">
+                <a:spAutoFit/>
+              </a:bodyPr>
+              <a:lstStyle/>
+              <a:p>
+                <a:pPr/>
+                <a14:m>
+                  <m:oMathPara xmlns:m="http://schemas.openxmlformats.org/officeDocument/2006/math">
+                    <m:oMathParaPr>
+                      <m:jc m:val="centerGroup"/>
+                    </m:oMathParaPr>
+                    <m:oMath xmlns:m="http://schemas.openxmlformats.org/officeDocument/2006/math">
+                      <m:sSup>
+                        <m:sSupPr>
+                          <m:ctrlPr>
+                            <a:rPr lang="en-US" sz="2400" i="1" smtClean="0">
+                              <a:latin typeface="Cambria Math" panose="02040503050406030204" pitchFamily="18" charset="0"/>
+                            </a:rPr>
+                          </m:ctrlPr>
+                        </m:sSupPr>
+                        <m:e>
+                          <m:r>
+                            <a:rPr lang="en-US" sz="2400" b="0" i="1" smtClean="0">
+                              <a:latin typeface="Cambria Math" charset="0"/>
+                            </a:rPr>
+                            <m:t>𝐸</m:t>
+                          </m:r>
+                        </m:e>
+                        <m:sup>
+                          <m:r>
+                            <a:rPr lang="en-US" sz="2400" b="0" i="1" smtClean="0">
+                              <a:latin typeface="Cambria Math" charset="0"/>
+                            </a:rPr>
+                            <m:t>𝑀𝐿</m:t>
+                          </m:r>
+                        </m:sup>
+                      </m:sSup>
+                      <m:d>
+                        <m:dPr>
+                          <m:ctrlPr>
+                            <a:rPr lang="en-US" sz="2400" i="1" smtClean="0">
+                              <a:latin typeface="Cambria Math" panose="02040503050406030204" pitchFamily="18" charset="0"/>
+                            </a:rPr>
+                          </m:ctrlPr>
+                        </m:dPr>
+                        <m:e>
+                          <m:sSup>
+                            <m:sSupPr>
+                              <m:ctrlPr>
+                                <a:rPr lang="en-US" sz="2400" b="1" i="1" smtClean="0">
+                                  <a:latin typeface="Cambria Math" panose="02040503050406030204" pitchFamily="18" charset="0"/>
+                                </a:rPr>
+                              </m:ctrlPr>
+                            </m:sSupPr>
+                            <m:e>
+                              <m:r>
+                                <a:rPr lang="en-US" sz="2400" b="1" i="1" smtClean="0">
+                                  <a:latin typeface="Cambria Math" panose="02040503050406030204" pitchFamily="18" charset="0"/>
+                                </a:rPr>
+                                <m:t>𝒙</m:t>
+                              </m:r>
+                            </m:e>
+                            <m:sup>
+                              <m:r>
+                                <a:rPr lang="en-US" sz="2400" b="1" i="1" smtClean="0">
+                                  <a:latin typeface="Cambria Math" panose="02040503050406030204" pitchFamily="18" charset="0"/>
+                                </a:rPr>
+                                <m:t>∗</m:t>
+                              </m:r>
+                            </m:sup>
+                          </m:sSup>
+                        </m:e>
+                      </m:d>
+                      <m:r>
+                        <a:rPr lang="en-US" sz="2400" b="0" i="1" smtClean="0">
+                          <a:latin typeface="Cambria Math" charset="0"/>
+                        </a:rPr>
+                        <m:t>=</m:t>
+                      </m:r>
+                      <m:nary>
+                        <m:naryPr>
+                          <m:chr m:val="∑"/>
+                          <m:ctrlPr>
+                            <a:rPr lang="en-US" sz="2400" i="1" smtClean="0">
+                              <a:latin typeface="Cambria Math" panose="02040503050406030204" pitchFamily="18" charset="0"/>
+                            </a:rPr>
+                          </m:ctrlPr>
+                        </m:naryPr>
+                        <m:sub>
+                          <m:r>
+                            <a:rPr lang="en-US" sz="2400" b="0" i="1" smtClean="0">
+                              <a:latin typeface="Cambria Math" panose="02040503050406030204" pitchFamily="18" charset="0"/>
+                            </a:rPr>
+                            <m:t>𝑗</m:t>
+                          </m:r>
+                        </m:sub>
+                        <m:sup>
+                          <m:r>
+                            <a:rPr lang="en-US" sz="2400" b="0" i="1" smtClean="0">
+                              <a:latin typeface="Cambria Math" charset="0"/>
+                            </a:rPr>
+                            <m:t>𝑁</m:t>
+                          </m:r>
+                        </m:sup>
+                        <m:e>
+                          <m:sSub>
+                            <m:sSubPr>
+                              <m:ctrlPr>
+                                <a:rPr lang="en-US" sz="2400" i="1" smtClean="0">
+                                  <a:latin typeface="Cambria Math" panose="02040503050406030204" pitchFamily="18" charset="0"/>
+                                </a:rPr>
+                              </m:ctrlPr>
+                            </m:sSubPr>
+                            <m:e>
+                              <m:r>
+                                <a:rPr lang="en-US" sz="2400" b="0" i="1" smtClean="0">
+                                  <a:latin typeface="Cambria Math" charset="0"/>
+                                </a:rPr>
+                                <m:t>𝛼</m:t>
+                              </m:r>
+                            </m:e>
+                            <m:sub>
+                              <m:r>
+                                <a:rPr lang="en-US" sz="2400" b="0" i="1" smtClean="0">
+                                  <a:latin typeface="Cambria Math" panose="02040503050406030204" pitchFamily="18" charset="0"/>
+                                </a:rPr>
+                                <m:t>𝑗</m:t>
+                              </m:r>
+                            </m:sub>
+                          </m:sSub>
+                          <m:sSub>
+                            <m:sSubPr>
+                              <m:ctrlPr>
+                                <a:rPr lang="en-US" sz="2400" b="0" i="1" smtClean="0">
+                                  <a:latin typeface="Cambria Math" panose="02040503050406030204" pitchFamily="18" charset="0"/>
+                                </a:rPr>
+                              </m:ctrlPr>
+                            </m:sSubPr>
+                            <m:e>
+                              <m:r>
+                                <a:rPr lang="en-US" sz="2400" b="0" i="1" smtClean="0">
+                                  <a:latin typeface="Cambria Math" panose="02040503050406030204" pitchFamily="18" charset="0"/>
+                                </a:rPr>
+                                <m:t>𝐾</m:t>
+                              </m:r>
+                            </m:e>
+                            <m:sub>
+                              <m:r>
+                                <a:rPr lang="en-US" sz="2400" b="0" i="1" smtClean="0">
+                                  <a:latin typeface="Cambria Math" panose="02040503050406030204" pitchFamily="18" charset="0"/>
+                                </a:rPr>
+                                <m:t>𝑖𝑗</m:t>
+                              </m:r>
+                            </m:sub>
+                          </m:sSub>
+                          <m:r>
+                            <a:rPr lang="en-US" sz="2400" b="0" i="1" smtClean="0">
+                              <a:latin typeface="Cambria Math" panose="02040503050406030204" pitchFamily="18" charset="0"/>
+                            </a:rPr>
+                            <m:t>+</m:t>
+                          </m:r>
+                          <m:r>
+                            <a:rPr lang="en-US" sz="2400" b="0" i="1" smtClean="0">
+                              <a:latin typeface="Cambria Math" panose="02040503050406030204" pitchFamily="18" charset="0"/>
+                            </a:rPr>
+                            <m:t>𝛽</m:t>
+                          </m:r>
+                        </m:e>
+                      </m:nary>
+                    </m:oMath>
+                  </m:oMathPara>
+                </a14:m>
+                <a:endParaRPr lang="en-US" sz="2400" dirty="0"/>
+              </a:p>
+            </p:txBody>
+          </p:sp>
+        </mc:Choice>
+        <mc:Fallback>
+          <p:sp>
+            <p:nvSpPr>
+              <p:cNvPr id="8" name="TextBox 7">
+                <a:extLst>
+                  <a:ext uri="{FF2B5EF4-FFF2-40B4-BE49-F238E27FC236}">
+                    <a16:creationId xmlns:a16="http://schemas.microsoft.com/office/drawing/2014/main" id="{4565886E-73A9-DD4D-90C2-BD9C2AFADF7F}"/>
+                  </a:ext>
+                </a:extLst>
+              </p:cNvPr>
+              <p:cNvSpPr txBox="1">
+                <a:spLocks noRot="1" noChangeAspect="1" noMove="1" noResize="1" noEditPoints="1" noAdjustHandles="1" noChangeArrowheads="1" noChangeShapeType="1" noTextEdit="1"/>
+              </p:cNvSpPr>
+              <p:nvPr/>
+            </p:nvSpPr>
+            <p:spPr>
+              <a:xfrm>
+                <a:off x="404866" y="1828495"/>
+                <a:ext cx="3451522" cy="1172629"/>
+              </a:xfrm>
+              <a:prstGeom prst="rect">
+                <a:avLst/>
+              </a:prstGeom>
+              <a:blipFill>
+                <a:blip r:embed="rId4"/>
+                <a:stretch>
+                  <a:fillRect t="-100000" b="-150000"/>
+                </a:stretch>
+              </a:blipFill>
+            </p:spPr>
+            <p:txBody>
+              <a:bodyPr/>
+              <a:lstStyle/>
+              <a:p>
+                <a:r>
+                  <a:rPr lang="da-DK">
+                    <a:noFill/>
+                  </a:rPr>
+                  <a:t> </a:t>
+                </a:r>
+              </a:p>
+            </p:txBody>
+          </p:sp>
+        </mc:Fallback>
+      </mc:AlternateContent>
+      <p:pic>
+        <p:nvPicPr>
+          <p:cNvPr id="10" name="Picture 9"/>
+          <p:cNvPicPr>
+            <a:picLocks noChangeAspect="1"/>
+          </p:cNvPicPr>
+          <p:nvPr/>
+        </p:nvPicPr>
+        <p:blipFill>
+          <a:blip r:embed="rId5">
+            <a:extLst>
+              <a:ext uri="{28A0092B-C50C-407E-A947-70E740481C1C}">
+                <a14:useLocalDpi xmlns:a14="http://schemas.microsoft.com/office/drawing/2010/main" val="0"/>
+              </a:ext>
+            </a:extLst>
+          </a:blip>
+          <a:stretch>
+            <a:fillRect/>
+          </a:stretch>
+        </p:blipFill>
+        <p:spPr>
+          <a:xfrm>
+            <a:off x="197853" y="138764"/>
+            <a:ext cx="1236312" cy="259626"/>
+          </a:xfrm>
+          <a:prstGeom prst="rect">
+            <a:avLst/>
+          </a:prstGeom>
+        </p:spPr>
+      </p:pic>
+      <mc:AlternateContent xmlns:mc="http://schemas.openxmlformats.org/markup-compatibility/2006">
+        <mc:Choice xmlns:a14="http://schemas.microsoft.com/office/drawing/2010/main" Requires="a14">
+          <p:sp>
+            <p:nvSpPr>
+              <p:cNvPr id="11" name="TextBox 10">
+                <a:extLst>
+                  <a:ext uri="{FF2B5EF4-FFF2-40B4-BE49-F238E27FC236}">
+                    <a16:creationId xmlns:a16="http://schemas.microsoft.com/office/drawing/2014/main" id="{BB012DDB-BC0C-FE43-A518-218DE1F61A4D}"/>
+                  </a:ext>
+                </a:extLst>
+              </p:cNvPr>
+              <p:cNvSpPr txBox="1"/>
+              <p:nvPr/>
+            </p:nvSpPr>
+            <p:spPr>
+              <a:xfrm>
+                <a:off x="462461" y="3081350"/>
+                <a:ext cx="3395866" cy="635367"/>
+              </a:xfrm>
+              <a:prstGeom prst="rect">
+                <a:avLst/>
+              </a:prstGeom>
+              <a:noFill/>
+            </p:spPr>
+            <p:txBody>
+              <a:bodyPr wrap="none" rtlCol="0">
+                <a:spAutoFit/>
+              </a:bodyPr>
+              <a:lstStyle/>
+              <a:p>
+                <a:pPr/>
+                <a14:m>
+                  <m:oMath xmlns:m="http://schemas.openxmlformats.org/officeDocument/2006/math">
+                    <m:sSup>
+                      <m:sSupPr>
+                        <m:ctrlPr>
+                          <a:rPr lang="en-US" sz="2400" i="1" smtClean="0">
+                            <a:latin typeface="Cambria Math" panose="02040503050406030204" pitchFamily="18" charset="0"/>
+                          </a:rPr>
+                        </m:ctrlPr>
+                      </m:sSupPr>
+                      <m:e>
+                        <m:r>
+                          <a:rPr lang="en-US" sz="2400" b="1" i="1" smtClean="0">
+                            <a:latin typeface="Cambria Math" panose="02040503050406030204" pitchFamily="18" charset="0"/>
+                          </a:rPr>
+                          <m:t>𝑭</m:t>
+                        </m:r>
+                      </m:e>
+                      <m:sup>
+                        <m:r>
+                          <a:rPr lang="en-US" sz="2400" b="0" i="1" smtClean="0">
+                            <a:latin typeface="Cambria Math" charset="0"/>
+                          </a:rPr>
+                          <m:t>𝑀𝐿</m:t>
+                        </m:r>
+                      </m:sup>
+                    </m:sSup>
+                    <m:d>
+                      <m:dPr>
+                        <m:ctrlPr>
+                          <a:rPr lang="en-US" sz="2400" i="1" smtClean="0">
+                            <a:latin typeface="Cambria Math" panose="02040503050406030204" pitchFamily="18" charset="0"/>
+                          </a:rPr>
+                        </m:ctrlPr>
+                      </m:dPr>
+                      <m:e>
+                        <m:sSup>
+                          <m:sSupPr>
+                            <m:ctrlPr>
+                              <a:rPr lang="en-US" sz="2400" b="1" i="1" smtClean="0">
+                                <a:latin typeface="Cambria Math" panose="02040503050406030204" pitchFamily="18" charset="0"/>
+                              </a:rPr>
+                            </m:ctrlPr>
+                          </m:sSupPr>
+                          <m:e>
+                            <m:r>
+                              <a:rPr lang="en-US" sz="2400" b="1" i="1" smtClean="0">
+                                <a:latin typeface="Cambria Math" panose="02040503050406030204" pitchFamily="18" charset="0"/>
+                              </a:rPr>
+                              <m:t>𝒙</m:t>
+                            </m:r>
+                          </m:e>
+                          <m:sup>
+                            <m:r>
+                              <a:rPr lang="en-US" sz="2400" b="1" i="1" smtClean="0">
+                                <a:latin typeface="Cambria Math" panose="02040503050406030204" pitchFamily="18" charset="0"/>
+                              </a:rPr>
+                              <m:t>∗</m:t>
+                            </m:r>
+                          </m:sup>
+                        </m:sSup>
+                      </m:e>
+                    </m:d>
+                    <m:r>
+                      <a:rPr lang="en-US" sz="2400" b="0" i="1" smtClean="0">
+                        <a:latin typeface="Cambria Math" charset="0"/>
+                      </a:rPr>
+                      <m:t>=</m:t>
+                    </m:r>
+                    <m:r>
+                      <a:rPr lang="en-US" sz="2400" b="0" i="1" smtClean="0">
+                        <a:latin typeface="Cambria Math" panose="02040503050406030204" pitchFamily="18" charset="0"/>
+                      </a:rPr>
+                      <m:t>−</m:t>
+                    </m:r>
+                    <m:f>
+                      <m:fPr>
+                        <m:ctrlPr>
+                          <a:rPr lang="en-US" sz="2400" b="0" i="1" smtClean="0">
+                            <a:latin typeface="Cambria Math" panose="02040503050406030204" pitchFamily="18" charset="0"/>
+                          </a:rPr>
+                        </m:ctrlPr>
+                      </m:fPr>
+                      <m:num>
+                        <m:r>
+                          <a:rPr lang="en-US" sz="2400" b="0" i="1" smtClean="0">
+                            <a:latin typeface="Cambria Math" panose="02040503050406030204" pitchFamily="18" charset="0"/>
+                          </a:rPr>
+                          <m:t>𝜕</m:t>
+                        </m:r>
+                      </m:num>
+                      <m:den>
+                        <m:r>
+                          <a:rPr lang="en-US" sz="2400" b="0" i="1" smtClean="0">
+                            <a:latin typeface="Cambria Math" panose="02040503050406030204" pitchFamily="18" charset="0"/>
+                          </a:rPr>
+                          <m:t>𝜕</m:t>
+                        </m:r>
+                        <m:r>
+                          <a:rPr lang="en-US" sz="2400" b="1" i="1" smtClean="0">
+                            <a:latin typeface="Cambria Math" panose="02040503050406030204" pitchFamily="18" charset="0"/>
+                          </a:rPr>
+                          <m:t>𝑹</m:t>
+                        </m:r>
+                      </m:den>
+                    </m:f>
+                  </m:oMath>
+                </a14:m>
+                <a:r>
+                  <a:rPr lang="en-US" sz="2400" dirty="0"/>
+                  <a:t> </a:t>
+                </a:r>
+                <a14:m>
+                  <m:oMath xmlns:m="http://schemas.openxmlformats.org/officeDocument/2006/math">
+                    <m:sSup>
+                      <m:sSupPr>
+                        <m:ctrlPr>
+                          <a:rPr lang="en-US" sz="2400" i="1">
+                            <a:latin typeface="Cambria Math" panose="02040503050406030204" pitchFamily="18" charset="0"/>
+                          </a:rPr>
+                        </m:ctrlPr>
+                      </m:sSupPr>
+                      <m:e>
+                        <m:r>
+                          <a:rPr lang="en-US" sz="2400" i="1">
+                            <a:latin typeface="Cambria Math" charset="0"/>
+                          </a:rPr>
+                          <m:t>𝐸</m:t>
+                        </m:r>
+                      </m:e>
+                      <m:sup>
+                        <m:r>
+                          <a:rPr lang="en-US" sz="2400" i="1">
+                            <a:latin typeface="Cambria Math" charset="0"/>
+                          </a:rPr>
+                          <m:t>𝑀𝐿</m:t>
+                        </m:r>
+                      </m:sup>
+                    </m:sSup>
+                    <m:d>
+                      <m:dPr>
+                        <m:ctrlPr>
+                          <a:rPr lang="en-US" sz="2400" i="1">
+                            <a:latin typeface="Cambria Math" panose="02040503050406030204" pitchFamily="18" charset="0"/>
+                          </a:rPr>
+                        </m:ctrlPr>
+                      </m:dPr>
+                      <m:e>
+                        <m:sSub>
+                          <m:sSubPr>
+                            <m:ctrlPr>
+                              <a:rPr lang="en-US" sz="2400" b="1" i="1">
+                                <a:latin typeface="Cambria Math" panose="02040503050406030204" pitchFamily="18" charset="0"/>
+                              </a:rPr>
+                            </m:ctrlPr>
+                          </m:sSubPr>
+                          <m:e>
+                            <m:r>
+                              <a:rPr lang="en-US" sz="2400" b="1" i="1">
+                                <a:latin typeface="Cambria Math" charset="0"/>
+                              </a:rPr>
+                              <m:t>𝒙</m:t>
+                            </m:r>
+                          </m:e>
+                          <m:sub>
+                            <m:r>
+                              <a:rPr lang="en-US" sz="2400" b="1" i="1">
+                                <a:latin typeface="Cambria Math" panose="02040503050406030204" pitchFamily="18" charset="0"/>
+                              </a:rPr>
+                              <m:t>𝒊</m:t>
+                            </m:r>
+                          </m:sub>
+                        </m:sSub>
+                      </m:e>
+                    </m:d>
+                  </m:oMath>
+                </a14:m>
+                <a:endParaRPr lang="en-US" sz="2400" b="0" dirty="0"/>
+              </a:p>
+            </p:txBody>
+          </p:sp>
+        </mc:Choice>
+        <mc:Fallback>
+          <p:sp>
+            <p:nvSpPr>
+              <p:cNvPr id="11" name="TextBox 10">
+                <a:extLst>
+                  <a:ext uri="{FF2B5EF4-FFF2-40B4-BE49-F238E27FC236}">
+                    <a16:creationId xmlns:a16="http://schemas.microsoft.com/office/drawing/2014/main" id="{BB012DDB-BC0C-FE43-A518-218DE1F61A4D}"/>
+                  </a:ext>
+                </a:extLst>
+              </p:cNvPr>
+              <p:cNvSpPr txBox="1">
+                <a:spLocks noRot="1" noChangeAspect="1" noMove="1" noResize="1" noEditPoints="1" noAdjustHandles="1" noChangeArrowheads="1" noChangeShapeType="1" noTextEdit="1"/>
+              </p:cNvSpPr>
+              <p:nvPr/>
+            </p:nvSpPr>
+            <p:spPr>
+              <a:xfrm>
+                <a:off x="462461" y="3081350"/>
+                <a:ext cx="3395866" cy="635367"/>
+              </a:xfrm>
+              <a:prstGeom prst="rect">
+                <a:avLst/>
+              </a:prstGeom>
+              <a:blipFill>
+                <a:blip r:embed="rId6"/>
+                <a:stretch>
+                  <a:fillRect l="-373" b="-3922"/>
+                </a:stretch>
+              </a:blipFill>
+            </p:spPr>
+            <p:txBody>
+              <a:bodyPr/>
+              <a:lstStyle/>
+              <a:p>
+                <a:r>
+                  <a:rPr lang="da-DK">
+                    <a:noFill/>
+                  </a:rPr>
+                  <a:t> </a:t>
+                </a:r>
+              </a:p>
+            </p:txBody>
+          </p:sp>
+        </mc:Fallback>
+      </mc:AlternateContent>
+      <mc:AlternateContent xmlns:mc="http://schemas.openxmlformats.org/markup-compatibility/2006">
+        <mc:Choice xmlns:a14="http://schemas.microsoft.com/office/drawing/2010/main" Requires="a14">
+          <p:sp>
+            <p:nvSpPr>
+              <p:cNvPr id="3" name="Rectangle 2">
+                <a:extLst>
+                  <a:ext uri="{FF2B5EF4-FFF2-40B4-BE49-F238E27FC236}">
+                    <a16:creationId xmlns:a16="http://schemas.microsoft.com/office/drawing/2014/main" id="{67AED2B4-B067-1F42-ABA8-9D82AA92F92F}"/>
+                  </a:ext>
+                </a:extLst>
+              </p:cNvPr>
+              <p:cNvSpPr/>
+              <p:nvPr/>
+            </p:nvSpPr>
+            <p:spPr>
+              <a:xfrm>
+                <a:off x="5124157" y="2041907"/>
+                <a:ext cx="2475871" cy="461665"/>
+              </a:xfrm>
+              <a:prstGeom prst="rect">
+                <a:avLst/>
+              </a:prstGeom>
+            </p:spPr>
+            <p:txBody>
+              <a:bodyPr wrap="none">
+                <a:spAutoFit/>
+              </a:bodyPr>
+              <a:lstStyle/>
+              <a:p>
+                <a14:m>
+                  <m:oMathPara xmlns:m="http://schemas.openxmlformats.org/officeDocument/2006/math">
+                    <m:oMathParaPr>
+                      <m:jc m:val="centerGroup"/>
+                    </m:oMathParaPr>
+                    <m:oMath xmlns:m="http://schemas.openxmlformats.org/officeDocument/2006/math">
+                      <m:r>
+                        <a:rPr lang="en-US" sz="2400" b="1" i="1" smtClean="0">
+                          <a:latin typeface="Cambria Math" panose="02040503050406030204" pitchFamily="18" charset="0"/>
+                        </a:rPr>
+                        <m:t>𝜶</m:t>
+                      </m:r>
+                      <m:r>
+                        <a:rPr lang="en-US" sz="2400" i="1">
+                          <a:latin typeface="Cambria Math" panose="02040503050406030204" pitchFamily="18" charset="0"/>
+                        </a:rPr>
+                        <m:t>=</m:t>
+                      </m:r>
+                      <m:sSup>
+                        <m:sSupPr>
+                          <m:ctrlPr>
+                            <a:rPr lang="en-US" sz="2400" i="1">
+                              <a:latin typeface="Cambria Math" panose="02040503050406030204" pitchFamily="18" charset="0"/>
+                            </a:rPr>
+                          </m:ctrlPr>
+                        </m:sSupPr>
+                        <m:e>
+                          <m:d>
+                            <m:dPr>
+                              <m:ctrlPr>
+                                <a:rPr lang="en-US" sz="2400" i="1">
+                                  <a:latin typeface="Cambria Math" panose="02040503050406030204" pitchFamily="18" charset="0"/>
+                                </a:rPr>
+                              </m:ctrlPr>
+                            </m:dPr>
+                            <m:e>
+                              <m:r>
+                                <a:rPr lang="en-US" sz="2400" b="1">
+                                  <a:latin typeface="Cambria Math" panose="02040503050406030204" pitchFamily="18" charset="0"/>
+                                </a:rPr>
+                                <m:t>𝐊</m:t>
+                              </m:r>
+                              <m:r>
+                                <a:rPr lang="en-US" sz="2400" i="1">
+                                  <a:latin typeface="Cambria Math" panose="02040503050406030204" pitchFamily="18" charset="0"/>
+                                </a:rPr>
+                                <m:t>+</m:t>
+                              </m:r>
+                              <m:r>
+                                <a:rPr lang="en-US" sz="2400" i="1">
+                                  <a:latin typeface="Cambria Math" panose="02040503050406030204" pitchFamily="18" charset="0"/>
+                                </a:rPr>
+                                <m:t>𝜆</m:t>
+                              </m:r>
+                              <m:r>
+                                <a:rPr lang="en-US" sz="2400" b="1">
+                                  <a:latin typeface="Cambria Math" panose="02040503050406030204" pitchFamily="18" charset="0"/>
+                                </a:rPr>
+                                <m:t>𝐈</m:t>
+                              </m:r>
+                            </m:e>
+                          </m:d>
+                        </m:e>
+                        <m:sup>
+                          <m:r>
+                            <a:rPr lang="en-US" sz="2400" i="1">
+                              <a:latin typeface="Cambria Math" panose="02040503050406030204" pitchFamily="18" charset="0"/>
+                            </a:rPr>
+                            <m:t>−1</m:t>
+                          </m:r>
+                        </m:sup>
+                      </m:sSup>
+                      <m:r>
+                        <a:rPr lang="en-US" sz="2400" b="1" i="1" smtClean="0">
+                          <a:latin typeface="Cambria Math" panose="02040503050406030204" pitchFamily="18" charset="0"/>
+                        </a:rPr>
+                        <m:t>𝑬</m:t>
+                      </m:r>
+                    </m:oMath>
+                  </m:oMathPara>
+                </a14:m>
+                <a:endParaRPr lang="da-DK" sz="2400" b="1" dirty="0"/>
+              </a:p>
+            </p:txBody>
+          </p:sp>
+        </mc:Choice>
+        <mc:Fallback>
+          <p:sp>
+            <p:nvSpPr>
+              <p:cNvPr id="3" name="Rectangle 2">
+                <a:extLst>
+                  <a:ext uri="{FF2B5EF4-FFF2-40B4-BE49-F238E27FC236}">
+                    <a16:creationId xmlns:a16="http://schemas.microsoft.com/office/drawing/2014/main" id="{67AED2B4-B067-1F42-ABA8-9D82AA92F92F}"/>
+                  </a:ext>
+                </a:extLst>
+              </p:cNvPr>
+              <p:cNvSpPr>
+                <a:spLocks noRot="1" noChangeAspect="1" noMove="1" noResize="1" noEditPoints="1" noAdjustHandles="1" noChangeArrowheads="1" noChangeShapeType="1" noTextEdit="1"/>
+              </p:cNvSpPr>
+              <p:nvPr/>
+            </p:nvSpPr>
+            <p:spPr>
+              <a:xfrm>
+                <a:off x="5124157" y="2041907"/>
+                <a:ext cx="2475871" cy="461665"/>
+              </a:xfrm>
+              <a:prstGeom prst="rect">
+                <a:avLst/>
+              </a:prstGeom>
+              <a:blipFill>
+                <a:blip r:embed="rId7"/>
+                <a:stretch>
+                  <a:fillRect/>
+                </a:stretch>
+              </a:blipFill>
+            </p:spPr>
+            <p:txBody>
+              <a:bodyPr/>
+              <a:lstStyle/>
+              <a:p>
+                <a:r>
+                  <a:rPr lang="da-DK">
+                    <a:noFill/>
+                  </a:rPr>
+                  <a:t> </a:t>
+                </a:r>
+              </a:p>
+            </p:txBody>
+          </p:sp>
+        </mc:Fallback>
+      </mc:AlternateContent>
+      <p:sp>
+        <p:nvSpPr>
+          <p:cNvPr id="13" name="TextBox 12">
+            <a:extLst>
+              <a:ext uri="{FF2B5EF4-FFF2-40B4-BE49-F238E27FC236}">
+                <a16:creationId xmlns:a16="http://schemas.microsoft.com/office/drawing/2014/main" id="{066E202D-18D7-A642-8AE3-7D8CF187D524}"/>
+              </a:ext>
+            </a:extLst>
+          </p:cNvPr>
+          <p:cNvSpPr txBox="1"/>
+          <p:nvPr/>
+        </p:nvSpPr>
+        <p:spPr>
+          <a:xfrm>
+            <a:off x="360213" y="1427008"/>
+            <a:ext cx="1575816" cy="461665"/>
+          </a:xfrm>
+          <a:prstGeom prst="rect">
+            <a:avLst/>
+          </a:prstGeom>
+          <a:noFill/>
+        </p:spPr>
+        <p:txBody>
+          <a:bodyPr wrap="none" rtlCol="0">
+            <a:spAutoFit/>
+          </a:bodyPr>
+          <a:lstStyle/>
+          <a:p>
+            <a:r>
+              <a:rPr lang="da-DK" sz="2400" b="1" dirty="0" err="1"/>
+              <a:t>Prediction</a:t>
+            </a:r>
+            <a:r>
+              <a:rPr lang="da-DK" sz="2400" b="1" dirty="0"/>
+              <a:t>:</a:t>
+            </a:r>
+          </a:p>
+        </p:txBody>
+      </p:sp>
+      <p:sp>
+        <p:nvSpPr>
+          <p:cNvPr id="14" name="TextBox 13">
+            <a:extLst>
+              <a:ext uri="{FF2B5EF4-FFF2-40B4-BE49-F238E27FC236}">
+                <a16:creationId xmlns:a16="http://schemas.microsoft.com/office/drawing/2014/main" id="{D8AA17F5-17AA-654E-B89B-E4E9C5F05D4A}"/>
+              </a:ext>
+            </a:extLst>
+          </p:cNvPr>
+          <p:cNvSpPr txBox="1"/>
+          <p:nvPr/>
+        </p:nvSpPr>
+        <p:spPr>
+          <a:xfrm>
+            <a:off x="5124157" y="1427007"/>
+            <a:ext cx="1287468" cy="461665"/>
+          </a:xfrm>
+          <a:prstGeom prst="rect">
+            <a:avLst/>
+          </a:prstGeom>
+          <a:noFill/>
+        </p:spPr>
+        <p:txBody>
+          <a:bodyPr wrap="none" rtlCol="0">
+            <a:spAutoFit/>
+          </a:bodyPr>
+          <a:lstStyle/>
+          <a:p>
+            <a:r>
+              <a:rPr lang="da-DK" sz="2400" b="1" dirty="0"/>
+              <a:t>Training:</a:t>
+            </a:r>
+          </a:p>
+        </p:txBody>
+      </p:sp>
+      <mc:AlternateContent xmlns:mc="http://schemas.openxmlformats.org/markup-compatibility/2006">
+        <mc:Choice xmlns:a14="http://schemas.microsoft.com/office/drawing/2010/main" Requires="a14">
+          <p:sp>
+            <p:nvSpPr>
+              <p:cNvPr id="16" name="TextBox 15">
+                <a:extLst>
+                  <a:ext uri="{FF2B5EF4-FFF2-40B4-BE49-F238E27FC236}">
+                    <a16:creationId xmlns:a16="http://schemas.microsoft.com/office/drawing/2014/main" id="{2CF36B65-5856-0E4A-A3F2-9073C8FBF3BB}"/>
+                  </a:ext>
+                </a:extLst>
+              </p:cNvPr>
+              <p:cNvSpPr txBox="1"/>
+              <p:nvPr/>
+            </p:nvSpPr>
+            <p:spPr>
+              <a:xfrm>
+                <a:off x="462461" y="3890776"/>
+                <a:ext cx="6072560" cy="539571"/>
+              </a:xfrm>
+              <a:prstGeom prst="rect">
+                <a:avLst/>
+              </a:prstGeom>
+              <a:noFill/>
+            </p:spPr>
+            <p:txBody>
+              <a:bodyPr wrap="none" rtlCol="0">
+                <a:spAutoFit/>
+              </a:bodyPr>
+              <a:lstStyle/>
+              <a:p>
+                <a:pPr/>
+                <a14:m>
+                  <m:oMathPara xmlns:m="http://schemas.openxmlformats.org/officeDocument/2006/math">
+                    <m:oMathParaPr>
+                      <m:jc m:val="centerGroup"/>
+                    </m:oMathParaPr>
+                    <m:oMath xmlns:m="http://schemas.openxmlformats.org/officeDocument/2006/math">
+                      <m:sSup>
+                        <m:sSupPr>
+                          <m:ctrlPr>
+                            <a:rPr lang="en-US" sz="2400" b="0" i="1" smtClean="0">
+                              <a:latin typeface="Cambria Math" panose="02040503050406030204" pitchFamily="18" charset="0"/>
+                            </a:rPr>
+                          </m:ctrlPr>
+                        </m:sSupPr>
+                        <m:e>
+                          <m:r>
+                            <a:rPr lang="en-US" sz="2400" b="0" i="1" smtClean="0">
+                              <a:latin typeface="Cambria Math" panose="02040503050406030204" pitchFamily="18" charset="0"/>
+                            </a:rPr>
+                            <m:t>𝜎</m:t>
+                          </m:r>
+                        </m:e>
+                        <m:sup>
+                          <m:r>
+                            <a:rPr lang="en-US" sz="2400" b="0" i="1" smtClean="0">
+                              <a:latin typeface="Cambria Math" panose="02040503050406030204" pitchFamily="18" charset="0"/>
+                            </a:rPr>
+                            <m:t>𝑀𝐿</m:t>
+                          </m:r>
+                        </m:sup>
+                      </m:sSup>
+                      <m:d>
+                        <m:dPr>
+                          <m:ctrlPr>
+                            <a:rPr lang="en-US" sz="2400" b="0" i="1" smtClean="0">
+                              <a:latin typeface="Cambria Math" panose="02040503050406030204" pitchFamily="18" charset="0"/>
+                            </a:rPr>
+                          </m:ctrlPr>
+                        </m:dPr>
+                        <m:e>
+                          <m:sSup>
+                            <m:sSupPr>
+                              <m:ctrlPr>
+                                <a:rPr lang="en-US" sz="2400" b="1" i="1" smtClean="0">
+                                  <a:latin typeface="Cambria Math" panose="02040503050406030204" pitchFamily="18" charset="0"/>
+                                </a:rPr>
+                              </m:ctrlPr>
+                            </m:sSupPr>
+                            <m:e>
+                              <m:r>
+                                <a:rPr lang="en-US" sz="2400" b="1" i="1" smtClean="0">
+                                  <a:latin typeface="Cambria Math" panose="02040503050406030204" pitchFamily="18" charset="0"/>
+                                </a:rPr>
+                                <m:t>𝒙</m:t>
+                              </m:r>
+                            </m:e>
+                            <m:sup>
+                              <m:r>
+                                <a:rPr lang="en-US" sz="2400" b="1" i="1" smtClean="0">
+                                  <a:latin typeface="Cambria Math" panose="02040503050406030204" pitchFamily="18" charset="0"/>
+                                </a:rPr>
+                                <m:t>∗</m:t>
+                              </m:r>
+                            </m:sup>
+                          </m:sSup>
+                        </m:e>
+                      </m:d>
+                      <m:r>
+                        <a:rPr lang="en-US" sz="2400" b="0" i="1" smtClean="0">
+                          <a:latin typeface="Cambria Math" panose="02040503050406030204" pitchFamily="18" charset="0"/>
+                        </a:rPr>
+                        <m:t>= </m:t>
+                      </m:r>
+                      <m:rad>
+                        <m:radPr>
+                          <m:degHide m:val="on"/>
+                          <m:ctrlPr>
+                            <a:rPr lang="en-US" sz="2400" b="0" i="1" smtClean="0">
+                              <a:latin typeface="Cambria Math" panose="02040503050406030204" pitchFamily="18" charset="0"/>
+                            </a:rPr>
+                          </m:ctrlPr>
+                        </m:radPr>
+                        <m:deg/>
+                        <m:e>
+                          <m:r>
+                            <a:rPr lang="en-US" sz="2400" b="0" i="1" smtClean="0">
+                              <a:latin typeface="Cambria Math" panose="02040503050406030204" pitchFamily="18" charset="0"/>
+                            </a:rPr>
+                            <m:t>𝜃</m:t>
+                          </m:r>
+                          <m:r>
+                            <a:rPr lang="en-US" sz="2400" b="0" i="1" smtClean="0">
+                              <a:latin typeface="Cambria Math" panose="02040503050406030204" pitchFamily="18" charset="0"/>
+                            </a:rPr>
+                            <m:t>(1−</m:t>
+                          </m:r>
+                          <m:sSup>
+                            <m:sSupPr>
+                              <m:ctrlPr>
+                                <a:rPr lang="en-US" sz="2400" b="0" i="1" smtClean="0">
+                                  <a:latin typeface="Cambria Math" panose="02040503050406030204" pitchFamily="18" charset="0"/>
+                                </a:rPr>
+                              </m:ctrlPr>
+                            </m:sSupPr>
+                            <m:e>
+                              <m:r>
+                                <a:rPr lang="en-US" sz="2400" b="1" i="1" smtClean="0">
+                                  <a:latin typeface="Cambria Math" panose="02040503050406030204" pitchFamily="18" charset="0"/>
+                                </a:rPr>
+                                <m:t>𝜿</m:t>
+                              </m:r>
+                              <m:d>
+                                <m:dPr>
+                                  <m:ctrlPr>
+                                    <a:rPr lang="en-US" sz="2400" i="1">
+                                      <a:latin typeface="Cambria Math" panose="02040503050406030204" pitchFamily="18" charset="0"/>
+                                    </a:rPr>
+                                  </m:ctrlPr>
+                                </m:dPr>
+                                <m:e>
+                                  <m:sSup>
+                                    <m:sSupPr>
+                                      <m:ctrlPr>
+                                        <a:rPr lang="en-US" sz="2400" b="1" i="1">
+                                          <a:latin typeface="Cambria Math" panose="02040503050406030204" pitchFamily="18" charset="0"/>
+                                        </a:rPr>
+                                      </m:ctrlPr>
+                                    </m:sSupPr>
+                                    <m:e>
+                                      <m:r>
+                                        <a:rPr lang="en-US" sz="2400" b="1" i="1">
+                                          <a:latin typeface="Cambria Math" panose="02040503050406030204" pitchFamily="18" charset="0"/>
+                                        </a:rPr>
+                                        <m:t>𝒙</m:t>
+                                      </m:r>
+                                    </m:e>
+                                    <m:sup>
+                                      <m:r>
+                                        <a:rPr lang="en-US" sz="2400" b="1" i="1">
+                                          <a:latin typeface="Cambria Math" panose="02040503050406030204" pitchFamily="18" charset="0"/>
+                                        </a:rPr>
+                                        <m:t>∗</m:t>
+                                      </m:r>
+                                    </m:sup>
+                                  </m:sSup>
+                                </m:e>
+                              </m:d>
+                            </m:e>
+                            <m:sup>
+                              <m:r>
+                                <a:rPr lang="en-US" sz="2400" b="0" i="1" smtClean="0">
+                                  <a:latin typeface="Cambria Math" panose="02040503050406030204" pitchFamily="18" charset="0"/>
+                                </a:rPr>
+                                <m:t>𝑇</m:t>
+                              </m:r>
+                            </m:sup>
+                          </m:sSup>
+                          <m:sSup>
+                            <m:sSupPr>
+                              <m:ctrlPr>
+                                <a:rPr lang="en-US" sz="2400" i="1">
+                                  <a:latin typeface="Cambria Math" panose="02040503050406030204" pitchFamily="18" charset="0"/>
+                                </a:rPr>
+                              </m:ctrlPr>
+                            </m:sSupPr>
+                            <m:e>
+                              <m:d>
+                                <m:dPr>
+                                  <m:ctrlPr>
+                                    <a:rPr lang="en-US" sz="2400" i="1">
+                                      <a:latin typeface="Cambria Math" panose="02040503050406030204" pitchFamily="18" charset="0"/>
+                                    </a:rPr>
+                                  </m:ctrlPr>
+                                </m:dPr>
+                                <m:e>
+                                  <m:r>
+                                    <a:rPr lang="en-US" sz="2400" b="1">
+                                      <a:latin typeface="Cambria Math" panose="02040503050406030204" pitchFamily="18" charset="0"/>
+                                    </a:rPr>
+                                    <m:t>𝐊</m:t>
+                                  </m:r>
+                                  <m:r>
+                                    <a:rPr lang="en-US" sz="2400" i="1">
+                                      <a:latin typeface="Cambria Math" panose="02040503050406030204" pitchFamily="18" charset="0"/>
+                                    </a:rPr>
+                                    <m:t>+</m:t>
+                                  </m:r>
+                                  <m:r>
+                                    <a:rPr lang="en-US" sz="2400" i="1">
+                                      <a:latin typeface="Cambria Math" panose="02040503050406030204" pitchFamily="18" charset="0"/>
+                                    </a:rPr>
+                                    <m:t>𝜆</m:t>
+                                  </m:r>
+                                  <m:r>
+                                    <a:rPr lang="en-US" sz="2400" b="1">
+                                      <a:latin typeface="Cambria Math" panose="02040503050406030204" pitchFamily="18" charset="0"/>
+                                    </a:rPr>
+                                    <m:t>𝐈</m:t>
+                                  </m:r>
+                                </m:e>
+                              </m:d>
+                            </m:e>
+                            <m:sup>
+                              <m:r>
+                                <a:rPr lang="en-US" sz="2400" i="1">
+                                  <a:latin typeface="Cambria Math" panose="02040503050406030204" pitchFamily="18" charset="0"/>
+                                </a:rPr>
+                                <m:t>−1</m:t>
+                              </m:r>
+                            </m:sup>
+                          </m:sSup>
+                          <m:r>
+                            <a:rPr lang="en-US" sz="2400" b="1" i="1" smtClean="0">
+                              <a:latin typeface="Cambria Math" panose="02040503050406030204" pitchFamily="18" charset="0"/>
+                            </a:rPr>
+                            <m:t>𝜿</m:t>
+                          </m:r>
+                          <m:d>
+                            <m:dPr>
+                              <m:ctrlPr>
+                                <a:rPr lang="en-US" sz="2400" i="1">
+                                  <a:latin typeface="Cambria Math" panose="02040503050406030204" pitchFamily="18" charset="0"/>
+                                </a:rPr>
+                              </m:ctrlPr>
+                            </m:dPr>
+                            <m:e>
+                              <m:sSup>
+                                <m:sSupPr>
+                                  <m:ctrlPr>
+                                    <a:rPr lang="en-US" sz="2400" b="1" i="1">
+                                      <a:latin typeface="Cambria Math" panose="02040503050406030204" pitchFamily="18" charset="0"/>
+                                    </a:rPr>
+                                  </m:ctrlPr>
+                                </m:sSupPr>
+                                <m:e>
+                                  <m:r>
+                                    <a:rPr lang="en-US" sz="2400" b="1" i="1">
+                                      <a:latin typeface="Cambria Math" panose="02040503050406030204" pitchFamily="18" charset="0"/>
+                                    </a:rPr>
+                                    <m:t>𝒙</m:t>
+                                  </m:r>
+                                </m:e>
+                                <m:sup>
+                                  <m:r>
+                                    <a:rPr lang="en-US" sz="2400" b="1" i="1">
+                                      <a:latin typeface="Cambria Math" panose="02040503050406030204" pitchFamily="18" charset="0"/>
+                                    </a:rPr>
+                                    <m:t>∗</m:t>
+                                  </m:r>
+                                </m:sup>
+                              </m:sSup>
+                            </m:e>
+                          </m:d>
+                          <m:r>
+                            <a:rPr lang="en-US" sz="2400" b="0" i="1" smtClean="0">
+                              <a:latin typeface="Cambria Math" panose="02040503050406030204" pitchFamily="18" charset="0"/>
+                            </a:rPr>
+                            <m:t>)</m:t>
+                          </m:r>
+                        </m:e>
+                      </m:rad>
+                    </m:oMath>
+                  </m:oMathPara>
+                </a14:m>
+                <a:endParaRPr lang="en-US" sz="2400" b="0" dirty="0"/>
+              </a:p>
+            </p:txBody>
+          </p:sp>
+        </mc:Choice>
+        <mc:Fallback>
+          <p:sp>
+            <p:nvSpPr>
+              <p:cNvPr id="16" name="TextBox 15">
+                <a:extLst>
+                  <a:ext uri="{FF2B5EF4-FFF2-40B4-BE49-F238E27FC236}">
+                    <a16:creationId xmlns:a16="http://schemas.microsoft.com/office/drawing/2014/main" id="{2CF36B65-5856-0E4A-A3F2-9073C8FBF3BB}"/>
+                  </a:ext>
+                </a:extLst>
+              </p:cNvPr>
+              <p:cNvSpPr txBox="1">
+                <a:spLocks noRot="1" noChangeAspect="1" noMove="1" noResize="1" noEditPoints="1" noAdjustHandles="1" noChangeArrowheads="1" noChangeShapeType="1" noTextEdit="1"/>
+              </p:cNvSpPr>
+              <p:nvPr/>
+            </p:nvSpPr>
+            <p:spPr>
+              <a:xfrm>
+                <a:off x="462461" y="3890776"/>
+                <a:ext cx="6072560" cy="539571"/>
+              </a:xfrm>
+              <a:prstGeom prst="rect">
+                <a:avLst/>
+              </a:prstGeom>
+              <a:blipFill>
+                <a:blip r:embed="rId8"/>
+                <a:stretch>
+                  <a:fillRect b="-15909"/>
+                </a:stretch>
+              </a:blipFill>
+            </p:spPr>
+            <p:txBody>
+              <a:bodyPr/>
+              <a:lstStyle/>
+              <a:p>
+                <a:r>
+                  <a:rPr lang="da-DK">
+                    <a:noFill/>
+                  </a:rPr>
+                  <a:t> </a:t>
+                </a:r>
+              </a:p>
+            </p:txBody>
+          </p:sp>
+        </mc:Fallback>
+      </mc:AlternateContent>
+      <mc:AlternateContent xmlns:mc="http://schemas.openxmlformats.org/markup-compatibility/2006">
+        <mc:Choice xmlns:a14="http://schemas.microsoft.com/office/drawing/2010/main" Requires="a14">
+          <p:sp>
+            <p:nvSpPr>
+              <p:cNvPr id="17" name="Rectangle 16">
+                <a:extLst>
+                  <a:ext uri="{FF2B5EF4-FFF2-40B4-BE49-F238E27FC236}">
+                    <a16:creationId xmlns:a16="http://schemas.microsoft.com/office/drawing/2014/main" id="{54AA8573-33C7-BD48-8BC9-DA44AB3FC885}"/>
+                  </a:ext>
+                </a:extLst>
+              </p:cNvPr>
+              <p:cNvSpPr/>
+              <p:nvPr/>
+            </p:nvSpPr>
+            <p:spPr>
+              <a:xfrm>
+                <a:off x="545947" y="6049872"/>
+                <a:ext cx="2458622" cy="461665"/>
+              </a:xfrm>
+              <a:prstGeom prst="rect">
+                <a:avLst/>
+              </a:prstGeom>
+            </p:spPr>
+            <p:txBody>
+              <a:bodyPr wrap="none">
+                <a:spAutoFit/>
+              </a:bodyPr>
+              <a:lstStyle/>
+              <a:p>
+                <a14:m>
+                  <m:oMathPara xmlns:m="http://schemas.openxmlformats.org/officeDocument/2006/math">
+                    <m:oMathParaPr>
+                      <m:jc m:val="centerGroup"/>
+                    </m:oMathParaPr>
+                    <m:oMath xmlns:m="http://schemas.openxmlformats.org/officeDocument/2006/math">
+                      <m:r>
+                        <a:rPr lang="en-US" sz="2400" b="1" i="1" smtClean="0">
+                          <a:latin typeface="Cambria Math" panose="02040503050406030204" pitchFamily="18" charset="0"/>
+                        </a:rPr>
+                        <m:t>𝜿</m:t>
+                      </m:r>
+                      <m:d>
+                        <m:dPr>
+                          <m:ctrlPr>
+                            <a:rPr lang="en-US" sz="2400" i="1">
+                              <a:latin typeface="Cambria Math" panose="02040503050406030204" pitchFamily="18" charset="0"/>
+                            </a:rPr>
+                          </m:ctrlPr>
+                        </m:dPr>
+                        <m:e>
+                          <m:sSup>
+                            <m:sSupPr>
+                              <m:ctrlPr>
+                                <a:rPr lang="en-US" sz="2400" b="1" i="1">
+                                  <a:latin typeface="Cambria Math" panose="02040503050406030204" pitchFamily="18" charset="0"/>
+                                </a:rPr>
+                              </m:ctrlPr>
+                            </m:sSupPr>
+                            <m:e>
+                              <m:r>
+                                <a:rPr lang="en-US" sz="2400" b="1" i="1">
+                                  <a:latin typeface="Cambria Math" panose="02040503050406030204" pitchFamily="18" charset="0"/>
+                                </a:rPr>
+                                <m:t>𝒙</m:t>
+                              </m:r>
+                            </m:e>
+                            <m:sup>
+                              <m:r>
+                                <a:rPr lang="en-US" sz="2400" b="1" i="1">
+                                  <a:latin typeface="Cambria Math" panose="02040503050406030204" pitchFamily="18" charset="0"/>
+                                </a:rPr>
+                                <m:t>∗</m:t>
+                              </m:r>
+                            </m:sup>
+                          </m:sSup>
+                        </m:e>
+                      </m:d>
+                      <m:r>
+                        <a:rPr lang="en-US" sz="2400" b="1" i="1" smtClean="0">
+                          <a:latin typeface="Cambria Math" panose="02040503050406030204" pitchFamily="18" charset="0"/>
+                        </a:rPr>
+                        <m:t>=</m:t>
+                      </m:r>
+                      <m:r>
+                        <a:rPr lang="en-US" sz="2400" b="0" i="1" smtClean="0">
+                          <a:latin typeface="Cambria Math" panose="02040503050406030204" pitchFamily="18" charset="0"/>
+                        </a:rPr>
+                        <m:t>𝑘</m:t>
+                      </m:r>
+                      <m:r>
+                        <a:rPr lang="en-US" sz="2400" b="0" i="1" smtClean="0">
+                          <a:latin typeface="Cambria Math" panose="02040503050406030204" pitchFamily="18" charset="0"/>
+                        </a:rPr>
+                        <m:t>(</m:t>
+                      </m:r>
+                      <m:sSup>
+                        <m:sSupPr>
+                          <m:ctrlPr>
+                            <a:rPr lang="en-US" sz="2400" b="0" i="1" smtClean="0">
+                              <a:latin typeface="Cambria Math" panose="02040503050406030204" pitchFamily="18" charset="0"/>
+                            </a:rPr>
+                          </m:ctrlPr>
+                        </m:sSupPr>
+                        <m:e>
+                          <m:r>
+                            <a:rPr lang="en-US" sz="2400" b="1" i="1" smtClean="0">
+                              <a:latin typeface="Cambria Math" panose="02040503050406030204" pitchFamily="18" charset="0"/>
+                            </a:rPr>
+                            <m:t>𝒙</m:t>
+                          </m:r>
+                        </m:e>
+                        <m:sup>
+                          <m:r>
+                            <a:rPr lang="en-US" sz="2400" b="0" i="1" smtClean="0">
+                              <a:latin typeface="Cambria Math" panose="02040503050406030204" pitchFamily="18" charset="0"/>
+                            </a:rPr>
+                            <m:t>∗</m:t>
+                          </m:r>
+                        </m:sup>
+                      </m:sSup>
+                      <m:r>
+                        <a:rPr lang="en-US" sz="2400" b="0" i="1" smtClean="0">
+                          <a:latin typeface="Cambria Math" panose="02040503050406030204" pitchFamily="18" charset="0"/>
+                        </a:rPr>
+                        <m:t>, </m:t>
+                      </m:r>
+                      <m:r>
+                        <a:rPr lang="en-US" sz="2400" b="1" i="1" smtClean="0">
+                          <a:latin typeface="Cambria Math" panose="02040503050406030204" pitchFamily="18" charset="0"/>
+                        </a:rPr>
+                        <m:t>𝑿</m:t>
+                      </m:r>
+                      <m:r>
+                        <a:rPr lang="en-US" sz="2400" b="0" i="1" smtClean="0">
+                          <a:latin typeface="Cambria Math" panose="02040503050406030204" pitchFamily="18" charset="0"/>
+                        </a:rPr>
+                        <m:t>)</m:t>
+                      </m:r>
+                    </m:oMath>
+                  </m:oMathPara>
+                </a14:m>
+                <a:endParaRPr lang="da-DK" sz="2400" dirty="0"/>
+              </a:p>
+            </p:txBody>
+          </p:sp>
+        </mc:Choice>
+        <mc:Fallback>
+          <p:sp>
+            <p:nvSpPr>
+              <p:cNvPr id="17" name="Rectangle 16">
+                <a:extLst>
+                  <a:ext uri="{FF2B5EF4-FFF2-40B4-BE49-F238E27FC236}">
+                    <a16:creationId xmlns:a16="http://schemas.microsoft.com/office/drawing/2014/main" id="{54AA8573-33C7-BD48-8BC9-DA44AB3FC885}"/>
+                  </a:ext>
+                </a:extLst>
+              </p:cNvPr>
+              <p:cNvSpPr>
+                <a:spLocks noRot="1" noChangeAspect="1" noMove="1" noResize="1" noEditPoints="1" noAdjustHandles="1" noChangeArrowheads="1" noChangeShapeType="1" noTextEdit="1"/>
+              </p:cNvSpPr>
+              <p:nvPr/>
+            </p:nvSpPr>
+            <p:spPr>
+              <a:xfrm>
+                <a:off x="545947" y="6049872"/>
+                <a:ext cx="2458622" cy="461665"/>
+              </a:xfrm>
+              <a:prstGeom prst="rect">
+                <a:avLst/>
+              </a:prstGeom>
+              <a:blipFill>
+                <a:blip r:embed="rId9"/>
+                <a:stretch>
+                  <a:fillRect b="-15789"/>
+                </a:stretch>
+              </a:blipFill>
+            </p:spPr>
+            <p:txBody>
+              <a:bodyPr/>
+              <a:lstStyle/>
+              <a:p>
+                <a:r>
+                  <a:rPr lang="da-DK">
+                    <a:noFill/>
+                  </a:rPr>
+                  <a:t> </a:t>
+                </a:r>
+              </a:p>
+            </p:txBody>
+          </p:sp>
+        </mc:Fallback>
+      </mc:AlternateContent>
+      <p:sp>
+        <p:nvSpPr>
+          <p:cNvPr id="18" name="TextBox 17">
+            <a:extLst>
+              <a:ext uri="{FF2B5EF4-FFF2-40B4-BE49-F238E27FC236}">
+                <a16:creationId xmlns:a16="http://schemas.microsoft.com/office/drawing/2014/main" id="{8DE64B79-B3BA-C84C-848C-E8C1148D0F8F}"/>
+              </a:ext>
+            </a:extLst>
+          </p:cNvPr>
+          <p:cNvSpPr txBox="1"/>
+          <p:nvPr/>
+        </p:nvSpPr>
+        <p:spPr>
+          <a:xfrm>
+            <a:off x="545947" y="4772395"/>
+            <a:ext cx="1092800" cy="461665"/>
+          </a:xfrm>
+          <a:prstGeom prst="rect">
+            <a:avLst/>
+          </a:prstGeom>
+          <a:noFill/>
+        </p:spPr>
+        <p:txBody>
+          <a:bodyPr wrap="none" rtlCol="0">
+            <a:spAutoFit/>
+          </a:bodyPr>
+          <a:lstStyle/>
+          <a:p>
+            <a:r>
+              <a:rPr lang="da-DK" sz="2400" b="1" dirty="0" err="1"/>
+              <a:t>Kernel</a:t>
+            </a:r>
+            <a:r>
+              <a:rPr lang="da-DK" sz="2400" b="1" dirty="0"/>
+              <a:t>:</a:t>
+            </a:r>
+          </a:p>
+        </p:txBody>
+      </p:sp>
+    </p:spTree>
+    <p:extLst>
+      <p:ext uri="{BB962C8B-B14F-4D97-AF65-F5344CB8AC3E}">
+        <p14:creationId xmlns:p14="http://schemas.microsoft.com/office/powerpoint/2010/main" val="3903407815"/>
+      </p:ext>
+    </p:extLst>
+  </p:cSld>
+  <p:clrMapOvr>
+    <a:masterClrMapping/>
+  </p:clrMapOvr>
+</p:sld>
+</file>
+
+<file path=ppt/slides/slide19.xml><?xml version="1.0" encoding="utf-8"?>
+<p:sld xmlns:a="http://schemas.openxmlformats.org/drawingml/2006/main" xmlns:r="http://schemas.openxmlformats.org/officeDocument/2006/relationships" xmlns:p="http://schemas.openxmlformats.org/presentationml/2006/main">
+  <p:cSld>
+    <p:spTree>
+      <p:nvGrpSpPr>
+        <p:cNvPr id="1" name=""/>
+        <p:cNvGrpSpPr/>
+        <p:nvPr/>
+      </p:nvGrpSpPr>
+      <p:grpSpPr>
+        <a:xfrm>
+          <a:off x="0" y="0"/>
+          <a:ext cx="0" cy="0"/>
+          <a:chOff x="0" y="0"/>
+          <a:chExt cx="0" cy="0"/>
+        </a:xfrm>
+      </p:grpSpPr>
+      <p:sp>
+        <p:nvSpPr>
+          <p:cNvPr id="2" name="Title 1">
+            <a:extLst>
+              <a:ext uri="{FF2B5EF4-FFF2-40B4-BE49-F238E27FC236}">
+                <a16:creationId xmlns:a16="http://schemas.microsoft.com/office/drawing/2014/main" id="{90371848-C3C2-2946-8721-32944148379F}"/>
+              </a:ext>
+            </a:extLst>
+          </p:cNvPr>
+          <p:cNvSpPr>
+            <a:spLocks noGrp="1"/>
+          </p:cNvSpPr>
+          <p:nvPr>
+            <p:ph type="title"/>
+          </p:nvPr>
+        </p:nvSpPr>
+        <p:spPr/>
+        <p:txBody>
+          <a:bodyPr/>
+          <a:lstStyle/>
+          <a:p>
+            <a:r>
+              <a:rPr lang="da-DK" dirty="0"/>
+              <a:t>Delta Learning</a:t>
+            </a:r>
+          </a:p>
+        </p:txBody>
+      </p:sp>
+      <p:pic>
+        <p:nvPicPr>
+          <p:cNvPr id="10" name="Picture 9"/>
+          <p:cNvPicPr>
+            <a:picLocks noChangeAspect="1"/>
+          </p:cNvPicPr>
+          <p:nvPr/>
+        </p:nvPicPr>
+        <p:blipFill>
+          <a:blip r:embed="rId2">
+            <a:extLst>
+              <a:ext uri="{28A0092B-C50C-407E-A947-70E740481C1C}">
+                <a14:useLocalDpi xmlns:a14="http://schemas.microsoft.com/office/drawing/2010/main" val="0"/>
+              </a:ext>
+            </a:extLst>
+          </a:blip>
+          <a:stretch>
+            <a:fillRect/>
+          </a:stretch>
+        </p:blipFill>
+        <p:spPr>
+          <a:xfrm>
+            <a:off x="197853" y="138764"/>
+            <a:ext cx="1236312" cy="259626"/>
+          </a:xfrm>
+          <a:prstGeom prst="rect">
+            <a:avLst/>
+          </a:prstGeom>
+        </p:spPr>
+      </p:pic>
+      <p:sp>
+        <p:nvSpPr>
+          <p:cNvPr id="4" name="TextBox 3">
+            <a:extLst>
+              <a:ext uri="{FF2B5EF4-FFF2-40B4-BE49-F238E27FC236}">
+                <a16:creationId xmlns:a16="http://schemas.microsoft.com/office/drawing/2014/main" id="{46E1E2AD-4CD0-9243-8C31-552F00AB1831}"/>
+              </a:ext>
+            </a:extLst>
+          </p:cNvPr>
+          <p:cNvSpPr txBox="1"/>
+          <p:nvPr/>
+        </p:nvSpPr>
+        <p:spPr>
+          <a:xfrm>
+            <a:off x="838200" y="1686216"/>
+            <a:ext cx="997453" cy="461665"/>
+          </a:xfrm>
+          <a:prstGeom prst="rect">
+            <a:avLst/>
+          </a:prstGeom>
+          <a:noFill/>
+        </p:spPr>
+        <p:txBody>
+          <a:bodyPr wrap="none" rtlCol="0">
+            <a:spAutoFit/>
+          </a:bodyPr>
+          <a:lstStyle/>
+          <a:p>
+            <a:r>
+              <a:rPr lang="da-DK" sz="2400" dirty="0" err="1"/>
+              <a:t>Recall</a:t>
+            </a:r>
+            <a:r>
+              <a:rPr lang="da-DK" sz="2400" dirty="0"/>
+              <a:t>:</a:t>
+            </a:r>
+          </a:p>
+        </p:txBody>
+      </p:sp>
+      <mc:AlternateContent xmlns:mc="http://schemas.openxmlformats.org/markup-compatibility/2006">
+        <mc:Choice xmlns:a14="http://schemas.microsoft.com/office/drawing/2010/main" Requires="a14">
+          <p:sp>
+            <p:nvSpPr>
+              <p:cNvPr id="19" name="TextBox 18">
+                <a:extLst>
+                  <a:ext uri="{FF2B5EF4-FFF2-40B4-BE49-F238E27FC236}">
+                    <a16:creationId xmlns:a16="http://schemas.microsoft.com/office/drawing/2014/main" id="{44AAEFE3-6152-9048-A7C4-DFF1C893F9EB}"/>
+                  </a:ext>
+                </a:extLst>
+              </p:cNvPr>
+              <p:cNvSpPr txBox="1"/>
+              <p:nvPr/>
+            </p:nvSpPr>
+            <p:spPr>
+              <a:xfrm>
+                <a:off x="903632" y="2147152"/>
+                <a:ext cx="3451522" cy="1172629"/>
+              </a:xfrm>
+              <a:prstGeom prst="rect">
+                <a:avLst/>
+              </a:prstGeom>
+              <a:noFill/>
+            </p:spPr>
+            <p:txBody>
+              <a:bodyPr wrap="none" rtlCol="0">
+                <a:spAutoFit/>
+              </a:bodyPr>
+              <a:lstStyle/>
+              <a:p>
+                <a:pPr/>
+                <a14:m>
+                  <m:oMathPara xmlns:m="http://schemas.openxmlformats.org/officeDocument/2006/math">
+                    <m:oMathParaPr>
+                      <m:jc m:val="centerGroup"/>
+                    </m:oMathParaPr>
+                    <m:oMath xmlns:m="http://schemas.openxmlformats.org/officeDocument/2006/math">
+                      <m:sSup>
+                        <m:sSupPr>
+                          <m:ctrlPr>
+                            <a:rPr lang="en-US" sz="2400" i="1" smtClean="0">
+                              <a:latin typeface="Cambria Math" panose="02040503050406030204" pitchFamily="18" charset="0"/>
+                            </a:rPr>
+                          </m:ctrlPr>
+                        </m:sSupPr>
+                        <m:e>
+                          <m:r>
+                            <a:rPr lang="en-US" sz="2400" b="0" i="1" smtClean="0">
+                              <a:latin typeface="Cambria Math" charset="0"/>
+                            </a:rPr>
+                            <m:t>𝐸</m:t>
+                          </m:r>
+                        </m:e>
+                        <m:sup>
+                          <m:r>
+                            <a:rPr lang="en-US" sz="2400" b="0" i="1" smtClean="0">
+                              <a:latin typeface="Cambria Math" charset="0"/>
+                            </a:rPr>
+                            <m:t>𝑀𝐿</m:t>
+                          </m:r>
+                        </m:sup>
+                      </m:sSup>
+                      <m:d>
+                        <m:dPr>
+                          <m:ctrlPr>
+                            <a:rPr lang="en-US" sz="2400" i="1" smtClean="0">
+                              <a:latin typeface="Cambria Math" panose="02040503050406030204" pitchFamily="18" charset="0"/>
+                            </a:rPr>
+                          </m:ctrlPr>
+                        </m:dPr>
+                        <m:e>
+                          <m:sSup>
+                            <m:sSupPr>
+                              <m:ctrlPr>
+                                <a:rPr lang="en-US" sz="2400" b="1" i="1" smtClean="0">
+                                  <a:latin typeface="Cambria Math" panose="02040503050406030204" pitchFamily="18" charset="0"/>
+                                </a:rPr>
+                              </m:ctrlPr>
+                            </m:sSupPr>
+                            <m:e>
+                              <m:r>
+                                <a:rPr lang="en-US" sz="2400" b="1" i="1" smtClean="0">
+                                  <a:latin typeface="Cambria Math" panose="02040503050406030204" pitchFamily="18" charset="0"/>
+                                </a:rPr>
+                                <m:t>𝒙</m:t>
+                              </m:r>
+                            </m:e>
+                            <m:sup>
+                              <m:r>
+                                <a:rPr lang="en-US" sz="2400" b="1" i="1" smtClean="0">
+                                  <a:latin typeface="Cambria Math" panose="02040503050406030204" pitchFamily="18" charset="0"/>
+                                </a:rPr>
+                                <m:t>∗</m:t>
+                              </m:r>
+                            </m:sup>
+                          </m:sSup>
+                        </m:e>
+                      </m:d>
+                      <m:r>
+                        <a:rPr lang="en-US" sz="2400" b="0" i="1" smtClean="0">
+                          <a:latin typeface="Cambria Math" charset="0"/>
+                        </a:rPr>
+                        <m:t>=</m:t>
+                      </m:r>
+                      <m:nary>
+                        <m:naryPr>
+                          <m:chr m:val="∑"/>
+                          <m:ctrlPr>
+                            <a:rPr lang="en-US" sz="2400" i="1" smtClean="0">
+                              <a:latin typeface="Cambria Math" panose="02040503050406030204" pitchFamily="18" charset="0"/>
+                            </a:rPr>
+                          </m:ctrlPr>
+                        </m:naryPr>
+                        <m:sub>
+                          <m:r>
+                            <a:rPr lang="en-US" sz="2400" b="0" i="1" smtClean="0">
+                              <a:latin typeface="Cambria Math" panose="02040503050406030204" pitchFamily="18" charset="0"/>
+                            </a:rPr>
+                            <m:t>𝑗</m:t>
+                          </m:r>
+                        </m:sub>
+                        <m:sup>
+                          <m:r>
+                            <a:rPr lang="en-US" sz="2400" b="0" i="1" smtClean="0">
+                              <a:latin typeface="Cambria Math" charset="0"/>
+                            </a:rPr>
+                            <m:t>𝑁</m:t>
+                          </m:r>
+                        </m:sup>
+                        <m:e>
+                          <m:sSub>
+                            <m:sSubPr>
+                              <m:ctrlPr>
+                                <a:rPr lang="en-US" sz="2400" i="1" smtClean="0">
+                                  <a:latin typeface="Cambria Math" panose="02040503050406030204" pitchFamily="18" charset="0"/>
+                                </a:rPr>
+                              </m:ctrlPr>
+                            </m:sSubPr>
+                            <m:e>
+                              <m:r>
+                                <a:rPr lang="en-US" sz="2400" b="0" i="1" smtClean="0">
+                                  <a:latin typeface="Cambria Math" charset="0"/>
+                                </a:rPr>
+                                <m:t>𝛼</m:t>
+                              </m:r>
+                            </m:e>
+                            <m:sub>
+                              <m:r>
+                                <a:rPr lang="en-US" sz="2400" b="0" i="1" smtClean="0">
+                                  <a:latin typeface="Cambria Math" panose="02040503050406030204" pitchFamily="18" charset="0"/>
+                                </a:rPr>
+                                <m:t>𝑗</m:t>
+                              </m:r>
+                            </m:sub>
+                          </m:sSub>
+                          <m:sSub>
+                            <m:sSubPr>
+                              <m:ctrlPr>
+                                <a:rPr lang="en-US" sz="2400" b="0" i="1" smtClean="0">
+                                  <a:latin typeface="Cambria Math" panose="02040503050406030204" pitchFamily="18" charset="0"/>
+                                </a:rPr>
+                              </m:ctrlPr>
+                            </m:sSubPr>
+                            <m:e>
+                              <m:r>
+                                <a:rPr lang="en-US" sz="2400" b="0" i="1" smtClean="0">
+                                  <a:latin typeface="Cambria Math" panose="02040503050406030204" pitchFamily="18" charset="0"/>
+                                </a:rPr>
+                                <m:t>𝐾</m:t>
+                              </m:r>
+                            </m:e>
+                            <m:sub>
+                              <m:r>
+                                <a:rPr lang="en-US" sz="2400" b="0" i="1" smtClean="0">
+                                  <a:latin typeface="Cambria Math" panose="02040503050406030204" pitchFamily="18" charset="0"/>
+                                </a:rPr>
+                                <m:t>𝑖𝑗</m:t>
+                              </m:r>
+                            </m:sub>
+                          </m:sSub>
+                          <m:r>
+                            <a:rPr lang="en-US" sz="2400" b="0" i="1" smtClean="0">
+                              <a:latin typeface="Cambria Math" panose="02040503050406030204" pitchFamily="18" charset="0"/>
+                            </a:rPr>
+                            <m:t>+</m:t>
+                          </m:r>
+                          <m:r>
+                            <a:rPr lang="en-US" sz="2400" b="0" i="1" smtClean="0">
+                              <a:latin typeface="Cambria Math" panose="02040503050406030204" pitchFamily="18" charset="0"/>
+                            </a:rPr>
+                            <m:t>𝛽</m:t>
+                          </m:r>
+                        </m:e>
+                      </m:nary>
+                    </m:oMath>
+                  </m:oMathPara>
+                </a14:m>
+                <a:endParaRPr lang="en-US" sz="2400" dirty="0"/>
+              </a:p>
+            </p:txBody>
+          </p:sp>
+        </mc:Choice>
+        <mc:Fallback>
+          <p:sp>
+            <p:nvSpPr>
+              <p:cNvPr id="19" name="TextBox 18">
+                <a:extLst>
+                  <a:ext uri="{FF2B5EF4-FFF2-40B4-BE49-F238E27FC236}">
+                    <a16:creationId xmlns:a16="http://schemas.microsoft.com/office/drawing/2014/main" id="{44AAEFE3-6152-9048-A7C4-DFF1C893F9EB}"/>
+                  </a:ext>
+                </a:extLst>
+              </p:cNvPr>
+              <p:cNvSpPr txBox="1">
+                <a:spLocks noRot="1" noChangeAspect="1" noMove="1" noResize="1" noEditPoints="1" noAdjustHandles="1" noChangeArrowheads="1" noChangeShapeType="1" noTextEdit="1"/>
+              </p:cNvSpPr>
+              <p:nvPr/>
+            </p:nvSpPr>
+            <p:spPr>
+              <a:xfrm>
+                <a:off x="903632" y="2147152"/>
+                <a:ext cx="3451522" cy="1172629"/>
+              </a:xfrm>
+              <a:prstGeom prst="rect">
+                <a:avLst/>
+              </a:prstGeom>
+              <a:blipFill>
+                <a:blip r:embed="rId3"/>
+                <a:stretch>
+                  <a:fillRect t="-97849" b="-148387"/>
+                </a:stretch>
+              </a:blipFill>
+            </p:spPr>
+            <p:txBody>
+              <a:bodyPr/>
+              <a:lstStyle/>
+              <a:p>
+                <a:r>
+                  <a:rPr lang="da-DK">
+                    <a:noFill/>
+                  </a:rPr>
+                  <a:t> </a:t>
+                </a:r>
+              </a:p>
+            </p:txBody>
+          </p:sp>
+        </mc:Fallback>
+      </mc:AlternateContent>
+      <mc:AlternateContent xmlns:mc="http://schemas.openxmlformats.org/markup-compatibility/2006">
+        <mc:Choice xmlns:a14="http://schemas.microsoft.com/office/drawing/2010/main" Requires="a14">
+          <p:sp>
+            <p:nvSpPr>
+              <p:cNvPr id="15" name="Rectangle 14">
+                <a:extLst>
+                  <a:ext uri="{FF2B5EF4-FFF2-40B4-BE49-F238E27FC236}">
+                    <a16:creationId xmlns:a16="http://schemas.microsoft.com/office/drawing/2014/main" id="{CAFB73F9-A96F-8C42-8B99-3E035164A284}"/>
+                  </a:ext>
+                </a:extLst>
+              </p:cNvPr>
+              <p:cNvSpPr/>
+              <p:nvPr/>
+            </p:nvSpPr>
+            <p:spPr>
+              <a:xfrm>
+                <a:off x="903632" y="3406913"/>
+                <a:ext cx="2047035" cy="461665"/>
+              </a:xfrm>
+              <a:prstGeom prst="rect">
+                <a:avLst/>
+              </a:prstGeom>
+            </p:spPr>
+            <p:txBody>
+              <a:bodyPr wrap="none">
+                <a:spAutoFit/>
+              </a:bodyPr>
+              <a:lstStyle/>
+              <a:p>
+                <a14:m>
+                  <m:oMath xmlns:m="http://schemas.openxmlformats.org/officeDocument/2006/math">
+                    <m:r>
+                      <a:rPr lang="en-US" sz="2400" b="0" i="1" smtClean="0">
+                        <a:latin typeface="Cambria Math" panose="02040503050406030204" pitchFamily="18" charset="0"/>
+                      </a:rPr>
+                      <m:t>𝛽</m:t>
+                    </m:r>
+                    <m:r>
+                      <a:rPr lang="en-US" sz="2400" b="0" i="1" smtClean="0">
+                        <a:latin typeface="Cambria Math" panose="02040503050406030204" pitchFamily="18" charset="0"/>
+                      </a:rPr>
+                      <m:t>:</m:t>
+                    </m:r>
+                  </m:oMath>
+                </a14:m>
+                <a:r>
+                  <a:rPr lang="da-DK" sz="2400" dirty="0"/>
+                  <a:t> bias or prior</a:t>
+                </a:r>
+              </a:p>
+            </p:txBody>
+          </p:sp>
+        </mc:Choice>
+        <mc:Fallback>
+          <p:sp>
+            <p:nvSpPr>
+              <p:cNvPr id="15" name="Rectangle 14">
+                <a:extLst>
+                  <a:ext uri="{FF2B5EF4-FFF2-40B4-BE49-F238E27FC236}">
+                    <a16:creationId xmlns:a16="http://schemas.microsoft.com/office/drawing/2014/main" id="{CAFB73F9-A96F-8C42-8B99-3E035164A284}"/>
+                  </a:ext>
+                </a:extLst>
+              </p:cNvPr>
+              <p:cNvSpPr>
+                <a:spLocks noRot="1" noChangeAspect="1" noMove="1" noResize="1" noEditPoints="1" noAdjustHandles="1" noChangeArrowheads="1" noChangeShapeType="1" noTextEdit="1"/>
+              </p:cNvSpPr>
+              <p:nvPr/>
+            </p:nvSpPr>
+            <p:spPr>
+              <a:xfrm>
+                <a:off x="903632" y="3406913"/>
+                <a:ext cx="2047035" cy="461665"/>
+              </a:xfrm>
+              <a:prstGeom prst="rect">
+                <a:avLst/>
+              </a:prstGeom>
+              <a:blipFill>
+                <a:blip r:embed="rId4"/>
+                <a:stretch>
+                  <a:fillRect l="-1852" t="-5263" r="-3704" b="-26316"/>
+                </a:stretch>
+              </a:blipFill>
+            </p:spPr>
+            <p:txBody>
+              <a:bodyPr/>
+              <a:lstStyle/>
+              <a:p>
+                <a:r>
+                  <a:rPr lang="da-DK">
+                    <a:noFill/>
+                  </a:rPr>
+                  <a:t> </a:t>
+                </a:r>
+              </a:p>
+            </p:txBody>
+          </p:sp>
+        </mc:Fallback>
+      </mc:AlternateContent>
+      <p:sp>
+        <p:nvSpPr>
+          <p:cNvPr id="22" name="TextBox 21">
+            <a:extLst>
+              <a:ext uri="{FF2B5EF4-FFF2-40B4-BE49-F238E27FC236}">
+                <a16:creationId xmlns:a16="http://schemas.microsoft.com/office/drawing/2014/main" id="{4D24E895-4109-C749-8EB1-7A845BC1F935}"/>
+              </a:ext>
+            </a:extLst>
+          </p:cNvPr>
+          <p:cNvSpPr txBox="1"/>
+          <p:nvPr/>
+        </p:nvSpPr>
+        <p:spPr>
+          <a:xfrm>
+            <a:off x="825331" y="4177217"/>
+            <a:ext cx="5357877" cy="461665"/>
+          </a:xfrm>
+          <a:prstGeom prst="rect">
+            <a:avLst/>
+          </a:prstGeom>
+          <a:noFill/>
+        </p:spPr>
+        <p:txBody>
+          <a:bodyPr wrap="none" rtlCol="0">
+            <a:spAutoFit/>
+          </a:bodyPr>
+          <a:lstStyle/>
+          <a:p>
+            <a:r>
+              <a:rPr lang="da-DK" sz="2400" b="1" dirty="0"/>
+              <a:t>Prior </a:t>
+            </a:r>
+            <a:r>
+              <a:rPr lang="da-DK" sz="2400" b="1" dirty="0" err="1"/>
+              <a:t>knowlegde</a:t>
+            </a:r>
+            <a:r>
+              <a:rPr lang="da-DK" sz="2400" b="1" dirty="0"/>
+              <a:t>: </a:t>
+            </a:r>
+            <a:r>
+              <a:rPr lang="da-DK" sz="2400" dirty="0"/>
+              <a:t>Atoms </a:t>
+            </a:r>
+            <a:r>
+              <a:rPr lang="da-DK" sz="2400" dirty="0" err="1"/>
+              <a:t>repel</a:t>
+            </a:r>
+            <a:r>
+              <a:rPr lang="da-DK" sz="2400" dirty="0"/>
+              <a:t> </a:t>
+            </a:r>
+            <a:r>
+              <a:rPr lang="da-DK" sz="2400" dirty="0" err="1"/>
+              <a:t>each</a:t>
+            </a:r>
+            <a:r>
+              <a:rPr lang="da-DK" sz="2400" dirty="0"/>
+              <a:t> </a:t>
+            </a:r>
+            <a:r>
+              <a:rPr lang="da-DK" sz="2400" dirty="0" err="1"/>
+              <a:t>other</a:t>
+            </a:r>
+            <a:endParaRPr lang="da-DK" sz="2400" dirty="0"/>
+          </a:p>
+        </p:txBody>
+      </p:sp>
+      <p:sp>
+        <p:nvSpPr>
+          <p:cNvPr id="23" name="TextBox 22">
+            <a:extLst>
+              <a:ext uri="{FF2B5EF4-FFF2-40B4-BE49-F238E27FC236}">
+                <a16:creationId xmlns:a16="http://schemas.microsoft.com/office/drawing/2014/main" id="{ACBF9BED-0867-5945-A3E5-90CF5403CDDE}"/>
+              </a:ext>
+            </a:extLst>
+          </p:cNvPr>
+          <p:cNvSpPr txBox="1"/>
+          <p:nvPr/>
+        </p:nvSpPr>
+        <p:spPr>
+          <a:xfrm>
+            <a:off x="837010" y="4887452"/>
+            <a:ext cx="737702" cy="461665"/>
+          </a:xfrm>
+          <a:prstGeom prst="rect">
+            <a:avLst/>
+          </a:prstGeom>
+          <a:noFill/>
+        </p:spPr>
+        <p:txBody>
+          <a:bodyPr wrap="none" rtlCol="0">
+            <a:spAutoFit/>
+          </a:bodyPr>
+          <a:lstStyle/>
+          <a:p>
+            <a:r>
+              <a:rPr lang="da-DK" sz="2400" dirty="0" err="1"/>
+              <a:t>Use</a:t>
+            </a:r>
+            <a:r>
+              <a:rPr lang="da-DK" sz="2400" dirty="0"/>
+              <a:t>:</a:t>
+            </a:r>
+          </a:p>
+        </p:txBody>
+      </p:sp>
+      <mc:AlternateContent xmlns:mc="http://schemas.openxmlformats.org/markup-compatibility/2006">
+        <mc:Choice xmlns:a14="http://schemas.microsoft.com/office/drawing/2010/main" Requires="a14">
+          <p:sp>
+            <p:nvSpPr>
+              <p:cNvPr id="24" name="TextBox 23">
+                <a:extLst>
+                  <a:ext uri="{FF2B5EF4-FFF2-40B4-BE49-F238E27FC236}">
+                    <a16:creationId xmlns:a16="http://schemas.microsoft.com/office/drawing/2014/main" id="{D284AE59-806D-A640-8DF6-37381EEB1E11}"/>
+                  </a:ext>
+                </a:extLst>
+              </p:cNvPr>
+              <p:cNvSpPr txBox="1"/>
+              <p:nvPr/>
+            </p:nvSpPr>
+            <p:spPr>
+              <a:xfrm>
+                <a:off x="834358" y="5333587"/>
+                <a:ext cx="6293390" cy="1130822"/>
+              </a:xfrm>
+              <a:prstGeom prst="rect">
+                <a:avLst/>
+              </a:prstGeom>
+              <a:noFill/>
+            </p:spPr>
+            <p:txBody>
+              <a:bodyPr wrap="none" rtlCol="0">
+                <a:spAutoFit/>
+              </a:bodyPr>
+              <a:lstStyle/>
+              <a:p>
+                <a14:m>
+                  <m:oMathPara xmlns:m="http://schemas.openxmlformats.org/officeDocument/2006/math">
+                    <m:oMathParaPr>
+                      <m:jc m:val="centerGroup"/>
+                    </m:oMathParaPr>
+                    <m:oMath xmlns:m="http://schemas.openxmlformats.org/officeDocument/2006/math">
+                      <m:r>
+                        <a:rPr lang="en-US" sz="2400" b="0" i="1" smtClean="0">
+                          <a:latin typeface="Cambria Math" panose="02040503050406030204" pitchFamily="18" charset="0"/>
+                        </a:rPr>
+                        <m:t>𝛽</m:t>
+                      </m:r>
+                      <m:r>
+                        <a:rPr lang="en-US" sz="2400" b="0" i="1" smtClean="0">
+                          <a:latin typeface="Cambria Math" panose="02040503050406030204" pitchFamily="18" charset="0"/>
+                        </a:rPr>
+                        <m:t>=</m:t>
+                      </m:r>
+                      <m:nary>
+                        <m:naryPr>
+                          <m:chr m:val="∑"/>
+                          <m:ctrlPr>
+                            <a:rPr lang="en-US" sz="2400" b="0" i="1" smtClean="0">
+                              <a:latin typeface="Cambria Math" panose="02040503050406030204" pitchFamily="18" charset="0"/>
+                            </a:rPr>
+                          </m:ctrlPr>
+                        </m:naryPr>
+                        <m:sub>
+                          <m:r>
+                            <m:rPr>
+                              <m:brk m:alnAt="23"/>
+                            </m:rPr>
+                            <a:rPr lang="en-US" sz="2400" b="0" i="1" smtClean="0">
+                              <a:latin typeface="Cambria Math" panose="02040503050406030204" pitchFamily="18" charset="0"/>
+                            </a:rPr>
+                            <m:t>𝑛</m:t>
+                          </m:r>
+                        </m:sub>
+                        <m:sup>
+                          <m:sSub>
+                            <m:sSubPr>
+                              <m:ctrlPr>
+                                <a:rPr lang="en-US" sz="2400" b="0" i="1" smtClean="0">
+                                  <a:latin typeface="Cambria Math" panose="02040503050406030204" pitchFamily="18" charset="0"/>
+                                </a:rPr>
+                              </m:ctrlPr>
+                            </m:sSubPr>
+                            <m:e>
+                              <m:r>
+                                <a:rPr lang="en-US" sz="2400" b="0" i="1" smtClean="0">
+                                  <a:latin typeface="Cambria Math" panose="02040503050406030204" pitchFamily="18" charset="0"/>
+                                </a:rPr>
+                                <m:t>𝑁</m:t>
+                              </m:r>
+                            </m:e>
+                            <m:sub>
+                              <m:r>
+                                <a:rPr lang="en-US" sz="2400" b="0" i="1" smtClean="0">
+                                  <a:latin typeface="Cambria Math" panose="02040503050406030204" pitchFamily="18" charset="0"/>
+                                </a:rPr>
+                                <m:t>𝑎𝑡𝑜𝑚𝑠</m:t>
+                              </m:r>
+                            </m:sub>
+                          </m:sSub>
+                        </m:sup>
+                        <m:e>
+                          <m:nary>
+                            <m:naryPr>
+                              <m:chr m:val="∑"/>
+                              <m:ctrlPr>
+                                <a:rPr lang="en-US" sz="2400" b="0" i="1" smtClean="0">
+                                  <a:latin typeface="Cambria Math" panose="02040503050406030204" pitchFamily="18" charset="0"/>
+                                </a:rPr>
+                              </m:ctrlPr>
+                            </m:naryPr>
+                            <m:sub>
+                              <m:r>
+                                <m:rPr>
+                                  <m:brk m:alnAt="23"/>
+                                </m:rPr>
+                                <a:rPr lang="en-US" sz="2400" b="0" i="1" smtClean="0">
+                                  <a:latin typeface="Cambria Math" panose="02040503050406030204" pitchFamily="18" charset="0"/>
+                                </a:rPr>
+                                <m:t>𝑚</m:t>
+                              </m:r>
+                            </m:sub>
+                            <m:sup>
+                              <m:sSub>
+                                <m:sSubPr>
+                                  <m:ctrlPr>
+                                    <a:rPr lang="en-US" sz="2400" b="0" i="1" smtClean="0">
+                                      <a:latin typeface="Cambria Math" panose="02040503050406030204" pitchFamily="18" charset="0"/>
+                                    </a:rPr>
+                                  </m:ctrlPr>
+                                </m:sSubPr>
+                                <m:e>
+                                  <m:r>
+                                    <a:rPr lang="en-US" sz="2400" b="0" i="1" smtClean="0">
+                                      <a:latin typeface="Cambria Math" panose="02040503050406030204" pitchFamily="18" charset="0"/>
+                                    </a:rPr>
+                                    <m:t>𝑁</m:t>
+                                  </m:r>
+                                </m:e>
+                                <m:sub>
+                                  <m:r>
+                                    <a:rPr lang="en-US" sz="2400" b="0" i="1" smtClean="0">
+                                      <a:latin typeface="Cambria Math" panose="02040503050406030204" pitchFamily="18" charset="0"/>
+                                    </a:rPr>
+                                    <m:t>𝑎𝑡𝑜𝑚𝑠</m:t>
+                                  </m:r>
+                                </m:sub>
+                              </m:sSub>
+                            </m:sup>
+                            <m:e>
+                              <m:sSup>
+                                <m:sSupPr>
+                                  <m:ctrlPr>
+                                    <a:rPr lang="en-US" sz="2400" b="0" i="1" smtClean="0">
+                                      <a:latin typeface="Cambria Math" panose="02040503050406030204" pitchFamily="18" charset="0"/>
+                                    </a:rPr>
+                                  </m:ctrlPr>
+                                </m:sSupPr>
+                                <m:e>
+                                  <m:r>
+                                    <a:rPr lang="en-US" sz="2400" b="0" i="1" smtClean="0">
+                                      <a:latin typeface="Cambria Math" panose="02040503050406030204" pitchFamily="18" charset="0"/>
+                                    </a:rPr>
+                                    <m:t>(</m:t>
+                                  </m:r>
+                                  <m:d>
+                                    <m:dPr>
+                                      <m:begChr m:val="|"/>
+                                      <m:endChr m:val="|"/>
+                                      <m:ctrlPr>
+                                        <a:rPr lang="en-US" sz="2400" b="0" i="1" smtClean="0">
+                                          <a:latin typeface="Cambria Math" panose="02040503050406030204" pitchFamily="18" charset="0"/>
+                                        </a:rPr>
+                                      </m:ctrlPr>
+                                    </m:dPr>
+                                    <m:e>
+                                      <m:sSub>
+                                        <m:sSubPr>
+                                          <m:ctrlPr>
+                                            <a:rPr lang="en-US" sz="2400" i="1">
+                                              <a:latin typeface="Cambria Math" panose="02040503050406030204" pitchFamily="18" charset="0"/>
+                                            </a:rPr>
+                                          </m:ctrlPr>
+                                        </m:sSubPr>
+                                        <m:e>
+                                          <m:r>
+                                            <a:rPr lang="en-US" sz="2400" b="1" i="1">
+                                              <a:latin typeface="Cambria Math" panose="02040503050406030204" pitchFamily="18" charset="0"/>
+                                            </a:rPr>
+                                            <m:t>𝒓</m:t>
+                                          </m:r>
+                                        </m:e>
+                                        <m:sub>
+                                          <m:r>
+                                            <a:rPr lang="en-US" sz="2400" i="1">
+                                              <a:latin typeface="Cambria Math" panose="02040503050406030204" pitchFamily="18" charset="0"/>
+                                            </a:rPr>
+                                            <m:t>𝑚</m:t>
+                                          </m:r>
+                                        </m:sub>
+                                      </m:sSub>
+                                      <m:r>
+                                        <a:rPr lang="en-US" sz="2400" i="1">
+                                          <a:latin typeface="Cambria Math" panose="02040503050406030204" pitchFamily="18" charset="0"/>
+                                        </a:rPr>
+                                        <m:t>−</m:t>
+                                      </m:r>
+                                      <m:sSub>
+                                        <m:sSubPr>
+                                          <m:ctrlPr>
+                                            <a:rPr lang="en-US" sz="2400" i="1">
+                                              <a:latin typeface="Cambria Math" panose="02040503050406030204" pitchFamily="18" charset="0"/>
+                                            </a:rPr>
+                                          </m:ctrlPr>
+                                        </m:sSubPr>
+                                        <m:e>
+                                          <m:r>
+                                            <a:rPr lang="en-US" sz="2400" b="1" i="1">
+                                              <a:latin typeface="Cambria Math" panose="02040503050406030204" pitchFamily="18" charset="0"/>
+                                            </a:rPr>
+                                            <m:t>𝒓</m:t>
+                                          </m:r>
+                                        </m:e>
+                                        <m:sub>
+                                          <m:r>
+                                            <a:rPr lang="en-US" sz="2400" i="1">
+                                              <a:latin typeface="Cambria Math" panose="02040503050406030204" pitchFamily="18" charset="0"/>
+                                            </a:rPr>
+                                            <m:t>𝑛</m:t>
+                                          </m:r>
+                                        </m:sub>
+                                      </m:sSub>
+                                    </m:e>
+                                  </m:d>
+                                  <m:r>
+                                    <a:rPr lang="en-US" sz="2400" b="0" i="1" smtClean="0">
+                                      <a:latin typeface="Cambria Math" panose="02040503050406030204" pitchFamily="18" charset="0"/>
+                                    </a:rPr>
+                                    <m:t>+1−</m:t>
+                                  </m:r>
+                                  <m:sSub>
+                                    <m:sSubPr>
+                                      <m:ctrlPr>
+                                        <a:rPr lang="en-US" sz="2400" b="0" i="1" smtClean="0">
+                                          <a:latin typeface="Cambria Math" panose="02040503050406030204" pitchFamily="18" charset="0"/>
+                                        </a:rPr>
+                                      </m:ctrlPr>
+                                    </m:sSubPr>
+                                    <m:e>
+                                      <m:r>
+                                        <a:rPr lang="en-US" sz="2400" b="0" i="1" smtClean="0">
+                                          <a:latin typeface="Cambria Math" panose="02040503050406030204" pitchFamily="18" charset="0"/>
+                                        </a:rPr>
+                                        <m:t>0.7</m:t>
+                                      </m:r>
+                                      <m:r>
+                                        <a:rPr lang="en-US" sz="2400" b="0" i="1" smtClean="0">
+                                          <a:latin typeface="Cambria Math" panose="02040503050406030204" pitchFamily="18" charset="0"/>
+                                        </a:rPr>
+                                        <m:t>𝑑</m:t>
+                                      </m:r>
+                                    </m:e>
+                                    <m:sub>
+                                      <m:r>
+                                        <a:rPr lang="en-US" sz="2400" b="0" i="1" smtClean="0">
+                                          <a:latin typeface="Cambria Math" panose="02040503050406030204" pitchFamily="18" charset="0"/>
+                                        </a:rPr>
+                                        <m:t>𝑐𝑜𝑣</m:t>
+                                      </m:r>
+                                    </m:sub>
+                                  </m:sSub>
+                                  <m:r>
+                                    <a:rPr lang="en-US" sz="2400" b="0" i="1" smtClean="0">
+                                      <a:latin typeface="Cambria Math" panose="02040503050406030204" pitchFamily="18" charset="0"/>
+                                    </a:rPr>
+                                    <m:t>)</m:t>
+                                  </m:r>
+                                </m:e>
+                                <m:sup>
+                                  <m:r>
+                                    <a:rPr lang="en-US" sz="2400" b="0" i="1" smtClean="0">
+                                      <a:latin typeface="Cambria Math" panose="02040503050406030204" pitchFamily="18" charset="0"/>
+                                    </a:rPr>
+                                    <m:t>−12</m:t>
+                                  </m:r>
+                                </m:sup>
+                              </m:sSup>
+                            </m:e>
+                          </m:nary>
+                        </m:e>
+                      </m:nary>
+                    </m:oMath>
+                  </m:oMathPara>
+                </a14:m>
+                <a:endParaRPr lang="da-DK" sz="2400" dirty="0"/>
+              </a:p>
+            </p:txBody>
+          </p:sp>
+        </mc:Choice>
+        <mc:Fallback>
+          <p:sp>
+            <p:nvSpPr>
+              <p:cNvPr id="24" name="TextBox 23">
+                <a:extLst>
+                  <a:ext uri="{FF2B5EF4-FFF2-40B4-BE49-F238E27FC236}">
+                    <a16:creationId xmlns:a16="http://schemas.microsoft.com/office/drawing/2014/main" id="{D284AE59-806D-A640-8DF6-37381EEB1E11}"/>
+                  </a:ext>
+                </a:extLst>
+              </p:cNvPr>
+              <p:cNvSpPr txBox="1">
+                <a:spLocks noRot="1" noChangeAspect="1" noMove="1" noResize="1" noEditPoints="1" noAdjustHandles="1" noChangeArrowheads="1" noChangeShapeType="1" noTextEdit="1"/>
+              </p:cNvSpPr>
+              <p:nvPr/>
+            </p:nvSpPr>
+            <p:spPr>
+              <a:xfrm>
+                <a:off x="834358" y="5333587"/>
+                <a:ext cx="6293390" cy="1130822"/>
+              </a:xfrm>
+              <a:prstGeom prst="rect">
+                <a:avLst/>
+              </a:prstGeom>
+              <a:blipFill>
+                <a:blip r:embed="rId5"/>
+                <a:stretch>
+                  <a:fillRect l="-3831" t="-103371" b="-158427"/>
+                </a:stretch>
+              </a:blipFill>
+            </p:spPr>
+            <p:txBody>
+              <a:bodyPr/>
+              <a:lstStyle/>
+              <a:p>
+                <a:r>
+                  <a:rPr lang="da-DK">
+                    <a:noFill/>
+                  </a:rPr>
+                  <a:t> </a:t>
+                </a:r>
+              </a:p>
+            </p:txBody>
+          </p:sp>
+        </mc:Fallback>
+      </mc:AlternateContent>
+    </p:spTree>
+    <p:extLst>
+      <p:ext uri="{BB962C8B-B14F-4D97-AF65-F5344CB8AC3E}">
+        <p14:creationId xmlns:p14="http://schemas.microsoft.com/office/powerpoint/2010/main" val="961218129"/>
       </p:ext>
     </p:extLst>
   </p:cSld>
@@ -9577,17 +15930,8 @@
           <a:p>
             <a:r>
               <a:rPr lang="en-US" dirty="0"/>
-              <a:t>Simple </a:t>
-            </a:r>
-            <a:r>
-              <a:rPr lang="en-US" dirty="0" smtClean="0"/>
-              <a:t>proble</a:t>
-            </a:r>
-            <a:r>
-              <a:rPr lang="en-US" dirty="0"/>
-              <a:t>m</a:t>
-            </a:r>
-            <a:endParaRPr lang="en-US" dirty="0"/>
+              <a:t>Simple problem</a:t>
+            </a:r>
           </a:p>
         </p:txBody>
       </p:sp>
@@ -9596,7 +15940,7 @@
           <p:cNvPr id="32" name="Straight Arrow Connector 31">
             <a:extLst>
               <a:ext uri="{FF2B5EF4-FFF2-40B4-BE49-F238E27FC236}">
-                <a16:creationId xmlns:a16="http://schemas.microsoft.com/office/drawing/2014/main" xmlns="" id="{766C1FD0-3FA5-C743-964E-C61F79490E02}"/>
+                <a16:creationId xmlns:a16="http://schemas.microsoft.com/office/drawing/2014/main" id="{766C1FD0-3FA5-C743-964E-C61F79490E02}"/>
               </a:ext>
             </a:extLst>
           </p:cNvPr>
@@ -9638,7 +15982,7 @@
           <p:cNvPr id="33" name="Straight Arrow Connector 32">
             <a:extLst>
               <a:ext uri="{FF2B5EF4-FFF2-40B4-BE49-F238E27FC236}">
-                <a16:creationId xmlns:a16="http://schemas.microsoft.com/office/drawing/2014/main" xmlns="" id="{2AE55632-4A6E-7D46-A1CE-05300C3367FF}"/>
+                <a16:creationId xmlns:a16="http://schemas.microsoft.com/office/drawing/2014/main" id="{2AE55632-4A6E-7D46-A1CE-05300C3367FF}"/>
               </a:ext>
             </a:extLst>
           </p:cNvPr>
@@ -9680,7 +16024,7 @@
           <p:cNvPr id="25" name="Multiply 24">
             <a:extLst>
               <a:ext uri="{FF2B5EF4-FFF2-40B4-BE49-F238E27FC236}">
-                <a16:creationId xmlns:a16="http://schemas.microsoft.com/office/drawing/2014/main" xmlns="" id="{3FE7EF9F-CB85-A443-8CA2-04C865A21D81}"/>
+                <a16:creationId xmlns:a16="http://schemas.microsoft.com/office/drawing/2014/main" id="{3FE7EF9F-CB85-A443-8CA2-04C865A21D81}"/>
               </a:ext>
             </a:extLst>
           </p:cNvPr>
@@ -10139,13 +16483,8 @@
           <a:p>
             <a:r>
               <a:rPr lang="en-US" dirty="0"/>
-              <a:t>Simple </a:t>
-            </a:r>
-            <a:r>
-              <a:rPr lang="en-US" dirty="0" smtClean="0"/>
-              <a:t>problem</a:t>
-            </a:r>
-            <a:endParaRPr lang="en-US" dirty="0"/>
+              <a:t>Simple problem</a:t>
+            </a:r>
           </a:p>
         </p:txBody>
       </p:sp>
@@ -10184,7 +16523,7 @@
           <p:cNvPr id="2" name="Rectangle 1">
             <a:extLst>
               <a:ext uri="{FF2B5EF4-FFF2-40B4-BE49-F238E27FC236}">
-                <a16:creationId xmlns:a16="http://schemas.microsoft.com/office/drawing/2014/main" xmlns="" id="{44B75201-4883-464B-8606-95AB16148DF8}"/>
+                <a16:creationId xmlns:a16="http://schemas.microsoft.com/office/drawing/2014/main" id="{44B75201-4883-464B-8606-95AB16148DF8}"/>
               </a:ext>
             </a:extLst>
           </p:cNvPr>
@@ -10741,13 +17080,8 @@
           <a:p>
             <a:r>
               <a:rPr lang="en-US" dirty="0"/>
-              <a:t>Simple </a:t>
-            </a:r>
-            <a:r>
-              <a:rPr lang="en-US" dirty="0" smtClean="0"/>
-              <a:t>problem</a:t>
-            </a:r>
-            <a:endParaRPr lang="en-US" dirty="0"/>
+              <a:t>Simple problem</a:t>
+            </a:r>
           </a:p>
         </p:txBody>
       </p:sp>
@@ -10780,7 +17114,7 @@
           <p:cNvPr id="2" name="Rectangle 1">
             <a:extLst>
               <a:ext uri="{FF2B5EF4-FFF2-40B4-BE49-F238E27FC236}">
-                <a16:creationId xmlns:a16="http://schemas.microsoft.com/office/drawing/2014/main" xmlns="" id="{44B75201-4883-464B-8606-95AB16148DF8}"/>
+                <a16:creationId xmlns:a16="http://schemas.microsoft.com/office/drawing/2014/main" id="{44B75201-4883-464B-8606-95AB16148DF8}"/>
               </a:ext>
             </a:extLst>
           </p:cNvPr>
@@ -11436,13 +17770,8 @@
           <a:p>
             <a:r>
               <a:rPr lang="en-US" dirty="0"/>
-              <a:t>Simple </a:t>
-            </a:r>
-            <a:r>
-              <a:rPr lang="en-US" dirty="0" smtClean="0"/>
-              <a:t>problem</a:t>
-            </a:r>
-            <a:endParaRPr lang="en-US" dirty="0"/>
+              <a:t>Simple problem</a:t>
+            </a:r>
           </a:p>
         </p:txBody>
       </p:sp>
@@ -11475,7 +17804,7 @@
           <p:cNvPr id="2" name="Rectangle 1">
             <a:extLst>
               <a:ext uri="{FF2B5EF4-FFF2-40B4-BE49-F238E27FC236}">
-                <a16:creationId xmlns:a16="http://schemas.microsoft.com/office/drawing/2014/main" xmlns="" id="{44B75201-4883-464B-8606-95AB16148DF8}"/>
+                <a16:creationId xmlns:a16="http://schemas.microsoft.com/office/drawing/2014/main" id="{44B75201-4883-464B-8606-95AB16148DF8}"/>
               </a:ext>
             </a:extLst>
           </p:cNvPr>
@@ -12230,13 +18559,8 @@
           <a:p>
             <a:r>
               <a:rPr lang="en-US" dirty="0"/>
-              <a:t>Simple </a:t>
-            </a:r>
-            <a:r>
-              <a:rPr lang="en-US" dirty="0" smtClean="0"/>
-              <a:t>problem</a:t>
-            </a:r>
-            <a:endParaRPr lang="en-US" dirty="0"/>
+              <a:t>Simple problem</a:t>
+            </a:r>
           </a:p>
         </p:txBody>
       </p:sp>
@@ -12269,7 +18593,7 @@
           <p:cNvPr id="2" name="Rectangle 1">
             <a:extLst>
               <a:ext uri="{FF2B5EF4-FFF2-40B4-BE49-F238E27FC236}">
-                <a16:creationId xmlns:a16="http://schemas.microsoft.com/office/drawing/2014/main" xmlns="" id="{44B75201-4883-464B-8606-95AB16148DF8}"/>
+                <a16:creationId xmlns:a16="http://schemas.microsoft.com/office/drawing/2014/main" id="{44B75201-4883-464B-8606-95AB16148DF8}"/>
               </a:ext>
             </a:extLst>
           </p:cNvPr>
@@ -13123,13 +19447,8 @@
           <a:p>
             <a:r>
               <a:rPr lang="en-US" dirty="0"/>
-              <a:t>Simple </a:t>
-            </a:r>
-            <a:r>
-              <a:rPr lang="en-US" dirty="0" smtClean="0"/>
-              <a:t>problem</a:t>
-            </a:r>
-            <a:endParaRPr lang="en-US" dirty="0"/>
+              <a:t>Simple problem</a:t>
+            </a:r>
           </a:p>
         </p:txBody>
       </p:sp>
@@ -13162,7 +19481,7 @@
           <p:cNvPr id="2" name="Rectangle 1">
             <a:extLst>
               <a:ext uri="{FF2B5EF4-FFF2-40B4-BE49-F238E27FC236}">
-                <a16:creationId xmlns:a16="http://schemas.microsoft.com/office/drawing/2014/main" xmlns="" id="{44B75201-4883-464B-8606-95AB16148DF8}"/>
+                <a16:creationId xmlns:a16="http://schemas.microsoft.com/office/drawing/2014/main" id="{44B75201-4883-464B-8606-95AB16148DF8}"/>
               </a:ext>
             </a:extLst>
           </p:cNvPr>
@@ -13883,13 +20202,8 @@
           <a:p>
             <a:r>
               <a:rPr lang="en-US" dirty="0"/>
-              <a:t>Simple </a:t>
-            </a:r>
-            <a:r>
-              <a:rPr lang="en-US" dirty="0" smtClean="0"/>
-              <a:t>problem</a:t>
-            </a:r>
-            <a:endParaRPr lang="en-US" dirty="0"/>
+              <a:t>Simple problem</a:t>
+            </a:r>
           </a:p>
         </p:txBody>
       </p:sp>
@@ -13922,7 +20236,7 @@
           <p:cNvPr id="2" name="Rectangle 1">
             <a:extLst>
               <a:ext uri="{FF2B5EF4-FFF2-40B4-BE49-F238E27FC236}">
-                <a16:creationId xmlns:a16="http://schemas.microsoft.com/office/drawing/2014/main" xmlns="" id="{44B75201-4883-464B-8606-95AB16148DF8}"/>
+                <a16:creationId xmlns:a16="http://schemas.microsoft.com/office/drawing/2014/main" id="{44B75201-4883-464B-8606-95AB16148DF8}"/>
               </a:ext>
             </a:extLst>
           </p:cNvPr>
@@ -13976,7 +20290,7 @@
           <p:cNvPr id="24" name="TextBox 23">
             <a:extLst>
               <a:ext uri="{FF2B5EF4-FFF2-40B4-BE49-F238E27FC236}">
-                <a16:creationId xmlns:a16="http://schemas.microsoft.com/office/drawing/2014/main" xmlns="" id="{69D7F542-A661-434C-9490-EEB116C79FE8}"/>
+                <a16:creationId xmlns:a16="http://schemas.microsoft.com/office/drawing/2014/main" id="{69D7F542-A661-434C-9490-EEB116C79FE8}"/>
               </a:ext>
             </a:extLst>
           </p:cNvPr>
@@ -14053,13 +20367,8 @@
           <a:p>
             <a:r>
               <a:rPr lang="en-US" dirty="0"/>
-              <a:t>M</a:t>
-            </a:r>
-            <a:r>
-              <a:rPr lang="en-US" dirty="0" smtClean="0"/>
-              <a:t>ethod</a:t>
-            </a:r>
-            <a:endParaRPr lang="en-US" dirty="0"/>
+              <a:t>Method</a:t>
+            </a:r>
           </a:p>
         </p:txBody>
       </p:sp>
@@ -14092,7 +20401,7 @@
           <p:cNvPr id="3" name="Oval 2">
             <a:extLst>
               <a:ext uri="{FF2B5EF4-FFF2-40B4-BE49-F238E27FC236}">
-                <a16:creationId xmlns:a16="http://schemas.microsoft.com/office/drawing/2014/main" xmlns="" id="{B073BD9C-6BDA-C347-9C0E-31CB52DA42B6}"/>
+                <a16:creationId xmlns:a16="http://schemas.microsoft.com/office/drawing/2014/main" id="{B073BD9C-6BDA-C347-9C0E-31CB52DA42B6}"/>
               </a:ext>
             </a:extLst>
           </p:cNvPr>
@@ -14146,7 +20455,7 @@
           <p:cNvPr id="19" name="Oval 18">
             <a:extLst>
               <a:ext uri="{FF2B5EF4-FFF2-40B4-BE49-F238E27FC236}">
-                <a16:creationId xmlns:a16="http://schemas.microsoft.com/office/drawing/2014/main" xmlns="" id="{B75FE795-2BFF-E54A-B090-C664817205DA}"/>
+                <a16:creationId xmlns:a16="http://schemas.microsoft.com/office/drawing/2014/main" id="{B75FE795-2BFF-E54A-B090-C664817205DA}"/>
               </a:ext>
             </a:extLst>
           </p:cNvPr>
@@ -14193,7 +20502,7 @@
           <p:cNvPr id="20" name="Oval 19">
             <a:extLst>
               <a:ext uri="{FF2B5EF4-FFF2-40B4-BE49-F238E27FC236}">
-                <a16:creationId xmlns:a16="http://schemas.microsoft.com/office/drawing/2014/main" xmlns="" id="{08F67ED2-E0EA-744D-A5C3-DFAF9C05EBB0}"/>
+                <a16:creationId xmlns:a16="http://schemas.microsoft.com/office/drawing/2014/main" id="{08F67ED2-E0EA-744D-A5C3-DFAF9C05EBB0}"/>
               </a:ext>
             </a:extLst>
           </p:cNvPr>
@@ -14240,7 +20549,7 @@
           <p:cNvPr id="38" name="Oval 37">
             <a:extLst>
               <a:ext uri="{FF2B5EF4-FFF2-40B4-BE49-F238E27FC236}">
-                <a16:creationId xmlns:a16="http://schemas.microsoft.com/office/drawing/2014/main" xmlns="" id="{D50BF41E-EF71-F94A-86B9-DF1B15F4B1FC}"/>
+                <a16:creationId xmlns:a16="http://schemas.microsoft.com/office/drawing/2014/main" id="{D50BF41E-EF71-F94A-86B9-DF1B15F4B1FC}"/>
               </a:ext>
             </a:extLst>
           </p:cNvPr>
@@ -14292,7 +20601,7 @@
           <p:cNvPr id="9" name="Graphic 8" descr="Binoculars">
             <a:extLst>
               <a:ext uri="{FF2B5EF4-FFF2-40B4-BE49-F238E27FC236}">
-                <a16:creationId xmlns:a16="http://schemas.microsoft.com/office/drawing/2014/main" xmlns="" id="{0307FDB9-D726-D54A-8E96-5C778AD4B9A7}"/>
+                <a16:creationId xmlns:a16="http://schemas.microsoft.com/office/drawing/2014/main" id="{0307FDB9-D726-D54A-8E96-5C778AD4B9A7}"/>
               </a:ext>
             </a:extLst>
           </p:cNvPr>
@@ -14305,7 +20614,7 @@
           <a:blip r:embed="rId3">
             <a:extLst>
               <a:ext uri="{96DAC541-7B7A-43D3-8B79-37D633B846F1}">
-                <asvg:svgBlip xmlns:asvg="http://schemas.microsoft.com/office/drawing/2016/SVG/main" xmlns="" r:embed="rId4"/>
+                <asvg:svgBlip xmlns:asvg="http://schemas.microsoft.com/office/drawing/2016/SVG/main" r:embed="rId4"/>
               </a:ext>
             </a:extLst>
           </a:blip>
@@ -14328,7 +20637,7 @@
           <p:cNvPr id="11" name="Graphic 10" descr="Atom">
             <a:extLst>
               <a:ext uri="{FF2B5EF4-FFF2-40B4-BE49-F238E27FC236}">
-                <a16:creationId xmlns:a16="http://schemas.microsoft.com/office/drawing/2014/main" xmlns="" id="{803445ED-BA53-F447-93B7-06103930BE36}"/>
+                <a16:creationId xmlns:a16="http://schemas.microsoft.com/office/drawing/2014/main" id="{803445ED-BA53-F447-93B7-06103930BE36}"/>
               </a:ext>
             </a:extLst>
           </p:cNvPr>
@@ -14341,7 +20650,7 @@
           <a:blip r:embed="rId5">
             <a:extLst>
               <a:ext uri="{96DAC541-7B7A-43D3-8B79-37D633B846F1}">
-                <asvg:svgBlip xmlns:asvg="http://schemas.microsoft.com/office/drawing/2016/SVG/main" xmlns="" r:embed="rId6"/>
+                <asvg:svgBlip xmlns:asvg="http://schemas.microsoft.com/office/drawing/2016/SVG/main" r:embed="rId6"/>
               </a:ext>
             </a:extLst>
           </a:blip>
@@ -14364,7 +20673,7 @@
           <p:cNvPr id="14" name="Graphic 13" descr="HeadWithGears">
             <a:extLst>
               <a:ext uri="{FF2B5EF4-FFF2-40B4-BE49-F238E27FC236}">
-                <a16:creationId xmlns:a16="http://schemas.microsoft.com/office/drawing/2014/main" xmlns="" id="{F1734F00-B7B6-2042-904B-EB85E52832BE}"/>
+                <a16:creationId xmlns:a16="http://schemas.microsoft.com/office/drawing/2014/main" id="{F1734F00-B7B6-2042-904B-EB85E52832BE}"/>
               </a:ext>
             </a:extLst>
           </p:cNvPr>
@@ -14377,7 +20686,7 @@
           <a:blip r:embed="rId7">
             <a:extLst>
               <a:ext uri="{96DAC541-7B7A-43D3-8B79-37D633B846F1}">
-                <asvg:svgBlip xmlns:asvg="http://schemas.microsoft.com/office/drawing/2016/SVG/main" xmlns="" r:embed="rId8"/>
+                <asvg:svgBlip xmlns:asvg="http://schemas.microsoft.com/office/drawing/2016/SVG/main" r:embed="rId8"/>
               </a:ext>
             </a:extLst>
           </a:blip>

--- a/Presentations/Group meetings/2018-11-6-Malthe.pptx
+++ b/Presentations/Group meetings/2018-11-6-Malthe.pptx
@@ -232,7 +232,7 @@
           <a:p>
             <a:fld id="{7C359F7B-C4FB-4943-8224-A5647F08117E}" type="datetimeFigureOut">
               <a:rPr lang="en-US" smtClean="0"/>
-              <a:t>11/6/18</a:t>
+              <a:t>11/12/18</a:t>
             </a:fld>
             <a:endParaRPr lang="en-US"/>
           </a:p>
@@ -1216,7 +1216,7 @@
           <a:p>
             <a:fld id="{8C8AF159-BF6D-6340-87F7-806DFB2B0F7C}" type="datetimeFigureOut">
               <a:rPr lang="en-US" smtClean="0"/>
-              <a:t>11/6/18</a:t>
+              <a:t>11/12/18</a:t>
             </a:fld>
             <a:endParaRPr lang="en-US"/>
           </a:p>
@@ -1384,7 +1384,7 @@
           <a:p>
             <a:fld id="{8C8AF159-BF6D-6340-87F7-806DFB2B0F7C}" type="datetimeFigureOut">
               <a:rPr lang="en-US" smtClean="0"/>
-              <a:t>11/6/18</a:t>
+              <a:t>11/12/18</a:t>
             </a:fld>
             <a:endParaRPr lang="en-US"/>
           </a:p>
@@ -1562,7 +1562,7 @@
           <a:p>
             <a:fld id="{8C8AF159-BF6D-6340-87F7-806DFB2B0F7C}" type="datetimeFigureOut">
               <a:rPr lang="en-US" smtClean="0"/>
-              <a:t>11/6/18</a:t>
+              <a:t>11/12/18</a:t>
             </a:fld>
             <a:endParaRPr lang="en-US"/>
           </a:p>
@@ -1730,7 +1730,7 @@
           <a:p>
             <a:fld id="{8C8AF159-BF6D-6340-87F7-806DFB2B0F7C}" type="datetimeFigureOut">
               <a:rPr lang="en-US" smtClean="0"/>
-              <a:t>11/6/18</a:t>
+              <a:t>11/12/18</a:t>
             </a:fld>
             <a:endParaRPr lang="en-US"/>
           </a:p>
@@ -1975,7 +1975,7 @@
           <a:p>
             <a:fld id="{8C8AF159-BF6D-6340-87F7-806DFB2B0F7C}" type="datetimeFigureOut">
               <a:rPr lang="en-US" smtClean="0"/>
-              <a:t>11/6/18</a:t>
+              <a:t>11/12/18</a:t>
             </a:fld>
             <a:endParaRPr lang="en-US"/>
           </a:p>
@@ -2204,7 +2204,7 @@
           <a:p>
             <a:fld id="{8C8AF159-BF6D-6340-87F7-806DFB2B0F7C}" type="datetimeFigureOut">
               <a:rPr lang="en-US" smtClean="0"/>
-              <a:t>11/6/18</a:t>
+              <a:t>11/12/18</a:t>
             </a:fld>
             <a:endParaRPr lang="en-US"/>
           </a:p>
@@ -2568,7 +2568,7 @@
           <a:p>
             <a:fld id="{8C8AF159-BF6D-6340-87F7-806DFB2B0F7C}" type="datetimeFigureOut">
               <a:rPr lang="en-US" smtClean="0"/>
-              <a:t>11/6/18</a:t>
+              <a:t>11/12/18</a:t>
             </a:fld>
             <a:endParaRPr lang="en-US"/>
           </a:p>
@@ -2685,7 +2685,7 @@
           <a:p>
             <a:fld id="{8C8AF159-BF6D-6340-87F7-806DFB2B0F7C}" type="datetimeFigureOut">
               <a:rPr lang="en-US" smtClean="0"/>
-              <a:t>11/6/18</a:t>
+              <a:t>11/12/18</a:t>
             </a:fld>
             <a:endParaRPr lang="en-US"/>
           </a:p>
@@ -2780,7 +2780,7 @@
           <a:p>
             <a:fld id="{8C8AF159-BF6D-6340-87F7-806DFB2B0F7C}" type="datetimeFigureOut">
               <a:rPr lang="en-US" smtClean="0"/>
-              <a:t>11/6/18</a:t>
+              <a:t>11/12/18</a:t>
             </a:fld>
             <a:endParaRPr lang="en-US"/>
           </a:p>
@@ -3055,7 +3055,7 @@
           <a:p>
             <a:fld id="{8C8AF159-BF6D-6340-87F7-806DFB2B0F7C}" type="datetimeFigureOut">
               <a:rPr lang="en-US" smtClean="0"/>
-              <a:t>11/6/18</a:t>
+              <a:t>11/12/18</a:t>
             </a:fld>
             <a:endParaRPr lang="en-US"/>
           </a:p>
@@ -3307,7 +3307,7 @@
           <a:p>
             <a:fld id="{8C8AF159-BF6D-6340-87F7-806DFB2B0F7C}" type="datetimeFigureOut">
               <a:rPr lang="en-US" smtClean="0"/>
-              <a:t>11/6/18</a:t>
+              <a:t>11/12/18</a:t>
             </a:fld>
             <a:endParaRPr lang="en-US"/>
           </a:p>
@@ -3518,7 +3518,7 @@
           <a:p>
             <a:fld id="{8C8AF159-BF6D-6340-87F7-806DFB2B0F7C}" type="datetimeFigureOut">
               <a:rPr lang="en-US" smtClean="0"/>
-              <a:t>11/6/18</a:t>
+              <a:t>11/12/18</a:t>
             </a:fld>
             <a:endParaRPr lang="en-US"/>
           </a:p>
@@ -4073,7 +4073,7 @@
           <p:cNvPr id="3" name="Oval 2">
             <a:extLst>
               <a:ext uri="{FF2B5EF4-FFF2-40B4-BE49-F238E27FC236}">
-                <a16:creationId xmlns:a16="http://schemas.microsoft.com/office/drawing/2014/main" xmlns="" id="{B073BD9C-6BDA-C347-9C0E-31CB52DA42B6}"/>
+                <a16:creationId xmlns="" xmlns:a16="http://schemas.microsoft.com/office/drawing/2014/main" id="{B073BD9C-6BDA-C347-9C0E-31CB52DA42B6}"/>
               </a:ext>
             </a:extLst>
           </p:cNvPr>
@@ -4127,7 +4127,7 @@
           <p:cNvPr id="19" name="Oval 18">
             <a:extLst>
               <a:ext uri="{FF2B5EF4-FFF2-40B4-BE49-F238E27FC236}">
-                <a16:creationId xmlns:a16="http://schemas.microsoft.com/office/drawing/2014/main" xmlns="" id="{B75FE795-2BFF-E54A-B090-C664817205DA}"/>
+                <a16:creationId xmlns="" xmlns:a16="http://schemas.microsoft.com/office/drawing/2014/main" id="{B75FE795-2BFF-E54A-B090-C664817205DA}"/>
               </a:ext>
             </a:extLst>
           </p:cNvPr>
@@ -4174,7 +4174,7 @@
           <p:cNvPr id="20" name="Oval 19">
             <a:extLst>
               <a:ext uri="{FF2B5EF4-FFF2-40B4-BE49-F238E27FC236}">
-                <a16:creationId xmlns:a16="http://schemas.microsoft.com/office/drawing/2014/main" xmlns="" id="{08F67ED2-E0EA-744D-A5C3-DFAF9C05EBB0}"/>
+                <a16:creationId xmlns="" xmlns:a16="http://schemas.microsoft.com/office/drawing/2014/main" id="{08F67ED2-E0EA-744D-A5C3-DFAF9C05EBB0}"/>
               </a:ext>
             </a:extLst>
           </p:cNvPr>
@@ -4221,7 +4221,7 @@
           <p:cNvPr id="38" name="Oval 37">
             <a:extLst>
               <a:ext uri="{FF2B5EF4-FFF2-40B4-BE49-F238E27FC236}">
-                <a16:creationId xmlns:a16="http://schemas.microsoft.com/office/drawing/2014/main" xmlns="" id="{D50BF41E-EF71-F94A-86B9-DF1B15F4B1FC}"/>
+                <a16:creationId xmlns="" xmlns:a16="http://schemas.microsoft.com/office/drawing/2014/main" id="{D50BF41E-EF71-F94A-86B9-DF1B15F4B1FC}"/>
               </a:ext>
             </a:extLst>
           </p:cNvPr>
@@ -4273,7 +4273,7 @@
           <p:cNvPr id="39" name="Picture 38">
             <a:extLst>
               <a:ext uri="{FF2B5EF4-FFF2-40B4-BE49-F238E27FC236}">
-                <a16:creationId xmlns:a16="http://schemas.microsoft.com/office/drawing/2014/main" xmlns="" id="{4E04806B-A48C-E042-86E9-CBD67367ED63}"/>
+                <a16:creationId xmlns="" xmlns:a16="http://schemas.microsoft.com/office/drawing/2014/main" id="{4E04806B-A48C-E042-86E9-CBD67367ED63}"/>
               </a:ext>
             </a:extLst>
           </p:cNvPr>
@@ -4309,7 +4309,7 @@
           <p:cNvPr id="40" name="Picture 39">
             <a:extLst>
               <a:ext uri="{FF2B5EF4-FFF2-40B4-BE49-F238E27FC236}">
-                <a16:creationId xmlns:a16="http://schemas.microsoft.com/office/drawing/2014/main" xmlns="" id="{4847759E-E771-9645-B94F-520F45A19480}"/>
+                <a16:creationId xmlns="" xmlns:a16="http://schemas.microsoft.com/office/drawing/2014/main" id="{4847759E-E771-9645-B94F-520F45A19480}"/>
               </a:ext>
             </a:extLst>
           </p:cNvPr>
@@ -4345,7 +4345,7 @@
           <p:cNvPr id="41" name="Picture 40">
             <a:extLst>
               <a:ext uri="{FF2B5EF4-FFF2-40B4-BE49-F238E27FC236}">
-                <a16:creationId xmlns:a16="http://schemas.microsoft.com/office/drawing/2014/main" xmlns="" id="{2A455A8A-721A-724A-99BC-08B770FA26C3}"/>
+                <a16:creationId xmlns="" xmlns:a16="http://schemas.microsoft.com/office/drawing/2014/main" id="{2A455A8A-721A-724A-99BC-08B770FA26C3}"/>
               </a:ext>
             </a:extLst>
           </p:cNvPr>
@@ -4381,7 +4381,7 @@
           <p:cNvPr id="42" name="TextBox 41">
             <a:extLst>
               <a:ext uri="{FF2B5EF4-FFF2-40B4-BE49-F238E27FC236}">
-                <a16:creationId xmlns:a16="http://schemas.microsoft.com/office/drawing/2014/main" xmlns="" id="{5AFBB60A-07C7-F641-A967-1FE814B00E94}"/>
+                <a16:creationId xmlns="" xmlns:a16="http://schemas.microsoft.com/office/drawing/2014/main" id="{5AFBB60A-07C7-F641-A967-1FE814B00E94}"/>
               </a:ext>
             </a:extLst>
           </p:cNvPr>
@@ -4416,7 +4416,7 @@
           <p:cNvPr id="43" name="TextBox 42">
             <a:extLst>
               <a:ext uri="{FF2B5EF4-FFF2-40B4-BE49-F238E27FC236}">
-                <a16:creationId xmlns:a16="http://schemas.microsoft.com/office/drawing/2014/main" xmlns="" id="{B465CC4F-702C-EB40-92B3-EBCC290A1759}"/>
+                <a16:creationId xmlns="" xmlns:a16="http://schemas.microsoft.com/office/drawing/2014/main" id="{B465CC4F-702C-EB40-92B3-EBCC290A1759}"/>
               </a:ext>
             </a:extLst>
           </p:cNvPr>
@@ -4451,7 +4451,7 @@
           <p:cNvPr id="44" name="TextBox 43">
             <a:extLst>
               <a:ext uri="{FF2B5EF4-FFF2-40B4-BE49-F238E27FC236}">
-                <a16:creationId xmlns:a16="http://schemas.microsoft.com/office/drawing/2014/main" xmlns="" id="{A3B6CEB5-3318-0A4D-AE9B-6A3FF7400028}"/>
+                <a16:creationId xmlns="" xmlns:a16="http://schemas.microsoft.com/office/drawing/2014/main" id="{A3B6CEB5-3318-0A4D-AE9B-6A3FF7400028}"/>
               </a:ext>
             </a:extLst>
           </p:cNvPr>
@@ -4486,7 +4486,7 @@
           <p:cNvPr id="45" name="Rectangle 44">
             <a:extLst>
               <a:ext uri="{FF2B5EF4-FFF2-40B4-BE49-F238E27FC236}">
-                <a16:creationId xmlns:a16="http://schemas.microsoft.com/office/drawing/2014/main" xmlns="" id="{D5D71723-DB53-C14A-98F5-82DB7A5DC130}"/>
+                <a16:creationId xmlns="" xmlns:a16="http://schemas.microsoft.com/office/drawing/2014/main" id="{D5D71723-DB53-C14A-98F5-82DB7A5DC130}"/>
               </a:ext>
             </a:extLst>
           </p:cNvPr>
@@ -4532,7 +4532,7 @@
           <p:cNvPr id="46" name="Rectangle 45">
             <a:extLst>
               <a:ext uri="{FF2B5EF4-FFF2-40B4-BE49-F238E27FC236}">
-                <a16:creationId xmlns:a16="http://schemas.microsoft.com/office/drawing/2014/main" xmlns="" id="{D26023F7-2B1D-7F47-BD38-851577017CEC}"/>
+                <a16:creationId xmlns="" xmlns:a16="http://schemas.microsoft.com/office/drawing/2014/main" id="{D26023F7-2B1D-7F47-BD38-851577017CEC}"/>
               </a:ext>
             </a:extLst>
           </p:cNvPr>
@@ -4578,7 +4578,7 @@
           <p:cNvPr id="47" name="Rectangle 46">
             <a:extLst>
               <a:ext uri="{FF2B5EF4-FFF2-40B4-BE49-F238E27FC236}">
-                <a16:creationId xmlns:a16="http://schemas.microsoft.com/office/drawing/2014/main" xmlns="" id="{AEC291F5-1339-3B45-8B0E-EF0C8F34F61E}"/>
+                <a16:creationId xmlns="" xmlns:a16="http://schemas.microsoft.com/office/drawing/2014/main" id="{AEC291F5-1339-3B45-8B0E-EF0C8F34F61E}"/>
               </a:ext>
             </a:extLst>
           </p:cNvPr>
@@ -4624,7 +4624,7 @@
           <p:cNvPr id="49" name="Straight Arrow Connector 48">
             <a:extLst>
               <a:ext uri="{FF2B5EF4-FFF2-40B4-BE49-F238E27FC236}">
-                <a16:creationId xmlns:a16="http://schemas.microsoft.com/office/drawing/2014/main" xmlns="" id="{8CC7D7B6-9487-0D41-8A89-1B4330C9AEA3}"/>
+                <a16:creationId xmlns="" xmlns:a16="http://schemas.microsoft.com/office/drawing/2014/main" id="{8CC7D7B6-9487-0D41-8A89-1B4330C9AEA3}"/>
               </a:ext>
             </a:extLst>
           </p:cNvPr>
@@ -4667,7 +4667,7 @@
           <p:cNvPr id="51" name="Straight Arrow Connector 50">
             <a:extLst>
               <a:ext uri="{FF2B5EF4-FFF2-40B4-BE49-F238E27FC236}">
-                <a16:creationId xmlns:a16="http://schemas.microsoft.com/office/drawing/2014/main" xmlns="" id="{51BB2CF8-DFCF-214B-BB0C-08604FD514B1}"/>
+                <a16:creationId xmlns="" xmlns:a16="http://schemas.microsoft.com/office/drawing/2014/main" id="{51BB2CF8-DFCF-214B-BB0C-08604FD514B1}"/>
               </a:ext>
             </a:extLst>
           </p:cNvPr>
@@ -4710,7 +4710,7 @@
           <p:cNvPr id="54" name="Straight Arrow Connector 53">
             <a:extLst>
               <a:ext uri="{FF2B5EF4-FFF2-40B4-BE49-F238E27FC236}">
-                <a16:creationId xmlns:a16="http://schemas.microsoft.com/office/drawing/2014/main" xmlns="" id="{2CAA39AB-3959-E04A-84E4-AC17685C42BD}"/>
+                <a16:creationId xmlns="" xmlns:a16="http://schemas.microsoft.com/office/drawing/2014/main" id="{2CAA39AB-3959-E04A-84E4-AC17685C42BD}"/>
               </a:ext>
             </a:extLst>
           </p:cNvPr>
@@ -4753,7 +4753,7 @@
           <p:cNvPr id="9" name="Graphic 8" descr="Binoculars">
             <a:extLst>
               <a:ext uri="{FF2B5EF4-FFF2-40B4-BE49-F238E27FC236}">
-                <a16:creationId xmlns:a16="http://schemas.microsoft.com/office/drawing/2014/main" xmlns="" id="{0307FDB9-D726-D54A-8E96-5C778AD4B9A7}"/>
+                <a16:creationId xmlns="" xmlns:a16="http://schemas.microsoft.com/office/drawing/2014/main" id="{0307FDB9-D726-D54A-8E96-5C778AD4B9A7}"/>
               </a:ext>
             </a:extLst>
           </p:cNvPr>
@@ -4766,7 +4766,7 @@
           <a:blip r:embed="rId6">
             <a:extLst>
               <a:ext uri="{96DAC541-7B7A-43D3-8B79-37D633B846F1}">
-                <asvg:svgBlip xmlns:asvg="http://schemas.microsoft.com/office/drawing/2016/SVG/main" xmlns="" r:embed="rId7"/>
+                <asvg:svgBlip xmlns="" xmlns:asvg="http://schemas.microsoft.com/office/drawing/2016/SVG/main" r:embed="rId7"/>
               </a:ext>
             </a:extLst>
           </a:blip>
@@ -4789,7 +4789,7 @@
           <p:cNvPr id="11" name="Graphic 10" descr="Atom">
             <a:extLst>
               <a:ext uri="{FF2B5EF4-FFF2-40B4-BE49-F238E27FC236}">
-                <a16:creationId xmlns:a16="http://schemas.microsoft.com/office/drawing/2014/main" xmlns="" id="{803445ED-BA53-F447-93B7-06103930BE36}"/>
+                <a16:creationId xmlns="" xmlns:a16="http://schemas.microsoft.com/office/drawing/2014/main" id="{803445ED-BA53-F447-93B7-06103930BE36}"/>
               </a:ext>
             </a:extLst>
           </p:cNvPr>
@@ -4802,7 +4802,7 @@
           <a:blip r:embed="rId8">
             <a:extLst>
               <a:ext uri="{96DAC541-7B7A-43D3-8B79-37D633B846F1}">
-                <asvg:svgBlip xmlns:asvg="http://schemas.microsoft.com/office/drawing/2016/SVG/main" xmlns="" r:embed="rId9"/>
+                <asvg:svgBlip xmlns="" xmlns:asvg="http://schemas.microsoft.com/office/drawing/2016/SVG/main" r:embed="rId9"/>
               </a:ext>
             </a:extLst>
           </a:blip>
@@ -4825,7 +4825,7 @@
           <p:cNvPr id="14" name="Graphic 13" descr="HeadWithGears">
             <a:extLst>
               <a:ext uri="{FF2B5EF4-FFF2-40B4-BE49-F238E27FC236}">
-                <a16:creationId xmlns:a16="http://schemas.microsoft.com/office/drawing/2014/main" xmlns="" id="{F1734F00-B7B6-2042-904B-EB85E52832BE}"/>
+                <a16:creationId xmlns="" xmlns:a16="http://schemas.microsoft.com/office/drawing/2014/main" id="{F1734F00-B7B6-2042-904B-EB85E52832BE}"/>
               </a:ext>
             </a:extLst>
           </p:cNvPr>
@@ -4838,7 +4838,7 @@
           <a:blip r:embed="rId10">
             <a:extLst>
               <a:ext uri="{96DAC541-7B7A-43D3-8B79-37D633B846F1}">
-                <asvg:svgBlip xmlns:asvg="http://schemas.microsoft.com/office/drawing/2016/SVG/main" xmlns="" r:embed="rId11"/>
+                <asvg:svgBlip xmlns="" xmlns:asvg="http://schemas.microsoft.com/office/drawing/2016/SVG/main" r:embed="rId11"/>
               </a:ext>
             </a:extLst>
           </a:blip>
@@ -4937,7 +4937,7 @@
           <p:cNvPr id="3" name="Oval 2">
             <a:extLst>
               <a:ext uri="{FF2B5EF4-FFF2-40B4-BE49-F238E27FC236}">
-                <a16:creationId xmlns:a16="http://schemas.microsoft.com/office/drawing/2014/main" xmlns="" id="{B073BD9C-6BDA-C347-9C0E-31CB52DA42B6}"/>
+                <a16:creationId xmlns="" xmlns:a16="http://schemas.microsoft.com/office/drawing/2014/main" id="{B073BD9C-6BDA-C347-9C0E-31CB52DA42B6}"/>
               </a:ext>
             </a:extLst>
           </p:cNvPr>
@@ -4991,7 +4991,7 @@
           <p:cNvPr id="12" name="Picture 11">
             <a:extLst>
               <a:ext uri="{FF2B5EF4-FFF2-40B4-BE49-F238E27FC236}">
-                <a16:creationId xmlns:a16="http://schemas.microsoft.com/office/drawing/2014/main" xmlns="" id="{EAAF42C1-FAEB-4947-8DE4-2C0AD5593B99}"/>
+                <a16:creationId xmlns="" xmlns:a16="http://schemas.microsoft.com/office/drawing/2014/main" id="{EAAF42C1-FAEB-4947-8DE4-2C0AD5593B99}"/>
               </a:ext>
             </a:extLst>
           </p:cNvPr>
@@ -5021,7 +5021,7 @@
           <p:cNvPr id="19" name="Oval 18">
             <a:extLst>
               <a:ext uri="{FF2B5EF4-FFF2-40B4-BE49-F238E27FC236}">
-                <a16:creationId xmlns:a16="http://schemas.microsoft.com/office/drawing/2014/main" xmlns="" id="{B75FE795-2BFF-E54A-B090-C664817205DA}"/>
+                <a16:creationId xmlns="" xmlns:a16="http://schemas.microsoft.com/office/drawing/2014/main" id="{B75FE795-2BFF-E54A-B090-C664817205DA}"/>
               </a:ext>
             </a:extLst>
           </p:cNvPr>
@@ -5068,7 +5068,7 @@
           <p:cNvPr id="20" name="Oval 19">
             <a:extLst>
               <a:ext uri="{FF2B5EF4-FFF2-40B4-BE49-F238E27FC236}">
-                <a16:creationId xmlns:a16="http://schemas.microsoft.com/office/drawing/2014/main" xmlns="" id="{08F67ED2-E0EA-744D-A5C3-DFAF9C05EBB0}"/>
+                <a16:creationId xmlns="" xmlns:a16="http://schemas.microsoft.com/office/drawing/2014/main" id="{08F67ED2-E0EA-744D-A5C3-DFAF9C05EBB0}"/>
               </a:ext>
             </a:extLst>
           </p:cNvPr>
@@ -5115,7 +5115,7 @@
           <p:cNvPr id="38" name="Oval 37">
             <a:extLst>
               <a:ext uri="{FF2B5EF4-FFF2-40B4-BE49-F238E27FC236}">
-                <a16:creationId xmlns:a16="http://schemas.microsoft.com/office/drawing/2014/main" xmlns="" id="{D50BF41E-EF71-F94A-86B9-DF1B15F4B1FC}"/>
+                <a16:creationId xmlns="" xmlns:a16="http://schemas.microsoft.com/office/drawing/2014/main" id="{D50BF41E-EF71-F94A-86B9-DF1B15F4B1FC}"/>
               </a:ext>
             </a:extLst>
           </p:cNvPr>
@@ -5167,7 +5167,7 @@
           <p:cNvPr id="39" name="Picture 38">
             <a:extLst>
               <a:ext uri="{FF2B5EF4-FFF2-40B4-BE49-F238E27FC236}">
-                <a16:creationId xmlns:a16="http://schemas.microsoft.com/office/drawing/2014/main" xmlns="" id="{4E04806B-A48C-E042-86E9-CBD67367ED63}"/>
+                <a16:creationId xmlns="" xmlns:a16="http://schemas.microsoft.com/office/drawing/2014/main" id="{4E04806B-A48C-E042-86E9-CBD67367ED63}"/>
               </a:ext>
             </a:extLst>
           </p:cNvPr>
@@ -5203,7 +5203,7 @@
           <p:cNvPr id="40" name="Picture 39">
             <a:extLst>
               <a:ext uri="{FF2B5EF4-FFF2-40B4-BE49-F238E27FC236}">
-                <a16:creationId xmlns:a16="http://schemas.microsoft.com/office/drawing/2014/main" xmlns="" id="{4847759E-E771-9645-B94F-520F45A19480}"/>
+                <a16:creationId xmlns="" xmlns:a16="http://schemas.microsoft.com/office/drawing/2014/main" id="{4847759E-E771-9645-B94F-520F45A19480}"/>
               </a:ext>
             </a:extLst>
           </p:cNvPr>
@@ -5239,7 +5239,7 @@
           <p:cNvPr id="41" name="Picture 40">
             <a:extLst>
               <a:ext uri="{FF2B5EF4-FFF2-40B4-BE49-F238E27FC236}">
-                <a16:creationId xmlns:a16="http://schemas.microsoft.com/office/drawing/2014/main" xmlns="" id="{2A455A8A-721A-724A-99BC-08B770FA26C3}"/>
+                <a16:creationId xmlns="" xmlns:a16="http://schemas.microsoft.com/office/drawing/2014/main" id="{2A455A8A-721A-724A-99BC-08B770FA26C3}"/>
               </a:ext>
             </a:extLst>
           </p:cNvPr>
@@ -5275,7 +5275,7 @@
           <p:cNvPr id="42" name="TextBox 41">
             <a:extLst>
               <a:ext uri="{FF2B5EF4-FFF2-40B4-BE49-F238E27FC236}">
-                <a16:creationId xmlns:a16="http://schemas.microsoft.com/office/drawing/2014/main" xmlns="" id="{5AFBB60A-07C7-F641-A967-1FE814B00E94}"/>
+                <a16:creationId xmlns="" xmlns:a16="http://schemas.microsoft.com/office/drawing/2014/main" id="{5AFBB60A-07C7-F641-A967-1FE814B00E94}"/>
               </a:ext>
             </a:extLst>
           </p:cNvPr>
@@ -5310,7 +5310,7 @@
           <p:cNvPr id="43" name="TextBox 42">
             <a:extLst>
               <a:ext uri="{FF2B5EF4-FFF2-40B4-BE49-F238E27FC236}">
-                <a16:creationId xmlns:a16="http://schemas.microsoft.com/office/drawing/2014/main" xmlns="" id="{B465CC4F-702C-EB40-92B3-EBCC290A1759}"/>
+                <a16:creationId xmlns="" xmlns:a16="http://schemas.microsoft.com/office/drawing/2014/main" id="{B465CC4F-702C-EB40-92B3-EBCC290A1759}"/>
               </a:ext>
             </a:extLst>
           </p:cNvPr>
@@ -5345,7 +5345,7 @@
           <p:cNvPr id="44" name="TextBox 43">
             <a:extLst>
               <a:ext uri="{FF2B5EF4-FFF2-40B4-BE49-F238E27FC236}">
-                <a16:creationId xmlns:a16="http://schemas.microsoft.com/office/drawing/2014/main" xmlns="" id="{A3B6CEB5-3318-0A4D-AE9B-6A3FF7400028}"/>
+                <a16:creationId xmlns="" xmlns:a16="http://schemas.microsoft.com/office/drawing/2014/main" id="{A3B6CEB5-3318-0A4D-AE9B-6A3FF7400028}"/>
               </a:ext>
             </a:extLst>
           </p:cNvPr>
@@ -5380,7 +5380,7 @@
           <p:cNvPr id="45" name="Rectangle 44">
             <a:extLst>
               <a:ext uri="{FF2B5EF4-FFF2-40B4-BE49-F238E27FC236}">
-                <a16:creationId xmlns:a16="http://schemas.microsoft.com/office/drawing/2014/main" xmlns="" id="{D5D71723-DB53-C14A-98F5-82DB7A5DC130}"/>
+                <a16:creationId xmlns="" xmlns:a16="http://schemas.microsoft.com/office/drawing/2014/main" id="{D5D71723-DB53-C14A-98F5-82DB7A5DC130}"/>
               </a:ext>
             </a:extLst>
           </p:cNvPr>
@@ -5426,7 +5426,7 @@
           <p:cNvPr id="46" name="Rectangle 45">
             <a:extLst>
               <a:ext uri="{FF2B5EF4-FFF2-40B4-BE49-F238E27FC236}">
-                <a16:creationId xmlns:a16="http://schemas.microsoft.com/office/drawing/2014/main" xmlns="" id="{D26023F7-2B1D-7F47-BD38-851577017CEC}"/>
+                <a16:creationId xmlns="" xmlns:a16="http://schemas.microsoft.com/office/drawing/2014/main" id="{D26023F7-2B1D-7F47-BD38-851577017CEC}"/>
               </a:ext>
             </a:extLst>
           </p:cNvPr>
@@ -5472,7 +5472,7 @@
           <p:cNvPr id="47" name="Rectangle 46">
             <a:extLst>
               <a:ext uri="{FF2B5EF4-FFF2-40B4-BE49-F238E27FC236}">
-                <a16:creationId xmlns:a16="http://schemas.microsoft.com/office/drawing/2014/main" xmlns="" id="{AEC291F5-1339-3B45-8B0E-EF0C8F34F61E}"/>
+                <a16:creationId xmlns="" xmlns:a16="http://schemas.microsoft.com/office/drawing/2014/main" id="{AEC291F5-1339-3B45-8B0E-EF0C8F34F61E}"/>
               </a:ext>
             </a:extLst>
           </p:cNvPr>
@@ -5518,7 +5518,7 @@
           <p:cNvPr id="49" name="Straight Arrow Connector 48">
             <a:extLst>
               <a:ext uri="{FF2B5EF4-FFF2-40B4-BE49-F238E27FC236}">
-                <a16:creationId xmlns:a16="http://schemas.microsoft.com/office/drawing/2014/main" xmlns="" id="{8CC7D7B6-9487-0D41-8A89-1B4330C9AEA3}"/>
+                <a16:creationId xmlns="" xmlns:a16="http://schemas.microsoft.com/office/drawing/2014/main" id="{8CC7D7B6-9487-0D41-8A89-1B4330C9AEA3}"/>
               </a:ext>
             </a:extLst>
           </p:cNvPr>
@@ -5561,7 +5561,7 @@
           <p:cNvPr id="51" name="Straight Arrow Connector 50">
             <a:extLst>
               <a:ext uri="{FF2B5EF4-FFF2-40B4-BE49-F238E27FC236}">
-                <a16:creationId xmlns:a16="http://schemas.microsoft.com/office/drawing/2014/main" xmlns="" id="{51BB2CF8-DFCF-214B-BB0C-08604FD514B1}"/>
+                <a16:creationId xmlns="" xmlns:a16="http://schemas.microsoft.com/office/drawing/2014/main" id="{51BB2CF8-DFCF-214B-BB0C-08604FD514B1}"/>
               </a:ext>
             </a:extLst>
           </p:cNvPr>
@@ -5604,7 +5604,7 @@
           <p:cNvPr id="54" name="Straight Arrow Connector 53">
             <a:extLst>
               <a:ext uri="{FF2B5EF4-FFF2-40B4-BE49-F238E27FC236}">
-                <a16:creationId xmlns:a16="http://schemas.microsoft.com/office/drawing/2014/main" xmlns="" id="{2CAA39AB-3959-E04A-84E4-AC17685C42BD}"/>
+                <a16:creationId xmlns="" xmlns:a16="http://schemas.microsoft.com/office/drawing/2014/main" id="{2CAA39AB-3959-E04A-84E4-AC17685C42BD}"/>
               </a:ext>
             </a:extLst>
           </p:cNvPr>
@@ -5647,7 +5647,7 @@
           <p:cNvPr id="9" name="Graphic 8" descr="Binoculars">
             <a:extLst>
               <a:ext uri="{FF2B5EF4-FFF2-40B4-BE49-F238E27FC236}">
-                <a16:creationId xmlns:a16="http://schemas.microsoft.com/office/drawing/2014/main" xmlns="" id="{0307FDB9-D726-D54A-8E96-5C778AD4B9A7}"/>
+                <a16:creationId xmlns="" xmlns:a16="http://schemas.microsoft.com/office/drawing/2014/main" id="{0307FDB9-D726-D54A-8E96-5C778AD4B9A7}"/>
               </a:ext>
             </a:extLst>
           </p:cNvPr>
@@ -5660,7 +5660,7 @@
           <a:blip r:embed="rId7">
             <a:extLst>
               <a:ext uri="{96DAC541-7B7A-43D3-8B79-37D633B846F1}">
-                <asvg:svgBlip xmlns:asvg="http://schemas.microsoft.com/office/drawing/2016/SVG/main" xmlns="" r:embed="rId8"/>
+                <asvg:svgBlip xmlns="" xmlns:asvg="http://schemas.microsoft.com/office/drawing/2016/SVG/main" r:embed="rId8"/>
               </a:ext>
             </a:extLst>
           </a:blip>
@@ -5683,7 +5683,7 @@
           <p:cNvPr id="11" name="Graphic 10" descr="Atom">
             <a:extLst>
               <a:ext uri="{FF2B5EF4-FFF2-40B4-BE49-F238E27FC236}">
-                <a16:creationId xmlns:a16="http://schemas.microsoft.com/office/drawing/2014/main" xmlns="" id="{803445ED-BA53-F447-93B7-06103930BE36}"/>
+                <a16:creationId xmlns="" xmlns:a16="http://schemas.microsoft.com/office/drawing/2014/main" id="{803445ED-BA53-F447-93B7-06103930BE36}"/>
               </a:ext>
             </a:extLst>
           </p:cNvPr>
@@ -5696,7 +5696,7 @@
           <a:blip r:embed="rId9">
             <a:extLst>
               <a:ext uri="{96DAC541-7B7A-43D3-8B79-37D633B846F1}">
-                <asvg:svgBlip xmlns:asvg="http://schemas.microsoft.com/office/drawing/2016/SVG/main" xmlns="" r:embed="rId10"/>
+                <asvg:svgBlip xmlns="" xmlns:asvg="http://schemas.microsoft.com/office/drawing/2016/SVG/main" r:embed="rId10"/>
               </a:ext>
             </a:extLst>
           </a:blip>
@@ -5719,7 +5719,7 @@
           <p:cNvPr id="14" name="Graphic 13" descr="HeadWithGears">
             <a:extLst>
               <a:ext uri="{FF2B5EF4-FFF2-40B4-BE49-F238E27FC236}">
-                <a16:creationId xmlns:a16="http://schemas.microsoft.com/office/drawing/2014/main" xmlns="" id="{F1734F00-B7B6-2042-904B-EB85E52832BE}"/>
+                <a16:creationId xmlns="" xmlns:a16="http://schemas.microsoft.com/office/drawing/2014/main" id="{F1734F00-B7B6-2042-904B-EB85E52832BE}"/>
               </a:ext>
             </a:extLst>
           </p:cNvPr>
@@ -5732,7 +5732,7 @@
           <a:blip r:embed="rId11">
             <a:extLst>
               <a:ext uri="{96DAC541-7B7A-43D3-8B79-37D633B846F1}">
-                <asvg:svgBlip xmlns:asvg="http://schemas.microsoft.com/office/drawing/2016/SVG/main" xmlns="" r:embed="rId12"/>
+                <asvg:svgBlip xmlns="" xmlns:asvg="http://schemas.microsoft.com/office/drawing/2016/SVG/main" r:embed="rId12"/>
               </a:ext>
             </a:extLst>
           </a:blip>
@@ -5831,7 +5831,7 @@
           <p:cNvPr id="3" name="Oval 2">
             <a:extLst>
               <a:ext uri="{FF2B5EF4-FFF2-40B4-BE49-F238E27FC236}">
-                <a16:creationId xmlns:a16="http://schemas.microsoft.com/office/drawing/2014/main" xmlns="" id="{B073BD9C-6BDA-C347-9C0E-31CB52DA42B6}"/>
+                <a16:creationId xmlns="" xmlns:a16="http://schemas.microsoft.com/office/drawing/2014/main" id="{B073BD9C-6BDA-C347-9C0E-31CB52DA42B6}"/>
               </a:ext>
             </a:extLst>
           </p:cNvPr>
@@ -5885,7 +5885,7 @@
           <p:cNvPr id="12" name="Picture 11">
             <a:extLst>
               <a:ext uri="{FF2B5EF4-FFF2-40B4-BE49-F238E27FC236}">
-                <a16:creationId xmlns:a16="http://schemas.microsoft.com/office/drawing/2014/main" xmlns="" id="{EAAF42C1-FAEB-4947-8DE4-2C0AD5593B99}"/>
+                <a16:creationId xmlns="" xmlns:a16="http://schemas.microsoft.com/office/drawing/2014/main" id="{EAAF42C1-FAEB-4947-8DE4-2C0AD5593B99}"/>
               </a:ext>
             </a:extLst>
           </p:cNvPr>
@@ -5915,7 +5915,7 @@
           <p:cNvPr id="19" name="Oval 18">
             <a:extLst>
               <a:ext uri="{FF2B5EF4-FFF2-40B4-BE49-F238E27FC236}">
-                <a16:creationId xmlns:a16="http://schemas.microsoft.com/office/drawing/2014/main" xmlns="" id="{B75FE795-2BFF-E54A-B090-C664817205DA}"/>
+                <a16:creationId xmlns="" xmlns:a16="http://schemas.microsoft.com/office/drawing/2014/main" id="{B75FE795-2BFF-E54A-B090-C664817205DA}"/>
               </a:ext>
             </a:extLst>
           </p:cNvPr>
@@ -5962,7 +5962,7 @@
           <p:cNvPr id="20" name="Oval 19">
             <a:extLst>
               <a:ext uri="{FF2B5EF4-FFF2-40B4-BE49-F238E27FC236}">
-                <a16:creationId xmlns:a16="http://schemas.microsoft.com/office/drawing/2014/main" xmlns="" id="{08F67ED2-E0EA-744D-A5C3-DFAF9C05EBB0}"/>
+                <a16:creationId xmlns="" xmlns:a16="http://schemas.microsoft.com/office/drawing/2014/main" id="{08F67ED2-E0EA-744D-A5C3-DFAF9C05EBB0}"/>
               </a:ext>
             </a:extLst>
           </p:cNvPr>
@@ -6009,7 +6009,7 @@
           <p:cNvPr id="35" name="Picture 34">
             <a:extLst>
               <a:ext uri="{FF2B5EF4-FFF2-40B4-BE49-F238E27FC236}">
-                <a16:creationId xmlns:a16="http://schemas.microsoft.com/office/drawing/2014/main" xmlns="" id="{2E698A0B-399F-4D4C-B908-B836437D1CA1}"/>
+                <a16:creationId xmlns="" xmlns:a16="http://schemas.microsoft.com/office/drawing/2014/main" id="{2E698A0B-399F-4D4C-B908-B836437D1CA1}"/>
               </a:ext>
             </a:extLst>
           </p:cNvPr>
@@ -6039,7 +6039,7 @@
           <p:cNvPr id="38" name="Oval 37">
             <a:extLst>
               <a:ext uri="{FF2B5EF4-FFF2-40B4-BE49-F238E27FC236}">
-                <a16:creationId xmlns:a16="http://schemas.microsoft.com/office/drawing/2014/main" xmlns="" id="{D50BF41E-EF71-F94A-86B9-DF1B15F4B1FC}"/>
+                <a16:creationId xmlns="" xmlns:a16="http://schemas.microsoft.com/office/drawing/2014/main" id="{D50BF41E-EF71-F94A-86B9-DF1B15F4B1FC}"/>
               </a:ext>
             </a:extLst>
           </p:cNvPr>
@@ -6091,7 +6091,7 @@
           <p:cNvPr id="39" name="Picture 38">
             <a:extLst>
               <a:ext uri="{FF2B5EF4-FFF2-40B4-BE49-F238E27FC236}">
-                <a16:creationId xmlns:a16="http://schemas.microsoft.com/office/drawing/2014/main" xmlns="" id="{4E04806B-A48C-E042-86E9-CBD67367ED63}"/>
+                <a16:creationId xmlns="" xmlns:a16="http://schemas.microsoft.com/office/drawing/2014/main" id="{4E04806B-A48C-E042-86E9-CBD67367ED63}"/>
               </a:ext>
             </a:extLst>
           </p:cNvPr>
@@ -6127,7 +6127,7 @@
           <p:cNvPr id="40" name="Picture 39">
             <a:extLst>
               <a:ext uri="{FF2B5EF4-FFF2-40B4-BE49-F238E27FC236}">
-                <a16:creationId xmlns:a16="http://schemas.microsoft.com/office/drawing/2014/main" xmlns="" id="{4847759E-E771-9645-B94F-520F45A19480}"/>
+                <a16:creationId xmlns="" xmlns:a16="http://schemas.microsoft.com/office/drawing/2014/main" id="{4847759E-E771-9645-B94F-520F45A19480}"/>
               </a:ext>
             </a:extLst>
           </p:cNvPr>
@@ -6163,7 +6163,7 @@
           <p:cNvPr id="41" name="Picture 40">
             <a:extLst>
               <a:ext uri="{FF2B5EF4-FFF2-40B4-BE49-F238E27FC236}">
-                <a16:creationId xmlns:a16="http://schemas.microsoft.com/office/drawing/2014/main" xmlns="" id="{2A455A8A-721A-724A-99BC-08B770FA26C3}"/>
+                <a16:creationId xmlns="" xmlns:a16="http://schemas.microsoft.com/office/drawing/2014/main" id="{2A455A8A-721A-724A-99BC-08B770FA26C3}"/>
               </a:ext>
             </a:extLst>
           </p:cNvPr>
@@ -6199,7 +6199,7 @@
           <p:cNvPr id="42" name="TextBox 41">
             <a:extLst>
               <a:ext uri="{FF2B5EF4-FFF2-40B4-BE49-F238E27FC236}">
-                <a16:creationId xmlns:a16="http://schemas.microsoft.com/office/drawing/2014/main" xmlns="" id="{5AFBB60A-07C7-F641-A967-1FE814B00E94}"/>
+                <a16:creationId xmlns="" xmlns:a16="http://schemas.microsoft.com/office/drawing/2014/main" id="{5AFBB60A-07C7-F641-A967-1FE814B00E94}"/>
               </a:ext>
             </a:extLst>
           </p:cNvPr>
@@ -6234,7 +6234,7 @@
           <p:cNvPr id="43" name="TextBox 42">
             <a:extLst>
               <a:ext uri="{FF2B5EF4-FFF2-40B4-BE49-F238E27FC236}">
-                <a16:creationId xmlns:a16="http://schemas.microsoft.com/office/drawing/2014/main" xmlns="" id="{B465CC4F-702C-EB40-92B3-EBCC290A1759}"/>
+                <a16:creationId xmlns="" xmlns:a16="http://schemas.microsoft.com/office/drawing/2014/main" id="{B465CC4F-702C-EB40-92B3-EBCC290A1759}"/>
               </a:ext>
             </a:extLst>
           </p:cNvPr>
@@ -6269,7 +6269,7 @@
           <p:cNvPr id="44" name="TextBox 43">
             <a:extLst>
               <a:ext uri="{FF2B5EF4-FFF2-40B4-BE49-F238E27FC236}">
-                <a16:creationId xmlns:a16="http://schemas.microsoft.com/office/drawing/2014/main" xmlns="" id="{A3B6CEB5-3318-0A4D-AE9B-6A3FF7400028}"/>
+                <a16:creationId xmlns="" xmlns:a16="http://schemas.microsoft.com/office/drawing/2014/main" id="{A3B6CEB5-3318-0A4D-AE9B-6A3FF7400028}"/>
               </a:ext>
             </a:extLst>
           </p:cNvPr>
@@ -6304,7 +6304,7 @@
           <p:cNvPr id="45" name="Rectangle 44">
             <a:extLst>
               <a:ext uri="{FF2B5EF4-FFF2-40B4-BE49-F238E27FC236}">
-                <a16:creationId xmlns:a16="http://schemas.microsoft.com/office/drawing/2014/main" xmlns="" id="{D5D71723-DB53-C14A-98F5-82DB7A5DC130}"/>
+                <a16:creationId xmlns="" xmlns:a16="http://schemas.microsoft.com/office/drawing/2014/main" id="{D5D71723-DB53-C14A-98F5-82DB7A5DC130}"/>
               </a:ext>
             </a:extLst>
           </p:cNvPr>
@@ -6350,7 +6350,7 @@
           <p:cNvPr id="46" name="Rectangle 45">
             <a:extLst>
               <a:ext uri="{FF2B5EF4-FFF2-40B4-BE49-F238E27FC236}">
-                <a16:creationId xmlns:a16="http://schemas.microsoft.com/office/drawing/2014/main" xmlns="" id="{D26023F7-2B1D-7F47-BD38-851577017CEC}"/>
+                <a16:creationId xmlns="" xmlns:a16="http://schemas.microsoft.com/office/drawing/2014/main" id="{D26023F7-2B1D-7F47-BD38-851577017CEC}"/>
               </a:ext>
             </a:extLst>
           </p:cNvPr>
@@ -6396,7 +6396,7 @@
           <p:cNvPr id="47" name="Rectangle 46">
             <a:extLst>
               <a:ext uri="{FF2B5EF4-FFF2-40B4-BE49-F238E27FC236}">
-                <a16:creationId xmlns:a16="http://schemas.microsoft.com/office/drawing/2014/main" xmlns="" id="{AEC291F5-1339-3B45-8B0E-EF0C8F34F61E}"/>
+                <a16:creationId xmlns="" xmlns:a16="http://schemas.microsoft.com/office/drawing/2014/main" id="{AEC291F5-1339-3B45-8B0E-EF0C8F34F61E}"/>
               </a:ext>
             </a:extLst>
           </p:cNvPr>
@@ -6442,7 +6442,7 @@
           <p:cNvPr id="49" name="Straight Arrow Connector 48">
             <a:extLst>
               <a:ext uri="{FF2B5EF4-FFF2-40B4-BE49-F238E27FC236}">
-                <a16:creationId xmlns:a16="http://schemas.microsoft.com/office/drawing/2014/main" xmlns="" id="{8CC7D7B6-9487-0D41-8A89-1B4330C9AEA3}"/>
+                <a16:creationId xmlns="" xmlns:a16="http://schemas.microsoft.com/office/drawing/2014/main" id="{8CC7D7B6-9487-0D41-8A89-1B4330C9AEA3}"/>
               </a:ext>
             </a:extLst>
           </p:cNvPr>
@@ -6485,7 +6485,7 @@
           <p:cNvPr id="51" name="Straight Arrow Connector 50">
             <a:extLst>
               <a:ext uri="{FF2B5EF4-FFF2-40B4-BE49-F238E27FC236}">
-                <a16:creationId xmlns:a16="http://schemas.microsoft.com/office/drawing/2014/main" xmlns="" id="{51BB2CF8-DFCF-214B-BB0C-08604FD514B1}"/>
+                <a16:creationId xmlns="" xmlns:a16="http://schemas.microsoft.com/office/drawing/2014/main" id="{51BB2CF8-DFCF-214B-BB0C-08604FD514B1}"/>
               </a:ext>
             </a:extLst>
           </p:cNvPr>
@@ -6528,7 +6528,7 @@
           <p:cNvPr id="54" name="Straight Arrow Connector 53">
             <a:extLst>
               <a:ext uri="{FF2B5EF4-FFF2-40B4-BE49-F238E27FC236}">
-                <a16:creationId xmlns:a16="http://schemas.microsoft.com/office/drawing/2014/main" xmlns="" id="{2CAA39AB-3959-E04A-84E4-AC17685C42BD}"/>
+                <a16:creationId xmlns="" xmlns:a16="http://schemas.microsoft.com/office/drawing/2014/main" id="{2CAA39AB-3959-E04A-84E4-AC17685C42BD}"/>
               </a:ext>
             </a:extLst>
           </p:cNvPr>
@@ -6571,7 +6571,7 @@
           <p:cNvPr id="5" name="TextBox 4">
             <a:extLst>
               <a:ext uri="{FF2B5EF4-FFF2-40B4-BE49-F238E27FC236}">
-                <a16:creationId xmlns:a16="http://schemas.microsoft.com/office/drawing/2014/main" xmlns="" id="{D5DFEE21-A2C1-A443-967F-7D6E9C2A0A58}"/>
+                <a16:creationId xmlns="" xmlns:a16="http://schemas.microsoft.com/office/drawing/2014/main" id="{D5DFEE21-A2C1-A443-967F-7D6E9C2A0A58}"/>
               </a:ext>
             </a:extLst>
           </p:cNvPr>
@@ -6606,7 +6606,7 @@
           <p:cNvPr id="25" name="TextBox 24">
             <a:extLst>
               <a:ext uri="{FF2B5EF4-FFF2-40B4-BE49-F238E27FC236}">
-                <a16:creationId xmlns:a16="http://schemas.microsoft.com/office/drawing/2014/main" xmlns="" id="{4EB2492B-E995-A84D-840C-031180384FE6}"/>
+                <a16:creationId xmlns="" xmlns:a16="http://schemas.microsoft.com/office/drawing/2014/main" id="{4EB2492B-E995-A84D-840C-031180384FE6}"/>
               </a:ext>
             </a:extLst>
           </p:cNvPr>
@@ -6641,7 +6641,7 @@
           <p:cNvPr id="26" name="TextBox 25">
             <a:extLst>
               <a:ext uri="{FF2B5EF4-FFF2-40B4-BE49-F238E27FC236}">
-                <a16:creationId xmlns:a16="http://schemas.microsoft.com/office/drawing/2014/main" xmlns="" id="{3C588F17-12CD-9841-B51E-AA162FC60453}"/>
+                <a16:creationId xmlns="" xmlns:a16="http://schemas.microsoft.com/office/drawing/2014/main" id="{3C588F17-12CD-9841-B51E-AA162FC60453}"/>
               </a:ext>
             </a:extLst>
           </p:cNvPr>
@@ -6676,7 +6676,7 @@
           <p:cNvPr id="27" name="TextBox 26">
             <a:extLst>
               <a:ext uri="{FF2B5EF4-FFF2-40B4-BE49-F238E27FC236}">
-                <a16:creationId xmlns:a16="http://schemas.microsoft.com/office/drawing/2014/main" xmlns="" id="{86790816-24AF-3A45-A9F0-34067721F6C1}"/>
+                <a16:creationId xmlns="" xmlns:a16="http://schemas.microsoft.com/office/drawing/2014/main" id="{86790816-24AF-3A45-A9F0-34067721F6C1}"/>
               </a:ext>
             </a:extLst>
           </p:cNvPr>
@@ -6711,7 +6711,7 @@
           <p:cNvPr id="28" name="TextBox 27">
             <a:extLst>
               <a:ext uri="{FF2B5EF4-FFF2-40B4-BE49-F238E27FC236}">
-                <a16:creationId xmlns:a16="http://schemas.microsoft.com/office/drawing/2014/main" xmlns="" id="{E33AF501-099A-D740-AE03-8C24A738040D}"/>
+                <a16:creationId xmlns="" xmlns:a16="http://schemas.microsoft.com/office/drawing/2014/main" id="{E33AF501-099A-D740-AE03-8C24A738040D}"/>
               </a:ext>
             </a:extLst>
           </p:cNvPr>
@@ -6746,7 +6746,7 @@
           <p:cNvPr id="29" name="TextBox 28">
             <a:extLst>
               <a:ext uri="{FF2B5EF4-FFF2-40B4-BE49-F238E27FC236}">
-                <a16:creationId xmlns:a16="http://schemas.microsoft.com/office/drawing/2014/main" xmlns="" id="{3F6E636C-07EE-1F43-94AD-3ED8A6AB91CA}"/>
+                <a16:creationId xmlns="" xmlns:a16="http://schemas.microsoft.com/office/drawing/2014/main" id="{3F6E636C-07EE-1F43-94AD-3ED8A6AB91CA}"/>
               </a:ext>
             </a:extLst>
           </p:cNvPr>
@@ -6781,7 +6781,7 @@
           <p:cNvPr id="30" name="TextBox 29">
             <a:extLst>
               <a:ext uri="{FF2B5EF4-FFF2-40B4-BE49-F238E27FC236}">
-                <a16:creationId xmlns:a16="http://schemas.microsoft.com/office/drawing/2014/main" xmlns="" id="{0EE8BA27-FD6A-6C47-89E6-CB1805217D5F}"/>
+                <a16:creationId xmlns="" xmlns:a16="http://schemas.microsoft.com/office/drawing/2014/main" id="{0EE8BA27-FD6A-6C47-89E6-CB1805217D5F}"/>
               </a:ext>
             </a:extLst>
           </p:cNvPr>
@@ -6816,7 +6816,7 @@
           <p:cNvPr id="9" name="Graphic 8" descr="Binoculars">
             <a:extLst>
               <a:ext uri="{FF2B5EF4-FFF2-40B4-BE49-F238E27FC236}">
-                <a16:creationId xmlns:a16="http://schemas.microsoft.com/office/drawing/2014/main" xmlns="" id="{0307FDB9-D726-D54A-8E96-5C778AD4B9A7}"/>
+                <a16:creationId xmlns="" xmlns:a16="http://schemas.microsoft.com/office/drawing/2014/main" id="{0307FDB9-D726-D54A-8E96-5C778AD4B9A7}"/>
               </a:ext>
             </a:extLst>
           </p:cNvPr>
@@ -6829,7 +6829,7 @@
           <a:blip r:embed="rId7">
             <a:extLst>
               <a:ext uri="{96DAC541-7B7A-43D3-8B79-37D633B846F1}">
-                <asvg:svgBlip xmlns:asvg="http://schemas.microsoft.com/office/drawing/2016/SVG/main" xmlns="" r:embed="rId8"/>
+                <asvg:svgBlip xmlns="" xmlns:asvg="http://schemas.microsoft.com/office/drawing/2016/SVG/main" r:embed="rId8"/>
               </a:ext>
             </a:extLst>
           </a:blip>
@@ -6852,7 +6852,7 @@
           <p:cNvPr id="11" name="Graphic 10" descr="Atom">
             <a:extLst>
               <a:ext uri="{FF2B5EF4-FFF2-40B4-BE49-F238E27FC236}">
-                <a16:creationId xmlns:a16="http://schemas.microsoft.com/office/drawing/2014/main" xmlns="" id="{803445ED-BA53-F447-93B7-06103930BE36}"/>
+                <a16:creationId xmlns="" xmlns:a16="http://schemas.microsoft.com/office/drawing/2014/main" id="{803445ED-BA53-F447-93B7-06103930BE36}"/>
               </a:ext>
             </a:extLst>
           </p:cNvPr>
@@ -6865,7 +6865,7 @@
           <a:blip r:embed="rId9">
             <a:extLst>
               <a:ext uri="{96DAC541-7B7A-43D3-8B79-37D633B846F1}">
-                <asvg:svgBlip xmlns:asvg="http://schemas.microsoft.com/office/drawing/2016/SVG/main" xmlns="" r:embed="rId10"/>
+                <asvg:svgBlip xmlns="" xmlns:asvg="http://schemas.microsoft.com/office/drawing/2016/SVG/main" r:embed="rId10"/>
               </a:ext>
             </a:extLst>
           </a:blip>
@@ -6888,7 +6888,7 @@
           <p:cNvPr id="14" name="Graphic 13" descr="HeadWithGears">
             <a:extLst>
               <a:ext uri="{FF2B5EF4-FFF2-40B4-BE49-F238E27FC236}">
-                <a16:creationId xmlns:a16="http://schemas.microsoft.com/office/drawing/2014/main" xmlns="" id="{F1734F00-B7B6-2042-904B-EB85E52832BE}"/>
+                <a16:creationId xmlns="" xmlns:a16="http://schemas.microsoft.com/office/drawing/2014/main" id="{F1734F00-B7B6-2042-904B-EB85E52832BE}"/>
               </a:ext>
             </a:extLst>
           </p:cNvPr>
@@ -6901,7 +6901,7 @@
           <a:blip r:embed="rId11">
             <a:extLst>
               <a:ext uri="{96DAC541-7B7A-43D3-8B79-37D633B846F1}">
-                <asvg:svgBlip xmlns:asvg="http://schemas.microsoft.com/office/drawing/2016/SVG/main" xmlns="" r:embed="rId12"/>
+                <asvg:svgBlip xmlns="" xmlns:asvg="http://schemas.microsoft.com/office/drawing/2016/SVG/main" r:embed="rId12"/>
               </a:ext>
             </a:extLst>
           </a:blip>
@@ -7000,7 +7000,7 @@
           <p:cNvPr id="3" name="Oval 2">
             <a:extLst>
               <a:ext uri="{FF2B5EF4-FFF2-40B4-BE49-F238E27FC236}">
-                <a16:creationId xmlns:a16="http://schemas.microsoft.com/office/drawing/2014/main" xmlns="" id="{B073BD9C-6BDA-C347-9C0E-31CB52DA42B6}"/>
+                <a16:creationId xmlns="" xmlns:a16="http://schemas.microsoft.com/office/drawing/2014/main" id="{B073BD9C-6BDA-C347-9C0E-31CB52DA42B6}"/>
               </a:ext>
             </a:extLst>
           </p:cNvPr>
@@ -7054,7 +7054,7 @@
           <p:cNvPr id="12" name="Picture 11">
             <a:extLst>
               <a:ext uri="{FF2B5EF4-FFF2-40B4-BE49-F238E27FC236}">
-                <a16:creationId xmlns:a16="http://schemas.microsoft.com/office/drawing/2014/main" xmlns="" id="{EAAF42C1-FAEB-4947-8DE4-2C0AD5593B99}"/>
+                <a16:creationId xmlns="" xmlns:a16="http://schemas.microsoft.com/office/drawing/2014/main" id="{EAAF42C1-FAEB-4947-8DE4-2C0AD5593B99}"/>
               </a:ext>
             </a:extLst>
           </p:cNvPr>
@@ -7084,7 +7084,7 @@
           <p:cNvPr id="19" name="Oval 18">
             <a:extLst>
               <a:ext uri="{FF2B5EF4-FFF2-40B4-BE49-F238E27FC236}">
-                <a16:creationId xmlns:a16="http://schemas.microsoft.com/office/drawing/2014/main" xmlns="" id="{B75FE795-2BFF-E54A-B090-C664817205DA}"/>
+                <a16:creationId xmlns="" xmlns:a16="http://schemas.microsoft.com/office/drawing/2014/main" id="{B75FE795-2BFF-E54A-B090-C664817205DA}"/>
               </a:ext>
             </a:extLst>
           </p:cNvPr>
@@ -7131,7 +7131,7 @@
           <p:cNvPr id="20" name="Oval 19">
             <a:extLst>
               <a:ext uri="{FF2B5EF4-FFF2-40B4-BE49-F238E27FC236}">
-                <a16:creationId xmlns:a16="http://schemas.microsoft.com/office/drawing/2014/main" xmlns="" id="{08F67ED2-E0EA-744D-A5C3-DFAF9C05EBB0}"/>
+                <a16:creationId xmlns="" xmlns:a16="http://schemas.microsoft.com/office/drawing/2014/main" id="{08F67ED2-E0EA-744D-A5C3-DFAF9C05EBB0}"/>
               </a:ext>
             </a:extLst>
           </p:cNvPr>
@@ -7178,7 +7178,7 @@
           <p:cNvPr id="35" name="Picture 34">
             <a:extLst>
               <a:ext uri="{FF2B5EF4-FFF2-40B4-BE49-F238E27FC236}">
-                <a16:creationId xmlns:a16="http://schemas.microsoft.com/office/drawing/2014/main" xmlns="" id="{2E698A0B-399F-4D4C-B908-B836437D1CA1}"/>
+                <a16:creationId xmlns="" xmlns:a16="http://schemas.microsoft.com/office/drawing/2014/main" id="{2E698A0B-399F-4D4C-B908-B836437D1CA1}"/>
               </a:ext>
             </a:extLst>
           </p:cNvPr>
@@ -7208,7 +7208,7 @@
           <p:cNvPr id="38" name="Oval 37">
             <a:extLst>
               <a:ext uri="{FF2B5EF4-FFF2-40B4-BE49-F238E27FC236}">
-                <a16:creationId xmlns:a16="http://schemas.microsoft.com/office/drawing/2014/main" xmlns="" id="{D50BF41E-EF71-F94A-86B9-DF1B15F4B1FC}"/>
+                <a16:creationId xmlns="" xmlns:a16="http://schemas.microsoft.com/office/drawing/2014/main" id="{D50BF41E-EF71-F94A-86B9-DF1B15F4B1FC}"/>
               </a:ext>
             </a:extLst>
           </p:cNvPr>
@@ -7260,7 +7260,7 @@
           <p:cNvPr id="39" name="Picture 38">
             <a:extLst>
               <a:ext uri="{FF2B5EF4-FFF2-40B4-BE49-F238E27FC236}">
-                <a16:creationId xmlns:a16="http://schemas.microsoft.com/office/drawing/2014/main" xmlns="" id="{4E04806B-A48C-E042-86E9-CBD67367ED63}"/>
+                <a16:creationId xmlns="" xmlns:a16="http://schemas.microsoft.com/office/drawing/2014/main" id="{4E04806B-A48C-E042-86E9-CBD67367ED63}"/>
               </a:ext>
             </a:extLst>
           </p:cNvPr>
@@ -7296,7 +7296,7 @@
           <p:cNvPr id="40" name="Picture 39">
             <a:extLst>
               <a:ext uri="{FF2B5EF4-FFF2-40B4-BE49-F238E27FC236}">
-                <a16:creationId xmlns:a16="http://schemas.microsoft.com/office/drawing/2014/main" xmlns="" id="{4847759E-E771-9645-B94F-520F45A19480}"/>
+                <a16:creationId xmlns="" xmlns:a16="http://schemas.microsoft.com/office/drawing/2014/main" id="{4847759E-E771-9645-B94F-520F45A19480}"/>
               </a:ext>
             </a:extLst>
           </p:cNvPr>
@@ -7332,7 +7332,7 @@
           <p:cNvPr id="41" name="Picture 40">
             <a:extLst>
               <a:ext uri="{FF2B5EF4-FFF2-40B4-BE49-F238E27FC236}">
-                <a16:creationId xmlns:a16="http://schemas.microsoft.com/office/drawing/2014/main" xmlns="" id="{2A455A8A-721A-724A-99BC-08B770FA26C3}"/>
+                <a16:creationId xmlns="" xmlns:a16="http://schemas.microsoft.com/office/drawing/2014/main" id="{2A455A8A-721A-724A-99BC-08B770FA26C3}"/>
               </a:ext>
             </a:extLst>
           </p:cNvPr>
@@ -7368,7 +7368,7 @@
           <p:cNvPr id="42" name="TextBox 41">
             <a:extLst>
               <a:ext uri="{FF2B5EF4-FFF2-40B4-BE49-F238E27FC236}">
-                <a16:creationId xmlns:a16="http://schemas.microsoft.com/office/drawing/2014/main" xmlns="" id="{5AFBB60A-07C7-F641-A967-1FE814B00E94}"/>
+                <a16:creationId xmlns="" xmlns:a16="http://schemas.microsoft.com/office/drawing/2014/main" id="{5AFBB60A-07C7-F641-A967-1FE814B00E94}"/>
               </a:ext>
             </a:extLst>
           </p:cNvPr>
@@ -7403,7 +7403,7 @@
           <p:cNvPr id="43" name="TextBox 42">
             <a:extLst>
               <a:ext uri="{FF2B5EF4-FFF2-40B4-BE49-F238E27FC236}">
-                <a16:creationId xmlns:a16="http://schemas.microsoft.com/office/drawing/2014/main" xmlns="" id="{B465CC4F-702C-EB40-92B3-EBCC290A1759}"/>
+                <a16:creationId xmlns="" xmlns:a16="http://schemas.microsoft.com/office/drawing/2014/main" id="{B465CC4F-702C-EB40-92B3-EBCC290A1759}"/>
               </a:ext>
             </a:extLst>
           </p:cNvPr>
@@ -7438,7 +7438,7 @@
           <p:cNvPr id="44" name="TextBox 43">
             <a:extLst>
               <a:ext uri="{FF2B5EF4-FFF2-40B4-BE49-F238E27FC236}">
-                <a16:creationId xmlns:a16="http://schemas.microsoft.com/office/drawing/2014/main" xmlns="" id="{A3B6CEB5-3318-0A4D-AE9B-6A3FF7400028}"/>
+                <a16:creationId xmlns="" xmlns:a16="http://schemas.microsoft.com/office/drawing/2014/main" id="{A3B6CEB5-3318-0A4D-AE9B-6A3FF7400028}"/>
               </a:ext>
             </a:extLst>
           </p:cNvPr>
@@ -7473,7 +7473,7 @@
           <p:cNvPr id="45" name="Rectangle 44">
             <a:extLst>
               <a:ext uri="{FF2B5EF4-FFF2-40B4-BE49-F238E27FC236}">
-                <a16:creationId xmlns:a16="http://schemas.microsoft.com/office/drawing/2014/main" xmlns="" id="{D5D71723-DB53-C14A-98F5-82DB7A5DC130}"/>
+                <a16:creationId xmlns="" xmlns:a16="http://schemas.microsoft.com/office/drawing/2014/main" id="{D5D71723-DB53-C14A-98F5-82DB7A5DC130}"/>
               </a:ext>
             </a:extLst>
           </p:cNvPr>
@@ -7519,7 +7519,7 @@
           <p:cNvPr id="46" name="Rectangle 45">
             <a:extLst>
               <a:ext uri="{FF2B5EF4-FFF2-40B4-BE49-F238E27FC236}">
-                <a16:creationId xmlns:a16="http://schemas.microsoft.com/office/drawing/2014/main" xmlns="" id="{D26023F7-2B1D-7F47-BD38-851577017CEC}"/>
+                <a16:creationId xmlns="" xmlns:a16="http://schemas.microsoft.com/office/drawing/2014/main" id="{D26023F7-2B1D-7F47-BD38-851577017CEC}"/>
               </a:ext>
             </a:extLst>
           </p:cNvPr>
@@ -7565,7 +7565,7 @@
           <p:cNvPr id="47" name="Rectangle 46">
             <a:extLst>
               <a:ext uri="{FF2B5EF4-FFF2-40B4-BE49-F238E27FC236}">
-                <a16:creationId xmlns:a16="http://schemas.microsoft.com/office/drawing/2014/main" xmlns="" id="{AEC291F5-1339-3B45-8B0E-EF0C8F34F61E}"/>
+                <a16:creationId xmlns="" xmlns:a16="http://schemas.microsoft.com/office/drawing/2014/main" id="{AEC291F5-1339-3B45-8B0E-EF0C8F34F61E}"/>
               </a:ext>
             </a:extLst>
           </p:cNvPr>
@@ -7611,7 +7611,7 @@
           <p:cNvPr id="49" name="Straight Arrow Connector 48">
             <a:extLst>
               <a:ext uri="{FF2B5EF4-FFF2-40B4-BE49-F238E27FC236}">
-                <a16:creationId xmlns:a16="http://schemas.microsoft.com/office/drawing/2014/main" xmlns="" id="{8CC7D7B6-9487-0D41-8A89-1B4330C9AEA3}"/>
+                <a16:creationId xmlns="" xmlns:a16="http://schemas.microsoft.com/office/drawing/2014/main" id="{8CC7D7B6-9487-0D41-8A89-1B4330C9AEA3}"/>
               </a:ext>
             </a:extLst>
           </p:cNvPr>
@@ -7654,7 +7654,7 @@
           <p:cNvPr id="51" name="Straight Arrow Connector 50">
             <a:extLst>
               <a:ext uri="{FF2B5EF4-FFF2-40B4-BE49-F238E27FC236}">
-                <a16:creationId xmlns:a16="http://schemas.microsoft.com/office/drawing/2014/main" xmlns="" id="{51BB2CF8-DFCF-214B-BB0C-08604FD514B1}"/>
+                <a16:creationId xmlns="" xmlns:a16="http://schemas.microsoft.com/office/drawing/2014/main" id="{51BB2CF8-DFCF-214B-BB0C-08604FD514B1}"/>
               </a:ext>
             </a:extLst>
           </p:cNvPr>
@@ -7697,7 +7697,7 @@
           <p:cNvPr id="54" name="Straight Arrow Connector 53">
             <a:extLst>
               <a:ext uri="{FF2B5EF4-FFF2-40B4-BE49-F238E27FC236}">
-                <a16:creationId xmlns:a16="http://schemas.microsoft.com/office/drawing/2014/main" xmlns="" id="{2CAA39AB-3959-E04A-84E4-AC17685C42BD}"/>
+                <a16:creationId xmlns="" xmlns:a16="http://schemas.microsoft.com/office/drawing/2014/main" id="{2CAA39AB-3959-E04A-84E4-AC17685C42BD}"/>
               </a:ext>
             </a:extLst>
           </p:cNvPr>
@@ -7740,7 +7740,7 @@
           <p:cNvPr id="5" name="TextBox 4">
             <a:extLst>
               <a:ext uri="{FF2B5EF4-FFF2-40B4-BE49-F238E27FC236}">
-                <a16:creationId xmlns:a16="http://schemas.microsoft.com/office/drawing/2014/main" xmlns="" id="{D5DFEE21-A2C1-A443-967F-7D6E9C2A0A58}"/>
+                <a16:creationId xmlns="" xmlns:a16="http://schemas.microsoft.com/office/drawing/2014/main" id="{D5DFEE21-A2C1-A443-967F-7D6E9C2A0A58}"/>
               </a:ext>
             </a:extLst>
           </p:cNvPr>
@@ -7775,7 +7775,7 @@
           <p:cNvPr id="25" name="TextBox 24">
             <a:extLst>
               <a:ext uri="{FF2B5EF4-FFF2-40B4-BE49-F238E27FC236}">
-                <a16:creationId xmlns:a16="http://schemas.microsoft.com/office/drawing/2014/main" xmlns="" id="{4EB2492B-E995-A84D-840C-031180384FE6}"/>
+                <a16:creationId xmlns="" xmlns:a16="http://schemas.microsoft.com/office/drawing/2014/main" id="{4EB2492B-E995-A84D-840C-031180384FE6}"/>
               </a:ext>
             </a:extLst>
           </p:cNvPr>
@@ -7810,7 +7810,7 @@
           <p:cNvPr id="26" name="TextBox 25">
             <a:extLst>
               <a:ext uri="{FF2B5EF4-FFF2-40B4-BE49-F238E27FC236}">
-                <a16:creationId xmlns:a16="http://schemas.microsoft.com/office/drawing/2014/main" xmlns="" id="{3C588F17-12CD-9841-B51E-AA162FC60453}"/>
+                <a16:creationId xmlns="" xmlns:a16="http://schemas.microsoft.com/office/drawing/2014/main" id="{3C588F17-12CD-9841-B51E-AA162FC60453}"/>
               </a:ext>
             </a:extLst>
           </p:cNvPr>
@@ -7845,7 +7845,7 @@
           <p:cNvPr id="27" name="TextBox 26">
             <a:extLst>
               <a:ext uri="{FF2B5EF4-FFF2-40B4-BE49-F238E27FC236}">
-                <a16:creationId xmlns:a16="http://schemas.microsoft.com/office/drawing/2014/main" xmlns="" id="{86790816-24AF-3A45-A9F0-34067721F6C1}"/>
+                <a16:creationId xmlns="" xmlns:a16="http://schemas.microsoft.com/office/drawing/2014/main" id="{86790816-24AF-3A45-A9F0-34067721F6C1}"/>
               </a:ext>
             </a:extLst>
           </p:cNvPr>
@@ -7880,7 +7880,7 @@
           <p:cNvPr id="28" name="TextBox 27">
             <a:extLst>
               <a:ext uri="{FF2B5EF4-FFF2-40B4-BE49-F238E27FC236}">
-                <a16:creationId xmlns:a16="http://schemas.microsoft.com/office/drawing/2014/main" xmlns="" id="{E33AF501-099A-D740-AE03-8C24A738040D}"/>
+                <a16:creationId xmlns="" xmlns:a16="http://schemas.microsoft.com/office/drawing/2014/main" id="{E33AF501-099A-D740-AE03-8C24A738040D}"/>
               </a:ext>
             </a:extLst>
           </p:cNvPr>
@@ -7915,7 +7915,7 @@
           <p:cNvPr id="30" name="TextBox 29">
             <a:extLst>
               <a:ext uri="{FF2B5EF4-FFF2-40B4-BE49-F238E27FC236}">
-                <a16:creationId xmlns:a16="http://schemas.microsoft.com/office/drawing/2014/main" xmlns="" id="{0EE8BA27-FD6A-6C47-89E6-CB1805217D5F}"/>
+                <a16:creationId xmlns="" xmlns:a16="http://schemas.microsoft.com/office/drawing/2014/main" id="{0EE8BA27-FD6A-6C47-89E6-CB1805217D5F}"/>
               </a:ext>
             </a:extLst>
           </p:cNvPr>
@@ -7950,7 +7950,7 @@
           <p:cNvPr id="9" name="Graphic 8" descr="Binoculars">
             <a:extLst>
               <a:ext uri="{FF2B5EF4-FFF2-40B4-BE49-F238E27FC236}">
-                <a16:creationId xmlns:a16="http://schemas.microsoft.com/office/drawing/2014/main" xmlns="" id="{0307FDB9-D726-D54A-8E96-5C778AD4B9A7}"/>
+                <a16:creationId xmlns="" xmlns:a16="http://schemas.microsoft.com/office/drawing/2014/main" id="{0307FDB9-D726-D54A-8E96-5C778AD4B9A7}"/>
               </a:ext>
             </a:extLst>
           </p:cNvPr>
@@ -7963,7 +7963,7 @@
           <a:blip r:embed="rId7">
             <a:extLst>
               <a:ext uri="{96DAC541-7B7A-43D3-8B79-37D633B846F1}">
-                <asvg:svgBlip xmlns:asvg="http://schemas.microsoft.com/office/drawing/2016/SVG/main" xmlns="" r:embed="rId8"/>
+                <asvg:svgBlip xmlns="" xmlns:asvg="http://schemas.microsoft.com/office/drawing/2016/SVG/main" r:embed="rId8"/>
               </a:ext>
             </a:extLst>
           </a:blip>
@@ -7986,7 +7986,7 @@
           <p:cNvPr id="11" name="Graphic 10" descr="Atom">
             <a:extLst>
               <a:ext uri="{FF2B5EF4-FFF2-40B4-BE49-F238E27FC236}">
-                <a16:creationId xmlns:a16="http://schemas.microsoft.com/office/drawing/2014/main" xmlns="" id="{803445ED-BA53-F447-93B7-06103930BE36}"/>
+                <a16:creationId xmlns="" xmlns:a16="http://schemas.microsoft.com/office/drawing/2014/main" id="{803445ED-BA53-F447-93B7-06103930BE36}"/>
               </a:ext>
             </a:extLst>
           </p:cNvPr>
@@ -7999,7 +7999,7 @@
           <a:blip r:embed="rId9">
             <a:extLst>
               <a:ext uri="{96DAC541-7B7A-43D3-8B79-37D633B846F1}">
-                <asvg:svgBlip xmlns:asvg="http://schemas.microsoft.com/office/drawing/2016/SVG/main" xmlns="" r:embed="rId10"/>
+                <asvg:svgBlip xmlns="" xmlns:asvg="http://schemas.microsoft.com/office/drawing/2016/SVG/main" r:embed="rId10"/>
               </a:ext>
             </a:extLst>
           </a:blip>
@@ -8022,7 +8022,7 @@
           <p:cNvPr id="14" name="Graphic 13" descr="HeadWithGears">
             <a:extLst>
               <a:ext uri="{FF2B5EF4-FFF2-40B4-BE49-F238E27FC236}">
-                <a16:creationId xmlns:a16="http://schemas.microsoft.com/office/drawing/2014/main" xmlns="" id="{F1734F00-B7B6-2042-904B-EB85E52832BE}"/>
+                <a16:creationId xmlns="" xmlns:a16="http://schemas.microsoft.com/office/drawing/2014/main" id="{F1734F00-B7B6-2042-904B-EB85E52832BE}"/>
               </a:ext>
             </a:extLst>
           </p:cNvPr>
@@ -8035,7 +8035,7 @@
           <a:blip r:embed="rId11">
             <a:extLst>
               <a:ext uri="{96DAC541-7B7A-43D3-8B79-37D633B846F1}">
-                <asvg:svgBlip xmlns:asvg="http://schemas.microsoft.com/office/drawing/2016/SVG/main" xmlns="" r:embed="rId12"/>
+                <asvg:svgBlip xmlns="" xmlns:asvg="http://schemas.microsoft.com/office/drawing/2016/SVG/main" r:embed="rId12"/>
               </a:ext>
             </a:extLst>
           </a:blip>
@@ -8058,7 +8058,7 @@
           <p:cNvPr id="4" name="5-Point Star 3">
             <a:extLst>
               <a:ext uri="{FF2B5EF4-FFF2-40B4-BE49-F238E27FC236}">
-                <a16:creationId xmlns:a16="http://schemas.microsoft.com/office/drawing/2014/main" xmlns="" id="{B583A645-FA5E-FD4B-BD40-AE889B17BDEB}"/>
+                <a16:creationId xmlns="" xmlns:a16="http://schemas.microsoft.com/office/drawing/2014/main" id="{B583A645-FA5E-FD4B-BD40-AE889B17BDEB}"/>
               </a:ext>
             </a:extLst>
           </p:cNvPr>
@@ -8180,7 +8180,7 @@
           <p:cNvPr id="3" name="Oval 2">
             <a:extLst>
               <a:ext uri="{FF2B5EF4-FFF2-40B4-BE49-F238E27FC236}">
-                <a16:creationId xmlns:a16="http://schemas.microsoft.com/office/drawing/2014/main" xmlns="" id="{B073BD9C-6BDA-C347-9C0E-31CB52DA42B6}"/>
+                <a16:creationId xmlns="" xmlns:a16="http://schemas.microsoft.com/office/drawing/2014/main" id="{B073BD9C-6BDA-C347-9C0E-31CB52DA42B6}"/>
               </a:ext>
             </a:extLst>
           </p:cNvPr>
@@ -8234,7 +8234,7 @@
           <p:cNvPr id="12" name="Picture 11">
             <a:extLst>
               <a:ext uri="{FF2B5EF4-FFF2-40B4-BE49-F238E27FC236}">
-                <a16:creationId xmlns:a16="http://schemas.microsoft.com/office/drawing/2014/main" xmlns="" id="{EAAF42C1-FAEB-4947-8DE4-2C0AD5593B99}"/>
+                <a16:creationId xmlns="" xmlns:a16="http://schemas.microsoft.com/office/drawing/2014/main" id="{EAAF42C1-FAEB-4947-8DE4-2C0AD5593B99}"/>
               </a:ext>
             </a:extLst>
           </p:cNvPr>
@@ -8264,7 +8264,7 @@
           <p:cNvPr id="19" name="Oval 18">
             <a:extLst>
               <a:ext uri="{FF2B5EF4-FFF2-40B4-BE49-F238E27FC236}">
-                <a16:creationId xmlns:a16="http://schemas.microsoft.com/office/drawing/2014/main" xmlns="" id="{B75FE795-2BFF-E54A-B090-C664817205DA}"/>
+                <a16:creationId xmlns="" xmlns:a16="http://schemas.microsoft.com/office/drawing/2014/main" id="{B75FE795-2BFF-E54A-B090-C664817205DA}"/>
               </a:ext>
             </a:extLst>
           </p:cNvPr>
@@ -8311,7 +8311,7 @@
           <p:cNvPr id="20" name="Oval 19">
             <a:extLst>
               <a:ext uri="{FF2B5EF4-FFF2-40B4-BE49-F238E27FC236}">
-                <a16:creationId xmlns:a16="http://schemas.microsoft.com/office/drawing/2014/main" xmlns="" id="{08F67ED2-E0EA-744D-A5C3-DFAF9C05EBB0}"/>
+                <a16:creationId xmlns="" xmlns:a16="http://schemas.microsoft.com/office/drawing/2014/main" id="{08F67ED2-E0EA-744D-A5C3-DFAF9C05EBB0}"/>
               </a:ext>
             </a:extLst>
           </p:cNvPr>
@@ -8358,7 +8358,7 @@
           <p:cNvPr id="35" name="Picture 34">
             <a:extLst>
               <a:ext uri="{FF2B5EF4-FFF2-40B4-BE49-F238E27FC236}">
-                <a16:creationId xmlns:a16="http://schemas.microsoft.com/office/drawing/2014/main" xmlns="" id="{2E698A0B-399F-4D4C-B908-B836437D1CA1}"/>
+                <a16:creationId xmlns="" xmlns:a16="http://schemas.microsoft.com/office/drawing/2014/main" id="{2E698A0B-399F-4D4C-B908-B836437D1CA1}"/>
               </a:ext>
             </a:extLst>
           </p:cNvPr>
@@ -8388,7 +8388,7 @@
           <p:cNvPr id="37" name="Picture 36">
             <a:extLst>
               <a:ext uri="{FF2B5EF4-FFF2-40B4-BE49-F238E27FC236}">
-                <a16:creationId xmlns:a16="http://schemas.microsoft.com/office/drawing/2014/main" xmlns="" id="{089A8EB1-7BF3-3B48-B79F-BFE89310F787}"/>
+                <a16:creationId xmlns="" xmlns:a16="http://schemas.microsoft.com/office/drawing/2014/main" id="{089A8EB1-7BF3-3B48-B79F-BFE89310F787}"/>
               </a:ext>
             </a:extLst>
           </p:cNvPr>
@@ -8418,7 +8418,7 @@
           <p:cNvPr id="38" name="Oval 37">
             <a:extLst>
               <a:ext uri="{FF2B5EF4-FFF2-40B4-BE49-F238E27FC236}">
-                <a16:creationId xmlns:a16="http://schemas.microsoft.com/office/drawing/2014/main" xmlns="" id="{D50BF41E-EF71-F94A-86B9-DF1B15F4B1FC}"/>
+                <a16:creationId xmlns="" xmlns:a16="http://schemas.microsoft.com/office/drawing/2014/main" id="{D50BF41E-EF71-F94A-86B9-DF1B15F4B1FC}"/>
               </a:ext>
             </a:extLst>
           </p:cNvPr>
@@ -8470,7 +8470,7 @@
           <p:cNvPr id="39" name="Picture 38">
             <a:extLst>
               <a:ext uri="{FF2B5EF4-FFF2-40B4-BE49-F238E27FC236}">
-                <a16:creationId xmlns:a16="http://schemas.microsoft.com/office/drawing/2014/main" xmlns="" id="{4E04806B-A48C-E042-86E9-CBD67367ED63}"/>
+                <a16:creationId xmlns="" xmlns:a16="http://schemas.microsoft.com/office/drawing/2014/main" id="{4E04806B-A48C-E042-86E9-CBD67367ED63}"/>
               </a:ext>
             </a:extLst>
           </p:cNvPr>
@@ -8506,7 +8506,7 @@
           <p:cNvPr id="40" name="Picture 39">
             <a:extLst>
               <a:ext uri="{FF2B5EF4-FFF2-40B4-BE49-F238E27FC236}">
-                <a16:creationId xmlns:a16="http://schemas.microsoft.com/office/drawing/2014/main" xmlns="" id="{4847759E-E771-9645-B94F-520F45A19480}"/>
+                <a16:creationId xmlns="" xmlns:a16="http://schemas.microsoft.com/office/drawing/2014/main" id="{4847759E-E771-9645-B94F-520F45A19480}"/>
               </a:ext>
             </a:extLst>
           </p:cNvPr>
@@ -8542,7 +8542,7 @@
           <p:cNvPr id="41" name="Picture 40">
             <a:extLst>
               <a:ext uri="{FF2B5EF4-FFF2-40B4-BE49-F238E27FC236}">
-                <a16:creationId xmlns:a16="http://schemas.microsoft.com/office/drawing/2014/main" xmlns="" id="{2A455A8A-721A-724A-99BC-08B770FA26C3}"/>
+                <a16:creationId xmlns="" xmlns:a16="http://schemas.microsoft.com/office/drawing/2014/main" id="{2A455A8A-721A-724A-99BC-08B770FA26C3}"/>
               </a:ext>
             </a:extLst>
           </p:cNvPr>
@@ -8578,7 +8578,7 @@
           <p:cNvPr id="42" name="TextBox 41">
             <a:extLst>
               <a:ext uri="{FF2B5EF4-FFF2-40B4-BE49-F238E27FC236}">
-                <a16:creationId xmlns:a16="http://schemas.microsoft.com/office/drawing/2014/main" xmlns="" id="{5AFBB60A-07C7-F641-A967-1FE814B00E94}"/>
+                <a16:creationId xmlns="" xmlns:a16="http://schemas.microsoft.com/office/drawing/2014/main" id="{5AFBB60A-07C7-F641-A967-1FE814B00E94}"/>
               </a:ext>
             </a:extLst>
           </p:cNvPr>
@@ -8613,7 +8613,7 @@
           <p:cNvPr id="43" name="TextBox 42">
             <a:extLst>
               <a:ext uri="{FF2B5EF4-FFF2-40B4-BE49-F238E27FC236}">
-                <a16:creationId xmlns:a16="http://schemas.microsoft.com/office/drawing/2014/main" xmlns="" id="{B465CC4F-702C-EB40-92B3-EBCC290A1759}"/>
+                <a16:creationId xmlns="" xmlns:a16="http://schemas.microsoft.com/office/drawing/2014/main" id="{B465CC4F-702C-EB40-92B3-EBCC290A1759}"/>
               </a:ext>
             </a:extLst>
           </p:cNvPr>
@@ -8648,7 +8648,7 @@
           <p:cNvPr id="44" name="TextBox 43">
             <a:extLst>
               <a:ext uri="{FF2B5EF4-FFF2-40B4-BE49-F238E27FC236}">
-                <a16:creationId xmlns:a16="http://schemas.microsoft.com/office/drawing/2014/main" xmlns="" id="{A3B6CEB5-3318-0A4D-AE9B-6A3FF7400028}"/>
+                <a16:creationId xmlns="" xmlns:a16="http://schemas.microsoft.com/office/drawing/2014/main" id="{A3B6CEB5-3318-0A4D-AE9B-6A3FF7400028}"/>
               </a:ext>
             </a:extLst>
           </p:cNvPr>
@@ -8683,7 +8683,7 @@
           <p:cNvPr id="45" name="Rectangle 44">
             <a:extLst>
               <a:ext uri="{FF2B5EF4-FFF2-40B4-BE49-F238E27FC236}">
-                <a16:creationId xmlns:a16="http://schemas.microsoft.com/office/drawing/2014/main" xmlns="" id="{D5D71723-DB53-C14A-98F5-82DB7A5DC130}"/>
+                <a16:creationId xmlns="" xmlns:a16="http://schemas.microsoft.com/office/drawing/2014/main" id="{D5D71723-DB53-C14A-98F5-82DB7A5DC130}"/>
               </a:ext>
             </a:extLst>
           </p:cNvPr>
@@ -8729,7 +8729,7 @@
           <p:cNvPr id="46" name="Rectangle 45">
             <a:extLst>
               <a:ext uri="{FF2B5EF4-FFF2-40B4-BE49-F238E27FC236}">
-                <a16:creationId xmlns:a16="http://schemas.microsoft.com/office/drawing/2014/main" xmlns="" id="{D26023F7-2B1D-7F47-BD38-851577017CEC}"/>
+                <a16:creationId xmlns="" xmlns:a16="http://schemas.microsoft.com/office/drawing/2014/main" id="{D26023F7-2B1D-7F47-BD38-851577017CEC}"/>
               </a:ext>
             </a:extLst>
           </p:cNvPr>
@@ -8775,7 +8775,7 @@
           <p:cNvPr id="47" name="Rectangle 46">
             <a:extLst>
               <a:ext uri="{FF2B5EF4-FFF2-40B4-BE49-F238E27FC236}">
-                <a16:creationId xmlns:a16="http://schemas.microsoft.com/office/drawing/2014/main" xmlns="" id="{AEC291F5-1339-3B45-8B0E-EF0C8F34F61E}"/>
+                <a16:creationId xmlns="" xmlns:a16="http://schemas.microsoft.com/office/drawing/2014/main" id="{AEC291F5-1339-3B45-8B0E-EF0C8F34F61E}"/>
               </a:ext>
             </a:extLst>
           </p:cNvPr>
@@ -8821,7 +8821,7 @@
           <p:cNvPr id="49" name="Straight Arrow Connector 48">
             <a:extLst>
               <a:ext uri="{FF2B5EF4-FFF2-40B4-BE49-F238E27FC236}">
-                <a16:creationId xmlns:a16="http://schemas.microsoft.com/office/drawing/2014/main" xmlns="" id="{8CC7D7B6-9487-0D41-8A89-1B4330C9AEA3}"/>
+                <a16:creationId xmlns="" xmlns:a16="http://schemas.microsoft.com/office/drawing/2014/main" id="{8CC7D7B6-9487-0D41-8A89-1B4330C9AEA3}"/>
               </a:ext>
             </a:extLst>
           </p:cNvPr>
@@ -8864,7 +8864,7 @@
           <p:cNvPr id="51" name="Straight Arrow Connector 50">
             <a:extLst>
               <a:ext uri="{FF2B5EF4-FFF2-40B4-BE49-F238E27FC236}">
-                <a16:creationId xmlns:a16="http://schemas.microsoft.com/office/drawing/2014/main" xmlns="" id="{51BB2CF8-DFCF-214B-BB0C-08604FD514B1}"/>
+                <a16:creationId xmlns="" xmlns:a16="http://schemas.microsoft.com/office/drawing/2014/main" id="{51BB2CF8-DFCF-214B-BB0C-08604FD514B1}"/>
               </a:ext>
             </a:extLst>
           </p:cNvPr>
@@ -8907,7 +8907,7 @@
           <p:cNvPr id="54" name="Straight Arrow Connector 53">
             <a:extLst>
               <a:ext uri="{FF2B5EF4-FFF2-40B4-BE49-F238E27FC236}">
-                <a16:creationId xmlns:a16="http://schemas.microsoft.com/office/drawing/2014/main" xmlns="" id="{2CAA39AB-3959-E04A-84E4-AC17685C42BD}"/>
+                <a16:creationId xmlns="" xmlns:a16="http://schemas.microsoft.com/office/drawing/2014/main" id="{2CAA39AB-3959-E04A-84E4-AC17685C42BD}"/>
               </a:ext>
             </a:extLst>
           </p:cNvPr>
@@ -8950,7 +8950,7 @@
           <p:cNvPr id="5" name="TextBox 4">
             <a:extLst>
               <a:ext uri="{FF2B5EF4-FFF2-40B4-BE49-F238E27FC236}">
-                <a16:creationId xmlns:a16="http://schemas.microsoft.com/office/drawing/2014/main" xmlns="" id="{D5DFEE21-A2C1-A443-967F-7D6E9C2A0A58}"/>
+                <a16:creationId xmlns="" xmlns:a16="http://schemas.microsoft.com/office/drawing/2014/main" id="{D5DFEE21-A2C1-A443-967F-7D6E9C2A0A58}"/>
               </a:ext>
             </a:extLst>
           </p:cNvPr>
@@ -8985,7 +8985,7 @@
           <p:cNvPr id="25" name="TextBox 24">
             <a:extLst>
               <a:ext uri="{FF2B5EF4-FFF2-40B4-BE49-F238E27FC236}">
-                <a16:creationId xmlns:a16="http://schemas.microsoft.com/office/drawing/2014/main" xmlns="" id="{4EB2492B-E995-A84D-840C-031180384FE6}"/>
+                <a16:creationId xmlns="" xmlns:a16="http://schemas.microsoft.com/office/drawing/2014/main" id="{4EB2492B-E995-A84D-840C-031180384FE6}"/>
               </a:ext>
             </a:extLst>
           </p:cNvPr>
@@ -9020,7 +9020,7 @@
           <p:cNvPr id="26" name="TextBox 25">
             <a:extLst>
               <a:ext uri="{FF2B5EF4-FFF2-40B4-BE49-F238E27FC236}">
-                <a16:creationId xmlns:a16="http://schemas.microsoft.com/office/drawing/2014/main" xmlns="" id="{3C588F17-12CD-9841-B51E-AA162FC60453}"/>
+                <a16:creationId xmlns="" xmlns:a16="http://schemas.microsoft.com/office/drawing/2014/main" id="{3C588F17-12CD-9841-B51E-AA162FC60453}"/>
               </a:ext>
             </a:extLst>
           </p:cNvPr>
@@ -9055,7 +9055,7 @@
           <p:cNvPr id="27" name="TextBox 26">
             <a:extLst>
               <a:ext uri="{FF2B5EF4-FFF2-40B4-BE49-F238E27FC236}">
-                <a16:creationId xmlns:a16="http://schemas.microsoft.com/office/drawing/2014/main" xmlns="" id="{86790816-24AF-3A45-A9F0-34067721F6C1}"/>
+                <a16:creationId xmlns="" xmlns:a16="http://schemas.microsoft.com/office/drawing/2014/main" id="{86790816-24AF-3A45-A9F0-34067721F6C1}"/>
               </a:ext>
             </a:extLst>
           </p:cNvPr>
@@ -9090,7 +9090,7 @@
           <p:cNvPr id="28" name="TextBox 27">
             <a:extLst>
               <a:ext uri="{FF2B5EF4-FFF2-40B4-BE49-F238E27FC236}">
-                <a16:creationId xmlns:a16="http://schemas.microsoft.com/office/drawing/2014/main" xmlns="" id="{E33AF501-099A-D740-AE03-8C24A738040D}"/>
+                <a16:creationId xmlns="" xmlns:a16="http://schemas.microsoft.com/office/drawing/2014/main" id="{E33AF501-099A-D740-AE03-8C24A738040D}"/>
               </a:ext>
             </a:extLst>
           </p:cNvPr>
@@ -9125,7 +9125,7 @@
           <p:cNvPr id="30" name="TextBox 29">
             <a:extLst>
               <a:ext uri="{FF2B5EF4-FFF2-40B4-BE49-F238E27FC236}">
-                <a16:creationId xmlns:a16="http://schemas.microsoft.com/office/drawing/2014/main" xmlns="" id="{0EE8BA27-FD6A-6C47-89E6-CB1805217D5F}"/>
+                <a16:creationId xmlns="" xmlns:a16="http://schemas.microsoft.com/office/drawing/2014/main" id="{0EE8BA27-FD6A-6C47-89E6-CB1805217D5F}"/>
               </a:ext>
             </a:extLst>
           </p:cNvPr>
@@ -9160,7 +9160,7 @@
           <p:cNvPr id="9" name="Graphic 8" descr="Binoculars">
             <a:extLst>
               <a:ext uri="{FF2B5EF4-FFF2-40B4-BE49-F238E27FC236}">
-                <a16:creationId xmlns:a16="http://schemas.microsoft.com/office/drawing/2014/main" xmlns="" id="{0307FDB9-D726-D54A-8E96-5C778AD4B9A7}"/>
+                <a16:creationId xmlns="" xmlns:a16="http://schemas.microsoft.com/office/drawing/2014/main" id="{0307FDB9-D726-D54A-8E96-5C778AD4B9A7}"/>
               </a:ext>
             </a:extLst>
           </p:cNvPr>
@@ -9173,7 +9173,7 @@
           <a:blip r:embed="rId8">
             <a:extLst>
               <a:ext uri="{96DAC541-7B7A-43D3-8B79-37D633B846F1}">
-                <asvg:svgBlip xmlns:asvg="http://schemas.microsoft.com/office/drawing/2016/SVG/main" xmlns="" r:embed="rId9"/>
+                <asvg:svgBlip xmlns="" xmlns:asvg="http://schemas.microsoft.com/office/drawing/2016/SVG/main" r:embed="rId9"/>
               </a:ext>
             </a:extLst>
           </a:blip>
@@ -9196,7 +9196,7 @@
           <p:cNvPr id="11" name="Graphic 10" descr="Atom">
             <a:extLst>
               <a:ext uri="{FF2B5EF4-FFF2-40B4-BE49-F238E27FC236}">
-                <a16:creationId xmlns:a16="http://schemas.microsoft.com/office/drawing/2014/main" xmlns="" id="{803445ED-BA53-F447-93B7-06103930BE36}"/>
+                <a16:creationId xmlns="" xmlns:a16="http://schemas.microsoft.com/office/drawing/2014/main" id="{803445ED-BA53-F447-93B7-06103930BE36}"/>
               </a:ext>
             </a:extLst>
           </p:cNvPr>
@@ -9209,7 +9209,7 @@
           <a:blip r:embed="rId10">
             <a:extLst>
               <a:ext uri="{96DAC541-7B7A-43D3-8B79-37D633B846F1}">
-                <asvg:svgBlip xmlns:asvg="http://schemas.microsoft.com/office/drawing/2016/SVG/main" xmlns="" r:embed="rId11"/>
+                <asvg:svgBlip xmlns="" xmlns:asvg="http://schemas.microsoft.com/office/drawing/2016/SVG/main" r:embed="rId11"/>
               </a:ext>
             </a:extLst>
           </a:blip>
@@ -9232,7 +9232,7 @@
           <p:cNvPr id="14" name="Graphic 13" descr="HeadWithGears">
             <a:extLst>
               <a:ext uri="{FF2B5EF4-FFF2-40B4-BE49-F238E27FC236}">
-                <a16:creationId xmlns:a16="http://schemas.microsoft.com/office/drawing/2014/main" xmlns="" id="{F1734F00-B7B6-2042-904B-EB85E52832BE}"/>
+                <a16:creationId xmlns="" xmlns:a16="http://schemas.microsoft.com/office/drawing/2014/main" id="{F1734F00-B7B6-2042-904B-EB85E52832BE}"/>
               </a:ext>
             </a:extLst>
           </p:cNvPr>
@@ -9245,7 +9245,7 @@
           <a:blip r:embed="rId12">
             <a:extLst>
               <a:ext uri="{96DAC541-7B7A-43D3-8B79-37D633B846F1}">
-                <asvg:svgBlip xmlns:asvg="http://schemas.microsoft.com/office/drawing/2016/SVG/main" xmlns="" r:embed="rId13"/>
+                <asvg:svgBlip xmlns="" xmlns:asvg="http://schemas.microsoft.com/office/drawing/2016/SVG/main" r:embed="rId13"/>
               </a:ext>
             </a:extLst>
           </a:blip>
@@ -9268,7 +9268,7 @@
           <p:cNvPr id="4" name="5-Point Star 3">
             <a:extLst>
               <a:ext uri="{FF2B5EF4-FFF2-40B4-BE49-F238E27FC236}">
-                <a16:creationId xmlns:a16="http://schemas.microsoft.com/office/drawing/2014/main" xmlns="" id="{B583A645-FA5E-FD4B-BD40-AE889B17BDEB}"/>
+                <a16:creationId xmlns="" xmlns:a16="http://schemas.microsoft.com/office/drawing/2014/main" id="{B583A645-FA5E-FD4B-BD40-AE889B17BDEB}"/>
               </a:ext>
             </a:extLst>
           </p:cNvPr>
@@ -9314,7 +9314,7 @@
           <p:cNvPr id="34" name="5-Point Star 33">
             <a:extLst>
               <a:ext uri="{FF2B5EF4-FFF2-40B4-BE49-F238E27FC236}">
-                <a16:creationId xmlns:a16="http://schemas.microsoft.com/office/drawing/2014/main" xmlns="" id="{C409094D-ED76-3340-9261-EFF5B78CD414}"/>
+                <a16:creationId xmlns="" xmlns:a16="http://schemas.microsoft.com/office/drawing/2014/main" id="{C409094D-ED76-3340-9261-EFF5B78CD414}"/>
               </a:ext>
             </a:extLst>
           </p:cNvPr>
@@ -9437,8 +9437,8 @@
           </a:prstGeom>
         </p:spPr>
       </p:pic>
-      <mc:AlternateContent xmlns:mc="http://schemas.openxmlformats.org/markup-compatibility/2006">
-        <mc:Choice xmlns:a14="http://schemas.microsoft.com/office/drawing/2010/main" Requires="a14">
+      <mc:AlternateContent xmlns:mc="http://schemas.openxmlformats.org/markup-compatibility/2006" xmlns:a14="http://schemas.microsoft.com/office/drawing/2010/main">
+        <mc:Choice Requires="a14">
           <p:sp>
             <p:nvSpPr>
               <p:cNvPr id="3" name="TextBox 2"/>
@@ -9490,7 +9490,7 @@
             </p:txBody>
           </p:sp>
         </mc:Choice>
-        <mc:Fallback>
+        <mc:Fallback xmlns="">
           <p:sp>
             <p:nvSpPr>
               <p:cNvPr id="3" name="TextBox 2"/>
@@ -9529,8 +9529,8 @@
           </p:sp>
         </mc:Fallback>
       </mc:AlternateContent>
-      <mc:AlternateContent xmlns:mc="http://schemas.openxmlformats.org/markup-compatibility/2006">
-        <mc:Choice xmlns:a14="http://schemas.microsoft.com/office/drawing/2010/main" Requires="a14">
+      <mc:AlternateContent xmlns:mc="http://schemas.openxmlformats.org/markup-compatibility/2006" xmlns:a14="http://schemas.microsoft.com/office/drawing/2010/main">
+        <mc:Choice Requires="a14">
           <p:sp>
             <p:nvSpPr>
               <p:cNvPr id="4" name="TextBox 3"/>
@@ -9632,7 +9632,7 @@
             </p:txBody>
           </p:sp>
         </mc:Choice>
-        <mc:Fallback>
+        <mc:Fallback xmlns="">
           <p:sp>
             <p:nvSpPr>
               <p:cNvPr id="4" name="TextBox 3"/>
@@ -9749,7 +9749,7 @@
           <p:cNvPr id="2" name="Title 1">
             <a:extLst>
               <a:ext uri="{FF2B5EF4-FFF2-40B4-BE49-F238E27FC236}">
-                <a16:creationId xmlns:a16="http://schemas.microsoft.com/office/drawing/2014/main" xmlns="" id="{90371848-C3C2-2946-8721-32944148379F}"/>
+                <a16:creationId xmlns="" xmlns:a16="http://schemas.microsoft.com/office/drawing/2014/main" id="{90371848-C3C2-2946-8721-32944148379F}"/>
               </a:ext>
             </a:extLst>
           </p:cNvPr>
@@ -9789,7 +9789,7 @@
           <p:cNvPr id="5" name="Picture 4">
             <a:extLst>
               <a:ext uri="{FF2B5EF4-FFF2-40B4-BE49-F238E27FC236}">
-                <a16:creationId xmlns:a16="http://schemas.microsoft.com/office/drawing/2014/main" xmlns="" id="{96C8DA8D-9BEF-744E-AFF8-50655E69712A}"/>
+                <a16:creationId xmlns="" xmlns:a16="http://schemas.microsoft.com/office/drawing/2014/main" id="{96C8DA8D-9BEF-744E-AFF8-50655E69712A}"/>
               </a:ext>
             </a:extLst>
           </p:cNvPr>
@@ -9827,7 +9827,7 @@
               <p:cNvPr id="7" name="TextBox 6">
                 <a:extLst>
                   <a:ext uri="{FF2B5EF4-FFF2-40B4-BE49-F238E27FC236}">
-                    <a16:creationId xmlns:a16="http://schemas.microsoft.com/office/drawing/2014/main" xmlns="" id="{B326EACE-184C-7541-863E-4FC005F8970C}"/>
+                    <a16:creationId xmlns="" xmlns:a16="http://schemas.microsoft.com/office/drawing/2014/main" id="{B326EACE-184C-7541-863E-4FC005F8970C}"/>
                   </a:ext>
                 </a:extLst>
               </p:cNvPr>
@@ -10199,7 +10199,7 @@
               <p:cNvPr id="8" name="TextBox 7">
                 <a:extLst>
                   <a:ext uri="{FF2B5EF4-FFF2-40B4-BE49-F238E27FC236}">
-                    <a16:creationId xmlns:a16="http://schemas.microsoft.com/office/drawing/2014/main" xmlns="" id="{4565886E-73A9-DD4D-90C2-BD9C2AFADF7F}"/>
+                    <a16:creationId xmlns="" xmlns:a16="http://schemas.microsoft.com/office/drawing/2014/main" id="{4565886E-73A9-DD4D-90C2-BD9C2AFADF7F}"/>
                   </a:ext>
                 </a:extLst>
               </p:cNvPr>
@@ -10476,7 +10476,7 @@
               <p:cNvPr id="11" name="TextBox 10">
                 <a:extLst>
                   <a:ext uri="{FF2B5EF4-FFF2-40B4-BE49-F238E27FC236}">
-                    <a16:creationId xmlns:a16="http://schemas.microsoft.com/office/drawing/2014/main" xmlns="" id="{BB012DDB-BC0C-FE43-A518-218DE1F61A4D}"/>
+                    <a16:creationId xmlns="" xmlns:a16="http://schemas.microsoft.com/office/drawing/2014/main" id="{BB012DDB-BC0C-FE43-A518-218DE1F61A4D}"/>
                   </a:ext>
                 </a:extLst>
               </p:cNvPr>
@@ -10733,7 +10733,7 @@
               <p:cNvPr id="3" name="Rectangle 2">
                 <a:extLst>
                   <a:ext uri="{FF2B5EF4-FFF2-40B4-BE49-F238E27FC236}">
-                    <a16:creationId xmlns:a16="http://schemas.microsoft.com/office/drawing/2014/main" xmlns="" id="{67AED2B4-B067-1F42-ABA8-9D82AA92F92F}"/>
+                    <a16:creationId xmlns="" xmlns:a16="http://schemas.microsoft.com/office/drawing/2014/main" id="{67AED2B4-B067-1F42-ABA8-9D82AA92F92F}"/>
                   </a:ext>
                 </a:extLst>
               </p:cNvPr>
@@ -10892,7 +10892,7 @@
           <p:cNvPr id="13" name="TextBox 12">
             <a:extLst>
               <a:ext uri="{FF2B5EF4-FFF2-40B4-BE49-F238E27FC236}">
-                <a16:creationId xmlns:a16="http://schemas.microsoft.com/office/drawing/2014/main" xmlns="" id="{066E202D-18D7-A642-8AE3-7D8CF187D524}"/>
+                <a16:creationId xmlns="" xmlns:a16="http://schemas.microsoft.com/office/drawing/2014/main" id="{066E202D-18D7-A642-8AE3-7D8CF187D524}"/>
               </a:ext>
             </a:extLst>
           </p:cNvPr>
@@ -10931,7 +10931,7 @@
           <p:cNvPr id="14" name="TextBox 13">
             <a:extLst>
               <a:ext uri="{FF2B5EF4-FFF2-40B4-BE49-F238E27FC236}">
-                <a16:creationId xmlns:a16="http://schemas.microsoft.com/office/drawing/2014/main" xmlns="" id="{D8AA17F5-17AA-654E-B89B-E4E9C5F05D4A}"/>
+                <a16:creationId xmlns="" xmlns:a16="http://schemas.microsoft.com/office/drawing/2014/main" id="{D8AA17F5-17AA-654E-B89B-E4E9C5F05D4A}"/>
               </a:ext>
             </a:extLst>
           </p:cNvPr>
@@ -10968,7 +10968,7 @@
               <p:cNvPr id="16" name="TextBox 15">
                 <a:extLst>
                   <a:ext uri="{FF2B5EF4-FFF2-40B4-BE49-F238E27FC236}">
-                    <a16:creationId xmlns:a16="http://schemas.microsoft.com/office/drawing/2014/main" xmlns="" id="{2CF36B65-5856-0E4A-A3F2-9073C8FBF3BB}"/>
+                    <a16:creationId xmlns="" xmlns:a16="http://schemas.microsoft.com/office/drawing/2014/main" id="{2CF36B65-5856-0E4A-A3F2-9073C8FBF3BB}"/>
                   </a:ext>
                 </a:extLst>
               </p:cNvPr>
@@ -11313,7 +11313,7 @@
               <p:cNvPr id="17" name="Rectangle 16">
                 <a:extLst>
                   <a:ext uri="{FF2B5EF4-FFF2-40B4-BE49-F238E27FC236}">
-                    <a16:creationId xmlns:a16="http://schemas.microsoft.com/office/drawing/2014/main" xmlns="" id="{54AA8573-33C7-BD48-8BC9-DA44AB3FC885}"/>
+                    <a16:creationId xmlns="" xmlns:a16="http://schemas.microsoft.com/office/drawing/2014/main" id="{54AA8573-33C7-BD48-8BC9-DA44AB3FC885}"/>
                   </a:ext>
                 </a:extLst>
               </p:cNvPr>
@@ -11503,7 +11503,7 @@
           <p:cNvPr id="18" name="TextBox 17">
             <a:extLst>
               <a:ext uri="{FF2B5EF4-FFF2-40B4-BE49-F238E27FC236}">
-                <a16:creationId xmlns:a16="http://schemas.microsoft.com/office/drawing/2014/main" xmlns="" id="{8DE64B79-B3BA-C84C-848C-E8C1148D0F8F}"/>
+                <a16:creationId xmlns="" xmlns:a16="http://schemas.microsoft.com/office/drawing/2014/main" id="{8DE64B79-B3BA-C84C-848C-E8C1148D0F8F}"/>
               </a:ext>
             </a:extLst>
           </p:cNvPr>
@@ -11572,7 +11572,7 @@
           <p:cNvPr id="2" name="Title 1">
             <a:extLst>
               <a:ext uri="{FF2B5EF4-FFF2-40B4-BE49-F238E27FC236}">
-                <a16:creationId xmlns:a16="http://schemas.microsoft.com/office/drawing/2014/main" xmlns="" id="{90371848-C3C2-2946-8721-32944148379F}"/>
+                <a16:creationId xmlns="" xmlns:a16="http://schemas.microsoft.com/office/drawing/2014/main" id="{90371848-C3C2-2946-8721-32944148379F}"/>
               </a:ext>
             </a:extLst>
           </p:cNvPr>
@@ -11612,7 +11612,7 @@
           <p:cNvPr id="5" name="Picture 4">
             <a:extLst>
               <a:ext uri="{FF2B5EF4-FFF2-40B4-BE49-F238E27FC236}">
-                <a16:creationId xmlns:a16="http://schemas.microsoft.com/office/drawing/2014/main" xmlns="" id="{96C8DA8D-9BEF-744E-AFF8-50655E69712A}"/>
+                <a16:creationId xmlns="" xmlns:a16="http://schemas.microsoft.com/office/drawing/2014/main" id="{96C8DA8D-9BEF-744E-AFF8-50655E69712A}"/>
               </a:ext>
             </a:extLst>
           </p:cNvPr>
@@ -11644,7 +11644,7 @@
               <p:cNvPr id="7" name="TextBox 6">
                 <a:extLst>
                   <a:ext uri="{FF2B5EF4-FFF2-40B4-BE49-F238E27FC236}">
-                    <a16:creationId xmlns:a16="http://schemas.microsoft.com/office/drawing/2014/main" xmlns="" id="{B326EACE-184C-7541-863E-4FC005F8970C}"/>
+                    <a16:creationId xmlns="" xmlns:a16="http://schemas.microsoft.com/office/drawing/2014/main" id="{B326EACE-184C-7541-863E-4FC005F8970C}"/>
                   </a:ext>
                 </a:extLst>
               </p:cNvPr>
@@ -12016,7 +12016,7 @@
               <p:cNvPr id="8" name="TextBox 7">
                 <a:extLst>
                   <a:ext uri="{FF2B5EF4-FFF2-40B4-BE49-F238E27FC236}">
-                    <a16:creationId xmlns:a16="http://schemas.microsoft.com/office/drawing/2014/main" xmlns="" id="{4565886E-73A9-DD4D-90C2-BD9C2AFADF7F}"/>
+                    <a16:creationId xmlns="" xmlns:a16="http://schemas.microsoft.com/office/drawing/2014/main" id="{4565886E-73A9-DD4D-90C2-BD9C2AFADF7F}"/>
                   </a:ext>
                 </a:extLst>
               </p:cNvPr>
@@ -12293,7 +12293,7 @@
               <p:cNvPr id="11" name="TextBox 10">
                 <a:extLst>
                   <a:ext uri="{FF2B5EF4-FFF2-40B4-BE49-F238E27FC236}">
-                    <a16:creationId xmlns:a16="http://schemas.microsoft.com/office/drawing/2014/main" xmlns="" id="{BB012DDB-BC0C-FE43-A518-218DE1F61A4D}"/>
+                    <a16:creationId xmlns="" xmlns:a16="http://schemas.microsoft.com/office/drawing/2014/main" id="{BB012DDB-BC0C-FE43-A518-218DE1F61A4D}"/>
                   </a:ext>
                 </a:extLst>
               </p:cNvPr>
@@ -12550,7 +12550,7 @@
               <p:cNvPr id="3" name="Rectangle 2">
                 <a:extLst>
                   <a:ext uri="{FF2B5EF4-FFF2-40B4-BE49-F238E27FC236}">
-                    <a16:creationId xmlns:a16="http://schemas.microsoft.com/office/drawing/2014/main" xmlns="" id="{67AED2B4-B067-1F42-ABA8-9D82AA92F92F}"/>
+                    <a16:creationId xmlns="" xmlns:a16="http://schemas.microsoft.com/office/drawing/2014/main" id="{67AED2B4-B067-1F42-ABA8-9D82AA92F92F}"/>
                   </a:ext>
                 </a:extLst>
               </p:cNvPr>
@@ -12709,7 +12709,7 @@
           <p:cNvPr id="13" name="TextBox 12">
             <a:extLst>
               <a:ext uri="{FF2B5EF4-FFF2-40B4-BE49-F238E27FC236}">
-                <a16:creationId xmlns:a16="http://schemas.microsoft.com/office/drawing/2014/main" xmlns="" id="{066E202D-18D7-A642-8AE3-7D8CF187D524}"/>
+                <a16:creationId xmlns="" xmlns:a16="http://schemas.microsoft.com/office/drawing/2014/main" id="{066E202D-18D7-A642-8AE3-7D8CF187D524}"/>
               </a:ext>
             </a:extLst>
           </p:cNvPr>
@@ -12748,7 +12748,7 @@
           <p:cNvPr id="14" name="TextBox 13">
             <a:extLst>
               <a:ext uri="{FF2B5EF4-FFF2-40B4-BE49-F238E27FC236}">
-                <a16:creationId xmlns:a16="http://schemas.microsoft.com/office/drawing/2014/main" xmlns="" id="{D8AA17F5-17AA-654E-B89B-E4E9C5F05D4A}"/>
+                <a16:creationId xmlns="" xmlns:a16="http://schemas.microsoft.com/office/drawing/2014/main" id="{D8AA17F5-17AA-654E-B89B-E4E9C5F05D4A}"/>
               </a:ext>
             </a:extLst>
           </p:cNvPr>
@@ -12785,7 +12785,7 @@
               <p:cNvPr id="16" name="TextBox 15">
                 <a:extLst>
                   <a:ext uri="{FF2B5EF4-FFF2-40B4-BE49-F238E27FC236}">
-                    <a16:creationId xmlns:a16="http://schemas.microsoft.com/office/drawing/2014/main" xmlns="" id="{2CF36B65-5856-0E4A-A3F2-9073C8FBF3BB}"/>
+                    <a16:creationId xmlns="" xmlns:a16="http://schemas.microsoft.com/office/drawing/2014/main" id="{2CF36B65-5856-0E4A-A3F2-9073C8FBF3BB}"/>
                   </a:ext>
                 </a:extLst>
               </p:cNvPr>
@@ -13130,7 +13130,7 @@
               <p:cNvPr id="17" name="Rectangle 16">
                 <a:extLst>
                   <a:ext uri="{FF2B5EF4-FFF2-40B4-BE49-F238E27FC236}">
-                    <a16:creationId xmlns:a16="http://schemas.microsoft.com/office/drawing/2014/main" xmlns="" id="{54AA8573-33C7-BD48-8BC9-DA44AB3FC885}"/>
+                    <a16:creationId xmlns="" xmlns:a16="http://schemas.microsoft.com/office/drawing/2014/main" id="{54AA8573-33C7-BD48-8BC9-DA44AB3FC885}"/>
                   </a:ext>
                 </a:extLst>
               </p:cNvPr>
@@ -13320,7 +13320,7 @@
           <p:cNvPr id="18" name="TextBox 17">
             <a:extLst>
               <a:ext uri="{FF2B5EF4-FFF2-40B4-BE49-F238E27FC236}">
-                <a16:creationId xmlns:a16="http://schemas.microsoft.com/office/drawing/2014/main" xmlns="" id="{8DE64B79-B3BA-C84C-848C-E8C1148D0F8F}"/>
+                <a16:creationId xmlns="" xmlns:a16="http://schemas.microsoft.com/office/drawing/2014/main" id="{8DE64B79-B3BA-C84C-848C-E8C1148D0F8F}"/>
               </a:ext>
             </a:extLst>
           </p:cNvPr>
@@ -13389,7 +13389,7 @@
           <p:cNvPr id="2" name="Title 1">
             <a:extLst>
               <a:ext uri="{FF2B5EF4-FFF2-40B4-BE49-F238E27FC236}">
-                <a16:creationId xmlns:a16="http://schemas.microsoft.com/office/drawing/2014/main" xmlns="" id="{90371848-C3C2-2946-8721-32944148379F}"/>
+                <a16:creationId xmlns="" xmlns:a16="http://schemas.microsoft.com/office/drawing/2014/main" id="{90371848-C3C2-2946-8721-32944148379F}"/>
               </a:ext>
             </a:extLst>
           </p:cNvPr>
@@ -13429,7 +13429,7 @@
           <p:cNvPr id="5" name="Picture 4">
             <a:extLst>
               <a:ext uri="{FF2B5EF4-FFF2-40B4-BE49-F238E27FC236}">
-                <a16:creationId xmlns:a16="http://schemas.microsoft.com/office/drawing/2014/main" xmlns="" id="{96C8DA8D-9BEF-744E-AFF8-50655E69712A}"/>
+                <a16:creationId xmlns="" xmlns:a16="http://schemas.microsoft.com/office/drawing/2014/main" id="{96C8DA8D-9BEF-744E-AFF8-50655E69712A}"/>
               </a:ext>
             </a:extLst>
           </p:cNvPr>
@@ -13461,7 +13461,7 @@
               <p:cNvPr id="7" name="TextBox 6">
                 <a:extLst>
                   <a:ext uri="{FF2B5EF4-FFF2-40B4-BE49-F238E27FC236}">
-                    <a16:creationId xmlns:a16="http://schemas.microsoft.com/office/drawing/2014/main" xmlns="" id="{B326EACE-184C-7541-863E-4FC005F8970C}"/>
+                    <a16:creationId xmlns="" xmlns:a16="http://schemas.microsoft.com/office/drawing/2014/main" id="{B326EACE-184C-7541-863E-4FC005F8970C}"/>
                   </a:ext>
                 </a:extLst>
               </p:cNvPr>
@@ -13833,7 +13833,7 @@
               <p:cNvPr id="8" name="TextBox 7">
                 <a:extLst>
                   <a:ext uri="{FF2B5EF4-FFF2-40B4-BE49-F238E27FC236}">
-                    <a16:creationId xmlns:a16="http://schemas.microsoft.com/office/drawing/2014/main" xmlns="" id="{4565886E-73A9-DD4D-90C2-BD9C2AFADF7F}"/>
+                    <a16:creationId xmlns="" xmlns:a16="http://schemas.microsoft.com/office/drawing/2014/main" id="{4565886E-73A9-DD4D-90C2-BD9C2AFADF7F}"/>
                   </a:ext>
                 </a:extLst>
               </p:cNvPr>
@@ -14110,7 +14110,7 @@
               <p:cNvPr id="11" name="TextBox 10">
                 <a:extLst>
                   <a:ext uri="{FF2B5EF4-FFF2-40B4-BE49-F238E27FC236}">
-                    <a16:creationId xmlns:a16="http://schemas.microsoft.com/office/drawing/2014/main" xmlns="" id="{BB012DDB-BC0C-FE43-A518-218DE1F61A4D}"/>
+                    <a16:creationId xmlns="" xmlns:a16="http://schemas.microsoft.com/office/drawing/2014/main" id="{BB012DDB-BC0C-FE43-A518-218DE1F61A4D}"/>
                   </a:ext>
                 </a:extLst>
               </p:cNvPr>
@@ -14367,7 +14367,7 @@
               <p:cNvPr id="3" name="Rectangle 2">
                 <a:extLst>
                   <a:ext uri="{FF2B5EF4-FFF2-40B4-BE49-F238E27FC236}">
-                    <a16:creationId xmlns:a16="http://schemas.microsoft.com/office/drawing/2014/main" xmlns="" id="{67AED2B4-B067-1F42-ABA8-9D82AA92F92F}"/>
+                    <a16:creationId xmlns="" xmlns:a16="http://schemas.microsoft.com/office/drawing/2014/main" id="{67AED2B4-B067-1F42-ABA8-9D82AA92F92F}"/>
                   </a:ext>
                 </a:extLst>
               </p:cNvPr>
@@ -14526,7 +14526,7 @@
           <p:cNvPr id="13" name="TextBox 12">
             <a:extLst>
               <a:ext uri="{FF2B5EF4-FFF2-40B4-BE49-F238E27FC236}">
-                <a16:creationId xmlns:a16="http://schemas.microsoft.com/office/drawing/2014/main" xmlns="" id="{066E202D-18D7-A642-8AE3-7D8CF187D524}"/>
+                <a16:creationId xmlns="" xmlns:a16="http://schemas.microsoft.com/office/drawing/2014/main" id="{066E202D-18D7-A642-8AE3-7D8CF187D524}"/>
               </a:ext>
             </a:extLst>
           </p:cNvPr>
@@ -14565,7 +14565,7 @@
           <p:cNvPr id="14" name="TextBox 13">
             <a:extLst>
               <a:ext uri="{FF2B5EF4-FFF2-40B4-BE49-F238E27FC236}">
-                <a16:creationId xmlns:a16="http://schemas.microsoft.com/office/drawing/2014/main" xmlns="" id="{D8AA17F5-17AA-654E-B89B-E4E9C5F05D4A}"/>
+                <a16:creationId xmlns="" xmlns:a16="http://schemas.microsoft.com/office/drawing/2014/main" id="{D8AA17F5-17AA-654E-B89B-E4E9C5F05D4A}"/>
               </a:ext>
             </a:extLst>
           </p:cNvPr>
@@ -14602,7 +14602,7 @@
               <p:cNvPr id="16" name="TextBox 15">
                 <a:extLst>
                   <a:ext uri="{FF2B5EF4-FFF2-40B4-BE49-F238E27FC236}">
-                    <a16:creationId xmlns:a16="http://schemas.microsoft.com/office/drawing/2014/main" xmlns="" id="{2CF36B65-5856-0E4A-A3F2-9073C8FBF3BB}"/>
+                    <a16:creationId xmlns="" xmlns:a16="http://schemas.microsoft.com/office/drawing/2014/main" id="{2CF36B65-5856-0E4A-A3F2-9073C8FBF3BB}"/>
                   </a:ext>
                 </a:extLst>
               </p:cNvPr>
@@ -14947,7 +14947,7 @@
               <p:cNvPr id="17" name="Rectangle 16">
                 <a:extLst>
                   <a:ext uri="{FF2B5EF4-FFF2-40B4-BE49-F238E27FC236}">
-                    <a16:creationId xmlns:a16="http://schemas.microsoft.com/office/drawing/2014/main" xmlns="" id="{54AA8573-33C7-BD48-8BC9-DA44AB3FC885}"/>
+                    <a16:creationId xmlns="" xmlns:a16="http://schemas.microsoft.com/office/drawing/2014/main" id="{54AA8573-33C7-BD48-8BC9-DA44AB3FC885}"/>
                   </a:ext>
                 </a:extLst>
               </p:cNvPr>
@@ -15137,7 +15137,7 @@
           <p:cNvPr id="18" name="TextBox 17">
             <a:extLst>
               <a:ext uri="{FF2B5EF4-FFF2-40B4-BE49-F238E27FC236}">
-                <a16:creationId xmlns:a16="http://schemas.microsoft.com/office/drawing/2014/main" xmlns="" id="{8DE64B79-B3BA-C84C-848C-E8C1148D0F8F}"/>
+                <a16:creationId xmlns="" xmlns:a16="http://schemas.microsoft.com/office/drawing/2014/main" id="{8DE64B79-B3BA-C84C-848C-E8C1148D0F8F}"/>
               </a:ext>
             </a:extLst>
           </p:cNvPr>
@@ -15206,7 +15206,7 @@
           <p:cNvPr id="2" name="Title 1">
             <a:extLst>
               <a:ext uri="{FF2B5EF4-FFF2-40B4-BE49-F238E27FC236}">
-                <a16:creationId xmlns:a16="http://schemas.microsoft.com/office/drawing/2014/main" xmlns="" id="{90371848-C3C2-2946-8721-32944148379F}"/>
+                <a16:creationId xmlns="" xmlns:a16="http://schemas.microsoft.com/office/drawing/2014/main" id="{90371848-C3C2-2946-8721-32944148379F}"/>
               </a:ext>
             </a:extLst>
           </p:cNvPr>
@@ -15264,7 +15264,7 @@
           <p:cNvPr id="4" name="TextBox 3">
             <a:extLst>
               <a:ext uri="{FF2B5EF4-FFF2-40B4-BE49-F238E27FC236}">
-                <a16:creationId xmlns:a16="http://schemas.microsoft.com/office/drawing/2014/main" xmlns="" id="{46E1E2AD-4CD0-9243-8C31-552F00AB1831}"/>
+                <a16:creationId xmlns="" xmlns:a16="http://schemas.microsoft.com/office/drawing/2014/main" id="{46E1E2AD-4CD0-9243-8C31-552F00AB1831}"/>
               </a:ext>
             </a:extLst>
           </p:cNvPr>
@@ -15305,7 +15305,7 @@
               <p:cNvPr id="19" name="TextBox 18">
                 <a:extLst>
                   <a:ext uri="{FF2B5EF4-FFF2-40B4-BE49-F238E27FC236}">
-                    <a16:creationId xmlns:a16="http://schemas.microsoft.com/office/drawing/2014/main" xmlns="" id="{44AAEFE3-6152-9048-A7C4-DFF1C893F9EB}"/>
+                    <a16:creationId xmlns="" xmlns:a16="http://schemas.microsoft.com/office/drawing/2014/main" id="{44AAEFE3-6152-9048-A7C4-DFF1C893F9EB}"/>
                   </a:ext>
                 </a:extLst>
               </p:cNvPr>
@@ -15552,7 +15552,7 @@
               <p:cNvPr id="15" name="Rectangle 14">
                 <a:extLst>
                   <a:ext uri="{FF2B5EF4-FFF2-40B4-BE49-F238E27FC236}">
-                    <a16:creationId xmlns:a16="http://schemas.microsoft.com/office/drawing/2014/main" xmlns="" id="{CAFB73F9-A96F-8C42-8B99-3E035164A284}"/>
+                    <a16:creationId xmlns="" xmlns:a16="http://schemas.microsoft.com/office/drawing/2014/main" id="{CAFB73F9-A96F-8C42-8B99-3E035164A284}"/>
                   </a:ext>
                 </a:extLst>
               </p:cNvPr>
@@ -15648,7 +15648,7 @@
           <p:cNvPr id="22" name="TextBox 21">
             <a:extLst>
               <a:ext uri="{FF2B5EF4-FFF2-40B4-BE49-F238E27FC236}">
-                <a16:creationId xmlns:a16="http://schemas.microsoft.com/office/drawing/2014/main" xmlns="" id="{4D24E895-4109-C749-8EB1-7A845BC1F935}"/>
+                <a16:creationId xmlns="" xmlns:a16="http://schemas.microsoft.com/office/drawing/2014/main" id="{4D24E895-4109-C749-8EB1-7A845BC1F935}"/>
               </a:ext>
             </a:extLst>
           </p:cNvPr>
@@ -15716,7 +15716,7 @@
           <p:cNvPr id="23" name="TextBox 22">
             <a:extLst>
               <a:ext uri="{FF2B5EF4-FFF2-40B4-BE49-F238E27FC236}">
-                <a16:creationId xmlns:a16="http://schemas.microsoft.com/office/drawing/2014/main" xmlns="" id="{ACBF9BED-0867-5945-A3E5-90CF5403CDDE}"/>
+                <a16:creationId xmlns="" xmlns:a16="http://schemas.microsoft.com/office/drawing/2014/main" id="{ACBF9BED-0867-5945-A3E5-90CF5403CDDE}"/>
               </a:ext>
             </a:extLst>
           </p:cNvPr>
@@ -15757,7 +15757,7 @@
               <p:cNvPr id="24" name="TextBox 23">
                 <a:extLst>
                   <a:ext uri="{FF2B5EF4-FFF2-40B4-BE49-F238E27FC236}">
-                    <a16:creationId xmlns:a16="http://schemas.microsoft.com/office/drawing/2014/main" xmlns="" id="{D284AE59-806D-A640-8DF6-37381EEB1E11}"/>
+                    <a16:creationId xmlns="" xmlns:a16="http://schemas.microsoft.com/office/drawing/2014/main" id="{D284AE59-806D-A640-8DF6-37381EEB1E11}"/>
                   </a:ext>
                 </a:extLst>
               </p:cNvPr>
@@ -16269,7 +16269,7 @@
           <p:cNvPr id="32" name="Straight Arrow Connector 31">
             <a:extLst>
               <a:ext uri="{FF2B5EF4-FFF2-40B4-BE49-F238E27FC236}">
-                <a16:creationId xmlns:a16="http://schemas.microsoft.com/office/drawing/2014/main" xmlns="" id="{766C1FD0-3FA5-C743-964E-C61F79490E02}"/>
+                <a16:creationId xmlns="" xmlns:a16="http://schemas.microsoft.com/office/drawing/2014/main" id="{766C1FD0-3FA5-C743-964E-C61F79490E02}"/>
               </a:ext>
             </a:extLst>
           </p:cNvPr>
@@ -16311,7 +16311,7 @@
           <p:cNvPr id="33" name="Straight Arrow Connector 32">
             <a:extLst>
               <a:ext uri="{FF2B5EF4-FFF2-40B4-BE49-F238E27FC236}">
-                <a16:creationId xmlns:a16="http://schemas.microsoft.com/office/drawing/2014/main" xmlns="" id="{2AE55632-4A6E-7D46-A1CE-05300C3367FF}"/>
+                <a16:creationId xmlns="" xmlns:a16="http://schemas.microsoft.com/office/drawing/2014/main" id="{2AE55632-4A6E-7D46-A1CE-05300C3367FF}"/>
               </a:ext>
             </a:extLst>
           </p:cNvPr>
@@ -16353,7 +16353,7 @@
           <p:cNvPr id="25" name="Multiply 24">
             <a:extLst>
               <a:ext uri="{FF2B5EF4-FFF2-40B4-BE49-F238E27FC236}">
-                <a16:creationId xmlns:a16="http://schemas.microsoft.com/office/drawing/2014/main" xmlns="" id="{3FE7EF9F-CB85-A443-8CA2-04C865A21D81}"/>
+                <a16:creationId xmlns="" xmlns:a16="http://schemas.microsoft.com/office/drawing/2014/main" id="{3FE7EF9F-CB85-A443-8CA2-04C865A21D81}"/>
               </a:ext>
             </a:extLst>
           </p:cNvPr>
@@ -16707,8 +16707,8 @@
           </a:p>
         </p:txBody>
       </p:sp>
-      <mc:AlternateContent xmlns:mc="http://schemas.openxmlformats.org/markup-compatibility/2006">
-        <mc:Choice xmlns:a14="http://schemas.microsoft.com/office/drawing/2010/main" Requires="a14">
+      <mc:AlternateContent xmlns:mc="http://schemas.openxmlformats.org/markup-compatibility/2006" xmlns:a14="http://schemas.microsoft.com/office/drawing/2010/main">
+        <mc:Choice Requires="a14">
           <p:sp>
             <p:nvSpPr>
               <p:cNvPr id="12" name="TextBox 11"/>
@@ -16750,7 +16750,7 @@
             </p:txBody>
           </p:sp>
         </mc:Choice>
-        <mc:Fallback>
+        <mc:Fallback xmlns="">
           <p:sp>
             <p:nvSpPr>
               <p:cNvPr id="12" name="TextBox 11"/>
@@ -16819,8 +16819,8 @@
           </a:p>
         </p:txBody>
       </p:sp>
-      <mc:AlternateContent xmlns:mc="http://schemas.openxmlformats.org/markup-compatibility/2006">
-        <mc:Choice xmlns:a14="http://schemas.microsoft.com/office/drawing/2010/main" Requires="a14">
+      <mc:AlternateContent xmlns:mc="http://schemas.openxmlformats.org/markup-compatibility/2006" xmlns:a14="http://schemas.microsoft.com/office/drawing/2010/main">
+        <mc:Choice Requires="a14">
           <p:sp>
             <p:nvSpPr>
               <p:cNvPr id="14" name="TextBox 13"/>
@@ -16843,6 +16843,7 @@
               </a:bodyPr>
               <a:lstStyle/>
               <a:p>
+                <a:pPr/>
                 <a14:m>
                   <m:oMathPara xmlns:m="http://schemas.openxmlformats.org/officeDocument/2006/math">
                     <m:oMathParaPr>
@@ -16931,7 +16932,7 @@
             </p:txBody>
           </p:sp>
         </mc:Choice>
-        <mc:Fallback>
+        <mc:Fallback xmlns="">
           <p:sp>
             <p:nvSpPr>
               <p:cNvPr id="14" name="TextBox 13"/>
@@ -17000,8 +17001,8 @@
           </a:p>
         </p:txBody>
       </p:sp>
-      <mc:AlternateContent xmlns:mc="http://schemas.openxmlformats.org/markup-compatibility/2006">
-        <mc:Choice xmlns:a14="http://schemas.microsoft.com/office/drawing/2010/main" Requires="a14">
+      <mc:AlternateContent xmlns:mc="http://schemas.openxmlformats.org/markup-compatibility/2006" xmlns:a14="http://schemas.microsoft.com/office/drawing/2010/main">
+        <mc:Choice Requires="a14">
           <p:sp>
             <p:nvSpPr>
               <p:cNvPr id="16" name="TextBox 15"/>
@@ -17024,6 +17025,7 @@
               </a:bodyPr>
               <a:lstStyle/>
               <a:p>
+                <a:pPr/>
                 <a14:m>
                   <m:oMathPara xmlns:m="http://schemas.openxmlformats.org/officeDocument/2006/math">
                     <m:oMathParaPr>
@@ -17063,7 +17065,7 @@
             </p:txBody>
           </p:sp>
         </mc:Choice>
-        <mc:Fallback>
+        <mc:Fallback xmlns="">
           <p:sp>
             <p:nvSpPr>
               <p:cNvPr id="16" name="TextBox 15"/>
@@ -17386,8 +17388,8 @@
           </a:prstGeom>
         </p:spPr>
       </p:pic>
-      <mc:AlternateContent xmlns:mc="http://schemas.openxmlformats.org/markup-compatibility/2006">
-        <mc:Choice xmlns:a14="http://schemas.microsoft.com/office/drawing/2010/main" Requires="a14">
+      <mc:AlternateContent xmlns:mc="http://schemas.openxmlformats.org/markup-compatibility/2006" xmlns:a14="http://schemas.microsoft.com/office/drawing/2010/main">
+        <mc:Choice Requires="a14">
           <p:sp>
             <p:nvSpPr>
               <p:cNvPr id="23" name="TextBox 22"/>
@@ -17410,6 +17412,7 @@
               </a:bodyPr>
               <a:lstStyle/>
               <a:p>
+                <a:pPr/>
                 <a14:m>
                   <m:oMathPara xmlns:m="http://schemas.openxmlformats.org/officeDocument/2006/math">
                     <m:oMathParaPr>
@@ -17436,7 +17439,7 @@
             </p:txBody>
           </p:sp>
         </mc:Choice>
-        <mc:Fallback>
+        <mc:Fallback xmlns="">
           <p:sp>
             <p:nvSpPr>
               <p:cNvPr id="23" name="TextBox 22"/>
@@ -17475,8 +17478,8 @@
           </p:sp>
         </mc:Fallback>
       </mc:AlternateContent>
-      <mc:AlternateContent xmlns:mc="http://schemas.openxmlformats.org/markup-compatibility/2006">
-        <mc:Choice xmlns:a14="http://schemas.microsoft.com/office/drawing/2010/main" Requires="a14">
+      <mc:AlternateContent xmlns:mc="http://schemas.openxmlformats.org/markup-compatibility/2006" xmlns:a14="http://schemas.microsoft.com/office/drawing/2010/main">
+        <mc:Choice Requires="a14">
           <p:sp>
             <p:nvSpPr>
               <p:cNvPr id="24" name="TextBox 23"/>
@@ -17499,6 +17502,7 @@
               </a:bodyPr>
               <a:lstStyle/>
               <a:p>
+                <a:pPr/>
                 <a14:m>
                   <m:oMathPara xmlns:m="http://schemas.openxmlformats.org/officeDocument/2006/math">
                     <m:oMathParaPr>
@@ -17525,7 +17529,7 @@
             </p:txBody>
           </p:sp>
         </mc:Choice>
-        <mc:Fallback>
+        <mc:Fallback xmlns="">
           <p:sp>
             <p:nvSpPr>
               <p:cNvPr id="24" name="TextBox 23"/>
@@ -17564,8 +17568,8 @@
           </p:sp>
         </mc:Fallback>
       </mc:AlternateContent>
-      <mc:AlternateContent xmlns:mc="http://schemas.openxmlformats.org/markup-compatibility/2006">
-        <mc:Choice xmlns:a14="http://schemas.microsoft.com/office/drawing/2010/main" Requires="a14">
+      <mc:AlternateContent xmlns:mc="http://schemas.openxmlformats.org/markup-compatibility/2006" xmlns:a14="http://schemas.microsoft.com/office/drawing/2010/main">
+        <mc:Choice Requires="a14">
           <p:sp>
             <p:nvSpPr>
               <p:cNvPr id="25" name="TextBox 24"/>
@@ -17588,6 +17592,7 @@
               </a:bodyPr>
               <a:lstStyle/>
               <a:p>
+                <a:pPr/>
                 <a14:m>
                   <m:oMathPara xmlns:m="http://schemas.openxmlformats.org/officeDocument/2006/math">
                     <m:oMathParaPr>
@@ -17614,7 +17619,7 @@
             </p:txBody>
           </p:sp>
         </mc:Choice>
-        <mc:Fallback>
+        <mc:Fallback xmlns="">
           <p:sp>
             <p:nvSpPr>
               <p:cNvPr id="25" name="TextBox 24"/>
@@ -18004,15 +18009,7 @@
             </a:r>
             <a:r>
               <a:rPr lang="en-US" dirty="0" smtClean="0"/>
-              <a:t> </a:t>
-            </a:r>
-            <a:r>
-              <a:rPr lang="en-US" dirty="0" smtClean="0"/>
-              <a:t>-3 </a:t>
-            </a:r>
-            <a:r>
-              <a:rPr lang="en-US" dirty="0" smtClean="0"/>
-              <a:t>layer</a:t>
+              <a:t> -3 layer</a:t>
             </a:r>
             <a:endParaRPr lang="en-US" dirty="0"/>
           </a:p>
@@ -18142,8 +18139,8 @@
           </a:prstGeom>
         </p:spPr>
       </p:pic>
-      <mc:AlternateContent xmlns:mc="http://schemas.openxmlformats.org/markup-compatibility/2006">
-        <mc:Choice xmlns:a14="http://schemas.microsoft.com/office/drawing/2010/main" Requires="a14">
+      <mc:AlternateContent xmlns:mc="http://schemas.openxmlformats.org/markup-compatibility/2006" xmlns:a14="http://schemas.microsoft.com/office/drawing/2010/main">
+        <mc:Choice Requires="a14">
           <p:sp>
             <p:nvSpPr>
               <p:cNvPr id="10" name="TextBox 9"/>
@@ -18166,6 +18163,7 @@
               </a:bodyPr>
               <a:lstStyle/>
               <a:p>
+                <a:pPr/>
                 <a14:m>
                   <m:oMathPara xmlns:m="http://schemas.openxmlformats.org/officeDocument/2006/math">
                     <m:oMathParaPr>
@@ -18254,7 +18252,7 @@
             </p:txBody>
           </p:sp>
         </mc:Choice>
-        <mc:Fallback>
+        <mc:Fallback xmlns="">
           <p:sp>
             <p:nvSpPr>
               <p:cNvPr id="10" name="TextBox 9"/>
@@ -18323,8 +18321,8 @@
           </a:p>
         </p:txBody>
       </p:sp>
-      <mc:AlternateContent xmlns:mc="http://schemas.openxmlformats.org/markup-compatibility/2006">
-        <mc:Choice xmlns:a14="http://schemas.microsoft.com/office/drawing/2010/main" Requires="a14">
+      <mc:AlternateContent xmlns:mc="http://schemas.openxmlformats.org/markup-compatibility/2006" xmlns:a14="http://schemas.microsoft.com/office/drawing/2010/main">
+        <mc:Choice Requires="a14">
           <p:sp>
             <p:nvSpPr>
               <p:cNvPr id="12" name="TextBox 11"/>
@@ -18347,6 +18345,7 @@
               </a:bodyPr>
               <a:lstStyle/>
               <a:p>
+                <a:pPr/>
                 <a14:m>
                   <m:oMathPara xmlns:m="http://schemas.openxmlformats.org/officeDocument/2006/math">
                     <m:oMathParaPr>
@@ -18435,7 +18434,7 @@
             </p:txBody>
           </p:sp>
         </mc:Choice>
-        <mc:Fallback>
+        <mc:Fallback xmlns="">
           <p:sp>
             <p:nvSpPr>
               <p:cNvPr id="12" name="TextBox 11"/>
@@ -18617,15 +18616,7 @@
             </a:r>
             <a:r>
               <a:rPr lang="en-US" dirty="0" smtClean="0"/>
-              <a:t> </a:t>
-            </a:r>
-            <a:r>
-              <a:rPr lang="en-US" dirty="0" smtClean="0"/>
-              <a:t>-3 </a:t>
-            </a:r>
-            <a:r>
-              <a:rPr lang="en-US" dirty="0" smtClean="0"/>
-              <a:t>layer</a:t>
+              <a:t> -3 layer</a:t>
             </a:r>
             <a:endParaRPr lang="en-US" dirty="0"/>
           </a:p>
@@ -18972,8 +18963,8 @@
           </a:p>
         </p:txBody>
       </p:sp>
-      <mc:AlternateContent xmlns:mc="http://schemas.openxmlformats.org/markup-compatibility/2006">
-        <mc:Choice xmlns:a14="http://schemas.microsoft.com/office/drawing/2010/main" Requires="a14">
+      <mc:AlternateContent xmlns:mc="http://schemas.openxmlformats.org/markup-compatibility/2006" xmlns:a14="http://schemas.microsoft.com/office/drawing/2010/main">
+        <mc:Choice Requires="a14">
           <p:sp>
             <p:nvSpPr>
               <p:cNvPr id="4" name="TextBox 3"/>
@@ -18996,6 +18987,7 @@
               </a:bodyPr>
               <a:lstStyle/>
               <a:p>
+                <a:pPr/>
                 <a14:m>
                   <m:oMathPara xmlns:m="http://schemas.openxmlformats.org/officeDocument/2006/math">
                     <m:oMathParaPr>
@@ -19041,7 +19033,7 @@
             </p:txBody>
           </p:sp>
         </mc:Choice>
-        <mc:Fallback>
+        <mc:Fallback xmlns="">
           <p:sp>
             <p:nvSpPr>
               <p:cNvPr id="4" name="TextBox 3"/>
@@ -19080,8 +19072,8 @@
           </p:sp>
         </mc:Fallback>
       </mc:AlternateContent>
-      <mc:AlternateContent xmlns:mc="http://schemas.openxmlformats.org/markup-compatibility/2006">
-        <mc:Choice xmlns:a14="http://schemas.microsoft.com/office/drawing/2010/main" Requires="a14">
+      <mc:AlternateContent xmlns:mc="http://schemas.openxmlformats.org/markup-compatibility/2006" xmlns:a14="http://schemas.microsoft.com/office/drawing/2010/main">
+        <mc:Choice Requires="a14">
           <p:sp>
             <p:nvSpPr>
               <p:cNvPr id="6" name="TextBox 5"/>
@@ -19104,6 +19096,7 @@
               </a:bodyPr>
               <a:lstStyle/>
               <a:p>
+                <a:pPr/>
                 <a14:m>
                   <m:oMathPara xmlns:m="http://schemas.openxmlformats.org/officeDocument/2006/math">
                     <m:oMathParaPr>
@@ -19155,7 +19148,7 @@
             </p:txBody>
           </p:sp>
         </mc:Choice>
-        <mc:Fallback>
+        <mc:Fallback xmlns="">
           <p:sp>
             <p:nvSpPr>
               <p:cNvPr id="6" name="TextBox 5"/>
@@ -19194,8 +19187,8 @@
           </p:sp>
         </mc:Fallback>
       </mc:AlternateContent>
-      <mc:AlternateContent xmlns:mc="http://schemas.openxmlformats.org/markup-compatibility/2006">
-        <mc:Choice xmlns:a14="http://schemas.microsoft.com/office/drawing/2010/main" Requires="a14">
+      <mc:AlternateContent xmlns:mc="http://schemas.openxmlformats.org/markup-compatibility/2006" xmlns:a14="http://schemas.microsoft.com/office/drawing/2010/main">
+        <mc:Choice Requires="a14">
           <p:sp>
             <p:nvSpPr>
               <p:cNvPr id="8" name="TextBox 7"/>
@@ -19218,6 +19211,7 @@
               </a:bodyPr>
               <a:lstStyle/>
               <a:p>
+                <a:pPr/>
                 <a14:m>
                   <m:oMathPara xmlns:m="http://schemas.openxmlformats.org/officeDocument/2006/math">
                     <m:oMathParaPr>
@@ -19269,7 +19263,7 @@
             </p:txBody>
           </p:sp>
         </mc:Choice>
-        <mc:Fallback>
+        <mc:Fallback xmlns="">
           <p:sp>
             <p:nvSpPr>
               <p:cNvPr id="8" name="TextBox 7"/>
@@ -19308,8 +19302,8 @@
           </p:sp>
         </mc:Fallback>
       </mc:AlternateContent>
-      <mc:AlternateContent xmlns:mc="http://schemas.openxmlformats.org/markup-compatibility/2006">
-        <mc:Choice xmlns:a14="http://schemas.microsoft.com/office/drawing/2010/main" Requires="a14">
+      <mc:AlternateContent xmlns:mc="http://schemas.openxmlformats.org/markup-compatibility/2006" xmlns:a14="http://schemas.microsoft.com/office/drawing/2010/main">
+        <mc:Choice Requires="a14">
           <p:sp>
             <p:nvSpPr>
               <p:cNvPr id="9" name="TextBox 8"/>
@@ -19332,6 +19326,7 @@
               </a:bodyPr>
               <a:lstStyle/>
               <a:p>
+                <a:pPr/>
                 <a14:m>
                   <m:oMathPara xmlns:m="http://schemas.openxmlformats.org/officeDocument/2006/math">
                     <m:oMathParaPr>
@@ -19383,7 +19378,7 @@
             </p:txBody>
           </p:sp>
         </mc:Choice>
-        <mc:Fallback>
+        <mc:Fallback xmlns="">
           <p:sp>
             <p:nvSpPr>
               <p:cNvPr id="9" name="TextBox 8"/>
@@ -19749,7 +19744,6 @@
               <a:rPr lang="en-US" dirty="0"/>
               <a:t> double step</a:t>
             </a:r>
-            <a:endParaRPr lang="en-US" dirty="0"/>
           </a:p>
         </p:txBody>
       </p:sp>
@@ -19870,7 +19864,6 @@
               <a:rPr lang="en-US" dirty="0"/>
               <a:t> double step</a:t>
             </a:r>
-            <a:endParaRPr lang="en-US" dirty="0"/>
           </a:p>
         </p:txBody>
       </p:sp>
@@ -19988,11 +19981,7 @@
           <a:p>
             <a:r>
               <a:rPr lang="en-US" smtClean="0"/>
-              <a:t>Kernel width</a:t>
-            </a:r>
-            <a:r>
-              <a:rPr lang="en-US" smtClean="0"/>
-              <a:t>=30</a:t>
+              <a:t>Kernel width=30</a:t>
             </a:r>
             <a:endParaRPr lang="en-US" dirty="0"/>
           </a:p>
@@ -20022,11 +20011,7 @@
           <a:p>
             <a:r>
               <a:rPr lang="en-US" smtClean="0"/>
-              <a:t>Kernel width</a:t>
-            </a:r>
-            <a:r>
-              <a:rPr lang="en-US" smtClean="0"/>
-              <a:t>=10</a:t>
+              <a:t>Kernel width=10</a:t>
             </a:r>
             <a:endParaRPr lang="en-US" dirty="0"/>
           </a:p>
@@ -20056,11 +20041,7 @@
           <a:p>
             <a:r>
               <a:rPr lang="en-US" smtClean="0"/>
-              <a:t>Kernel width</a:t>
-            </a:r>
-            <a:r>
-              <a:rPr lang="en-US" smtClean="0"/>
-              <a:t>=3</a:t>
+              <a:t>Kernel width=3</a:t>
             </a:r>
             <a:endParaRPr lang="en-US" dirty="0"/>
           </a:p>
@@ -20123,7 +20104,6 @@
               <a:rPr lang="en-US" dirty="0"/>
               <a:t> double step</a:t>
             </a:r>
-            <a:endParaRPr lang="en-US" dirty="0"/>
           </a:p>
         </p:txBody>
       </p:sp>
@@ -20894,7 +20874,7 @@
           <p:cNvPr id="2" name="Rectangle 1">
             <a:extLst>
               <a:ext uri="{FF2B5EF4-FFF2-40B4-BE49-F238E27FC236}">
-                <a16:creationId xmlns:a16="http://schemas.microsoft.com/office/drawing/2014/main" xmlns="" id="{44B75201-4883-464B-8606-95AB16148DF8}"/>
+                <a16:creationId xmlns="" xmlns:a16="http://schemas.microsoft.com/office/drawing/2014/main" id="{44B75201-4883-464B-8606-95AB16148DF8}"/>
               </a:ext>
             </a:extLst>
           </p:cNvPr>
@@ -21000,7 +20980,6 @@
               <a:rPr lang="en-US" dirty="0"/>
               <a:t> double step</a:t>
             </a:r>
-            <a:endParaRPr lang="en-US" dirty="0"/>
           </a:p>
         </p:txBody>
       </p:sp>
@@ -21185,7 +21164,7 @@
           <p:cNvPr id="7" name="Rectangle 6">
             <a:extLst>
               <a:ext uri="{FF2B5EF4-FFF2-40B4-BE49-F238E27FC236}">
-                <a16:creationId xmlns:a16="http://schemas.microsoft.com/office/drawing/2014/main" xmlns="" id="{934568A6-9E16-1747-BBDA-DDABE1317ABF}"/>
+                <a16:creationId xmlns="" xmlns:a16="http://schemas.microsoft.com/office/drawing/2014/main" id="{934568A6-9E16-1747-BBDA-DDABE1317ABF}"/>
               </a:ext>
             </a:extLst>
           </p:cNvPr>
@@ -21238,7 +21217,7 @@
               <p:cNvPr id="8" name="Rectangle 7">
                 <a:extLst>
                   <a:ext uri="{FF2B5EF4-FFF2-40B4-BE49-F238E27FC236}">
-                    <a16:creationId xmlns:a16="http://schemas.microsoft.com/office/drawing/2014/main" xmlns="" id="{414104F3-916E-8442-8B11-CE399A765C44}"/>
+                    <a16:creationId xmlns="" xmlns:a16="http://schemas.microsoft.com/office/drawing/2014/main" id="{414104F3-916E-8442-8B11-CE399A765C44}"/>
                   </a:ext>
                 </a:extLst>
               </p:cNvPr>
@@ -21749,7 +21728,7 @@
           <p:cNvPr id="7" name="Rectangle 6">
             <a:extLst>
               <a:ext uri="{FF2B5EF4-FFF2-40B4-BE49-F238E27FC236}">
-                <a16:creationId xmlns:a16="http://schemas.microsoft.com/office/drawing/2014/main" xmlns="" id="{934568A6-9E16-1747-BBDA-DDABE1317ABF}"/>
+                <a16:creationId xmlns="" xmlns:a16="http://schemas.microsoft.com/office/drawing/2014/main" id="{934568A6-9E16-1747-BBDA-DDABE1317ABF}"/>
               </a:ext>
             </a:extLst>
           </p:cNvPr>
@@ -21802,7 +21781,7 @@
               <p:cNvPr id="8" name="Rectangle 7">
                 <a:extLst>
                   <a:ext uri="{FF2B5EF4-FFF2-40B4-BE49-F238E27FC236}">
-                    <a16:creationId xmlns:a16="http://schemas.microsoft.com/office/drawing/2014/main" xmlns="" id="{414104F3-916E-8442-8B11-CE399A765C44}"/>
+                    <a16:creationId xmlns="" xmlns:a16="http://schemas.microsoft.com/office/drawing/2014/main" id="{414104F3-916E-8442-8B11-CE399A765C44}"/>
                   </a:ext>
                 </a:extLst>
               </p:cNvPr>
@@ -22231,7 +22210,7 @@
           <p:cNvPr id="9" name="Picture 8">
             <a:extLst>
               <a:ext uri="{FF2B5EF4-FFF2-40B4-BE49-F238E27FC236}">
-                <a16:creationId xmlns:a16="http://schemas.microsoft.com/office/drawing/2014/main" xmlns="" id="{BF15BAE1-504B-B046-921C-435331A07A32}"/>
+                <a16:creationId xmlns="" xmlns:a16="http://schemas.microsoft.com/office/drawing/2014/main" id="{BF15BAE1-504B-B046-921C-435331A07A32}"/>
               </a:ext>
             </a:extLst>
           </p:cNvPr>
@@ -22267,7 +22246,7 @@
           <p:cNvPr id="10" name="Right Arrow 9">
             <a:extLst>
               <a:ext uri="{FF2B5EF4-FFF2-40B4-BE49-F238E27FC236}">
-                <a16:creationId xmlns:a16="http://schemas.microsoft.com/office/drawing/2014/main" xmlns="" id="{94C9DDF9-4503-204A-9DCF-BF98426053C9}"/>
+                <a16:creationId xmlns="" xmlns:a16="http://schemas.microsoft.com/office/drawing/2014/main" id="{94C9DDF9-4503-204A-9DCF-BF98426053C9}"/>
               </a:ext>
             </a:extLst>
           </p:cNvPr>
@@ -22313,7 +22292,7 @@
           <p:cNvPr id="17" name="Picture 16">
             <a:extLst>
               <a:ext uri="{FF2B5EF4-FFF2-40B4-BE49-F238E27FC236}">
-                <a16:creationId xmlns:a16="http://schemas.microsoft.com/office/drawing/2014/main" xmlns="" id="{8E28E06C-9213-0149-B35F-F9E2CDA8F14E}"/>
+                <a16:creationId xmlns="" xmlns:a16="http://schemas.microsoft.com/office/drawing/2014/main" id="{8E28E06C-9213-0149-B35F-F9E2CDA8F14E}"/>
               </a:ext>
             </a:extLst>
           </p:cNvPr>
@@ -22345,7 +22324,7 @@
               <p:cNvPr id="18" name="TextBox 17">
                 <a:extLst>
                   <a:ext uri="{FF2B5EF4-FFF2-40B4-BE49-F238E27FC236}">
-                    <a16:creationId xmlns:a16="http://schemas.microsoft.com/office/drawing/2014/main" xmlns="" id="{117860C4-3676-DC44-A99C-860D7396926F}"/>
+                    <a16:creationId xmlns="" xmlns:a16="http://schemas.microsoft.com/office/drawing/2014/main" id="{117860C4-3676-DC44-A99C-860D7396926F}"/>
                   </a:ext>
                 </a:extLst>
               </p:cNvPr>
@@ -22458,7 +22437,7 @@
           <p:cNvPr id="19" name="TextBox 18">
             <a:extLst>
               <a:ext uri="{FF2B5EF4-FFF2-40B4-BE49-F238E27FC236}">
-                <a16:creationId xmlns:a16="http://schemas.microsoft.com/office/drawing/2014/main" xmlns="" id="{514039CA-F3C8-4341-A3F5-EF57A95433DF}"/>
+                <a16:creationId xmlns="" xmlns:a16="http://schemas.microsoft.com/office/drawing/2014/main" id="{514039CA-F3C8-4341-A3F5-EF57A95433DF}"/>
               </a:ext>
             </a:extLst>
           </p:cNvPr>
@@ -22580,7 +22559,7 @@
           <p:cNvPr id="7" name="Rectangle 6">
             <a:extLst>
               <a:ext uri="{FF2B5EF4-FFF2-40B4-BE49-F238E27FC236}">
-                <a16:creationId xmlns:a16="http://schemas.microsoft.com/office/drawing/2014/main" xmlns="" id="{934568A6-9E16-1747-BBDA-DDABE1317ABF}"/>
+                <a16:creationId xmlns="" xmlns:a16="http://schemas.microsoft.com/office/drawing/2014/main" id="{934568A6-9E16-1747-BBDA-DDABE1317ABF}"/>
               </a:ext>
             </a:extLst>
           </p:cNvPr>
@@ -22633,7 +22612,7 @@
               <p:cNvPr id="8" name="Rectangle 7">
                 <a:extLst>
                   <a:ext uri="{FF2B5EF4-FFF2-40B4-BE49-F238E27FC236}">
-                    <a16:creationId xmlns:a16="http://schemas.microsoft.com/office/drawing/2014/main" xmlns="" id="{414104F3-916E-8442-8B11-CE399A765C44}"/>
+                    <a16:creationId xmlns="" xmlns:a16="http://schemas.microsoft.com/office/drawing/2014/main" id="{414104F3-916E-8442-8B11-CE399A765C44}"/>
                   </a:ext>
                 </a:extLst>
               </p:cNvPr>
@@ -23062,7 +23041,7 @@
           <p:cNvPr id="9" name="Picture 8">
             <a:extLst>
               <a:ext uri="{FF2B5EF4-FFF2-40B4-BE49-F238E27FC236}">
-                <a16:creationId xmlns:a16="http://schemas.microsoft.com/office/drawing/2014/main" xmlns="" id="{BF15BAE1-504B-B046-921C-435331A07A32}"/>
+                <a16:creationId xmlns="" xmlns:a16="http://schemas.microsoft.com/office/drawing/2014/main" id="{BF15BAE1-504B-B046-921C-435331A07A32}"/>
               </a:ext>
             </a:extLst>
           </p:cNvPr>
@@ -23098,7 +23077,7 @@
           <p:cNvPr id="10" name="Right Arrow 9">
             <a:extLst>
               <a:ext uri="{FF2B5EF4-FFF2-40B4-BE49-F238E27FC236}">
-                <a16:creationId xmlns:a16="http://schemas.microsoft.com/office/drawing/2014/main" xmlns="" id="{94C9DDF9-4503-204A-9DCF-BF98426053C9}"/>
+                <a16:creationId xmlns="" xmlns:a16="http://schemas.microsoft.com/office/drawing/2014/main" id="{94C9DDF9-4503-204A-9DCF-BF98426053C9}"/>
               </a:ext>
             </a:extLst>
           </p:cNvPr>
@@ -23144,7 +23123,7 @@
           <p:cNvPr id="17" name="Picture 16">
             <a:extLst>
               <a:ext uri="{FF2B5EF4-FFF2-40B4-BE49-F238E27FC236}">
-                <a16:creationId xmlns:a16="http://schemas.microsoft.com/office/drawing/2014/main" xmlns="" id="{8E28E06C-9213-0149-B35F-F9E2CDA8F14E}"/>
+                <a16:creationId xmlns="" xmlns:a16="http://schemas.microsoft.com/office/drawing/2014/main" id="{8E28E06C-9213-0149-B35F-F9E2CDA8F14E}"/>
               </a:ext>
             </a:extLst>
           </p:cNvPr>
@@ -23176,7 +23155,7 @@
               <p:cNvPr id="11" name="TextBox 10">
                 <a:extLst>
                   <a:ext uri="{FF2B5EF4-FFF2-40B4-BE49-F238E27FC236}">
-                    <a16:creationId xmlns:a16="http://schemas.microsoft.com/office/drawing/2014/main" xmlns="" id="{37041112-33DD-6945-BBDF-ACF3D7A9F7B7}"/>
+                    <a16:creationId xmlns="" xmlns:a16="http://schemas.microsoft.com/office/drawing/2014/main" id="{37041112-33DD-6945-BBDF-ACF3D7A9F7B7}"/>
                   </a:ext>
                 </a:extLst>
               </p:cNvPr>
@@ -23291,7 +23270,7 @@
               <p:cNvPr id="12" name="TextBox 11">
                 <a:extLst>
                   <a:ext uri="{FF2B5EF4-FFF2-40B4-BE49-F238E27FC236}">
-                    <a16:creationId xmlns:a16="http://schemas.microsoft.com/office/drawing/2014/main" xmlns="" id="{9EE32115-1C86-9C42-AF18-F0CEE0C377A1}"/>
+                    <a16:creationId xmlns="" xmlns:a16="http://schemas.microsoft.com/office/drawing/2014/main" id="{9EE32115-1C86-9C42-AF18-F0CEE0C377A1}"/>
                   </a:ext>
                 </a:extLst>
               </p:cNvPr>
@@ -23404,7 +23383,7 @@
           <p:cNvPr id="13" name="TextBox 12">
             <a:extLst>
               <a:ext uri="{FF2B5EF4-FFF2-40B4-BE49-F238E27FC236}">
-                <a16:creationId xmlns:a16="http://schemas.microsoft.com/office/drawing/2014/main" xmlns="" id="{537E09A8-BC00-224A-BC56-D6A84F5016EA}"/>
+                <a16:creationId xmlns="" xmlns:a16="http://schemas.microsoft.com/office/drawing/2014/main" id="{537E09A8-BC00-224A-BC56-D6A84F5016EA}"/>
               </a:ext>
             </a:extLst>
           </p:cNvPr>
@@ -23526,7 +23505,7 @@
           <p:cNvPr id="7" name="Rectangle 6">
             <a:extLst>
               <a:ext uri="{FF2B5EF4-FFF2-40B4-BE49-F238E27FC236}">
-                <a16:creationId xmlns:a16="http://schemas.microsoft.com/office/drawing/2014/main" xmlns="" id="{934568A6-9E16-1747-BBDA-DDABE1317ABF}"/>
+                <a16:creationId xmlns="" xmlns:a16="http://schemas.microsoft.com/office/drawing/2014/main" id="{934568A6-9E16-1747-BBDA-DDABE1317ABF}"/>
               </a:ext>
             </a:extLst>
           </p:cNvPr>
@@ -23579,7 +23558,7 @@
               <p:cNvPr id="8" name="Rectangle 7">
                 <a:extLst>
                   <a:ext uri="{FF2B5EF4-FFF2-40B4-BE49-F238E27FC236}">
-                    <a16:creationId xmlns:a16="http://schemas.microsoft.com/office/drawing/2014/main" xmlns="" id="{414104F3-916E-8442-8B11-CE399A765C44}"/>
+                    <a16:creationId xmlns="" xmlns:a16="http://schemas.microsoft.com/office/drawing/2014/main" id="{414104F3-916E-8442-8B11-CE399A765C44}"/>
                   </a:ext>
                 </a:extLst>
               </p:cNvPr>
@@ -24008,7 +23987,7 @@
           <p:cNvPr id="9" name="Picture 8">
             <a:extLst>
               <a:ext uri="{FF2B5EF4-FFF2-40B4-BE49-F238E27FC236}">
-                <a16:creationId xmlns:a16="http://schemas.microsoft.com/office/drawing/2014/main" xmlns="" id="{BF15BAE1-504B-B046-921C-435331A07A32}"/>
+                <a16:creationId xmlns="" xmlns:a16="http://schemas.microsoft.com/office/drawing/2014/main" id="{BF15BAE1-504B-B046-921C-435331A07A32}"/>
               </a:ext>
             </a:extLst>
           </p:cNvPr>
@@ -24044,7 +24023,7 @@
           <p:cNvPr id="10" name="Right Arrow 9">
             <a:extLst>
               <a:ext uri="{FF2B5EF4-FFF2-40B4-BE49-F238E27FC236}">
-                <a16:creationId xmlns:a16="http://schemas.microsoft.com/office/drawing/2014/main" xmlns="" id="{94C9DDF9-4503-204A-9DCF-BF98426053C9}"/>
+                <a16:creationId xmlns="" xmlns:a16="http://schemas.microsoft.com/office/drawing/2014/main" id="{94C9DDF9-4503-204A-9DCF-BF98426053C9}"/>
               </a:ext>
             </a:extLst>
           </p:cNvPr>
@@ -24090,7 +24069,7 @@
           <p:cNvPr id="17" name="Picture 16">
             <a:extLst>
               <a:ext uri="{FF2B5EF4-FFF2-40B4-BE49-F238E27FC236}">
-                <a16:creationId xmlns:a16="http://schemas.microsoft.com/office/drawing/2014/main" xmlns="" id="{8E28E06C-9213-0149-B35F-F9E2CDA8F14E}"/>
+                <a16:creationId xmlns="" xmlns:a16="http://schemas.microsoft.com/office/drawing/2014/main" id="{8E28E06C-9213-0149-B35F-F9E2CDA8F14E}"/>
               </a:ext>
             </a:extLst>
           </p:cNvPr>
@@ -24122,7 +24101,7 @@
               <p:cNvPr id="11" name="TextBox 10">
                 <a:extLst>
                   <a:ext uri="{FF2B5EF4-FFF2-40B4-BE49-F238E27FC236}">
-                    <a16:creationId xmlns:a16="http://schemas.microsoft.com/office/drawing/2014/main" xmlns="" id="{F0021FB3-A36F-0E4D-9779-0FB3FFC9D816}"/>
+                    <a16:creationId xmlns="" xmlns:a16="http://schemas.microsoft.com/office/drawing/2014/main" id="{F0021FB3-A36F-0E4D-9779-0FB3FFC9D816}"/>
                   </a:ext>
                 </a:extLst>
               </p:cNvPr>
@@ -24237,7 +24216,7 @@
               <p:cNvPr id="12" name="TextBox 11">
                 <a:extLst>
                   <a:ext uri="{FF2B5EF4-FFF2-40B4-BE49-F238E27FC236}">
-                    <a16:creationId xmlns:a16="http://schemas.microsoft.com/office/drawing/2014/main" xmlns="" id="{7CBFFABE-606D-6647-9C96-05940C597CB5}"/>
+                    <a16:creationId xmlns="" xmlns:a16="http://schemas.microsoft.com/office/drawing/2014/main" id="{7CBFFABE-606D-6647-9C96-05940C597CB5}"/>
                   </a:ext>
                 </a:extLst>
               </p:cNvPr>
@@ -24352,7 +24331,7 @@
               <p:cNvPr id="13" name="TextBox 12">
                 <a:extLst>
                   <a:ext uri="{FF2B5EF4-FFF2-40B4-BE49-F238E27FC236}">
-                    <a16:creationId xmlns:a16="http://schemas.microsoft.com/office/drawing/2014/main" xmlns="" id="{BBF75692-95E3-524A-A032-D39A6C8B4A8D}"/>
+                    <a16:creationId xmlns="" xmlns:a16="http://schemas.microsoft.com/office/drawing/2014/main" id="{BBF75692-95E3-524A-A032-D39A6C8B4A8D}"/>
                   </a:ext>
                 </a:extLst>
               </p:cNvPr>
@@ -24465,7 +24444,7 @@
           <p:cNvPr id="14" name="TextBox 13">
             <a:extLst>
               <a:ext uri="{FF2B5EF4-FFF2-40B4-BE49-F238E27FC236}">
-                <a16:creationId xmlns:a16="http://schemas.microsoft.com/office/drawing/2014/main" xmlns="" id="{954AC17A-CB84-C848-B0EF-06DF4CB9B8B3}"/>
+                <a16:creationId xmlns="" xmlns:a16="http://schemas.microsoft.com/office/drawing/2014/main" id="{954AC17A-CB84-C848-B0EF-06DF4CB9B8B3}"/>
               </a:ext>
             </a:extLst>
           </p:cNvPr>
@@ -24587,7 +24566,7 @@
           <p:cNvPr id="7" name="Rectangle 6">
             <a:extLst>
               <a:ext uri="{FF2B5EF4-FFF2-40B4-BE49-F238E27FC236}">
-                <a16:creationId xmlns:a16="http://schemas.microsoft.com/office/drawing/2014/main" xmlns="" id="{934568A6-9E16-1747-BBDA-DDABE1317ABF}"/>
+                <a16:creationId xmlns="" xmlns:a16="http://schemas.microsoft.com/office/drawing/2014/main" id="{934568A6-9E16-1747-BBDA-DDABE1317ABF}"/>
               </a:ext>
             </a:extLst>
           </p:cNvPr>
@@ -24640,7 +24619,7 @@
               <p:cNvPr id="8" name="Rectangle 7">
                 <a:extLst>
                   <a:ext uri="{FF2B5EF4-FFF2-40B4-BE49-F238E27FC236}">
-                    <a16:creationId xmlns:a16="http://schemas.microsoft.com/office/drawing/2014/main" xmlns="" id="{414104F3-916E-8442-8B11-CE399A765C44}"/>
+                    <a16:creationId xmlns="" xmlns:a16="http://schemas.microsoft.com/office/drawing/2014/main" id="{414104F3-916E-8442-8B11-CE399A765C44}"/>
                   </a:ext>
                 </a:extLst>
               </p:cNvPr>
@@ -25069,7 +25048,7 @@
           <p:cNvPr id="9" name="Picture 8">
             <a:extLst>
               <a:ext uri="{FF2B5EF4-FFF2-40B4-BE49-F238E27FC236}">
-                <a16:creationId xmlns:a16="http://schemas.microsoft.com/office/drawing/2014/main" xmlns="" id="{BF15BAE1-504B-B046-921C-435331A07A32}"/>
+                <a16:creationId xmlns="" xmlns:a16="http://schemas.microsoft.com/office/drawing/2014/main" id="{BF15BAE1-504B-B046-921C-435331A07A32}"/>
               </a:ext>
             </a:extLst>
           </p:cNvPr>
@@ -25105,7 +25084,7 @@
           <p:cNvPr id="10" name="Right Arrow 9">
             <a:extLst>
               <a:ext uri="{FF2B5EF4-FFF2-40B4-BE49-F238E27FC236}">
-                <a16:creationId xmlns:a16="http://schemas.microsoft.com/office/drawing/2014/main" xmlns="" id="{94C9DDF9-4503-204A-9DCF-BF98426053C9}"/>
+                <a16:creationId xmlns="" xmlns:a16="http://schemas.microsoft.com/office/drawing/2014/main" id="{94C9DDF9-4503-204A-9DCF-BF98426053C9}"/>
               </a:ext>
             </a:extLst>
           </p:cNvPr>
@@ -25151,7 +25130,7 @@
           <p:cNvPr id="17" name="Picture 16">
             <a:extLst>
               <a:ext uri="{FF2B5EF4-FFF2-40B4-BE49-F238E27FC236}">
-                <a16:creationId xmlns:a16="http://schemas.microsoft.com/office/drawing/2014/main" xmlns="" id="{8E28E06C-9213-0149-B35F-F9E2CDA8F14E}"/>
+                <a16:creationId xmlns="" xmlns:a16="http://schemas.microsoft.com/office/drawing/2014/main" id="{8E28E06C-9213-0149-B35F-F9E2CDA8F14E}"/>
               </a:ext>
             </a:extLst>
           </p:cNvPr>
@@ -25181,7 +25160,7 @@
           <p:cNvPr id="11" name="TextBox 10">
             <a:extLst>
               <a:ext uri="{FF2B5EF4-FFF2-40B4-BE49-F238E27FC236}">
-                <a16:creationId xmlns:a16="http://schemas.microsoft.com/office/drawing/2014/main" xmlns="" id="{CD90184F-5D4E-EA4F-84BF-EE0615F396C2}"/>
+                <a16:creationId xmlns="" xmlns:a16="http://schemas.microsoft.com/office/drawing/2014/main" id="{CD90184F-5D4E-EA4F-84BF-EE0615F396C2}"/>
               </a:ext>
             </a:extLst>
           </p:cNvPr>
@@ -25303,7 +25282,7 @@
           <p:cNvPr id="7" name="Rectangle 6">
             <a:extLst>
               <a:ext uri="{FF2B5EF4-FFF2-40B4-BE49-F238E27FC236}">
-                <a16:creationId xmlns:a16="http://schemas.microsoft.com/office/drawing/2014/main" xmlns="" id="{934568A6-9E16-1747-BBDA-DDABE1317ABF}"/>
+                <a16:creationId xmlns="" xmlns:a16="http://schemas.microsoft.com/office/drawing/2014/main" id="{934568A6-9E16-1747-BBDA-DDABE1317ABF}"/>
               </a:ext>
             </a:extLst>
           </p:cNvPr>
@@ -25356,7 +25335,7 @@
               <p:cNvPr id="8" name="Rectangle 7">
                 <a:extLst>
                   <a:ext uri="{FF2B5EF4-FFF2-40B4-BE49-F238E27FC236}">
-                    <a16:creationId xmlns:a16="http://schemas.microsoft.com/office/drawing/2014/main" xmlns="" id="{414104F3-916E-8442-8B11-CE399A765C44}"/>
+                    <a16:creationId xmlns="" xmlns:a16="http://schemas.microsoft.com/office/drawing/2014/main" id="{414104F3-916E-8442-8B11-CE399A765C44}"/>
                   </a:ext>
                 </a:extLst>
               </p:cNvPr>
@@ -25785,7 +25764,7 @@
           <p:cNvPr id="9" name="Picture 8">
             <a:extLst>
               <a:ext uri="{FF2B5EF4-FFF2-40B4-BE49-F238E27FC236}">
-                <a16:creationId xmlns:a16="http://schemas.microsoft.com/office/drawing/2014/main" xmlns="" id="{BF15BAE1-504B-B046-921C-435331A07A32}"/>
+                <a16:creationId xmlns="" xmlns:a16="http://schemas.microsoft.com/office/drawing/2014/main" id="{BF15BAE1-504B-B046-921C-435331A07A32}"/>
               </a:ext>
             </a:extLst>
           </p:cNvPr>
@@ -25821,7 +25800,7 @@
           <p:cNvPr id="10" name="Right Arrow 9">
             <a:extLst>
               <a:ext uri="{FF2B5EF4-FFF2-40B4-BE49-F238E27FC236}">
-                <a16:creationId xmlns:a16="http://schemas.microsoft.com/office/drawing/2014/main" xmlns="" id="{94C9DDF9-4503-204A-9DCF-BF98426053C9}"/>
+                <a16:creationId xmlns="" xmlns:a16="http://schemas.microsoft.com/office/drawing/2014/main" id="{94C9DDF9-4503-204A-9DCF-BF98426053C9}"/>
               </a:ext>
             </a:extLst>
           </p:cNvPr>
@@ -25867,7 +25846,7 @@
           <p:cNvPr id="17" name="Picture 16">
             <a:extLst>
               <a:ext uri="{FF2B5EF4-FFF2-40B4-BE49-F238E27FC236}">
-                <a16:creationId xmlns:a16="http://schemas.microsoft.com/office/drawing/2014/main" xmlns="" id="{8E28E06C-9213-0149-B35F-F9E2CDA8F14E}"/>
+                <a16:creationId xmlns="" xmlns:a16="http://schemas.microsoft.com/office/drawing/2014/main" id="{8E28E06C-9213-0149-B35F-F9E2CDA8F14E}"/>
               </a:ext>
             </a:extLst>
           </p:cNvPr>
@@ -25897,7 +25876,7 @@
           <p:cNvPr id="3" name="TextBox 2">
             <a:extLst>
               <a:ext uri="{FF2B5EF4-FFF2-40B4-BE49-F238E27FC236}">
-                <a16:creationId xmlns:a16="http://schemas.microsoft.com/office/drawing/2014/main" xmlns="" id="{83D6B78B-2F24-B44E-90E2-B6325D7C5DDC}"/>
+                <a16:creationId xmlns="" xmlns:a16="http://schemas.microsoft.com/office/drawing/2014/main" id="{83D6B78B-2F24-B44E-90E2-B6325D7C5DDC}"/>
               </a:ext>
             </a:extLst>
           </p:cNvPr>
@@ -25932,7 +25911,7 @@
           <p:cNvPr id="11" name="TextBox 10">
             <a:extLst>
               <a:ext uri="{FF2B5EF4-FFF2-40B4-BE49-F238E27FC236}">
-                <a16:creationId xmlns:a16="http://schemas.microsoft.com/office/drawing/2014/main" xmlns="" id="{6CB1F0AA-2860-4A45-9C7A-8C220DE88C4C}"/>
+                <a16:creationId xmlns="" xmlns:a16="http://schemas.microsoft.com/office/drawing/2014/main" id="{6CB1F0AA-2860-4A45-9C7A-8C220DE88C4C}"/>
               </a:ext>
             </a:extLst>
           </p:cNvPr>
@@ -25972,7 +25951,7 @@
           <p:cNvPr id="4" name="TextBox 3">
             <a:extLst>
               <a:ext uri="{FF2B5EF4-FFF2-40B4-BE49-F238E27FC236}">
-                <a16:creationId xmlns:a16="http://schemas.microsoft.com/office/drawing/2014/main" xmlns="" id="{C822D018-C3B5-3741-9DD7-81726C4FEE4A}"/>
+                <a16:creationId xmlns="" xmlns:a16="http://schemas.microsoft.com/office/drawing/2014/main" id="{C822D018-C3B5-3741-9DD7-81726C4FEE4A}"/>
               </a:ext>
             </a:extLst>
           </p:cNvPr>
@@ -26638,7 +26617,7 @@
           <p:cNvPr id="2" name="Rectangle 1">
             <a:extLst>
               <a:ext uri="{FF2B5EF4-FFF2-40B4-BE49-F238E27FC236}">
-                <a16:creationId xmlns:a16="http://schemas.microsoft.com/office/drawing/2014/main" xmlns="" id="{44B75201-4883-464B-8606-95AB16148DF8}"/>
+                <a16:creationId xmlns="" xmlns:a16="http://schemas.microsoft.com/office/drawing/2014/main" id="{44B75201-4883-464B-8606-95AB16148DF8}"/>
               </a:ext>
             </a:extLst>
           </p:cNvPr>
@@ -27328,7 +27307,7 @@
           <p:cNvPr id="2" name="Rectangle 1">
             <a:extLst>
               <a:ext uri="{FF2B5EF4-FFF2-40B4-BE49-F238E27FC236}">
-                <a16:creationId xmlns:a16="http://schemas.microsoft.com/office/drawing/2014/main" xmlns="" id="{44B75201-4883-464B-8606-95AB16148DF8}"/>
+                <a16:creationId xmlns="" xmlns:a16="http://schemas.microsoft.com/office/drawing/2014/main" id="{44B75201-4883-464B-8606-95AB16148DF8}"/>
               </a:ext>
             </a:extLst>
           </p:cNvPr>
@@ -28117,7 +28096,7 @@
           <p:cNvPr id="2" name="Rectangle 1">
             <a:extLst>
               <a:ext uri="{FF2B5EF4-FFF2-40B4-BE49-F238E27FC236}">
-                <a16:creationId xmlns:a16="http://schemas.microsoft.com/office/drawing/2014/main" xmlns="" id="{44B75201-4883-464B-8606-95AB16148DF8}"/>
+                <a16:creationId xmlns="" xmlns:a16="http://schemas.microsoft.com/office/drawing/2014/main" id="{44B75201-4883-464B-8606-95AB16148DF8}"/>
               </a:ext>
             </a:extLst>
           </p:cNvPr>
@@ -29005,7 +28984,7 @@
           <p:cNvPr id="2" name="Rectangle 1">
             <a:extLst>
               <a:ext uri="{FF2B5EF4-FFF2-40B4-BE49-F238E27FC236}">
-                <a16:creationId xmlns:a16="http://schemas.microsoft.com/office/drawing/2014/main" xmlns="" id="{44B75201-4883-464B-8606-95AB16148DF8}"/>
+                <a16:creationId xmlns="" xmlns:a16="http://schemas.microsoft.com/office/drawing/2014/main" id="{44B75201-4883-464B-8606-95AB16148DF8}"/>
               </a:ext>
             </a:extLst>
           </p:cNvPr>
@@ -29760,7 +29739,7 @@
           <p:cNvPr id="2" name="Rectangle 1">
             <a:extLst>
               <a:ext uri="{FF2B5EF4-FFF2-40B4-BE49-F238E27FC236}">
-                <a16:creationId xmlns:a16="http://schemas.microsoft.com/office/drawing/2014/main" xmlns="" id="{44B75201-4883-464B-8606-95AB16148DF8}"/>
+                <a16:creationId xmlns="" xmlns:a16="http://schemas.microsoft.com/office/drawing/2014/main" id="{44B75201-4883-464B-8606-95AB16148DF8}"/>
               </a:ext>
             </a:extLst>
           </p:cNvPr>
@@ -29814,7 +29793,7 @@
           <p:cNvPr id="24" name="TextBox 23">
             <a:extLst>
               <a:ext uri="{FF2B5EF4-FFF2-40B4-BE49-F238E27FC236}">
-                <a16:creationId xmlns:a16="http://schemas.microsoft.com/office/drawing/2014/main" xmlns="" id="{69D7F542-A661-434C-9490-EEB116C79FE8}"/>
+                <a16:creationId xmlns="" xmlns:a16="http://schemas.microsoft.com/office/drawing/2014/main" id="{69D7F542-A661-434C-9490-EEB116C79FE8}"/>
               </a:ext>
             </a:extLst>
           </p:cNvPr>
@@ -29925,7 +29904,7 @@
           <p:cNvPr id="3" name="Oval 2">
             <a:extLst>
               <a:ext uri="{FF2B5EF4-FFF2-40B4-BE49-F238E27FC236}">
-                <a16:creationId xmlns:a16="http://schemas.microsoft.com/office/drawing/2014/main" xmlns="" id="{B073BD9C-6BDA-C347-9C0E-31CB52DA42B6}"/>
+                <a16:creationId xmlns="" xmlns:a16="http://schemas.microsoft.com/office/drawing/2014/main" id="{B073BD9C-6BDA-C347-9C0E-31CB52DA42B6}"/>
               </a:ext>
             </a:extLst>
           </p:cNvPr>
@@ -29979,7 +29958,7 @@
           <p:cNvPr id="19" name="Oval 18">
             <a:extLst>
               <a:ext uri="{FF2B5EF4-FFF2-40B4-BE49-F238E27FC236}">
-                <a16:creationId xmlns:a16="http://schemas.microsoft.com/office/drawing/2014/main" xmlns="" id="{B75FE795-2BFF-E54A-B090-C664817205DA}"/>
+                <a16:creationId xmlns="" xmlns:a16="http://schemas.microsoft.com/office/drawing/2014/main" id="{B75FE795-2BFF-E54A-B090-C664817205DA}"/>
               </a:ext>
             </a:extLst>
           </p:cNvPr>
@@ -30026,7 +30005,7 @@
           <p:cNvPr id="20" name="Oval 19">
             <a:extLst>
               <a:ext uri="{FF2B5EF4-FFF2-40B4-BE49-F238E27FC236}">
-                <a16:creationId xmlns:a16="http://schemas.microsoft.com/office/drawing/2014/main" xmlns="" id="{08F67ED2-E0EA-744D-A5C3-DFAF9C05EBB0}"/>
+                <a16:creationId xmlns="" xmlns:a16="http://schemas.microsoft.com/office/drawing/2014/main" id="{08F67ED2-E0EA-744D-A5C3-DFAF9C05EBB0}"/>
               </a:ext>
             </a:extLst>
           </p:cNvPr>
@@ -30073,7 +30052,7 @@
           <p:cNvPr id="38" name="Oval 37">
             <a:extLst>
               <a:ext uri="{FF2B5EF4-FFF2-40B4-BE49-F238E27FC236}">
-                <a16:creationId xmlns:a16="http://schemas.microsoft.com/office/drawing/2014/main" xmlns="" id="{D50BF41E-EF71-F94A-86B9-DF1B15F4B1FC}"/>
+                <a16:creationId xmlns="" xmlns:a16="http://schemas.microsoft.com/office/drawing/2014/main" id="{D50BF41E-EF71-F94A-86B9-DF1B15F4B1FC}"/>
               </a:ext>
             </a:extLst>
           </p:cNvPr>
@@ -30125,7 +30104,7 @@
           <p:cNvPr id="9" name="Graphic 8" descr="Binoculars">
             <a:extLst>
               <a:ext uri="{FF2B5EF4-FFF2-40B4-BE49-F238E27FC236}">
-                <a16:creationId xmlns:a16="http://schemas.microsoft.com/office/drawing/2014/main" xmlns="" id="{0307FDB9-D726-D54A-8E96-5C778AD4B9A7}"/>
+                <a16:creationId xmlns="" xmlns:a16="http://schemas.microsoft.com/office/drawing/2014/main" id="{0307FDB9-D726-D54A-8E96-5C778AD4B9A7}"/>
               </a:ext>
             </a:extLst>
           </p:cNvPr>
@@ -30138,7 +30117,7 @@
           <a:blip r:embed="rId3">
             <a:extLst>
               <a:ext uri="{96DAC541-7B7A-43D3-8B79-37D633B846F1}">
-                <asvg:svgBlip xmlns:asvg="http://schemas.microsoft.com/office/drawing/2016/SVG/main" xmlns="" r:embed="rId4"/>
+                <asvg:svgBlip xmlns="" xmlns:asvg="http://schemas.microsoft.com/office/drawing/2016/SVG/main" r:embed="rId4"/>
               </a:ext>
             </a:extLst>
           </a:blip>
@@ -30161,7 +30140,7 @@
           <p:cNvPr id="11" name="Graphic 10" descr="Atom">
             <a:extLst>
               <a:ext uri="{FF2B5EF4-FFF2-40B4-BE49-F238E27FC236}">
-                <a16:creationId xmlns:a16="http://schemas.microsoft.com/office/drawing/2014/main" xmlns="" id="{803445ED-BA53-F447-93B7-06103930BE36}"/>
+                <a16:creationId xmlns="" xmlns:a16="http://schemas.microsoft.com/office/drawing/2014/main" id="{803445ED-BA53-F447-93B7-06103930BE36}"/>
               </a:ext>
             </a:extLst>
           </p:cNvPr>
@@ -30174,7 +30153,7 @@
           <a:blip r:embed="rId5">
             <a:extLst>
               <a:ext uri="{96DAC541-7B7A-43D3-8B79-37D633B846F1}">
-                <asvg:svgBlip xmlns:asvg="http://schemas.microsoft.com/office/drawing/2016/SVG/main" xmlns="" r:embed="rId6"/>
+                <asvg:svgBlip xmlns="" xmlns:asvg="http://schemas.microsoft.com/office/drawing/2016/SVG/main" r:embed="rId6"/>
               </a:ext>
             </a:extLst>
           </a:blip>
@@ -30197,7 +30176,7 @@
           <p:cNvPr id="14" name="Graphic 13" descr="HeadWithGears">
             <a:extLst>
               <a:ext uri="{FF2B5EF4-FFF2-40B4-BE49-F238E27FC236}">
-                <a16:creationId xmlns:a16="http://schemas.microsoft.com/office/drawing/2014/main" xmlns="" id="{F1734F00-B7B6-2042-904B-EB85E52832BE}"/>
+                <a16:creationId xmlns="" xmlns:a16="http://schemas.microsoft.com/office/drawing/2014/main" id="{F1734F00-B7B6-2042-904B-EB85E52832BE}"/>
               </a:ext>
             </a:extLst>
           </p:cNvPr>
@@ -30210,7 +30189,7 @@
           <a:blip r:embed="rId7">
             <a:extLst>
               <a:ext uri="{96DAC541-7B7A-43D3-8B79-37D633B846F1}">
-                <asvg:svgBlip xmlns:asvg="http://schemas.microsoft.com/office/drawing/2016/SVG/main" xmlns="" r:embed="rId8"/>
+                <asvg:svgBlip xmlns="" xmlns:asvg="http://schemas.microsoft.com/office/drawing/2016/SVG/main" r:embed="rId8"/>
               </a:ext>
             </a:extLst>
           </a:blip>

--- a/Presentations/Group meetings/2018-11-6-Malthe.pptx
+++ b/Presentations/Group meetings/2018-11-6-Malthe.pptx
@@ -232,7 +232,7 @@
           <a:p>
             <a:fld id="{7C359F7B-C4FB-4943-8224-A5647F08117E}" type="datetimeFigureOut">
               <a:rPr lang="en-US" smtClean="0"/>
-              <a:t>11/12/18</a:t>
+              <a:t>11/27/18</a:t>
             </a:fld>
             <a:endParaRPr lang="en-US"/>
           </a:p>
@@ -1216,7 +1216,7 @@
           <a:p>
             <a:fld id="{8C8AF159-BF6D-6340-87F7-806DFB2B0F7C}" type="datetimeFigureOut">
               <a:rPr lang="en-US" smtClean="0"/>
-              <a:t>11/12/18</a:t>
+              <a:t>11/27/18</a:t>
             </a:fld>
             <a:endParaRPr lang="en-US"/>
           </a:p>
@@ -1384,7 +1384,7 @@
           <a:p>
             <a:fld id="{8C8AF159-BF6D-6340-87F7-806DFB2B0F7C}" type="datetimeFigureOut">
               <a:rPr lang="en-US" smtClean="0"/>
-              <a:t>11/12/18</a:t>
+              <a:t>11/27/18</a:t>
             </a:fld>
             <a:endParaRPr lang="en-US"/>
           </a:p>
@@ -1562,7 +1562,7 @@
           <a:p>
             <a:fld id="{8C8AF159-BF6D-6340-87F7-806DFB2B0F7C}" type="datetimeFigureOut">
               <a:rPr lang="en-US" smtClean="0"/>
-              <a:t>11/12/18</a:t>
+              <a:t>11/27/18</a:t>
             </a:fld>
             <a:endParaRPr lang="en-US"/>
           </a:p>
@@ -1730,7 +1730,7 @@
           <a:p>
             <a:fld id="{8C8AF159-BF6D-6340-87F7-806DFB2B0F7C}" type="datetimeFigureOut">
               <a:rPr lang="en-US" smtClean="0"/>
-              <a:t>11/12/18</a:t>
+              <a:t>11/27/18</a:t>
             </a:fld>
             <a:endParaRPr lang="en-US"/>
           </a:p>
@@ -1975,7 +1975,7 @@
           <a:p>
             <a:fld id="{8C8AF159-BF6D-6340-87F7-806DFB2B0F7C}" type="datetimeFigureOut">
               <a:rPr lang="en-US" smtClean="0"/>
-              <a:t>11/12/18</a:t>
+              <a:t>11/27/18</a:t>
             </a:fld>
             <a:endParaRPr lang="en-US"/>
           </a:p>
@@ -2204,7 +2204,7 @@
           <a:p>
             <a:fld id="{8C8AF159-BF6D-6340-87F7-806DFB2B0F7C}" type="datetimeFigureOut">
               <a:rPr lang="en-US" smtClean="0"/>
-              <a:t>11/12/18</a:t>
+              <a:t>11/27/18</a:t>
             </a:fld>
             <a:endParaRPr lang="en-US"/>
           </a:p>
@@ -2568,7 +2568,7 @@
           <a:p>
             <a:fld id="{8C8AF159-BF6D-6340-87F7-806DFB2B0F7C}" type="datetimeFigureOut">
               <a:rPr lang="en-US" smtClean="0"/>
-              <a:t>11/12/18</a:t>
+              <a:t>11/27/18</a:t>
             </a:fld>
             <a:endParaRPr lang="en-US"/>
           </a:p>
@@ -2685,7 +2685,7 @@
           <a:p>
             <a:fld id="{8C8AF159-BF6D-6340-87F7-806DFB2B0F7C}" type="datetimeFigureOut">
               <a:rPr lang="en-US" smtClean="0"/>
-              <a:t>11/12/18</a:t>
+              <a:t>11/27/18</a:t>
             </a:fld>
             <a:endParaRPr lang="en-US"/>
           </a:p>
@@ -2780,7 +2780,7 @@
           <a:p>
             <a:fld id="{8C8AF159-BF6D-6340-87F7-806DFB2B0F7C}" type="datetimeFigureOut">
               <a:rPr lang="en-US" smtClean="0"/>
-              <a:t>11/12/18</a:t>
+              <a:t>11/27/18</a:t>
             </a:fld>
             <a:endParaRPr lang="en-US"/>
           </a:p>
@@ -3055,7 +3055,7 @@
           <a:p>
             <a:fld id="{8C8AF159-BF6D-6340-87F7-806DFB2B0F7C}" type="datetimeFigureOut">
               <a:rPr lang="en-US" smtClean="0"/>
-              <a:t>11/12/18</a:t>
+              <a:t>11/27/18</a:t>
             </a:fld>
             <a:endParaRPr lang="en-US"/>
           </a:p>
@@ -3307,7 +3307,7 @@
           <a:p>
             <a:fld id="{8C8AF159-BF6D-6340-87F7-806DFB2B0F7C}" type="datetimeFigureOut">
               <a:rPr lang="en-US" smtClean="0"/>
-              <a:t>11/12/18</a:t>
+              <a:t>11/27/18</a:t>
             </a:fld>
             <a:endParaRPr lang="en-US"/>
           </a:p>
@@ -3518,7 +3518,7 @@
           <a:p>
             <a:fld id="{8C8AF159-BF6D-6340-87F7-806DFB2B0F7C}" type="datetimeFigureOut">
               <a:rPr lang="en-US" smtClean="0"/>
-              <a:t>11/12/18</a:t>
+              <a:t>11/27/18</a:t>
             </a:fld>
             <a:endParaRPr lang="en-US"/>
           </a:p>
@@ -4073,7 +4073,7 @@
           <p:cNvPr id="3" name="Oval 2">
             <a:extLst>
               <a:ext uri="{FF2B5EF4-FFF2-40B4-BE49-F238E27FC236}">
-                <a16:creationId xmlns="" xmlns:a16="http://schemas.microsoft.com/office/drawing/2014/main" id="{B073BD9C-6BDA-C347-9C0E-31CB52DA42B6}"/>
+                <a16:creationId xmlns:a16="http://schemas.microsoft.com/office/drawing/2014/main" xmlns="" id="{B073BD9C-6BDA-C347-9C0E-31CB52DA42B6}"/>
               </a:ext>
             </a:extLst>
           </p:cNvPr>
@@ -4127,7 +4127,7 @@
           <p:cNvPr id="19" name="Oval 18">
             <a:extLst>
               <a:ext uri="{FF2B5EF4-FFF2-40B4-BE49-F238E27FC236}">
-                <a16:creationId xmlns="" xmlns:a16="http://schemas.microsoft.com/office/drawing/2014/main" id="{B75FE795-2BFF-E54A-B090-C664817205DA}"/>
+                <a16:creationId xmlns:a16="http://schemas.microsoft.com/office/drawing/2014/main" xmlns="" id="{B75FE795-2BFF-E54A-B090-C664817205DA}"/>
               </a:ext>
             </a:extLst>
           </p:cNvPr>
@@ -4174,7 +4174,7 @@
           <p:cNvPr id="20" name="Oval 19">
             <a:extLst>
               <a:ext uri="{FF2B5EF4-FFF2-40B4-BE49-F238E27FC236}">
-                <a16:creationId xmlns="" xmlns:a16="http://schemas.microsoft.com/office/drawing/2014/main" id="{08F67ED2-E0EA-744D-A5C3-DFAF9C05EBB0}"/>
+                <a16:creationId xmlns:a16="http://schemas.microsoft.com/office/drawing/2014/main" xmlns="" id="{08F67ED2-E0EA-744D-A5C3-DFAF9C05EBB0}"/>
               </a:ext>
             </a:extLst>
           </p:cNvPr>
@@ -4221,7 +4221,7 @@
           <p:cNvPr id="38" name="Oval 37">
             <a:extLst>
               <a:ext uri="{FF2B5EF4-FFF2-40B4-BE49-F238E27FC236}">
-                <a16:creationId xmlns="" xmlns:a16="http://schemas.microsoft.com/office/drawing/2014/main" id="{D50BF41E-EF71-F94A-86B9-DF1B15F4B1FC}"/>
+                <a16:creationId xmlns:a16="http://schemas.microsoft.com/office/drawing/2014/main" xmlns="" id="{D50BF41E-EF71-F94A-86B9-DF1B15F4B1FC}"/>
               </a:ext>
             </a:extLst>
           </p:cNvPr>
@@ -4273,7 +4273,7 @@
           <p:cNvPr id="39" name="Picture 38">
             <a:extLst>
               <a:ext uri="{FF2B5EF4-FFF2-40B4-BE49-F238E27FC236}">
-                <a16:creationId xmlns="" xmlns:a16="http://schemas.microsoft.com/office/drawing/2014/main" id="{4E04806B-A48C-E042-86E9-CBD67367ED63}"/>
+                <a16:creationId xmlns:a16="http://schemas.microsoft.com/office/drawing/2014/main" xmlns="" id="{4E04806B-A48C-E042-86E9-CBD67367ED63}"/>
               </a:ext>
             </a:extLst>
           </p:cNvPr>
@@ -4309,7 +4309,7 @@
           <p:cNvPr id="40" name="Picture 39">
             <a:extLst>
               <a:ext uri="{FF2B5EF4-FFF2-40B4-BE49-F238E27FC236}">
-                <a16:creationId xmlns="" xmlns:a16="http://schemas.microsoft.com/office/drawing/2014/main" id="{4847759E-E771-9645-B94F-520F45A19480}"/>
+                <a16:creationId xmlns:a16="http://schemas.microsoft.com/office/drawing/2014/main" xmlns="" id="{4847759E-E771-9645-B94F-520F45A19480}"/>
               </a:ext>
             </a:extLst>
           </p:cNvPr>
@@ -4345,7 +4345,7 @@
           <p:cNvPr id="41" name="Picture 40">
             <a:extLst>
               <a:ext uri="{FF2B5EF4-FFF2-40B4-BE49-F238E27FC236}">
-                <a16:creationId xmlns="" xmlns:a16="http://schemas.microsoft.com/office/drawing/2014/main" id="{2A455A8A-721A-724A-99BC-08B770FA26C3}"/>
+                <a16:creationId xmlns:a16="http://schemas.microsoft.com/office/drawing/2014/main" xmlns="" id="{2A455A8A-721A-724A-99BC-08B770FA26C3}"/>
               </a:ext>
             </a:extLst>
           </p:cNvPr>
@@ -4381,7 +4381,7 @@
           <p:cNvPr id="42" name="TextBox 41">
             <a:extLst>
               <a:ext uri="{FF2B5EF4-FFF2-40B4-BE49-F238E27FC236}">
-                <a16:creationId xmlns="" xmlns:a16="http://schemas.microsoft.com/office/drawing/2014/main" id="{5AFBB60A-07C7-F641-A967-1FE814B00E94}"/>
+                <a16:creationId xmlns:a16="http://schemas.microsoft.com/office/drawing/2014/main" xmlns="" id="{5AFBB60A-07C7-F641-A967-1FE814B00E94}"/>
               </a:ext>
             </a:extLst>
           </p:cNvPr>
@@ -4416,7 +4416,7 @@
           <p:cNvPr id="43" name="TextBox 42">
             <a:extLst>
               <a:ext uri="{FF2B5EF4-FFF2-40B4-BE49-F238E27FC236}">
-                <a16:creationId xmlns="" xmlns:a16="http://schemas.microsoft.com/office/drawing/2014/main" id="{B465CC4F-702C-EB40-92B3-EBCC290A1759}"/>
+                <a16:creationId xmlns:a16="http://schemas.microsoft.com/office/drawing/2014/main" xmlns="" id="{B465CC4F-702C-EB40-92B3-EBCC290A1759}"/>
               </a:ext>
             </a:extLst>
           </p:cNvPr>
@@ -4451,7 +4451,7 @@
           <p:cNvPr id="44" name="TextBox 43">
             <a:extLst>
               <a:ext uri="{FF2B5EF4-FFF2-40B4-BE49-F238E27FC236}">
-                <a16:creationId xmlns="" xmlns:a16="http://schemas.microsoft.com/office/drawing/2014/main" id="{A3B6CEB5-3318-0A4D-AE9B-6A3FF7400028}"/>
+                <a16:creationId xmlns:a16="http://schemas.microsoft.com/office/drawing/2014/main" xmlns="" id="{A3B6CEB5-3318-0A4D-AE9B-6A3FF7400028}"/>
               </a:ext>
             </a:extLst>
           </p:cNvPr>
@@ -4486,7 +4486,7 @@
           <p:cNvPr id="45" name="Rectangle 44">
             <a:extLst>
               <a:ext uri="{FF2B5EF4-FFF2-40B4-BE49-F238E27FC236}">
-                <a16:creationId xmlns="" xmlns:a16="http://schemas.microsoft.com/office/drawing/2014/main" id="{D5D71723-DB53-C14A-98F5-82DB7A5DC130}"/>
+                <a16:creationId xmlns:a16="http://schemas.microsoft.com/office/drawing/2014/main" xmlns="" id="{D5D71723-DB53-C14A-98F5-82DB7A5DC130}"/>
               </a:ext>
             </a:extLst>
           </p:cNvPr>
@@ -4532,7 +4532,7 @@
           <p:cNvPr id="46" name="Rectangle 45">
             <a:extLst>
               <a:ext uri="{FF2B5EF4-FFF2-40B4-BE49-F238E27FC236}">
-                <a16:creationId xmlns="" xmlns:a16="http://schemas.microsoft.com/office/drawing/2014/main" id="{D26023F7-2B1D-7F47-BD38-851577017CEC}"/>
+                <a16:creationId xmlns:a16="http://schemas.microsoft.com/office/drawing/2014/main" xmlns="" id="{D26023F7-2B1D-7F47-BD38-851577017CEC}"/>
               </a:ext>
             </a:extLst>
           </p:cNvPr>
@@ -4578,7 +4578,7 @@
           <p:cNvPr id="47" name="Rectangle 46">
             <a:extLst>
               <a:ext uri="{FF2B5EF4-FFF2-40B4-BE49-F238E27FC236}">
-                <a16:creationId xmlns="" xmlns:a16="http://schemas.microsoft.com/office/drawing/2014/main" id="{AEC291F5-1339-3B45-8B0E-EF0C8F34F61E}"/>
+                <a16:creationId xmlns:a16="http://schemas.microsoft.com/office/drawing/2014/main" xmlns="" id="{AEC291F5-1339-3B45-8B0E-EF0C8F34F61E}"/>
               </a:ext>
             </a:extLst>
           </p:cNvPr>
@@ -4624,7 +4624,7 @@
           <p:cNvPr id="49" name="Straight Arrow Connector 48">
             <a:extLst>
               <a:ext uri="{FF2B5EF4-FFF2-40B4-BE49-F238E27FC236}">
-                <a16:creationId xmlns="" xmlns:a16="http://schemas.microsoft.com/office/drawing/2014/main" id="{8CC7D7B6-9487-0D41-8A89-1B4330C9AEA3}"/>
+                <a16:creationId xmlns:a16="http://schemas.microsoft.com/office/drawing/2014/main" xmlns="" id="{8CC7D7B6-9487-0D41-8A89-1B4330C9AEA3}"/>
               </a:ext>
             </a:extLst>
           </p:cNvPr>
@@ -4667,7 +4667,7 @@
           <p:cNvPr id="51" name="Straight Arrow Connector 50">
             <a:extLst>
               <a:ext uri="{FF2B5EF4-FFF2-40B4-BE49-F238E27FC236}">
-                <a16:creationId xmlns="" xmlns:a16="http://schemas.microsoft.com/office/drawing/2014/main" id="{51BB2CF8-DFCF-214B-BB0C-08604FD514B1}"/>
+                <a16:creationId xmlns:a16="http://schemas.microsoft.com/office/drawing/2014/main" xmlns="" id="{51BB2CF8-DFCF-214B-BB0C-08604FD514B1}"/>
               </a:ext>
             </a:extLst>
           </p:cNvPr>
@@ -4710,7 +4710,7 @@
           <p:cNvPr id="54" name="Straight Arrow Connector 53">
             <a:extLst>
               <a:ext uri="{FF2B5EF4-FFF2-40B4-BE49-F238E27FC236}">
-                <a16:creationId xmlns="" xmlns:a16="http://schemas.microsoft.com/office/drawing/2014/main" id="{2CAA39AB-3959-E04A-84E4-AC17685C42BD}"/>
+                <a16:creationId xmlns:a16="http://schemas.microsoft.com/office/drawing/2014/main" xmlns="" id="{2CAA39AB-3959-E04A-84E4-AC17685C42BD}"/>
               </a:ext>
             </a:extLst>
           </p:cNvPr>
@@ -4753,7 +4753,7 @@
           <p:cNvPr id="9" name="Graphic 8" descr="Binoculars">
             <a:extLst>
               <a:ext uri="{FF2B5EF4-FFF2-40B4-BE49-F238E27FC236}">
-                <a16:creationId xmlns="" xmlns:a16="http://schemas.microsoft.com/office/drawing/2014/main" id="{0307FDB9-D726-D54A-8E96-5C778AD4B9A7}"/>
+                <a16:creationId xmlns:a16="http://schemas.microsoft.com/office/drawing/2014/main" xmlns="" id="{0307FDB9-D726-D54A-8E96-5C778AD4B9A7}"/>
               </a:ext>
             </a:extLst>
           </p:cNvPr>
@@ -4766,7 +4766,7 @@
           <a:blip r:embed="rId6">
             <a:extLst>
               <a:ext uri="{96DAC541-7B7A-43D3-8B79-37D633B846F1}">
-                <asvg:svgBlip xmlns="" xmlns:asvg="http://schemas.microsoft.com/office/drawing/2016/SVG/main" r:embed="rId7"/>
+                <asvg:svgBlip xmlns:asvg="http://schemas.microsoft.com/office/drawing/2016/SVG/main" xmlns="" r:embed="rId7"/>
               </a:ext>
             </a:extLst>
           </a:blip>
@@ -4789,7 +4789,7 @@
           <p:cNvPr id="11" name="Graphic 10" descr="Atom">
             <a:extLst>
               <a:ext uri="{FF2B5EF4-FFF2-40B4-BE49-F238E27FC236}">
-                <a16:creationId xmlns="" xmlns:a16="http://schemas.microsoft.com/office/drawing/2014/main" id="{803445ED-BA53-F447-93B7-06103930BE36}"/>
+                <a16:creationId xmlns:a16="http://schemas.microsoft.com/office/drawing/2014/main" xmlns="" id="{803445ED-BA53-F447-93B7-06103930BE36}"/>
               </a:ext>
             </a:extLst>
           </p:cNvPr>
@@ -4802,7 +4802,7 @@
           <a:blip r:embed="rId8">
             <a:extLst>
               <a:ext uri="{96DAC541-7B7A-43D3-8B79-37D633B846F1}">
-                <asvg:svgBlip xmlns="" xmlns:asvg="http://schemas.microsoft.com/office/drawing/2016/SVG/main" r:embed="rId9"/>
+                <asvg:svgBlip xmlns:asvg="http://schemas.microsoft.com/office/drawing/2016/SVG/main" xmlns="" r:embed="rId9"/>
               </a:ext>
             </a:extLst>
           </a:blip>
@@ -4825,7 +4825,7 @@
           <p:cNvPr id="14" name="Graphic 13" descr="HeadWithGears">
             <a:extLst>
               <a:ext uri="{FF2B5EF4-FFF2-40B4-BE49-F238E27FC236}">
-                <a16:creationId xmlns="" xmlns:a16="http://schemas.microsoft.com/office/drawing/2014/main" id="{F1734F00-B7B6-2042-904B-EB85E52832BE}"/>
+                <a16:creationId xmlns:a16="http://schemas.microsoft.com/office/drawing/2014/main" xmlns="" id="{F1734F00-B7B6-2042-904B-EB85E52832BE}"/>
               </a:ext>
             </a:extLst>
           </p:cNvPr>
@@ -4838,7 +4838,7 @@
           <a:blip r:embed="rId10">
             <a:extLst>
               <a:ext uri="{96DAC541-7B7A-43D3-8B79-37D633B846F1}">
-                <asvg:svgBlip xmlns="" xmlns:asvg="http://schemas.microsoft.com/office/drawing/2016/SVG/main" r:embed="rId11"/>
+                <asvg:svgBlip xmlns:asvg="http://schemas.microsoft.com/office/drawing/2016/SVG/main" xmlns="" r:embed="rId11"/>
               </a:ext>
             </a:extLst>
           </a:blip>
@@ -4937,7 +4937,7 @@
           <p:cNvPr id="3" name="Oval 2">
             <a:extLst>
               <a:ext uri="{FF2B5EF4-FFF2-40B4-BE49-F238E27FC236}">
-                <a16:creationId xmlns="" xmlns:a16="http://schemas.microsoft.com/office/drawing/2014/main" id="{B073BD9C-6BDA-C347-9C0E-31CB52DA42B6}"/>
+                <a16:creationId xmlns:a16="http://schemas.microsoft.com/office/drawing/2014/main" xmlns="" id="{B073BD9C-6BDA-C347-9C0E-31CB52DA42B6}"/>
               </a:ext>
             </a:extLst>
           </p:cNvPr>
@@ -4991,7 +4991,7 @@
           <p:cNvPr id="12" name="Picture 11">
             <a:extLst>
               <a:ext uri="{FF2B5EF4-FFF2-40B4-BE49-F238E27FC236}">
-                <a16:creationId xmlns="" xmlns:a16="http://schemas.microsoft.com/office/drawing/2014/main" id="{EAAF42C1-FAEB-4947-8DE4-2C0AD5593B99}"/>
+                <a16:creationId xmlns:a16="http://schemas.microsoft.com/office/drawing/2014/main" xmlns="" id="{EAAF42C1-FAEB-4947-8DE4-2C0AD5593B99}"/>
               </a:ext>
             </a:extLst>
           </p:cNvPr>
@@ -5021,7 +5021,7 @@
           <p:cNvPr id="19" name="Oval 18">
             <a:extLst>
               <a:ext uri="{FF2B5EF4-FFF2-40B4-BE49-F238E27FC236}">
-                <a16:creationId xmlns="" xmlns:a16="http://schemas.microsoft.com/office/drawing/2014/main" id="{B75FE795-2BFF-E54A-B090-C664817205DA}"/>
+                <a16:creationId xmlns:a16="http://schemas.microsoft.com/office/drawing/2014/main" xmlns="" id="{B75FE795-2BFF-E54A-B090-C664817205DA}"/>
               </a:ext>
             </a:extLst>
           </p:cNvPr>
@@ -5068,7 +5068,7 @@
           <p:cNvPr id="20" name="Oval 19">
             <a:extLst>
               <a:ext uri="{FF2B5EF4-FFF2-40B4-BE49-F238E27FC236}">
-                <a16:creationId xmlns="" xmlns:a16="http://schemas.microsoft.com/office/drawing/2014/main" id="{08F67ED2-E0EA-744D-A5C3-DFAF9C05EBB0}"/>
+                <a16:creationId xmlns:a16="http://schemas.microsoft.com/office/drawing/2014/main" xmlns="" id="{08F67ED2-E0EA-744D-A5C3-DFAF9C05EBB0}"/>
               </a:ext>
             </a:extLst>
           </p:cNvPr>
@@ -5115,7 +5115,7 @@
           <p:cNvPr id="38" name="Oval 37">
             <a:extLst>
               <a:ext uri="{FF2B5EF4-FFF2-40B4-BE49-F238E27FC236}">
-                <a16:creationId xmlns="" xmlns:a16="http://schemas.microsoft.com/office/drawing/2014/main" id="{D50BF41E-EF71-F94A-86B9-DF1B15F4B1FC}"/>
+                <a16:creationId xmlns:a16="http://schemas.microsoft.com/office/drawing/2014/main" xmlns="" id="{D50BF41E-EF71-F94A-86B9-DF1B15F4B1FC}"/>
               </a:ext>
             </a:extLst>
           </p:cNvPr>
@@ -5167,7 +5167,7 @@
           <p:cNvPr id="39" name="Picture 38">
             <a:extLst>
               <a:ext uri="{FF2B5EF4-FFF2-40B4-BE49-F238E27FC236}">
-                <a16:creationId xmlns="" xmlns:a16="http://schemas.microsoft.com/office/drawing/2014/main" id="{4E04806B-A48C-E042-86E9-CBD67367ED63}"/>
+                <a16:creationId xmlns:a16="http://schemas.microsoft.com/office/drawing/2014/main" xmlns="" id="{4E04806B-A48C-E042-86E9-CBD67367ED63}"/>
               </a:ext>
             </a:extLst>
           </p:cNvPr>
@@ -5203,7 +5203,7 @@
           <p:cNvPr id="40" name="Picture 39">
             <a:extLst>
               <a:ext uri="{FF2B5EF4-FFF2-40B4-BE49-F238E27FC236}">
-                <a16:creationId xmlns="" xmlns:a16="http://schemas.microsoft.com/office/drawing/2014/main" id="{4847759E-E771-9645-B94F-520F45A19480}"/>
+                <a16:creationId xmlns:a16="http://schemas.microsoft.com/office/drawing/2014/main" xmlns="" id="{4847759E-E771-9645-B94F-520F45A19480}"/>
               </a:ext>
             </a:extLst>
           </p:cNvPr>
@@ -5239,7 +5239,7 @@
           <p:cNvPr id="41" name="Picture 40">
             <a:extLst>
               <a:ext uri="{FF2B5EF4-FFF2-40B4-BE49-F238E27FC236}">
-                <a16:creationId xmlns="" xmlns:a16="http://schemas.microsoft.com/office/drawing/2014/main" id="{2A455A8A-721A-724A-99BC-08B770FA26C3}"/>
+                <a16:creationId xmlns:a16="http://schemas.microsoft.com/office/drawing/2014/main" xmlns="" id="{2A455A8A-721A-724A-99BC-08B770FA26C3}"/>
               </a:ext>
             </a:extLst>
           </p:cNvPr>
@@ -5275,7 +5275,7 @@
           <p:cNvPr id="42" name="TextBox 41">
             <a:extLst>
               <a:ext uri="{FF2B5EF4-FFF2-40B4-BE49-F238E27FC236}">
-                <a16:creationId xmlns="" xmlns:a16="http://schemas.microsoft.com/office/drawing/2014/main" id="{5AFBB60A-07C7-F641-A967-1FE814B00E94}"/>
+                <a16:creationId xmlns:a16="http://schemas.microsoft.com/office/drawing/2014/main" xmlns="" id="{5AFBB60A-07C7-F641-A967-1FE814B00E94}"/>
               </a:ext>
             </a:extLst>
           </p:cNvPr>
@@ -5310,7 +5310,7 @@
           <p:cNvPr id="43" name="TextBox 42">
             <a:extLst>
               <a:ext uri="{FF2B5EF4-FFF2-40B4-BE49-F238E27FC236}">
-                <a16:creationId xmlns="" xmlns:a16="http://schemas.microsoft.com/office/drawing/2014/main" id="{B465CC4F-702C-EB40-92B3-EBCC290A1759}"/>
+                <a16:creationId xmlns:a16="http://schemas.microsoft.com/office/drawing/2014/main" xmlns="" id="{B465CC4F-702C-EB40-92B3-EBCC290A1759}"/>
               </a:ext>
             </a:extLst>
           </p:cNvPr>
@@ -5345,7 +5345,7 @@
           <p:cNvPr id="44" name="TextBox 43">
             <a:extLst>
               <a:ext uri="{FF2B5EF4-FFF2-40B4-BE49-F238E27FC236}">
-                <a16:creationId xmlns="" xmlns:a16="http://schemas.microsoft.com/office/drawing/2014/main" id="{A3B6CEB5-3318-0A4D-AE9B-6A3FF7400028}"/>
+                <a16:creationId xmlns:a16="http://schemas.microsoft.com/office/drawing/2014/main" xmlns="" id="{A3B6CEB5-3318-0A4D-AE9B-6A3FF7400028}"/>
               </a:ext>
             </a:extLst>
           </p:cNvPr>
@@ -5380,7 +5380,7 @@
           <p:cNvPr id="45" name="Rectangle 44">
             <a:extLst>
               <a:ext uri="{FF2B5EF4-FFF2-40B4-BE49-F238E27FC236}">
-                <a16:creationId xmlns="" xmlns:a16="http://schemas.microsoft.com/office/drawing/2014/main" id="{D5D71723-DB53-C14A-98F5-82DB7A5DC130}"/>
+                <a16:creationId xmlns:a16="http://schemas.microsoft.com/office/drawing/2014/main" xmlns="" id="{D5D71723-DB53-C14A-98F5-82DB7A5DC130}"/>
               </a:ext>
             </a:extLst>
           </p:cNvPr>
@@ -5426,7 +5426,7 @@
           <p:cNvPr id="46" name="Rectangle 45">
             <a:extLst>
               <a:ext uri="{FF2B5EF4-FFF2-40B4-BE49-F238E27FC236}">
-                <a16:creationId xmlns="" xmlns:a16="http://schemas.microsoft.com/office/drawing/2014/main" id="{D26023F7-2B1D-7F47-BD38-851577017CEC}"/>
+                <a16:creationId xmlns:a16="http://schemas.microsoft.com/office/drawing/2014/main" xmlns="" id="{D26023F7-2B1D-7F47-BD38-851577017CEC}"/>
               </a:ext>
             </a:extLst>
           </p:cNvPr>
@@ -5472,7 +5472,7 @@
           <p:cNvPr id="47" name="Rectangle 46">
             <a:extLst>
               <a:ext uri="{FF2B5EF4-FFF2-40B4-BE49-F238E27FC236}">
-                <a16:creationId xmlns="" xmlns:a16="http://schemas.microsoft.com/office/drawing/2014/main" id="{AEC291F5-1339-3B45-8B0E-EF0C8F34F61E}"/>
+                <a16:creationId xmlns:a16="http://schemas.microsoft.com/office/drawing/2014/main" xmlns="" id="{AEC291F5-1339-3B45-8B0E-EF0C8F34F61E}"/>
               </a:ext>
             </a:extLst>
           </p:cNvPr>
@@ -5518,7 +5518,7 @@
           <p:cNvPr id="49" name="Straight Arrow Connector 48">
             <a:extLst>
               <a:ext uri="{FF2B5EF4-FFF2-40B4-BE49-F238E27FC236}">
-                <a16:creationId xmlns="" xmlns:a16="http://schemas.microsoft.com/office/drawing/2014/main" id="{8CC7D7B6-9487-0D41-8A89-1B4330C9AEA3}"/>
+                <a16:creationId xmlns:a16="http://schemas.microsoft.com/office/drawing/2014/main" xmlns="" id="{8CC7D7B6-9487-0D41-8A89-1B4330C9AEA3}"/>
               </a:ext>
             </a:extLst>
           </p:cNvPr>
@@ -5561,7 +5561,7 @@
           <p:cNvPr id="51" name="Straight Arrow Connector 50">
             <a:extLst>
               <a:ext uri="{FF2B5EF4-FFF2-40B4-BE49-F238E27FC236}">
-                <a16:creationId xmlns="" xmlns:a16="http://schemas.microsoft.com/office/drawing/2014/main" id="{51BB2CF8-DFCF-214B-BB0C-08604FD514B1}"/>
+                <a16:creationId xmlns:a16="http://schemas.microsoft.com/office/drawing/2014/main" xmlns="" id="{51BB2CF8-DFCF-214B-BB0C-08604FD514B1}"/>
               </a:ext>
             </a:extLst>
           </p:cNvPr>
@@ -5604,7 +5604,7 @@
           <p:cNvPr id="54" name="Straight Arrow Connector 53">
             <a:extLst>
               <a:ext uri="{FF2B5EF4-FFF2-40B4-BE49-F238E27FC236}">
-                <a16:creationId xmlns="" xmlns:a16="http://schemas.microsoft.com/office/drawing/2014/main" id="{2CAA39AB-3959-E04A-84E4-AC17685C42BD}"/>
+                <a16:creationId xmlns:a16="http://schemas.microsoft.com/office/drawing/2014/main" xmlns="" id="{2CAA39AB-3959-E04A-84E4-AC17685C42BD}"/>
               </a:ext>
             </a:extLst>
           </p:cNvPr>
@@ -5647,7 +5647,7 @@
           <p:cNvPr id="9" name="Graphic 8" descr="Binoculars">
             <a:extLst>
               <a:ext uri="{FF2B5EF4-FFF2-40B4-BE49-F238E27FC236}">
-                <a16:creationId xmlns="" xmlns:a16="http://schemas.microsoft.com/office/drawing/2014/main" id="{0307FDB9-D726-D54A-8E96-5C778AD4B9A7}"/>
+                <a16:creationId xmlns:a16="http://schemas.microsoft.com/office/drawing/2014/main" xmlns="" id="{0307FDB9-D726-D54A-8E96-5C778AD4B9A7}"/>
               </a:ext>
             </a:extLst>
           </p:cNvPr>
@@ -5660,7 +5660,7 @@
           <a:blip r:embed="rId7">
             <a:extLst>
               <a:ext uri="{96DAC541-7B7A-43D3-8B79-37D633B846F1}">
-                <asvg:svgBlip xmlns="" xmlns:asvg="http://schemas.microsoft.com/office/drawing/2016/SVG/main" r:embed="rId8"/>
+                <asvg:svgBlip xmlns:asvg="http://schemas.microsoft.com/office/drawing/2016/SVG/main" xmlns="" r:embed="rId8"/>
               </a:ext>
             </a:extLst>
           </a:blip>
@@ -5683,7 +5683,7 @@
           <p:cNvPr id="11" name="Graphic 10" descr="Atom">
             <a:extLst>
               <a:ext uri="{FF2B5EF4-FFF2-40B4-BE49-F238E27FC236}">
-                <a16:creationId xmlns="" xmlns:a16="http://schemas.microsoft.com/office/drawing/2014/main" id="{803445ED-BA53-F447-93B7-06103930BE36}"/>
+                <a16:creationId xmlns:a16="http://schemas.microsoft.com/office/drawing/2014/main" xmlns="" id="{803445ED-BA53-F447-93B7-06103930BE36}"/>
               </a:ext>
             </a:extLst>
           </p:cNvPr>
@@ -5696,7 +5696,7 @@
           <a:blip r:embed="rId9">
             <a:extLst>
               <a:ext uri="{96DAC541-7B7A-43D3-8B79-37D633B846F1}">
-                <asvg:svgBlip xmlns="" xmlns:asvg="http://schemas.microsoft.com/office/drawing/2016/SVG/main" r:embed="rId10"/>
+                <asvg:svgBlip xmlns:asvg="http://schemas.microsoft.com/office/drawing/2016/SVG/main" xmlns="" r:embed="rId10"/>
               </a:ext>
             </a:extLst>
           </a:blip>
@@ -5719,7 +5719,7 @@
           <p:cNvPr id="14" name="Graphic 13" descr="HeadWithGears">
             <a:extLst>
               <a:ext uri="{FF2B5EF4-FFF2-40B4-BE49-F238E27FC236}">
-                <a16:creationId xmlns="" xmlns:a16="http://schemas.microsoft.com/office/drawing/2014/main" id="{F1734F00-B7B6-2042-904B-EB85E52832BE}"/>
+                <a16:creationId xmlns:a16="http://schemas.microsoft.com/office/drawing/2014/main" xmlns="" id="{F1734F00-B7B6-2042-904B-EB85E52832BE}"/>
               </a:ext>
             </a:extLst>
           </p:cNvPr>
@@ -5732,7 +5732,7 @@
           <a:blip r:embed="rId11">
             <a:extLst>
               <a:ext uri="{96DAC541-7B7A-43D3-8B79-37D633B846F1}">
-                <asvg:svgBlip xmlns="" xmlns:asvg="http://schemas.microsoft.com/office/drawing/2016/SVG/main" r:embed="rId12"/>
+                <asvg:svgBlip xmlns:asvg="http://schemas.microsoft.com/office/drawing/2016/SVG/main" xmlns="" r:embed="rId12"/>
               </a:ext>
             </a:extLst>
           </a:blip>
@@ -5831,7 +5831,7 @@
           <p:cNvPr id="3" name="Oval 2">
             <a:extLst>
               <a:ext uri="{FF2B5EF4-FFF2-40B4-BE49-F238E27FC236}">
-                <a16:creationId xmlns="" xmlns:a16="http://schemas.microsoft.com/office/drawing/2014/main" id="{B073BD9C-6BDA-C347-9C0E-31CB52DA42B6}"/>
+                <a16:creationId xmlns:a16="http://schemas.microsoft.com/office/drawing/2014/main" xmlns="" id="{B073BD9C-6BDA-C347-9C0E-31CB52DA42B6}"/>
               </a:ext>
             </a:extLst>
           </p:cNvPr>
@@ -5885,7 +5885,7 @@
           <p:cNvPr id="12" name="Picture 11">
             <a:extLst>
               <a:ext uri="{FF2B5EF4-FFF2-40B4-BE49-F238E27FC236}">
-                <a16:creationId xmlns="" xmlns:a16="http://schemas.microsoft.com/office/drawing/2014/main" id="{EAAF42C1-FAEB-4947-8DE4-2C0AD5593B99}"/>
+                <a16:creationId xmlns:a16="http://schemas.microsoft.com/office/drawing/2014/main" xmlns="" id="{EAAF42C1-FAEB-4947-8DE4-2C0AD5593B99}"/>
               </a:ext>
             </a:extLst>
           </p:cNvPr>
@@ -5915,7 +5915,7 @@
           <p:cNvPr id="19" name="Oval 18">
             <a:extLst>
               <a:ext uri="{FF2B5EF4-FFF2-40B4-BE49-F238E27FC236}">
-                <a16:creationId xmlns="" xmlns:a16="http://schemas.microsoft.com/office/drawing/2014/main" id="{B75FE795-2BFF-E54A-B090-C664817205DA}"/>
+                <a16:creationId xmlns:a16="http://schemas.microsoft.com/office/drawing/2014/main" xmlns="" id="{B75FE795-2BFF-E54A-B090-C664817205DA}"/>
               </a:ext>
             </a:extLst>
           </p:cNvPr>
@@ -5962,7 +5962,7 @@
           <p:cNvPr id="20" name="Oval 19">
             <a:extLst>
               <a:ext uri="{FF2B5EF4-FFF2-40B4-BE49-F238E27FC236}">
-                <a16:creationId xmlns="" xmlns:a16="http://schemas.microsoft.com/office/drawing/2014/main" id="{08F67ED2-E0EA-744D-A5C3-DFAF9C05EBB0}"/>
+                <a16:creationId xmlns:a16="http://schemas.microsoft.com/office/drawing/2014/main" xmlns="" id="{08F67ED2-E0EA-744D-A5C3-DFAF9C05EBB0}"/>
               </a:ext>
             </a:extLst>
           </p:cNvPr>
@@ -6009,7 +6009,7 @@
           <p:cNvPr id="35" name="Picture 34">
             <a:extLst>
               <a:ext uri="{FF2B5EF4-FFF2-40B4-BE49-F238E27FC236}">
-                <a16:creationId xmlns="" xmlns:a16="http://schemas.microsoft.com/office/drawing/2014/main" id="{2E698A0B-399F-4D4C-B908-B836437D1CA1}"/>
+                <a16:creationId xmlns:a16="http://schemas.microsoft.com/office/drawing/2014/main" xmlns="" id="{2E698A0B-399F-4D4C-B908-B836437D1CA1}"/>
               </a:ext>
             </a:extLst>
           </p:cNvPr>
@@ -6039,7 +6039,7 @@
           <p:cNvPr id="38" name="Oval 37">
             <a:extLst>
               <a:ext uri="{FF2B5EF4-FFF2-40B4-BE49-F238E27FC236}">
-                <a16:creationId xmlns="" xmlns:a16="http://schemas.microsoft.com/office/drawing/2014/main" id="{D50BF41E-EF71-F94A-86B9-DF1B15F4B1FC}"/>
+                <a16:creationId xmlns:a16="http://schemas.microsoft.com/office/drawing/2014/main" xmlns="" id="{D50BF41E-EF71-F94A-86B9-DF1B15F4B1FC}"/>
               </a:ext>
             </a:extLst>
           </p:cNvPr>
@@ -6091,7 +6091,7 @@
           <p:cNvPr id="39" name="Picture 38">
             <a:extLst>
               <a:ext uri="{FF2B5EF4-FFF2-40B4-BE49-F238E27FC236}">
-                <a16:creationId xmlns="" xmlns:a16="http://schemas.microsoft.com/office/drawing/2014/main" id="{4E04806B-A48C-E042-86E9-CBD67367ED63}"/>
+                <a16:creationId xmlns:a16="http://schemas.microsoft.com/office/drawing/2014/main" xmlns="" id="{4E04806B-A48C-E042-86E9-CBD67367ED63}"/>
               </a:ext>
             </a:extLst>
           </p:cNvPr>
@@ -6127,7 +6127,7 @@
           <p:cNvPr id="40" name="Picture 39">
             <a:extLst>
               <a:ext uri="{FF2B5EF4-FFF2-40B4-BE49-F238E27FC236}">
-                <a16:creationId xmlns="" xmlns:a16="http://schemas.microsoft.com/office/drawing/2014/main" id="{4847759E-E771-9645-B94F-520F45A19480}"/>
+                <a16:creationId xmlns:a16="http://schemas.microsoft.com/office/drawing/2014/main" xmlns="" id="{4847759E-E771-9645-B94F-520F45A19480}"/>
               </a:ext>
             </a:extLst>
           </p:cNvPr>
@@ -6163,7 +6163,7 @@
           <p:cNvPr id="41" name="Picture 40">
             <a:extLst>
               <a:ext uri="{FF2B5EF4-FFF2-40B4-BE49-F238E27FC236}">
-                <a16:creationId xmlns="" xmlns:a16="http://schemas.microsoft.com/office/drawing/2014/main" id="{2A455A8A-721A-724A-99BC-08B770FA26C3}"/>
+                <a16:creationId xmlns:a16="http://schemas.microsoft.com/office/drawing/2014/main" xmlns="" id="{2A455A8A-721A-724A-99BC-08B770FA26C3}"/>
               </a:ext>
             </a:extLst>
           </p:cNvPr>
@@ -6199,7 +6199,7 @@
           <p:cNvPr id="42" name="TextBox 41">
             <a:extLst>
               <a:ext uri="{FF2B5EF4-FFF2-40B4-BE49-F238E27FC236}">
-                <a16:creationId xmlns="" xmlns:a16="http://schemas.microsoft.com/office/drawing/2014/main" id="{5AFBB60A-07C7-F641-A967-1FE814B00E94}"/>
+                <a16:creationId xmlns:a16="http://schemas.microsoft.com/office/drawing/2014/main" xmlns="" id="{5AFBB60A-07C7-F641-A967-1FE814B00E94}"/>
               </a:ext>
             </a:extLst>
           </p:cNvPr>
@@ -6234,7 +6234,7 @@
           <p:cNvPr id="43" name="TextBox 42">
             <a:extLst>
               <a:ext uri="{FF2B5EF4-FFF2-40B4-BE49-F238E27FC236}">
-                <a16:creationId xmlns="" xmlns:a16="http://schemas.microsoft.com/office/drawing/2014/main" id="{B465CC4F-702C-EB40-92B3-EBCC290A1759}"/>
+                <a16:creationId xmlns:a16="http://schemas.microsoft.com/office/drawing/2014/main" xmlns="" id="{B465CC4F-702C-EB40-92B3-EBCC290A1759}"/>
               </a:ext>
             </a:extLst>
           </p:cNvPr>
@@ -6269,7 +6269,7 @@
           <p:cNvPr id="44" name="TextBox 43">
             <a:extLst>
               <a:ext uri="{FF2B5EF4-FFF2-40B4-BE49-F238E27FC236}">
-                <a16:creationId xmlns="" xmlns:a16="http://schemas.microsoft.com/office/drawing/2014/main" id="{A3B6CEB5-3318-0A4D-AE9B-6A3FF7400028}"/>
+                <a16:creationId xmlns:a16="http://schemas.microsoft.com/office/drawing/2014/main" xmlns="" id="{A3B6CEB5-3318-0A4D-AE9B-6A3FF7400028}"/>
               </a:ext>
             </a:extLst>
           </p:cNvPr>
@@ -6304,7 +6304,7 @@
           <p:cNvPr id="45" name="Rectangle 44">
             <a:extLst>
               <a:ext uri="{FF2B5EF4-FFF2-40B4-BE49-F238E27FC236}">
-                <a16:creationId xmlns="" xmlns:a16="http://schemas.microsoft.com/office/drawing/2014/main" id="{D5D71723-DB53-C14A-98F5-82DB7A5DC130}"/>
+                <a16:creationId xmlns:a16="http://schemas.microsoft.com/office/drawing/2014/main" xmlns="" id="{D5D71723-DB53-C14A-98F5-82DB7A5DC130}"/>
               </a:ext>
             </a:extLst>
           </p:cNvPr>
@@ -6350,7 +6350,7 @@
           <p:cNvPr id="46" name="Rectangle 45">
             <a:extLst>
               <a:ext uri="{FF2B5EF4-FFF2-40B4-BE49-F238E27FC236}">
-                <a16:creationId xmlns="" xmlns:a16="http://schemas.microsoft.com/office/drawing/2014/main" id="{D26023F7-2B1D-7F47-BD38-851577017CEC}"/>
+                <a16:creationId xmlns:a16="http://schemas.microsoft.com/office/drawing/2014/main" xmlns="" id="{D26023F7-2B1D-7F47-BD38-851577017CEC}"/>
               </a:ext>
             </a:extLst>
           </p:cNvPr>
@@ -6396,7 +6396,7 @@
           <p:cNvPr id="47" name="Rectangle 46">
             <a:extLst>
               <a:ext uri="{FF2B5EF4-FFF2-40B4-BE49-F238E27FC236}">
-                <a16:creationId xmlns="" xmlns:a16="http://schemas.microsoft.com/office/drawing/2014/main" id="{AEC291F5-1339-3B45-8B0E-EF0C8F34F61E}"/>
+                <a16:creationId xmlns:a16="http://schemas.microsoft.com/office/drawing/2014/main" xmlns="" id="{AEC291F5-1339-3B45-8B0E-EF0C8F34F61E}"/>
               </a:ext>
             </a:extLst>
           </p:cNvPr>
@@ -6442,7 +6442,7 @@
           <p:cNvPr id="49" name="Straight Arrow Connector 48">
             <a:extLst>
               <a:ext uri="{FF2B5EF4-FFF2-40B4-BE49-F238E27FC236}">
-                <a16:creationId xmlns="" xmlns:a16="http://schemas.microsoft.com/office/drawing/2014/main" id="{8CC7D7B6-9487-0D41-8A89-1B4330C9AEA3}"/>
+                <a16:creationId xmlns:a16="http://schemas.microsoft.com/office/drawing/2014/main" xmlns="" id="{8CC7D7B6-9487-0D41-8A89-1B4330C9AEA3}"/>
               </a:ext>
             </a:extLst>
           </p:cNvPr>
@@ -6485,7 +6485,7 @@
           <p:cNvPr id="51" name="Straight Arrow Connector 50">
             <a:extLst>
               <a:ext uri="{FF2B5EF4-FFF2-40B4-BE49-F238E27FC236}">
-                <a16:creationId xmlns="" xmlns:a16="http://schemas.microsoft.com/office/drawing/2014/main" id="{51BB2CF8-DFCF-214B-BB0C-08604FD514B1}"/>
+                <a16:creationId xmlns:a16="http://schemas.microsoft.com/office/drawing/2014/main" xmlns="" id="{51BB2CF8-DFCF-214B-BB0C-08604FD514B1}"/>
               </a:ext>
             </a:extLst>
           </p:cNvPr>
@@ -6528,7 +6528,7 @@
           <p:cNvPr id="54" name="Straight Arrow Connector 53">
             <a:extLst>
               <a:ext uri="{FF2B5EF4-FFF2-40B4-BE49-F238E27FC236}">
-                <a16:creationId xmlns="" xmlns:a16="http://schemas.microsoft.com/office/drawing/2014/main" id="{2CAA39AB-3959-E04A-84E4-AC17685C42BD}"/>
+                <a16:creationId xmlns:a16="http://schemas.microsoft.com/office/drawing/2014/main" xmlns="" id="{2CAA39AB-3959-E04A-84E4-AC17685C42BD}"/>
               </a:ext>
             </a:extLst>
           </p:cNvPr>
@@ -6571,7 +6571,7 @@
           <p:cNvPr id="5" name="TextBox 4">
             <a:extLst>
               <a:ext uri="{FF2B5EF4-FFF2-40B4-BE49-F238E27FC236}">
-                <a16:creationId xmlns="" xmlns:a16="http://schemas.microsoft.com/office/drawing/2014/main" id="{D5DFEE21-A2C1-A443-967F-7D6E9C2A0A58}"/>
+                <a16:creationId xmlns:a16="http://schemas.microsoft.com/office/drawing/2014/main" xmlns="" id="{D5DFEE21-A2C1-A443-967F-7D6E9C2A0A58}"/>
               </a:ext>
             </a:extLst>
           </p:cNvPr>
@@ -6606,7 +6606,7 @@
           <p:cNvPr id="25" name="TextBox 24">
             <a:extLst>
               <a:ext uri="{FF2B5EF4-FFF2-40B4-BE49-F238E27FC236}">
-                <a16:creationId xmlns="" xmlns:a16="http://schemas.microsoft.com/office/drawing/2014/main" id="{4EB2492B-E995-A84D-840C-031180384FE6}"/>
+                <a16:creationId xmlns:a16="http://schemas.microsoft.com/office/drawing/2014/main" xmlns="" id="{4EB2492B-E995-A84D-840C-031180384FE6}"/>
               </a:ext>
             </a:extLst>
           </p:cNvPr>
@@ -6641,7 +6641,7 @@
           <p:cNvPr id="26" name="TextBox 25">
             <a:extLst>
               <a:ext uri="{FF2B5EF4-FFF2-40B4-BE49-F238E27FC236}">
-                <a16:creationId xmlns="" xmlns:a16="http://schemas.microsoft.com/office/drawing/2014/main" id="{3C588F17-12CD-9841-B51E-AA162FC60453}"/>
+                <a16:creationId xmlns:a16="http://schemas.microsoft.com/office/drawing/2014/main" xmlns="" id="{3C588F17-12CD-9841-B51E-AA162FC60453}"/>
               </a:ext>
             </a:extLst>
           </p:cNvPr>
@@ -6676,7 +6676,7 @@
           <p:cNvPr id="27" name="TextBox 26">
             <a:extLst>
               <a:ext uri="{FF2B5EF4-FFF2-40B4-BE49-F238E27FC236}">
-                <a16:creationId xmlns="" xmlns:a16="http://schemas.microsoft.com/office/drawing/2014/main" id="{86790816-24AF-3A45-A9F0-34067721F6C1}"/>
+                <a16:creationId xmlns:a16="http://schemas.microsoft.com/office/drawing/2014/main" xmlns="" id="{86790816-24AF-3A45-A9F0-34067721F6C1}"/>
               </a:ext>
             </a:extLst>
           </p:cNvPr>
@@ -6711,7 +6711,7 @@
           <p:cNvPr id="28" name="TextBox 27">
             <a:extLst>
               <a:ext uri="{FF2B5EF4-FFF2-40B4-BE49-F238E27FC236}">
-                <a16:creationId xmlns="" xmlns:a16="http://schemas.microsoft.com/office/drawing/2014/main" id="{E33AF501-099A-D740-AE03-8C24A738040D}"/>
+                <a16:creationId xmlns:a16="http://schemas.microsoft.com/office/drawing/2014/main" xmlns="" id="{E33AF501-099A-D740-AE03-8C24A738040D}"/>
               </a:ext>
             </a:extLst>
           </p:cNvPr>
@@ -6746,7 +6746,7 @@
           <p:cNvPr id="29" name="TextBox 28">
             <a:extLst>
               <a:ext uri="{FF2B5EF4-FFF2-40B4-BE49-F238E27FC236}">
-                <a16:creationId xmlns="" xmlns:a16="http://schemas.microsoft.com/office/drawing/2014/main" id="{3F6E636C-07EE-1F43-94AD-3ED8A6AB91CA}"/>
+                <a16:creationId xmlns:a16="http://schemas.microsoft.com/office/drawing/2014/main" xmlns="" id="{3F6E636C-07EE-1F43-94AD-3ED8A6AB91CA}"/>
               </a:ext>
             </a:extLst>
           </p:cNvPr>
@@ -6781,7 +6781,7 @@
           <p:cNvPr id="30" name="TextBox 29">
             <a:extLst>
               <a:ext uri="{FF2B5EF4-FFF2-40B4-BE49-F238E27FC236}">
-                <a16:creationId xmlns="" xmlns:a16="http://schemas.microsoft.com/office/drawing/2014/main" id="{0EE8BA27-FD6A-6C47-89E6-CB1805217D5F}"/>
+                <a16:creationId xmlns:a16="http://schemas.microsoft.com/office/drawing/2014/main" xmlns="" id="{0EE8BA27-FD6A-6C47-89E6-CB1805217D5F}"/>
               </a:ext>
             </a:extLst>
           </p:cNvPr>
@@ -6816,7 +6816,7 @@
           <p:cNvPr id="9" name="Graphic 8" descr="Binoculars">
             <a:extLst>
               <a:ext uri="{FF2B5EF4-FFF2-40B4-BE49-F238E27FC236}">
-                <a16:creationId xmlns="" xmlns:a16="http://schemas.microsoft.com/office/drawing/2014/main" id="{0307FDB9-D726-D54A-8E96-5C778AD4B9A7}"/>
+                <a16:creationId xmlns:a16="http://schemas.microsoft.com/office/drawing/2014/main" xmlns="" id="{0307FDB9-D726-D54A-8E96-5C778AD4B9A7}"/>
               </a:ext>
             </a:extLst>
           </p:cNvPr>
@@ -6829,7 +6829,7 @@
           <a:blip r:embed="rId7">
             <a:extLst>
               <a:ext uri="{96DAC541-7B7A-43D3-8B79-37D633B846F1}">
-                <asvg:svgBlip xmlns="" xmlns:asvg="http://schemas.microsoft.com/office/drawing/2016/SVG/main" r:embed="rId8"/>
+                <asvg:svgBlip xmlns:asvg="http://schemas.microsoft.com/office/drawing/2016/SVG/main" xmlns="" r:embed="rId8"/>
               </a:ext>
             </a:extLst>
           </a:blip>
@@ -6852,7 +6852,7 @@
           <p:cNvPr id="11" name="Graphic 10" descr="Atom">
             <a:extLst>
               <a:ext uri="{FF2B5EF4-FFF2-40B4-BE49-F238E27FC236}">
-                <a16:creationId xmlns="" xmlns:a16="http://schemas.microsoft.com/office/drawing/2014/main" id="{803445ED-BA53-F447-93B7-06103930BE36}"/>
+                <a16:creationId xmlns:a16="http://schemas.microsoft.com/office/drawing/2014/main" xmlns="" id="{803445ED-BA53-F447-93B7-06103930BE36}"/>
               </a:ext>
             </a:extLst>
           </p:cNvPr>
@@ -6865,7 +6865,7 @@
           <a:blip r:embed="rId9">
             <a:extLst>
               <a:ext uri="{96DAC541-7B7A-43D3-8B79-37D633B846F1}">
-                <asvg:svgBlip xmlns="" xmlns:asvg="http://schemas.microsoft.com/office/drawing/2016/SVG/main" r:embed="rId10"/>
+                <asvg:svgBlip xmlns:asvg="http://schemas.microsoft.com/office/drawing/2016/SVG/main" xmlns="" r:embed="rId10"/>
               </a:ext>
             </a:extLst>
           </a:blip>
@@ -6888,7 +6888,7 @@
           <p:cNvPr id="14" name="Graphic 13" descr="HeadWithGears">
             <a:extLst>
               <a:ext uri="{FF2B5EF4-FFF2-40B4-BE49-F238E27FC236}">
-                <a16:creationId xmlns="" xmlns:a16="http://schemas.microsoft.com/office/drawing/2014/main" id="{F1734F00-B7B6-2042-904B-EB85E52832BE}"/>
+                <a16:creationId xmlns:a16="http://schemas.microsoft.com/office/drawing/2014/main" xmlns="" id="{F1734F00-B7B6-2042-904B-EB85E52832BE}"/>
               </a:ext>
             </a:extLst>
           </p:cNvPr>
@@ -6901,7 +6901,7 @@
           <a:blip r:embed="rId11">
             <a:extLst>
               <a:ext uri="{96DAC541-7B7A-43D3-8B79-37D633B846F1}">
-                <asvg:svgBlip xmlns="" xmlns:asvg="http://schemas.microsoft.com/office/drawing/2016/SVG/main" r:embed="rId12"/>
+                <asvg:svgBlip xmlns:asvg="http://schemas.microsoft.com/office/drawing/2016/SVG/main" xmlns="" r:embed="rId12"/>
               </a:ext>
             </a:extLst>
           </a:blip>
@@ -7000,7 +7000,7 @@
           <p:cNvPr id="3" name="Oval 2">
             <a:extLst>
               <a:ext uri="{FF2B5EF4-FFF2-40B4-BE49-F238E27FC236}">
-                <a16:creationId xmlns="" xmlns:a16="http://schemas.microsoft.com/office/drawing/2014/main" id="{B073BD9C-6BDA-C347-9C0E-31CB52DA42B6}"/>
+                <a16:creationId xmlns:a16="http://schemas.microsoft.com/office/drawing/2014/main" xmlns="" id="{B073BD9C-6BDA-C347-9C0E-31CB52DA42B6}"/>
               </a:ext>
             </a:extLst>
           </p:cNvPr>
@@ -7054,7 +7054,7 @@
           <p:cNvPr id="12" name="Picture 11">
             <a:extLst>
               <a:ext uri="{FF2B5EF4-FFF2-40B4-BE49-F238E27FC236}">
-                <a16:creationId xmlns="" xmlns:a16="http://schemas.microsoft.com/office/drawing/2014/main" id="{EAAF42C1-FAEB-4947-8DE4-2C0AD5593B99}"/>
+                <a16:creationId xmlns:a16="http://schemas.microsoft.com/office/drawing/2014/main" xmlns="" id="{EAAF42C1-FAEB-4947-8DE4-2C0AD5593B99}"/>
               </a:ext>
             </a:extLst>
           </p:cNvPr>
@@ -7084,7 +7084,7 @@
           <p:cNvPr id="19" name="Oval 18">
             <a:extLst>
               <a:ext uri="{FF2B5EF4-FFF2-40B4-BE49-F238E27FC236}">
-                <a16:creationId xmlns="" xmlns:a16="http://schemas.microsoft.com/office/drawing/2014/main" id="{B75FE795-2BFF-E54A-B090-C664817205DA}"/>
+                <a16:creationId xmlns:a16="http://schemas.microsoft.com/office/drawing/2014/main" xmlns="" id="{B75FE795-2BFF-E54A-B090-C664817205DA}"/>
               </a:ext>
             </a:extLst>
           </p:cNvPr>
@@ -7131,7 +7131,7 @@
           <p:cNvPr id="20" name="Oval 19">
             <a:extLst>
               <a:ext uri="{FF2B5EF4-FFF2-40B4-BE49-F238E27FC236}">
-                <a16:creationId xmlns="" xmlns:a16="http://schemas.microsoft.com/office/drawing/2014/main" id="{08F67ED2-E0EA-744D-A5C3-DFAF9C05EBB0}"/>
+                <a16:creationId xmlns:a16="http://schemas.microsoft.com/office/drawing/2014/main" xmlns="" id="{08F67ED2-E0EA-744D-A5C3-DFAF9C05EBB0}"/>
               </a:ext>
             </a:extLst>
           </p:cNvPr>
@@ -7178,7 +7178,7 @@
           <p:cNvPr id="35" name="Picture 34">
             <a:extLst>
               <a:ext uri="{FF2B5EF4-FFF2-40B4-BE49-F238E27FC236}">
-                <a16:creationId xmlns="" xmlns:a16="http://schemas.microsoft.com/office/drawing/2014/main" id="{2E698A0B-399F-4D4C-B908-B836437D1CA1}"/>
+                <a16:creationId xmlns:a16="http://schemas.microsoft.com/office/drawing/2014/main" xmlns="" id="{2E698A0B-399F-4D4C-B908-B836437D1CA1}"/>
               </a:ext>
             </a:extLst>
           </p:cNvPr>
@@ -7208,7 +7208,7 @@
           <p:cNvPr id="38" name="Oval 37">
             <a:extLst>
               <a:ext uri="{FF2B5EF4-FFF2-40B4-BE49-F238E27FC236}">
-                <a16:creationId xmlns="" xmlns:a16="http://schemas.microsoft.com/office/drawing/2014/main" id="{D50BF41E-EF71-F94A-86B9-DF1B15F4B1FC}"/>
+                <a16:creationId xmlns:a16="http://schemas.microsoft.com/office/drawing/2014/main" xmlns="" id="{D50BF41E-EF71-F94A-86B9-DF1B15F4B1FC}"/>
               </a:ext>
             </a:extLst>
           </p:cNvPr>
@@ -7260,7 +7260,7 @@
           <p:cNvPr id="39" name="Picture 38">
             <a:extLst>
               <a:ext uri="{FF2B5EF4-FFF2-40B4-BE49-F238E27FC236}">
-                <a16:creationId xmlns="" xmlns:a16="http://schemas.microsoft.com/office/drawing/2014/main" id="{4E04806B-A48C-E042-86E9-CBD67367ED63}"/>
+                <a16:creationId xmlns:a16="http://schemas.microsoft.com/office/drawing/2014/main" xmlns="" id="{4E04806B-A48C-E042-86E9-CBD67367ED63}"/>
               </a:ext>
             </a:extLst>
           </p:cNvPr>
@@ -7296,7 +7296,7 @@
           <p:cNvPr id="40" name="Picture 39">
             <a:extLst>
               <a:ext uri="{FF2B5EF4-FFF2-40B4-BE49-F238E27FC236}">
-                <a16:creationId xmlns="" xmlns:a16="http://schemas.microsoft.com/office/drawing/2014/main" id="{4847759E-E771-9645-B94F-520F45A19480}"/>
+                <a16:creationId xmlns:a16="http://schemas.microsoft.com/office/drawing/2014/main" xmlns="" id="{4847759E-E771-9645-B94F-520F45A19480}"/>
               </a:ext>
             </a:extLst>
           </p:cNvPr>
@@ -7332,7 +7332,7 @@
           <p:cNvPr id="41" name="Picture 40">
             <a:extLst>
               <a:ext uri="{FF2B5EF4-FFF2-40B4-BE49-F238E27FC236}">
-                <a16:creationId xmlns="" xmlns:a16="http://schemas.microsoft.com/office/drawing/2014/main" id="{2A455A8A-721A-724A-99BC-08B770FA26C3}"/>
+                <a16:creationId xmlns:a16="http://schemas.microsoft.com/office/drawing/2014/main" xmlns="" id="{2A455A8A-721A-724A-99BC-08B770FA26C3}"/>
               </a:ext>
             </a:extLst>
           </p:cNvPr>
@@ -7368,7 +7368,7 @@
           <p:cNvPr id="42" name="TextBox 41">
             <a:extLst>
               <a:ext uri="{FF2B5EF4-FFF2-40B4-BE49-F238E27FC236}">
-                <a16:creationId xmlns="" xmlns:a16="http://schemas.microsoft.com/office/drawing/2014/main" id="{5AFBB60A-07C7-F641-A967-1FE814B00E94}"/>
+                <a16:creationId xmlns:a16="http://schemas.microsoft.com/office/drawing/2014/main" xmlns="" id="{5AFBB60A-07C7-F641-A967-1FE814B00E94}"/>
               </a:ext>
             </a:extLst>
           </p:cNvPr>
@@ -7403,7 +7403,7 @@
           <p:cNvPr id="43" name="TextBox 42">
             <a:extLst>
               <a:ext uri="{FF2B5EF4-FFF2-40B4-BE49-F238E27FC236}">
-                <a16:creationId xmlns="" xmlns:a16="http://schemas.microsoft.com/office/drawing/2014/main" id="{B465CC4F-702C-EB40-92B3-EBCC290A1759}"/>
+                <a16:creationId xmlns:a16="http://schemas.microsoft.com/office/drawing/2014/main" xmlns="" id="{B465CC4F-702C-EB40-92B3-EBCC290A1759}"/>
               </a:ext>
             </a:extLst>
           </p:cNvPr>
@@ -7438,7 +7438,7 @@
           <p:cNvPr id="44" name="TextBox 43">
             <a:extLst>
               <a:ext uri="{FF2B5EF4-FFF2-40B4-BE49-F238E27FC236}">
-                <a16:creationId xmlns="" xmlns:a16="http://schemas.microsoft.com/office/drawing/2014/main" id="{A3B6CEB5-3318-0A4D-AE9B-6A3FF7400028}"/>
+                <a16:creationId xmlns:a16="http://schemas.microsoft.com/office/drawing/2014/main" xmlns="" id="{A3B6CEB5-3318-0A4D-AE9B-6A3FF7400028}"/>
               </a:ext>
             </a:extLst>
           </p:cNvPr>
@@ -7473,7 +7473,7 @@
           <p:cNvPr id="45" name="Rectangle 44">
             <a:extLst>
               <a:ext uri="{FF2B5EF4-FFF2-40B4-BE49-F238E27FC236}">
-                <a16:creationId xmlns="" xmlns:a16="http://schemas.microsoft.com/office/drawing/2014/main" id="{D5D71723-DB53-C14A-98F5-82DB7A5DC130}"/>
+                <a16:creationId xmlns:a16="http://schemas.microsoft.com/office/drawing/2014/main" xmlns="" id="{D5D71723-DB53-C14A-98F5-82DB7A5DC130}"/>
               </a:ext>
             </a:extLst>
           </p:cNvPr>
@@ -7519,7 +7519,7 @@
           <p:cNvPr id="46" name="Rectangle 45">
             <a:extLst>
               <a:ext uri="{FF2B5EF4-FFF2-40B4-BE49-F238E27FC236}">
-                <a16:creationId xmlns="" xmlns:a16="http://schemas.microsoft.com/office/drawing/2014/main" id="{D26023F7-2B1D-7F47-BD38-851577017CEC}"/>
+                <a16:creationId xmlns:a16="http://schemas.microsoft.com/office/drawing/2014/main" xmlns="" id="{D26023F7-2B1D-7F47-BD38-851577017CEC}"/>
               </a:ext>
             </a:extLst>
           </p:cNvPr>
@@ -7565,7 +7565,7 @@
           <p:cNvPr id="47" name="Rectangle 46">
             <a:extLst>
               <a:ext uri="{FF2B5EF4-FFF2-40B4-BE49-F238E27FC236}">
-                <a16:creationId xmlns="" xmlns:a16="http://schemas.microsoft.com/office/drawing/2014/main" id="{AEC291F5-1339-3B45-8B0E-EF0C8F34F61E}"/>
+                <a16:creationId xmlns:a16="http://schemas.microsoft.com/office/drawing/2014/main" xmlns="" id="{AEC291F5-1339-3B45-8B0E-EF0C8F34F61E}"/>
               </a:ext>
             </a:extLst>
           </p:cNvPr>
@@ -7611,7 +7611,7 @@
           <p:cNvPr id="49" name="Straight Arrow Connector 48">
             <a:extLst>
               <a:ext uri="{FF2B5EF4-FFF2-40B4-BE49-F238E27FC236}">
-                <a16:creationId xmlns="" xmlns:a16="http://schemas.microsoft.com/office/drawing/2014/main" id="{8CC7D7B6-9487-0D41-8A89-1B4330C9AEA3}"/>
+                <a16:creationId xmlns:a16="http://schemas.microsoft.com/office/drawing/2014/main" xmlns="" id="{8CC7D7B6-9487-0D41-8A89-1B4330C9AEA3}"/>
               </a:ext>
             </a:extLst>
           </p:cNvPr>
@@ -7654,7 +7654,7 @@
           <p:cNvPr id="51" name="Straight Arrow Connector 50">
             <a:extLst>
               <a:ext uri="{FF2B5EF4-FFF2-40B4-BE49-F238E27FC236}">
-                <a16:creationId xmlns="" xmlns:a16="http://schemas.microsoft.com/office/drawing/2014/main" id="{51BB2CF8-DFCF-214B-BB0C-08604FD514B1}"/>
+                <a16:creationId xmlns:a16="http://schemas.microsoft.com/office/drawing/2014/main" xmlns="" id="{51BB2CF8-DFCF-214B-BB0C-08604FD514B1}"/>
               </a:ext>
             </a:extLst>
           </p:cNvPr>
@@ -7697,7 +7697,7 @@
           <p:cNvPr id="54" name="Straight Arrow Connector 53">
             <a:extLst>
               <a:ext uri="{FF2B5EF4-FFF2-40B4-BE49-F238E27FC236}">
-                <a16:creationId xmlns="" xmlns:a16="http://schemas.microsoft.com/office/drawing/2014/main" id="{2CAA39AB-3959-E04A-84E4-AC17685C42BD}"/>
+                <a16:creationId xmlns:a16="http://schemas.microsoft.com/office/drawing/2014/main" xmlns="" id="{2CAA39AB-3959-E04A-84E4-AC17685C42BD}"/>
               </a:ext>
             </a:extLst>
           </p:cNvPr>
@@ -7740,7 +7740,7 @@
           <p:cNvPr id="5" name="TextBox 4">
             <a:extLst>
               <a:ext uri="{FF2B5EF4-FFF2-40B4-BE49-F238E27FC236}">
-                <a16:creationId xmlns="" xmlns:a16="http://schemas.microsoft.com/office/drawing/2014/main" id="{D5DFEE21-A2C1-A443-967F-7D6E9C2A0A58}"/>
+                <a16:creationId xmlns:a16="http://schemas.microsoft.com/office/drawing/2014/main" xmlns="" id="{D5DFEE21-A2C1-A443-967F-7D6E9C2A0A58}"/>
               </a:ext>
             </a:extLst>
           </p:cNvPr>
@@ -7775,7 +7775,7 @@
           <p:cNvPr id="25" name="TextBox 24">
             <a:extLst>
               <a:ext uri="{FF2B5EF4-FFF2-40B4-BE49-F238E27FC236}">
-                <a16:creationId xmlns="" xmlns:a16="http://schemas.microsoft.com/office/drawing/2014/main" id="{4EB2492B-E995-A84D-840C-031180384FE6}"/>
+                <a16:creationId xmlns:a16="http://schemas.microsoft.com/office/drawing/2014/main" xmlns="" id="{4EB2492B-E995-A84D-840C-031180384FE6}"/>
               </a:ext>
             </a:extLst>
           </p:cNvPr>
@@ -7810,7 +7810,7 @@
           <p:cNvPr id="26" name="TextBox 25">
             <a:extLst>
               <a:ext uri="{FF2B5EF4-FFF2-40B4-BE49-F238E27FC236}">
-                <a16:creationId xmlns="" xmlns:a16="http://schemas.microsoft.com/office/drawing/2014/main" id="{3C588F17-12CD-9841-B51E-AA162FC60453}"/>
+                <a16:creationId xmlns:a16="http://schemas.microsoft.com/office/drawing/2014/main" xmlns="" id="{3C588F17-12CD-9841-B51E-AA162FC60453}"/>
               </a:ext>
             </a:extLst>
           </p:cNvPr>
@@ -7845,7 +7845,7 @@
           <p:cNvPr id="27" name="TextBox 26">
             <a:extLst>
               <a:ext uri="{FF2B5EF4-FFF2-40B4-BE49-F238E27FC236}">
-                <a16:creationId xmlns="" xmlns:a16="http://schemas.microsoft.com/office/drawing/2014/main" id="{86790816-24AF-3A45-A9F0-34067721F6C1}"/>
+                <a16:creationId xmlns:a16="http://schemas.microsoft.com/office/drawing/2014/main" xmlns="" id="{86790816-24AF-3A45-A9F0-34067721F6C1}"/>
               </a:ext>
             </a:extLst>
           </p:cNvPr>
@@ -7880,7 +7880,7 @@
           <p:cNvPr id="28" name="TextBox 27">
             <a:extLst>
               <a:ext uri="{FF2B5EF4-FFF2-40B4-BE49-F238E27FC236}">
-                <a16:creationId xmlns="" xmlns:a16="http://schemas.microsoft.com/office/drawing/2014/main" id="{E33AF501-099A-D740-AE03-8C24A738040D}"/>
+                <a16:creationId xmlns:a16="http://schemas.microsoft.com/office/drawing/2014/main" xmlns="" id="{E33AF501-099A-D740-AE03-8C24A738040D}"/>
               </a:ext>
             </a:extLst>
           </p:cNvPr>
@@ -7915,7 +7915,7 @@
           <p:cNvPr id="30" name="TextBox 29">
             <a:extLst>
               <a:ext uri="{FF2B5EF4-FFF2-40B4-BE49-F238E27FC236}">
-                <a16:creationId xmlns="" xmlns:a16="http://schemas.microsoft.com/office/drawing/2014/main" id="{0EE8BA27-FD6A-6C47-89E6-CB1805217D5F}"/>
+                <a16:creationId xmlns:a16="http://schemas.microsoft.com/office/drawing/2014/main" xmlns="" id="{0EE8BA27-FD6A-6C47-89E6-CB1805217D5F}"/>
               </a:ext>
             </a:extLst>
           </p:cNvPr>
@@ -7950,7 +7950,7 @@
           <p:cNvPr id="9" name="Graphic 8" descr="Binoculars">
             <a:extLst>
               <a:ext uri="{FF2B5EF4-FFF2-40B4-BE49-F238E27FC236}">
-                <a16:creationId xmlns="" xmlns:a16="http://schemas.microsoft.com/office/drawing/2014/main" id="{0307FDB9-D726-D54A-8E96-5C778AD4B9A7}"/>
+                <a16:creationId xmlns:a16="http://schemas.microsoft.com/office/drawing/2014/main" xmlns="" id="{0307FDB9-D726-D54A-8E96-5C778AD4B9A7}"/>
               </a:ext>
             </a:extLst>
           </p:cNvPr>
@@ -7963,7 +7963,7 @@
           <a:blip r:embed="rId7">
             <a:extLst>
               <a:ext uri="{96DAC541-7B7A-43D3-8B79-37D633B846F1}">
-                <asvg:svgBlip xmlns="" xmlns:asvg="http://schemas.microsoft.com/office/drawing/2016/SVG/main" r:embed="rId8"/>
+                <asvg:svgBlip xmlns:asvg="http://schemas.microsoft.com/office/drawing/2016/SVG/main" xmlns="" r:embed="rId8"/>
               </a:ext>
             </a:extLst>
           </a:blip>
@@ -7986,7 +7986,7 @@
           <p:cNvPr id="11" name="Graphic 10" descr="Atom">
             <a:extLst>
               <a:ext uri="{FF2B5EF4-FFF2-40B4-BE49-F238E27FC236}">
-                <a16:creationId xmlns="" xmlns:a16="http://schemas.microsoft.com/office/drawing/2014/main" id="{803445ED-BA53-F447-93B7-06103930BE36}"/>
+                <a16:creationId xmlns:a16="http://schemas.microsoft.com/office/drawing/2014/main" xmlns="" id="{803445ED-BA53-F447-93B7-06103930BE36}"/>
               </a:ext>
             </a:extLst>
           </p:cNvPr>
@@ -7999,7 +7999,7 @@
           <a:blip r:embed="rId9">
             <a:extLst>
               <a:ext uri="{96DAC541-7B7A-43D3-8B79-37D633B846F1}">
-                <asvg:svgBlip xmlns="" xmlns:asvg="http://schemas.microsoft.com/office/drawing/2016/SVG/main" r:embed="rId10"/>
+                <asvg:svgBlip xmlns:asvg="http://schemas.microsoft.com/office/drawing/2016/SVG/main" xmlns="" r:embed="rId10"/>
               </a:ext>
             </a:extLst>
           </a:blip>
@@ -8022,7 +8022,7 @@
           <p:cNvPr id="14" name="Graphic 13" descr="HeadWithGears">
             <a:extLst>
               <a:ext uri="{FF2B5EF4-FFF2-40B4-BE49-F238E27FC236}">
-                <a16:creationId xmlns="" xmlns:a16="http://schemas.microsoft.com/office/drawing/2014/main" id="{F1734F00-B7B6-2042-904B-EB85E52832BE}"/>
+                <a16:creationId xmlns:a16="http://schemas.microsoft.com/office/drawing/2014/main" xmlns="" id="{F1734F00-B7B6-2042-904B-EB85E52832BE}"/>
               </a:ext>
             </a:extLst>
           </p:cNvPr>
@@ -8035,7 +8035,7 @@
           <a:blip r:embed="rId11">
             <a:extLst>
               <a:ext uri="{96DAC541-7B7A-43D3-8B79-37D633B846F1}">
-                <asvg:svgBlip xmlns="" xmlns:asvg="http://schemas.microsoft.com/office/drawing/2016/SVG/main" r:embed="rId12"/>
+                <asvg:svgBlip xmlns:asvg="http://schemas.microsoft.com/office/drawing/2016/SVG/main" xmlns="" r:embed="rId12"/>
               </a:ext>
             </a:extLst>
           </a:blip>
@@ -8058,7 +8058,7 @@
           <p:cNvPr id="4" name="5-Point Star 3">
             <a:extLst>
               <a:ext uri="{FF2B5EF4-FFF2-40B4-BE49-F238E27FC236}">
-                <a16:creationId xmlns="" xmlns:a16="http://schemas.microsoft.com/office/drawing/2014/main" id="{B583A645-FA5E-FD4B-BD40-AE889B17BDEB}"/>
+                <a16:creationId xmlns:a16="http://schemas.microsoft.com/office/drawing/2014/main" xmlns="" id="{B583A645-FA5E-FD4B-BD40-AE889B17BDEB}"/>
               </a:ext>
             </a:extLst>
           </p:cNvPr>
@@ -8180,7 +8180,7 @@
           <p:cNvPr id="3" name="Oval 2">
             <a:extLst>
               <a:ext uri="{FF2B5EF4-FFF2-40B4-BE49-F238E27FC236}">
-                <a16:creationId xmlns="" xmlns:a16="http://schemas.microsoft.com/office/drawing/2014/main" id="{B073BD9C-6BDA-C347-9C0E-31CB52DA42B6}"/>
+                <a16:creationId xmlns:a16="http://schemas.microsoft.com/office/drawing/2014/main" xmlns="" id="{B073BD9C-6BDA-C347-9C0E-31CB52DA42B6}"/>
               </a:ext>
             </a:extLst>
           </p:cNvPr>
@@ -8234,7 +8234,7 @@
           <p:cNvPr id="12" name="Picture 11">
             <a:extLst>
               <a:ext uri="{FF2B5EF4-FFF2-40B4-BE49-F238E27FC236}">
-                <a16:creationId xmlns="" xmlns:a16="http://schemas.microsoft.com/office/drawing/2014/main" id="{EAAF42C1-FAEB-4947-8DE4-2C0AD5593B99}"/>
+                <a16:creationId xmlns:a16="http://schemas.microsoft.com/office/drawing/2014/main" xmlns="" id="{EAAF42C1-FAEB-4947-8DE4-2C0AD5593B99}"/>
               </a:ext>
             </a:extLst>
           </p:cNvPr>
@@ -8264,7 +8264,7 @@
           <p:cNvPr id="19" name="Oval 18">
             <a:extLst>
               <a:ext uri="{FF2B5EF4-FFF2-40B4-BE49-F238E27FC236}">
-                <a16:creationId xmlns="" xmlns:a16="http://schemas.microsoft.com/office/drawing/2014/main" id="{B75FE795-2BFF-E54A-B090-C664817205DA}"/>
+                <a16:creationId xmlns:a16="http://schemas.microsoft.com/office/drawing/2014/main" xmlns="" id="{B75FE795-2BFF-E54A-B090-C664817205DA}"/>
               </a:ext>
             </a:extLst>
           </p:cNvPr>
@@ -8311,7 +8311,7 @@
           <p:cNvPr id="20" name="Oval 19">
             <a:extLst>
               <a:ext uri="{FF2B5EF4-FFF2-40B4-BE49-F238E27FC236}">
-                <a16:creationId xmlns="" xmlns:a16="http://schemas.microsoft.com/office/drawing/2014/main" id="{08F67ED2-E0EA-744D-A5C3-DFAF9C05EBB0}"/>
+                <a16:creationId xmlns:a16="http://schemas.microsoft.com/office/drawing/2014/main" xmlns="" id="{08F67ED2-E0EA-744D-A5C3-DFAF9C05EBB0}"/>
               </a:ext>
             </a:extLst>
           </p:cNvPr>
@@ -8358,7 +8358,7 @@
           <p:cNvPr id="35" name="Picture 34">
             <a:extLst>
               <a:ext uri="{FF2B5EF4-FFF2-40B4-BE49-F238E27FC236}">
-                <a16:creationId xmlns="" xmlns:a16="http://schemas.microsoft.com/office/drawing/2014/main" id="{2E698A0B-399F-4D4C-B908-B836437D1CA1}"/>
+                <a16:creationId xmlns:a16="http://schemas.microsoft.com/office/drawing/2014/main" xmlns="" id="{2E698A0B-399F-4D4C-B908-B836437D1CA1}"/>
               </a:ext>
             </a:extLst>
           </p:cNvPr>
@@ -8388,7 +8388,7 @@
           <p:cNvPr id="37" name="Picture 36">
             <a:extLst>
               <a:ext uri="{FF2B5EF4-FFF2-40B4-BE49-F238E27FC236}">
-                <a16:creationId xmlns="" xmlns:a16="http://schemas.microsoft.com/office/drawing/2014/main" id="{089A8EB1-7BF3-3B48-B79F-BFE89310F787}"/>
+                <a16:creationId xmlns:a16="http://schemas.microsoft.com/office/drawing/2014/main" xmlns="" id="{089A8EB1-7BF3-3B48-B79F-BFE89310F787}"/>
               </a:ext>
             </a:extLst>
           </p:cNvPr>
@@ -8418,7 +8418,7 @@
           <p:cNvPr id="38" name="Oval 37">
             <a:extLst>
               <a:ext uri="{FF2B5EF4-FFF2-40B4-BE49-F238E27FC236}">
-                <a16:creationId xmlns="" xmlns:a16="http://schemas.microsoft.com/office/drawing/2014/main" id="{D50BF41E-EF71-F94A-86B9-DF1B15F4B1FC}"/>
+                <a16:creationId xmlns:a16="http://schemas.microsoft.com/office/drawing/2014/main" xmlns="" id="{D50BF41E-EF71-F94A-86B9-DF1B15F4B1FC}"/>
               </a:ext>
             </a:extLst>
           </p:cNvPr>
@@ -8470,7 +8470,7 @@
           <p:cNvPr id="39" name="Picture 38">
             <a:extLst>
               <a:ext uri="{FF2B5EF4-FFF2-40B4-BE49-F238E27FC236}">
-                <a16:creationId xmlns="" xmlns:a16="http://schemas.microsoft.com/office/drawing/2014/main" id="{4E04806B-A48C-E042-86E9-CBD67367ED63}"/>
+                <a16:creationId xmlns:a16="http://schemas.microsoft.com/office/drawing/2014/main" xmlns="" id="{4E04806B-A48C-E042-86E9-CBD67367ED63}"/>
               </a:ext>
             </a:extLst>
           </p:cNvPr>
@@ -8506,7 +8506,7 @@
           <p:cNvPr id="40" name="Picture 39">
             <a:extLst>
               <a:ext uri="{FF2B5EF4-FFF2-40B4-BE49-F238E27FC236}">
-                <a16:creationId xmlns="" xmlns:a16="http://schemas.microsoft.com/office/drawing/2014/main" id="{4847759E-E771-9645-B94F-520F45A19480}"/>
+                <a16:creationId xmlns:a16="http://schemas.microsoft.com/office/drawing/2014/main" xmlns="" id="{4847759E-E771-9645-B94F-520F45A19480}"/>
               </a:ext>
             </a:extLst>
           </p:cNvPr>
@@ -8542,7 +8542,7 @@
           <p:cNvPr id="41" name="Picture 40">
             <a:extLst>
               <a:ext uri="{FF2B5EF4-FFF2-40B4-BE49-F238E27FC236}">
-                <a16:creationId xmlns="" xmlns:a16="http://schemas.microsoft.com/office/drawing/2014/main" id="{2A455A8A-721A-724A-99BC-08B770FA26C3}"/>
+                <a16:creationId xmlns:a16="http://schemas.microsoft.com/office/drawing/2014/main" xmlns="" id="{2A455A8A-721A-724A-99BC-08B770FA26C3}"/>
               </a:ext>
             </a:extLst>
           </p:cNvPr>
@@ -8578,7 +8578,7 @@
           <p:cNvPr id="42" name="TextBox 41">
             <a:extLst>
               <a:ext uri="{FF2B5EF4-FFF2-40B4-BE49-F238E27FC236}">
-                <a16:creationId xmlns="" xmlns:a16="http://schemas.microsoft.com/office/drawing/2014/main" id="{5AFBB60A-07C7-F641-A967-1FE814B00E94}"/>
+                <a16:creationId xmlns:a16="http://schemas.microsoft.com/office/drawing/2014/main" xmlns="" id="{5AFBB60A-07C7-F641-A967-1FE814B00E94}"/>
               </a:ext>
             </a:extLst>
           </p:cNvPr>
@@ -8613,7 +8613,7 @@
           <p:cNvPr id="43" name="TextBox 42">
             <a:extLst>
               <a:ext uri="{FF2B5EF4-FFF2-40B4-BE49-F238E27FC236}">
-                <a16:creationId xmlns="" xmlns:a16="http://schemas.microsoft.com/office/drawing/2014/main" id="{B465CC4F-702C-EB40-92B3-EBCC290A1759}"/>
+                <a16:creationId xmlns:a16="http://schemas.microsoft.com/office/drawing/2014/main" xmlns="" id="{B465CC4F-702C-EB40-92B3-EBCC290A1759}"/>
               </a:ext>
             </a:extLst>
           </p:cNvPr>
@@ -8648,7 +8648,7 @@
           <p:cNvPr id="44" name="TextBox 43">
             <a:extLst>
               <a:ext uri="{FF2B5EF4-FFF2-40B4-BE49-F238E27FC236}">
-                <a16:creationId xmlns="" xmlns:a16="http://schemas.microsoft.com/office/drawing/2014/main" id="{A3B6CEB5-3318-0A4D-AE9B-6A3FF7400028}"/>
+                <a16:creationId xmlns:a16="http://schemas.microsoft.com/office/drawing/2014/main" xmlns="" id="{A3B6CEB5-3318-0A4D-AE9B-6A3FF7400028}"/>
               </a:ext>
             </a:extLst>
           </p:cNvPr>
@@ -8683,7 +8683,7 @@
           <p:cNvPr id="45" name="Rectangle 44">
             <a:extLst>
               <a:ext uri="{FF2B5EF4-FFF2-40B4-BE49-F238E27FC236}">
-                <a16:creationId xmlns="" xmlns:a16="http://schemas.microsoft.com/office/drawing/2014/main" id="{D5D71723-DB53-C14A-98F5-82DB7A5DC130}"/>
+                <a16:creationId xmlns:a16="http://schemas.microsoft.com/office/drawing/2014/main" xmlns="" id="{D5D71723-DB53-C14A-98F5-82DB7A5DC130}"/>
               </a:ext>
             </a:extLst>
           </p:cNvPr>
@@ -8729,7 +8729,7 @@
           <p:cNvPr id="46" name="Rectangle 45">
             <a:extLst>
               <a:ext uri="{FF2B5EF4-FFF2-40B4-BE49-F238E27FC236}">
-                <a16:creationId xmlns="" xmlns:a16="http://schemas.microsoft.com/office/drawing/2014/main" id="{D26023F7-2B1D-7F47-BD38-851577017CEC}"/>
+                <a16:creationId xmlns:a16="http://schemas.microsoft.com/office/drawing/2014/main" xmlns="" id="{D26023F7-2B1D-7F47-BD38-851577017CEC}"/>
               </a:ext>
             </a:extLst>
           </p:cNvPr>
@@ -8775,7 +8775,7 @@
           <p:cNvPr id="47" name="Rectangle 46">
             <a:extLst>
               <a:ext uri="{FF2B5EF4-FFF2-40B4-BE49-F238E27FC236}">
-                <a16:creationId xmlns="" xmlns:a16="http://schemas.microsoft.com/office/drawing/2014/main" id="{AEC291F5-1339-3B45-8B0E-EF0C8F34F61E}"/>
+                <a16:creationId xmlns:a16="http://schemas.microsoft.com/office/drawing/2014/main" xmlns="" id="{AEC291F5-1339-3B45-8B0E-EF0C8F34F61E}"/>
               </a:ext>
             </a:extLst>
           </p:cNvPr>
@@ -8821,7 +8821,7 @@
           <p:cNvPr id="49" name="Straight Arrow Connector 48">
             <a:extLst>
               <a:ext uri="{FF2B5EF4-FFF2-40B4-BE49-F238E27FC236}">
-                <a16:creationId xmlns="" xmlns:a16="http://schemas.microsoft.com/office/drawing/2014/main" id="{8CC7D7B6-9487-0D41-8A89-1B4330C9AEA3}"/>
+                <a16:creationId xmlns:a16="http://schemas.microsoft.com/office/drawing/2014/main" xmlns="" id="{8CC7D7B6-9487-0D41-8A89-1B4330C9AEA3}"/>
               </a:ext>
             </a:extLst>
           </p:cNvPr>
@@ -8864,7 +8864,7 @@
           <p:cNvPr id="51" name="Straight Arrow Connector 50">
             <a:extLst>
               <a:ext uri="{FF2B5EF4-FFF2-40B4-BE49-F238E27FC236}">
-                <a16:creationId xmlns="" xmlns:a16="http://schemas.microsoft.com/office/drawing/2014/main" id="{51BB2CF8-DFCF-214B-BB0C-08604FD514B1}"/>
+                <a16:creationId xmlns:a16="http://schemas.microsoft.com/office/drawing/2014/main" xmlns="" id="{51BB2CF8-DFCF-214B-BB0C-08604FD514B1}"/>
               </a:ext>
             </a:extLst>
           </p:cNvPr>
@@ -8907,7 +8907,7 @@
           <p:cNvPr id="54" name="Straight Arrow Connector 53">
             <a:extLst>
               <a:ext uri="{FF2B5EF4-FFF2-40B4-BE49-F238E27FC236}">
-                <a16:creationId xmlns="" xmlns:a16="http://schemas.microsoft.com/office/drawing/2014/main" id="{2CAA39AB-3959-E04A-84E4-AC17685C42BD}"/>
+                <a16:creationId xmlns:a16="http://schemas.microsoft.com/office/drawing/2014/main" xmlns="" id="{2CAA39AB-3959-E04A-84E4-AC17685C42BD}"/>
               </a:ext>
             </a:extLst>
           </p:cNvPr>
@@ -8950,7 +8950,7 @@
           <p:cNvPr id="5" name="TextBox 4">
             <a:extLst>
               <a:ext uri="{FF2B5EF4-FFF2-40B4-BE49-F238E27FC236}">
-                <a16:creationId xmlns="" xmlns:a16="http://schemas.microsoft.com/office/drawing/2014/main" id="{D5DFEE21-A2C1-A443-967F-7D6E9C2A0A58}"/>
+                <a16:creationId xmlns:a16="http://schemas.microsoft.com/office/drawing/2014/main" xmlns="" id="{D5DFEE21-A2C1-A443-967F-7D6E9C2A0A58}"/>
               </a:ext>
             </a:extLst>
           </p:cNvPr>
@@ -8985,7 +8985,7 @@
           <p:cNvPr id="25" name="TextBox 24">
             <a:extLst>
               <a:ext uri="{FF2B5EF4-FFF2-40B4-BE49-F238E27FC236}">
-                <a16:creationId xmlns="" xmlns:a16="http://schemas.microsoft.com/office/drawing/2014/main" id="{4EB2492B-E995-A84D-840C-031180384FE6}"/>
+                <a16:creationId xmlns:a16="http://schemas.microsoft.com/office/drawing/2014/main" xmlns="" id="{4EB2492B-E995-A84D-840C-031180384FE6}"/>
               </a:ext>
             </a:extLst>
           </p:cNvPr>
@@ -9020,7 +9020,7 @@
           <p:cNvPr id="26" name="TextBox 25">
             <a:extLst>
               <a:ext uri="{FF2B5EF4-FFF2-40B4-BE49-F238E27FC236}">
-                <a16:creationId xmlns="" xmlns:a16="http://schemas.microsoft.com/office/drawing/2014/main" id="{3C588F17-12CD-9841-B51E-AA162FC60453}"/>
+                <a16:creationId xmlns:a16="http://schemas.microsoft.com/office/drawing/2014/main" xmlns="" id="{3C588F17-12CD-9841-B51E-AA162FC60453}"/>
               </a:ext>
             </a:extLst>
           </p:cNvPr>
@@ -9055,7 +9055,7 @@
           <p:cNvPr id="27" name="TextBox 26">
             <a:extLst>
               <a:ext uri="{FF2B5EF4-FFF2-40B4-BE49-F238E27FC236}">
-                <a16:creationId xmlns="" xmlns:a16="http://schemas.microsoft.com/office/drawing/2014/main" id="{86790816-24AF-3A45-A9F0-34067721F6C1}"/>
+                <a16:creationId xmlns:a16="http://schemas.microsoft.com/office/drawing/2014/main" xmlns="" id="{86790816-24AF-3A45-A9F0-34067721F6C1}"/>
               </a:ext>
             </a:extLst>
           </p:cNvPr>
@@ -9090,7 +9090,7 @@
           <p:cNvPr id="28" name="TextBox 27">
             <a:extLst>
               <a:ext uri="{FF2B5EF4-FFF2-40B4-BE49-F238E27FC236}">
-                <a16:creationId xmlns="" xmlns:a16="http://schemas.microsoft.com/office/drawing/2014/main" id="{E33AF501-099A-D740-AE03-8C24A738040D}"/>
+                <a16:creationId xmlns:a16="http://schemas.microsoft.com/office/drawing/2014/main" xmlns="" id="{E33AF501-099A-D740-AE03-8C24A738040D}"/>
               </a:ext>
             </a:extLst>
           </p:cNvPr>
@@ -9125,7 +9125,7 @@
           <p:cNvPr id="30" name="TextBox 29">
             <a:extLst>
               <a:ext uri="{FF2B5EF4-FFF2-40B4-BE49-F238E27FC236}">
-                <a16:creationId xmlns="" xmlns:a16="http://schemas.microsoft.com/office/drawing/2014/main" id="{0EE8BA27-FD6A-6C47-89E6-CB1805217D5F}"/>
+                <a16:creationId xmlns:a16="http://schemas.microsoft.com/office/drawing/2014/main" xmlns="" id="{0EE8BA27-FD6A-6C47-89E6-CB1805217D5F}"/>
               </a:ext>
             </a:extLst>
           </p:cNvPr>
@@ -9160,7 +9160,7 @@
           <p:cNvPr id="9" name="Graphic 8" descr="Binoculars">
             <a:extLst>
               <a:ext uri="{FF2B5EF4-FFF2-40B4-BE49-F238E27FC236}">
-                <a16:creationId xmlns="" xmlns:a16="http://schemas.microsoft.com/office/drawing/2014/main" id="{0307FDB9-D726-D54A-8E96-5C778AD4B9A7}"/>
+                <a16:creationId xmlns:a16="http://schemas.microsoft.com/office/drawing/2014/main" xmlns="" id="{0307FDB9-D726-D54A-8E96-5C778AD4B9A7}"/>
               </a:ext>
             </a:extLst>
           </p:cNvPr>
@@ -9173,7 +9173,7 @@
           <a:blip r:embed="rId8">
             <a:extLst>
               <a:ext uri="{96DAC541-7B7A-43D3-8B79-37D633B846F1}">
-                <asvg:svgBlip xmlns="" xmlns:asvg="http://schemas.microsoft.com/office/drawing/2016/SVG/main" r:embed="rId9"/>
+                <asvg:svgBlip xmlns:asvg="http://schemas.microsoft.com/office/drawing/2016/SVG/main" xmlns="" r:embed="rId9"/>
               </a:ext>
             </a:extLst>
           </a:blip>
@@ -9196,7 +9196,7 @@
           <p:cNvPr id="11" name="Graphic 10" descr="Atom">
             <a:extLst>
               <a:ext uri="{FF2B5EF4-FFF2-40B4-BE49-F238E27FC236}">
-                <a16:creationId xmlns="" xmlns:a16="http://schemas.microsoft.com/office/drawing/2014/main" id="{803445ED-BA53-F447-93B7-06103930BE36}"/>
+                <a16:creationId xmlns:a16="http://schemas.microsoft.com/office/drawing/2014/main" xmlns="" id="{803445ED-BA53-F447-93B7-06103930BE36}"/>
               </a:ext>
             </a:extLst>
           </p:cNvPr>
@@ -9209,7 +9209,7 @@
           <a:blip r:embed="rId10">
             <a:extLst>
               <a:ext uri="{96DAC541-7B7A-43D3-8B79-37D633B846F1}">
-                <asvg:svgBlip xmlns="" xmlns:asvg="http://schemas.microsoft.com/office/drawing/2016/SVG/main" r:embed="rId11"/>
+                <asvg:svgBlip xmlns:asvg="http://schemas.microsoft.com/office/drawing/2016/SVG/main" xmlns="" r:embed="rId11"/>
               </a:ext>
             </a:extLst>
           </a:blip>
@@ -9232,7 +9232,7 @@
           <p:cNvPr id="14" name="Graphic 13" descr="HeadWithGears">
             <a:extLst>
               <a:ext uri="{FF2B5EF4-FFF2-40B4-BE49-F238E27FC236}">
-                <a16:creationId xmlns="" xmlns:a16="http://schemas.microsoft.com/office/drawing/2014/main" id="{F1734F00-B7B6-2042-904B-EB85E52832BE}"/>
+                <a16:creationId xmlns:a16="http://schemas.microsoft.com/office/drawing/2014/main" xmlns="" id="{F1734F00-B7B6-2042-904B-EB85E52832BE}"/>
               </a:ext>
             </a:extLst>
           </p:cNvPr>
@@ -9245,7 +9245,7 @@
           <a:blip r:embed="rId12">
             <a:extLst>
               <a:ext uri="{96DAC541-7B7A-43D3-8B79-37D633B846F1}">
-                <asvg:svgBlip xmlns="" xmlns:asvg="http://schemas.microsoft.com/office/drawing/2016/SVG/main" r:embed="rId13"/>
+                <asvg:svgBlip xmlns:asvg="http://schemas.microsoft.com/office/drawing/2016/SVG/main" xmlns="" r:embed="rId13"/>
               </a:ext>
             </a:extLst>
           </a:blip>
@@ -9268,7 +9268,7 @@
           <p:cNvPr id="4" name="5-Point Star 3">
             <a:extLst>
               <a:ext uri="{FF2B5EF4-FFF2-40B4-BE49-F238E27FC236}">
-                <a16:creationId xmlns="" xmlns:a16="http://schemas.microsoft.com/office/drawing/2014/main" id="{B583A645-FA5E-FD4B-BD40-AE889B17BDEB}"/>
+                <a16:creationId xmlns:a16="http://schemas.microsoft.com/office/drawing/2014/main" xmlns="" id="{B583A645-FA5E-FD4B-BD40-AE889B17BDEB}"/>
               </a:ext>
             </a:extLst>
           </p:cNvPr>
@@ -9314,7 +9314,7 @@
           <p:cNvPr id="34" name="5-Point Star 33">
             <a:extLst>
               <a:ext uri="{FF2B5EF4-FFF2-40B4-BE49-F238E27FC236}">
-                <a16:creationId xmlns="" xmlns:a16="http://schemas.microsoft.com/office/drawing/2014/main" id="{C409094D-ED76-3340-9261-EFF5B78CD414}"/>
+                <a16:creationId xmlns:a16="http://schemas.microsoft.com/office/drawing/2014/main" xmlns="" id="{C409094D-ED76-3340-9261-EFF5B78CD414}"/>
               </a:ext>
             </a:extLst>
           </p:cNvPr>
@@ -9749,7 +9749,7 @@
           <p:cNvPr id="2" name="Title 1">
             <a:extLst>
               <a:ext uri="{FF2B5EF4-FFF2-40B4-BE49-F238E27FC236}">
-                <a16:creationId xmlns="" xmlns:a16="http://schemas.microsoft.com/office/drawing/2014/main" id="{90371848-C3C2-2946-8721-32944148379F}"/>
+                <a16:creationId xmlns:a16="http://schemas.microsoft.com/office/drawing/2014/main" xmlns="" id="{90371848-C3C2-2946-8721-32944148379F}"/>
               </a:ext>
             </a:extLst>
           </p:cNvPr>
@@ -9789,7 +9789,7 @@
           <p:cNvPr id="5" name="Picture 4">
             <a:extLst>
               <a:ext uri="{FF2B5EF4-FFF2-40B4-BE49-F238E27FC236}">
-                <a16:creationId xmlns="" xmlns:a16="http://schemas.microsoft.com/office/drawing/2014/main" id="{96C8DA8D-9BEF-744E-AFF8-50655E69712A}"/>
+                <a16:creationId xmlns:a16="http://schemas.microsoft.com/office/drawing/2014/main" xmlns="" id="{96C8DA8D-9BEF-744E-AFF8-50655E69712A}"/>
               </a:ext>
             </a:extLst>
           </p:cNvPr>
@@ -9827,7 +9827,7 @@
               <p:cNvPr id="7" name="TextBox 6">
                 <a:extLst>
                   <a:ext uri="{FF2B5EF4-FFF2-40B4-BE49-F238E27FC236}">
-                    <a16:creationId xmlns="" xmlns:a16="http://schemas.microsoft.com/office/drawing/2014/main" id="{B326EACE-184C-7541-863E-4FC005F8970C}"/>
+                    <a16:creationId xmlns:a16="http://schemas.microsoft.com/office/drawing/2014/main" xmlns="" id="{B326EACE-184C-7541-863E-4FC005F8970C}"/>
                   </a:ext>
                 </a:extLst>
               </p:cNvPr>
@@ -10199,7 +10199,7 @@
               <p:cNvPr id="8" name="TextBox 7">
                 <a:extLst>
                   <a:ext uri="{FF2B5EF4-FFF2-40B4-BE49-F238E27FC236}">
-                    <a16:creationId xmlns="" xmlns:a16="http://schemas.microsoft.com/office/drawing/2014/main" id="{4565886E-73A9-DD4D-90C2-BD9C2AFADF7F}"/>
+                    <a16:creationId xmlns:a16="http://schemas.microsoft.com/office/drawing/2014/main" xmlns="" id="{4565886E-73A9-DD4D-90C2-BD9C2AFADF7F}"/>
                   </a:ext>
                 </a:extLst>
               </p:cNvPr>
@@ -10476,7 +10476,7 @@
               <p:cNvPr id="11" name="TextBox 10">
                 <a:extLst>
                   <a:ext uri="{FF2B5EF4-FFF2-40B4-BE49-F238E27FC236}">
-                    <a16:creationId xmlns="" xmlns:a16="http://schemas.microsoft.com/office/drawing/2014/main" id="{BB012DDB-BC0C-FE43-A518-218DE1F61A4D}"/>
+                    <a16:creationId xmlns:a16="http://schemas.microsoft.com/office/drawing/2014/main" xmlns="" id="{BB012DDB-BC0C-FE43-A518-218DE1F61A4D}"/>
                   </a:ext>
                 </a:extLst>
               </p:cNvPr>
@@ -10733,7 +10733,7 @@
               <p:cNvPr id="3" name="Rectangle 2">
                 <a:extLst>
                   <a:ext uri="{FF2B5EF4-FFF2-40B4-BE49-F238E27FC236}">
-                    <a16:creationId xmlns="" xmlns:a16="http://schemas.microsoft.com/office/drawing/2014/main" id="{67AED2B4-B067-1F42-ABA8-9D82AA92F92F}"/>
+                    <a16:creationId xmlns:a16="http://schemas.microsoft.com/office/drawing/2014/main" xmlns="" id="{67AED2B4-B067-1F42-ABA8-9D82AA92F92F}"/>
                   </a:ext>
                 </a:extLst>
               </p:cNvPr>
@@ -10892,7 +10892,7 @@
           <p:cNvPr id="13" name="TextBox 12">
             <a:extLst>
               <a:ext uri="{FF2B5EF4-FFF2-40B4-BE49-F238E27FC236}">
-                <a16:creationId xmlns="" xmlns:a16="http://schemas.microsoft.com/office/drawing/2014/main" id="{066E202D-18D7-A642-8AE3-7D8CF187D524}"/>
+                <a16:creationId xmlns:a16="http://schemas.microsoft.com/office/drawing/2014/main" xmlns="" id="{066E202D-18D7-A642-8AE3-7D8CF187D524}"/>
               </a:ext>
             </a:extLst>
           </p:cNvPr>
@@ -10931,7 +10931,7 @@
           <p:cNvPr id="14" name="TextBox 13">
             <a:extLst>
               <a:ext uri="{FF2B5EF4-FFF2-40B4-BE49-F238E27FC236}">
-                <a16:creationId xmlns="" xmlns:a16="http://schemas.microsoft.com/office/drawing/2014/main" id="{D8AA17F5-17AA-654E-B89B-E4E9C5F05D4A}"/>
+                <a16:creationId xmlns:a16="http://schemas.microsoft.com/office/drawing/2014/main" xmlns="" id="{D8AA17F5-17AA-654E-B89B-E4E9C5F05D4A}"/>
               </a:ext>
             </a:extLst>
           </p:cNvPr>
@@ -10968,7 +10968,7 @@
               <p:cNvPr id="16" name="TextBox 15">
                 <a:extLst>
                   <a:ext uri="{FF2B5EF4-FFF2-40B4-BE49-F238E27FC236}">
-                    <a16:creationId xmlns="" xmlns:a16="http://schemas.microsoft.com/office/drawing/2014/main" id="{2CF36B65-5856-0E4A-A3F2-9073C8FBF3BB}"/>
+                    <a16:creationId xmlns:a16="http://schemas.microsoft.com/office/drawing/2014/main" xmlns="" id="{2CF36B65-5856-0E4A-A3F2-9073C8FBF3BB}"/>
                   </a:ext>
                 </a:extLst>
               </p:cNvPr>
@@ -11313,7 +11313,7 @@
               <p:cNvPr id="17" name="Rectangle 16">
                 <a:extLst>
                   <a:ext uri="{FF2B5EF4-FFF2-40B4-BE49-F238E27FC236}">
-                    <a16:creationId xmlns="" xmlns:a16="http://schemas.microsoft.com/office/drawing/2014/main" id="{54AA8573-33C7-BD48-8BC9-DA44AB3FC885}"/>
+                    <a16:creationId xmlns:a16="http://schemas.microsoft.com/office/drawing/2014/main" xmlns="" id="{54AA8573-33C7-BD48-8BC9-DA44AB3FC885}"/>
                   </a:ext>
                 </a:extLst>
               </p:cNvPr>
@@ -11503,7 +11503,7 @@
           <p:cNvPr id="18" name="TextBox 17">
             <a:extLst>
               <a:ext uri="{FF2B5EF4-FFF2-40B4-BE49-F238E27FC236}">
-                <a16:creationId xmlns="" xmlns:a16="http://schemas.microsoft.com/office/drawing/2014/main" id="{8DE64B79-B3BA-C84C-848C-E8C1148D0F8F}"/>
+                <a16:creationId xmlns:a16="http://schemas.microsoft.com/office/drawing/2014/main" xmlns="" id="{8DE64B79-B3BA-C84C-848C-E8C1148D0F8F}"/>
               </a:ext>
             </a:extLst>
           </p:cNvPr>
@@ -11572,7 +11572,7 @@
           <p:cNvPr id="2" name="Title 1">
             <a:extLst>
               <a:ext uri="{FF2B5EF4-FFF2-40B4-BE49-F238E27FC236}">
-                <a16:creationId xmlns="" xmlns:a16="http://schemas.microsoft.com/office/drawing/2014/main" id="{90371848-C3C2-2946-8721-32944148379F}"/>
+                <a16:creationId xmlns:a16="http://schemas.microsoft.com/office/drawing/2014/main" xmlns="" id="{90371848-C3C2-2946-8721-32944148379F}"/>
               </a:ext>
             </a:extLst>
           </p:cNvPr>
@@ -11612,7 +11612,7 @@
           <p:cNvPr id="5" name="Picture 4">
             <a:extLst>
               <a:ext uri="{FF2B5EF4-FFF2-40B4-BE49-F238E27FC236}">
-                <a16:creationId xmlns="" xmlns:a16="http://schemas.microsoft.com/office/drawing/2014/main" id="{96C8DA8D-9BEF-744E-AFF8-50655E69712A}"/>
+                <a16:creationId xmlns:a16="http://schemas.microsoft.com/office/drawing/2014/main" xmlns="" id="{96C8DA8D-9BEF-744E-AFF8-50655E69712A}"/>
               </a:ext>
             </a:extLst>
           </p:cNvPr>
@@ -11644,7 +11644,7 @@
               <p:cNvPr id="7" name="TextBox 6">
                 <a:extLst>
                   <a:ext uri="{FF2B5EF4-FFF2-40B4-BE49-F238E27FC236}">
-                    <a16:creationId xmlns="" xmlns:a16="http://schemas.microsoft.com/office/drawing/2014/main" id="{B326EACE-184C-7541-863E-4FC005F8970C}"/>
+                    <a16:creationId xmlns:a16="http://schemas.microsoft.com/office/drawing/2014/main" xmlns="" id="{B326EACE-184C-7541-863E-4FC005F8970C}"/>
                   </a:ext>
                 </a:extLst>
               </p:cNvPr>
@@ -12016,7 +12016,7 @@
               <p:cNvPr id="8" name="TextBox 7">
                 <a:extLst>
                   <a:ext uri="{FF2B5EF4-FFF2-40B4-BE49-F238E27FC236}">
-                    <a16:creationId xmlns="" xmlns:a16="http://schemas.microsoft.com/office/drawing/2014/main" id="{4565886E-73A9-DD4D-90C2-BD9C2AFADF7F}"/>
+                    <a16:creationId xmlns:a16="http://schemas.microsoft.com/office/drawing/2014/main" xmlns="" id="{4565886E-73A9-DD4D-90C2-BD9C2AFADF7F}"/>
                   </a:ext>
                 </a:extLst>
               </p:cNvPr>
@@ -12293,7 +12293,7 @@
               <p:cNvPr id="11" name="TextBox 10">
                 <a:extLst>
                   <a:ext uri="{FF2B5EF4-FFF2-40B4-BE49-F238E27FC236}">
-                    <a16:creationId xmlns="" xmlns:a16="http://schemas.microsoft.com/office/drawing/2014/main" id="{BB012DDB-BC0C-FE43-A518-218DE1F61A4D}"/>
+                    <a16:creationId xmlns:a16="http://schemas.microsoft.com/office/drawing/2014/main" xmlns="" id="{BB012DDB-BC0C-FE43-A518-218DE1F61A4D}"/>
                   </a:ext>
                 </a:extLst>
               </p:cNvPr>
@@ -12550,7 +12550,7 @@
               <p:cNvPr id="3" name="Rectangle 2">
                 <a:extLst>
                   <a:ext uri="{FF2B5EF4-FFF2-40B4-BE49-F238E27FC236}">
-                    <a16:creationId xmlns="" xmlns:a16="http://schemas.microsoft.com/office/drawing/2014/main" id="{67AED2B4-B067-1F42-ABA8-9D82AA92F92F}"/>
+                    <a16:creationId xmlns:a16="http://schemas.microsoft.com/office/drawing/2014/main" xmlns="" id="{67AED2B4-B067-1F42-ABA8-9D82AA92F92F}"/>
                   </a:ext>
                 </a:extLst>
               </p:cNvPr>
@@ -12709,7 +12709,7 @@
           <p:cNvPr id="13" name="TextBox 12">
             <a:extLst>
               <a:ext uri="{FF2B5EF4-FFF2-40B4-BE49-F238E27FC236}">
-                <a16:creationId xmlns="" xmlns:a16="http://schemas.microsoft.com/office/drawing/2014/main" id="{066E202D-18D7-A642-8AE3-7D8CF187D524}"/>
+                <a16:creationId xmlns:a16="http://schemas.microsoft.com/office/drawing/2014/main" xmlns="" id="{066E202D-18D7-A642-8AE3-7D8CF187D524}"/>
               </a:ext>
             </a:extLst>
           </p:cNvPr>
@@ -12748,7 +12748,7 @@
           <p:cNvPr id="14" name="TextBox 13">
             <a:extLst>
               <a:ext uri="{FF2B5EF4-FFF2-40B4-BE49-F238E27FC236}">
-                <a16:creationId xmlns="" xmlns:a16="http://schemas.microsoft.com/office/drawing/2014/main" id="{D8AA17F5-17AA-654E-B89B-E4E9C5F05D4A}"/>
+                <a16:creationId xmlns:a16="http://schemas.microsoft.com/office/drawing/2014/main" xmlns="" id="{D8AA17F5-17AA-654E-B89B-E4E9C5F05D4A}"/>
               </a:ext>
             </a:extLst>
           </p:cNvPr>
@@ -12785,7 +12785,7 @@
               <p:cNvPr id="16" name="TextBox 15">
                 <a:extLst>
                   <a:ext uri="{FF2B5EF4-FFF2-40B4-BE49-F238E27FC236}">
-                    <a16:creationId xmlns="" xmlns:a16="http://schemas.microsoft.com/office/drawing/2014/main" id="{2CF36B65-5856-0E4A-A3F2-9073C8FBF3BB}"/>
+                    <a16:creationId xmlns:a16="http://schemas.microsoft.com/office/drawing/2014/main" xmlns="" id="{2CF36B65-5856-0E4A-A3F2-9073C8FBF3BB}"/>
                   </a:ext>
                 </a:extLst>
               </p:cNvPr>
@@ -13130,7 +13130,7 @@
               <p:cNvPr id="17" name="Rectangle 16">
                 <a:extLst>
                   <a:ext uri="{FF2B5EF4-FFF2-40B4-BE49-F238E27FC236}">
-                    <a16:creationId xmlns="" xmlns:a16="http://schemas.microsoft.com/office/drawing/2014/main" id="{54AA8573-33C7-BD48-8BC9-DA44AB3FC885}"/>
+                    <a16:creationId xmlns:a16="http://schemas.microsoft.com/office/drawing/2014/main" xmlns="" id="{54AA8573-33C7-BD48-8BC9-DA44AB3FC885}"/>
                   </a:ext>
                 </a:extLst>
               </p:cNvPr>
@@ -13320,7 +13320,7 @@
           <p:cNvPr id="18" name="TextBox 17">
             <a:extLst>
               <a:ext uri="{FF2B5EF4-FFF2-40B4-BE49-F238E27FC236}">
-                <a16:creationId xmlns="" xmlns:a16="http://schemas.microsoft.com/office/drawing/2014/main" id="{8DE64B79-B3BA-C84C-848C-E8C1148D0F8F}"/>
+                <a16:creationId xmlns:a16="http://schemas.microsoft.com/office/drawing/2014/main" xmlns="" id="{8DE64B79-B3BA-C84C-848C-E8C1148D0F8F}"/>
               </a:ext>
             </a:extLst>
           </p:cNvPr>
@@ -13389,7 +13389,7 @@
           <p:cNvPr id="2" name="Title 1">
             <a:extLst>
               <a:ext uri="{FF2B5EF4-FFF2-40B4-BE49-F238E27FC236}">
-                <a16:creationId xmlns="" xmlns:a16="http://schemas.microsoft.com/office/drawing/2014/main" id="{90371848-C3C2-2946-8721-32944148379F}"/>
+                <a16:creationId xmlns:a16="http://schemas.microsoft.com/office/drawing/2014/main" xmlns="" id="{90371848-C3C2-2946-8721-32944148379F}"/>
               </a:ext>
             </a:extLst>
           </p:cNvPr>
@@ -13429,7 +13429,7 @@
           <p:cNvPr id="5" name="Picture 4">
             <a:extLst>
               <a:ext uri="{FF2B5EF4-FFF2-40B4-BE49-F238E27FC236}">
-                <a16:creationId xmlns="" xmlns:a16="http://schemas.microsoft.com/office/drawing/2014/main" id="{96C8DA8D-9BEF-744E-AFF8-50655E69712A}"/>
+                <a16:creationId xmlns:a16="http://schemas.microsoft.com/office/drawing/2014/main" xmlns="" id="{96C8DA8D-9BEF-744E-AFF8-50655E69712A}"/>
               </a:ext>
             </a:extLst>
           </p:cNvPr>
@@ -13461,7 +13461,7 @@
               <p:cNvPr id="7" name="TextBox 6">
                 <a:extLst>
                   <a:ext uri="{FF2B5EF4-FFF2-40B4-BE49-F238E27FC236}">
-                    <a16:creationId xmlns="" xmlns:a16="http://schemas.microsoft.com/office/drawing/2014/main" id="{B326EACE-184C-7541-863E-4FC005F8970C}"/>
+                    <a16:creationId xmlns:a16="http://schemas.microsoft.com/office/drawing/2014/main" xmlns="" id="{B326EACE-184C-7541-863E-4FC005F8970C}"/>
                   </a:ext>
                 </a:extLst>
               </p:cNvPr>
@@ -13833,7 +13833,7 @@
               <p:cNvPr id="8" name="TextBox 7">
                 <a:extLst>
                   <a:ext uri="{FF2B5EF4-FFF2-40B4-BE49-F238E27FC236}">
-                    <a16:creationId xmlns="" xmlns:a16="http://schemas.microsoft.com/office/drawing/2014/main" id="{4565886E-73A9-DD4D-90C2-BD9C2AFADF7F}"/>
+                    <a16:creationId xmlns:a16="http://schemas.microsoft.com/office/drawing/2014/main" xmlns="" id="{4565886E-73A9-DD4D-90C2-BD9C2AFADF7F}"/>
                   </a:ext>
                 </a:extLst>
               </p:cNvPr>
@@ -14110,7 +14110,7 @@
               <p:cNvPr id="11" name="TextBox 10">
                 <a:extLst>
                   <a:ext uri="{FF2B5EF4-FFF2-40B4-BE49-F238E27FC236}">
-                    <a16:creationId xmlns="" xmlns:a16="http://schemas.microsoft.com/office/drawing/2014/main" id="{BB012DDB-BC0C-FE43-A518-218DE1F61A4D}"/>
+                    <a16:creationId xmlns:a16="http://schemas.microsoft.com/office/drawing/2014/main" xmlns="" id="{BB012DDB-BC0C-FE43-A518-218DE1F61A4D}"/>
                   </a:ext>
                 </a:extLst>
               </p:cNvPr>
@@ -14367,7 +14367,7 @@
               <p:cNvPr id="3" name="Rectangle 2">
                 <a:extLst>
                   <a:ext uri="{FF2B5EF4-FFF2-40B4-BE49-F238E27FC236}">
-                    <a16:creationId xmlns="" xmlns:a16="http://schemas.microsoft.com/office/drawing/2014/main" id="{67AED2B4-B067-1F42-ABA8-9D82AA92F92F}"/>
+                    <a16:creationId xmlns:a16="http://schemas.microsoft.com/office/drawing/2014/main" xmlns="" id="{67AED2B4-B067-1F42-ABA8-9D82AA92F92F}"/>
                   </a:ext>
                 </a:extLst>
               </p:cNvPr>
@@ -14526,7 +14526,7 @@
           <p:cNvPr id="13" name="TextBox 12">
             <a:extLst>
               <a:ext uri="{FF2B5EF4-FFF2-40B4-BE49-F238E27FC236}">
-                <a16:creationId xmlns="" xmlns:a16="http://schemas.microsoft.com/office/drawing/2014/main" id="{066E202D-18D7-A642-8AE3-7D8CF187D524}"/>
+                <a16:creationId xmlns:a16="http://schemas.microsoft.com/office/drawing/2014/main" xmlns="" id="{066E202D-18D7-A642-8AE3-7D8CF187D524}"/>
               </a:ext>
             </a:extLst>
           </p:cNvPr>
@@ -14565,7 +14565,7 @@
           <p:cNvPr id="14" name="TextBox 13">
             <a:extLst>
               <a:ext uri="{FF2B5EF4-FFF2-40B4-BE49-F238E27FC236}">
-                <a16:creationId xmlns="" xmlns:a16="http://schemas.microsoft.com/office/drawing/2014/main" id="{D8AA17F5-17AA-654E-B89B-E4E9C5F05D4A}"/>
+                <a16:creationId xmlns:a16="http://schemas.microsoft.com/office/drawing/2014/main" xmlns="" id="{D8AA17F5-17AA-654E-B89B-E4E9C5F05D4A}"/>
               </a:ext>
             </a:extLst>
           </p:cNvPr>
@@ -14602,7 +14602,7 @@
               <p:cNvPr id="16" name="TextBox 15">
                 <a:extLst>
                   <a:ext uri="{FF2B5EF4-FFF2-40B4-BE49-F238E27FC236}">
-                    <a16:creationId xmlns="" xmlns:a16="http://schemas.microsoft.com/office/drawing/2014/main" id="{2CF36B65-5856-0E4A-A3F2-9073C8FBF3BB}"/>
+                    <a16:creationId xmlns:a16="http://schemas.microsoft.com/office/drawing/2014/main" xmlns="" id="{2CF36B65-5856-0E4A-A3F2-9073C8FBF3BB}"/>
                   </a:ext>
                 </a:extLst>
               </p:cNvPr>
@@ -14947,7 +14947,7 @@
               <p:cNvPr id="17" name="Rectangle 16">
                 <a:extLst>
                   <a:ext uri="{FF2B5EF4-FFF2-40B4-BE49-F238E27FC236}">
-                    <a16:creationId xmlns="" xmlns:a16="http://schemas.microsoft.com/office/drawing/2014/main" id="{54AA8573-33C7-BD48-8BC9-DA44AB3FC885}"/>
+                    <a16:creationId xmlns:a16="http://schemas.microsoft.com/office/drawing/2014/main" xmlns="" id="{54AA8573-33C7-BD48-8BC9-DA44AB3FC885}"/>
                   </a:ext>
                 </a:extLst>
               </p:cNvPr>
@@ -15137,7 +15137,7 @@
           <p:cNvPr id="18" name="TextBox 17">
             <a:extLst>
               <a:ext uri="{FF2B5EF4-FFF2-40B4-BE49-F238E27FC236}">
-                <a16:creationId xmlns="" xmlns:a16="http://schemas.microsoft.com/office/drawing/2014/main" id="{8DE64B79-B3BA-C84C-848C-E8C1148D0F8F}"/>
+                <a16:creationId xmlns:a16="http://schemas.microsoft.com/office/drawing/2014/main" xmlns="" id="{8DE64B79-B3BA-C84C-848C-E8C1148D0F8F}"/>
               </a:ext>
             </a:extLst>
           </p:cNvPr>
@@ -15206,7 +15206,7 @@
           <p:cNvPr id="2" name="Title 1">
             <a:extLst>
               <a:ext uri="{FF2B5EF4-FFF2-40B4-BE49-F238E27FC236}">
-                <a16:creationId xmlns="" xmlns:a16="http://schemas.microsoft.com/office/drawing/2014/main" id="{90371848-C3C2-2946-8721-32944148379F}"/>
+                <a16:creationId xmlns:a16="http://schemas.microsoft.com/office/drawing/2014/main" xmlns="" id="{90371848-C3C2-2946-8721-32944148379F}"/>
               </a:ext>
             </a:extLst>
           </p:cNvPr>
@@ -15264,7 +15264,7 @@
           <p:cNvPr id="4" name="TextBox 3">
             <a:extLst>
               <a:ext uri="{FF2B5EF4-FFF2-40B4-BE49-F238E27FC236}">
-                <a16:creationId xmlns="" xmlns:a16="http://schemas.microsoft.com/office/drawing/2014/main" id="{46E1E2AD-4CD0-9243-8C31-552F00AB1831}"/>
+                <a16:creationId xmlns:a16="http://schemas.microsoft.com/office/drawing/2014/main" xmlns="" id="{46E1E2AD-4CD0-9243-8C31-552F00AB1831}"/>
               </a:ext>
             </a:extLst>
           </p:cNvPr>
@@ -15305,7 +15305,7 @@
               <p:cNvPr id="19" name="TextBox 18">
                 <a:extLst>
                   <a:ext uri="{FF2B5EF4-FFF2-40B4-BE49-F238E27FC236}">
-                    <a16:creationId xmlns="" xmlns:a16="http://schemas.microsoft.com/office/drawing/2014/main" id="{44AAEFE3-6152-9048-A7C4-DFF1C893F9EB}"/>
+                    <a16:creationId xmlns:a16="http://schemas.microsoft.com/office/drawing/2014/main" xmlns="" id="{44AAEFE3-6152-9048-A7C4-DFF1C893F9EB}"/>
                   </a:ext>
                 </a:extLst>
               </p:cNvPr>
@@ -15552,7 +15552,7 @@
               <p:cNvPr id="15" name="Rectangle 14">
                 <a:extLst>
                   <a:ext uri="{FF2B5EF4-FFF2-40B4-BE49-F238E27FC236}">
-                    <a16:creationId xmlns="" xmlns:a16="http://schemas.microsoft.com/office/drawing/2014/main" id="{CAFB73F9-A96F-8C42-8B99-3E035164A284}"/>
+                    <a16:creationId xmlns:a16="http://schemas.microsoft.com/office/drawing/2014/main" xmlns="" id="{CAFB73F9-A96F-8C42-8B99-3E035164A284}"/>
                   </a:ext>
                 </a:extLst>
               </p:cNvPr>
@@ -15648,7 +15648,7 @@
           <p:cNvPr id="22" name="TextBox 21">
             <a:extLst>
               <a:ext uri="{FF2B5EF4-FFF2-40B4-BE49-F238E27FC236}">
-                <a16:creationId xmlns="" xmlns:a16="http://schemas.microsoft.com/office/drawing/2014/main" id="{4D24E895-4109-C749-8EB1-7A845BC1F935}"/>
+                <a16:creationId xmlns:a16="http://schemas.microsoft.com/office/drawing/2014/main" xmlns="" id="{4D24E895-4109-C749-8EB1-7A845BC1F935}"/>
               </a:ext>
             </a:extLst>
           </p:cNvPr>
@@ -15716,7 +15716,7 @@
           <p:cNvPr id="23" name="TextBox 22">
             <a:extLst>
               <a:ext uri="{FF2B5EF4-FFF2-40B4-BE49-F238E27FC236}">
-                <a16:creationId xmlns="" xmlns:a16="http://schemas.microsoft.com/office/drawing/2014/main" id="{ACBF9BED-0867-5945-A3E5-90CF5403CDDE}"/>
+                <a16:creationId xmlns:a16="http://schemas.microsoft.com/office/drawing/2014/main" xmlns="" id="{ACBF9BED-0867-5945-A3E5-90CF5403CDDE}"/>
               </a:ext>
             </a:extLst>
           </p:cNvPr>
@@ -15757,7 +15757,7 @@
               <p:cNvPr id="24" name="TextBox 23">
                 <a:extLst>
                   <a:ext uri="{FF2B5EF4-FFF2-40B4-BE49-F238E27FC236}">
-                    <a16:creationId xmlns="" xmlns:a16="http://schemas.microsoft.com/office/drawing/2014/main" id="{D284AE59-806D-A640-8DF6-37381EEB1E11}"/>
+                    <a16:creationId xmlns:a16="http://schemas.microsoft.com/office/drawing/2014/main" xmlns="" id="{D284AE59-806D-A640-8DF6-37381EEB1E11}"/>
                   </a:ext>
                 </a:extLst>
               </p:cNvPr>
@@ -16269,7 +16269,7 @@
           <p:cNvPr id="32" name="Straight Arrow Connector 31">
             <a:extLst>
               <a:ext uri="{FF2B5EF4-FFF2-40B4-BE49-F238E27FC236}">
-                <a16:creationId xmlns="" xmlns:a16="http://schemas.microsoft.com/office/drawing/2014/main" id="{766C1FD0-3FA5-C743-964E-C61F79490E02}"/>
+                <a16:creationId xmlns:a16="http://schemas.microsoft.com/office/drawing/2014/main" xmlns="" id="{766C1FD0-3FA5-C743-964E-C61F79490E02}"/>
               </a:ext>
             </a:extLst>
           </p:cNvPr>
@@ -16311,7 +16311,7 @@
           <p:cNvPr id="33" name="Straight Arrow Connector 32">
             <a:extLst>
               <a:ext uri="{FF2B5EF4-FFF2-40B4-BE49-F238E27FC236}">
-                <a16:creationId xmlns="" xmlns:a16="http://schemas.microsoft.com/office/drawing/2014/main" id="{2AE55632-4A6E-7D46-A1CE-05300C3367FF}"/>
+                <a16:creationId xmlns:a16="http://schemas.microsoft.com/office/drawing/2014/main" xmlns="" id="{2AE55632-4A6E-7D46-A1CE-05300C3367FF}"/>
               </a:ext>
             </a:extLst>
           </p:cNvPr>
@@ -16353,7 +16353,7 @@
           <p:cNvPr id="25" name="Multiply 24">
             <a:extLst>
               <a:ext uri="{FF2B5EF4-FFF2-40B4-BE49-F238E27FC236}">
-                <a16:creationId xmlns="" xmlns:a16="http://schemas.microsoft.com/office/drawing/2014/main" id="{3FE7EF9F-CB85-A443-8CA2-04C865A21D81}"/>
+                <a16:creationId xmlns:a16="http://schemas.microsoft.com/office/drawing/2014/main" xmlns="" id="{3FE7EF9F-CB85-A443-8CA2-04C865A21D81}"/>
               </a:ext>
             </a:extLst>
           </p:cNvPr>
@@ -16449,19 +16449,15 @@
           <a:p>
             <a:r>
               <a:rPr lang="en-US" dirty="0" smtClean="0"/>
-              <a:t>Sn</a:t>
+              <a:t>SnO</a:t>
             </a:r>
             <a:r>
               <a:rPr lang="en-US" baseline="-25000" dirty="0" smtClean="0"/>
-              <a:t>3</a:t>
+              <a:t>2</a:t>
             </a:r>
             <a:r>
               <a:rPr lang="en-US" dirty="0" smtClean="0"/>
-              <a:t>O</a:t>
-            </a:r>
-            <a:r>
-              <a:rPr lang="en-US" baseline="-25000" dirty="0" smtClean="0"/>
-              <a:t>3</a:t>
+              <a:t>(110)</a:t>
             </a:r>
             <a:endParaRPr lang="en-US" baseline="-25000" dirty="0"/>
           </a:p>
@@ -16685,7 +16681,7 @@
         </p:nvSpPr>
         <p:spPr>
           <a:xfrm>
-            <a:off x="1095907" y="3137140"/>
+            <a:off x="5174625" y="3269268"/>
             <a:ext cx="2109937" cy="369332"/>
           </a:xfrm>
           <a:prstGeom prst="rect">
@@ -16707,8 +16703,8 @@
           </a:p>
         </p:txBody>
       </p:sp>
-      <mc:AlternateContent xmlns:mc="http://schemas.openxmlformats.org/markup-compatibility/2006" xmlns:a14="http://schemas.microsoft.com/office/drawing/2010/main">
-        <mc:Choice Requires="a14">
+      <mc:AlternateContent xmlns:mc="http://schemas.openxmlformats.org/markup-compatibility/2006">
+        <mc:Choice xmlns:a14="http://schemas.microsoft.com/office/drawing/2010/main" Requires="a14">
           <p:sp>
             <p:nvSpPr>
               <p:cNvPr id="12" name="TextBox 11"/>
@@ -16717,7 +16713,7 @@
             </p:nvSpPr>
             <p:spPr>
               <a:xfrm>
-                <a:off x="5613499" y="3130579"/>
+                <a:off x="1678260" y="3269268"/>
                 <a:ext cx="1067152" cy="369332"/>
               </a:xfrm>
               <a:prstGeom prst="rect">
@@ -16750,7 +16746,7 @@
             </p:txBody>
           </p:sp>
         </mc:Choice>
-        <mc:Fallback xmlns="">
+        <mc:Fallback>
           <p:sp>
             <p:nvSpPr>
               <p:cNvPr id="12" name="TextBox 11"/>
@@ -16761,7 +16757,7 @@
             </p:nvSpPr>
             <p:spPr>
               <a:xfrm>
-                <a:off x="5613499" y="3130579"/>
+                <a:off x="1678260" y="3269268"/>
                 <a:ext cx="1067152" cy="369332"/>
               </a:xfrm>
               <a:prstGeom prst="rect">
@@ -16770,7 +16766,7 @@
               <a:blipFill rotWithShape="0">
                 <a:blip r:embed="rId7"/>
                 <a:stretch>
-                  <a:fillRect l="-5143" t="-10000" b="-26667"/>
+                  <a:fillRect l="-4571" t="-8197" b="-24590"/>
                 </a:stretch>
               </a:blipFill>
             </p:spPr>
@@ -17186,23 +17182,23 @@
           <a:p>
             <a:r>
               <a:rPr lang="en-US" dirty="0" smtClean="0"/>
-              <a:t>Sn</a:t>
+              <a:t>SnO</a:t>
             </a:r>
             <a:r>
               <a:rPr lang="en-US" baseline="-25000" dirty="0" smtClean="0"/>
-              <a:t>3</a:t>
+              <a:t>2</a:t>
             </a:r>
             <a:r>
               <a:rPr lang="en-US" dirty="0" smtClean="0"/>
-              <a:t>O</a:t>
-            </a:r>
-            <a:r>
-              <a:rPr lang="en-US" baseline="-25000" dirty="0" smtClean="0"/>
-              <a:t>3</a:t>
+              <a:t>(110)</a:t>
             </a:r>
             <a:r>
               <a:rPr lang="en-US" dirty="0" smtClean="0"/>
-              <a:t> - PCA</a:t>
+              <a:t> </a:t>
+            </a:r>
+            <a:r>
+              <a:rPr lang="en-US" dirty="0" smtClean="0"/>
+              <a:t>- PCA</a:t>
             </a:r>
             <a:endParaRPr lang="en-US" baseline="-25000" dirty="0"/>
           </a:p>
@@ -17230,7 +17226,7 @@
         </p:blipFill>
         <p:spPr>
           <a:xfrm>
-            <a:off x="1128989" y="1388312"/>
+            <a:off x="1456239" y="1388312"/>
             <a:ext cx="3743826" cy="2809900"/>
           </a:xfrm>
           <a:prstGeom prst="rect">
@@ -17260,7 +17256,7 @@
         </p:blipFill>
         <p:spPr>
           <a:xfrm>
-            <a:off x="1128990" y="4036026"/>
+            <a:off x="1456240" y="4036026"/>
             <a:ext cx="3743826" cy="2809900"/>
           </a:xfrm>
           <a:prstGeom prst="rect">
@@ -17290,7 +17286,7 @@
         </p:blipFill>
         <p:spPr>
           <a:xfrm>
-            <a:off x="4777563" y="1400386"/>
+            <a:off x="4941188" y="1400386"/>
             <a:ext cx="3743826" cy="2809899"/>
           </a:xfrm>
           <a:prstGeom prst="rect">
@@ -17320,7 +17316,7 @@
         </p:blipFill>
         <p:spPr>
           <a:xfrm>
-            <a:off x="4777564" y="4048100"/>
+            <a:off x="4941189" y="4048100"/>
             <a:ext cx="3743826" cy="2809899"/>
           </a:xfrm>
           <a:prstGeom prst="rect">
@@ -17666,8 +17662,8 @@
         </p:nvSpPr>
         <p:spPr>
           <a:xfrm>
-            <a:off x="0" y="2458063"/>
-            <a:ext cx="1339662" cy="461665"/>
+            <a:off x="182881" y="2458063"/>
+            <a:ext cx="1333250" cy="830997"/>
           </a:xfrm>
           <a:prstGeom prst="rect">
             <a:avLst/>
@@ -17682,7 +17678,17 @@
           <a:p>
             <a:r>
               <a:rPr lang="en-US" sz="2400" dirty="0" smtClean="0"/>
-              <a:t>Iteration:</a:t>
+              <a:t>Search</a:t>
+            </a:r>
+          </a:p>
+          <a:p>
+            <a:r>
+              <a:rPr lang="en-US" sz="2400" dirty="0" smtClean="0"/>
+              <a:t>iteration</a:t>
+            </a:r>
+            <a:r>
+              <a:rPr lang="en-US" sz="2400" dirty="0" smtClean="0"/>
+              <a:t>:</a:t>
             </a:r>
             <a:endParaRPr lang="en-US" sz="2400" dirty="0"/>
           </a:p>
@@ -17696,7 +17702,7 @@
         </p:nvSpPr>
         <p:spPr>
           <a:xfrm>
-            <a:off x="0" y="5122788"/>
+            <a:off x="182881" y="5122788"/>
             <a:ext cx="1120050" cy="461665"/>
           </a:xfrm>
           <a:prstGeom prst="rect">
@@ -20874,7 +20880,7 @@
           <p:cNvPr id="2" name="Rectangle 1">
             <a:extLst>
               <a:ext uri="{FF2B5EF4-FFF2-40B4-BE49-F238E27FC236}">
-                <a16:creationId xmlns="" xmlns:a16="http://schemas.microsoft.com/office/drawing/2014/main" id="{44B75201-4883-464B-8606-95AB16148DF8}"/>
+                <a16:creationId xmlns:a16="http://schemas.microsoft.com/office/drawing/2014/main" xmlns="" id="{44B75201-4883-464B-8606-95AB16148DF8}"/>
               </a:ext>
             </a:extLst>
           </p:cNvPr>
@@ -21164,7 +21170,7 @@
           <p:cNvPr id="7" name="Rectangle 6">
             <a:extLst>
               <a:ext uri="{FF2B5EF4-FFF2-40B4-BE49-F238E27FC236}">
-                <a16:creationId xmlns="" xmlns:a16="http://schemas.microsoft.com/office/drawing/2014/main" id="{934568A6-9E16-1747-BBDA-DDABE1317ABF}"/>
+                <a16:creationId xmlns:a16="http://schemas.microsoft.com/office/drawing/2014/main" xmlns="" id="{934568A6-9E16-1747-BBDA-DDABE1317ABF}"/>
               </a:ext>
             </a:extLst>
           </p:cNvPr>
@@ -21217,7 +21223,7 @@
               <p:cNvPr id="8" name="Rectangle 7">
                 <a:extLst>
                   <a:ext uri="{FF2B5EF4-FFF2-40B4-BE49-F238E27FC236}">
-                    <a16:creationId xmlns="" xmlns:a16="http://schemas.microsoft.com/office/drawing/2014/main" id="{414104F3-916E-8442-8B11-CE399A765C44}"/>
+                    <a16:creationId xmlns:a16="http://schemas.microsoft.com/office/drawing/2014/main" xmlns="" id="{414104F3-916E-8442-8B11-CE399A765C44}"/>
                   </a:ext>
                 </a:extLst>
               </p:cNvPr>
@@ -21728,7 +21734,7 @@
           <p:cNvPr id="7" name="Rectangle 6">
             <a:extLst>
               <a:ext uri="{FF2B5EF4-FFF2-40B4-BE49-F238E27FC236}">
-                <a16:creationId xmlns="" xmlns:a16="http://schemas.microsoft.com/office/drawing/2014/main" id="{934568A6-9E16-1747-BBDA-DDABE1317ABF}"/>
+                <a16:creationId xmlns:a16="http://schemas.microsoft.com/office/drawing/2014/main" xmlns="" id="{934568A6-9E16-1747-BBDA-DDABE1317ABF}"/>
               </a:ext>
             </a:extLst>
           </p:cNvPr>
@@ -21781,7 +21787,7 @@
               <p:cNvPr id="8" name="Rectangle 7">
                 <a:extLst>
                   <a:ext uri="{FF2B5EF4-FFF2-40B4-BE49-F238E27FC236}">
-                    <a16:creationId xmlns="" xmlns:a16="http://schemas.microsoft.com/office/drawing/2014/main" id="{414104F3-916E-8442-8B11-CE399A765C44}"/>
+                    <a16:creationId xmlns:a16="http://schemas.microsoft.com/office/drawing/2014/main" xmlns="" id="{414104F3-916E-8442-8B11-CE399A765C44}"/>
                   </a:ext>
                 </a:extLst>
               </p:cNvPr>
@@ -22210,7 +22216,7 @@
           <p:cNvPr id="9" name="Picture 8">
             <a:extLst>
               <a:ext uri="{FF2B5EF4-FFF2-40B4-BE49-F238E27FC236}">
-                <a16:creationId xmlns="" xmlns:a16="http://schemas.microsoft.com/office/drawing/2014/main" id="{BF15BAE1-504B-B046-921C-435331A07A32}"/>
+                <a16:creationId xmlns:a16="http://schemas.microsoft.com/office/drawing/2014/main" xmlns="" id="{BF15BAE1-504B-B046-921C-435331A07A32}"/>
               </a:ext>
             </a:extLst>
           </p:cNvPr>
@@ -22246,7 +22252,7 @@
           <p:cNvPr id="10" name="Right Arrow 9">
             <a:extLst>
               <a:ext uri="{FF2B5EF4-FFF2-40B4-BE49-F238E27FC236}">
-                <a16:creationId xmlns="" xmlns:a16="http://schemas.microsoft.com/office/drawing/2014/main" id="{94C9DDF9-4503-204A-9DCF-BF98426053C9}"/>
+                <a16:creationId xmlns:a16="http://schemas.microsoft.com/office/drawing/2014/main" xmlns="" id="{94C9DDF9-4503-204A-9DCF-BF98426053C9}"/>
               </a:ext>
             </a:extLst>
           </p:cNvPr>
@@ -22292,7 +22298,7 @@
           <p:cNvPr id="17" name="Picture 16">
             <a:extLst>
               <a:ext uri="{FF2B5EF4-FFF2-40B4-BE49-F238E27FC236}">
-                <a16:creationId xmlns="" xmlns:a16="http://schemas.microsoft.com/office/drawing/2014/main" id="{8E28E06C-9213-0149-B35F-F9E2CDA8F14E}"/>
+                <a16:creationId xmlns:a16="http://schemas.microsoft.com/office/drawing/2014/main" xmlns="" id="{8E28E06C-9213-0149-B35F-F9E2CDA8F14E}"/>
               </a:ext>
             </a:extLst>
           </p:cNvPr>
@@ -22324,7 +22330,7 @@
               <p:cNvPr id="18" name="TextBox 17">
                 <a:extLst>
                   <a:ext uri="{FF2B5EF4-FFF2-40B4-BE49-F238E27FC236}">
-                    <a16:creationId xmlns="" xmlns:a16="http://schemas.microsoft.com/office/drawing/2014/main" id="{117860C4-3676-DC44-A99C-860D7396926F}"/>
+                    <a16:creationId xmlns:a16="http://schemas.microsoft.com/office/drawing/2014/main" xmlns="" id="{117860C4-3676-DC44-A99C-860D7396926F}"/>
                   </a:ext>
                 </a:extLst>
               </p:cNvPr>
@@ -22437,7 +22443,7 @@
           <p:cNvPr id="19" name="TextBox 18">
             <a:extLst>
               <a:ext uri="{FF2B5EF4-FFF2-40B4-BE49-F238E27FC236}">
-                <a16:creationId xmlns="" xmlns:a16="http://schemas.microsoft.com/office/drawing/2014/main" id="{514039CA-F3C8-4341-A3F5-EF57A95433DF}"/>
+                <a16:creationId xmlns:a16="http://schemas.microsoft.com/office/drawing/2014/main" xmlns="" id="{514039CA-F3C8-4341-A3F5-EF57A95433DF}"/>
               </a:ext>
             </a:extLst>
           </p:cNvPr>
@@ -22559,7 +22565,7 @@
           <p:cNvPr id="7" name="Rectangle 6">
             <a:extLst>
               <a:ext uri="{FF2B5EF4-FFF2-40B4-BE49-F238E27FC236}">
-                <a16:creationId xmlns="" xmlns:a16="http://schemas.microsoft.com/office/drawing/2014/main" id="{934568A6-9E16-1747-BBDA-DDABE1317ABF}"/>
+                <a16:creationId xmlns:a16="http://schemas.microsoft.com/office/drawing/2014/main" xmlns="" id="{934568A6-9E16-1747-BBDA-DDABE1317ABF}"/>
               </a:ext>
             </a:extLst>
           </p:cNvPr>
@@ -22612,7 +22618,7 @@
               <p:cNvPr id="8" name="Rectangle 7">
                 <a:extLst>
                   <a:ext uri="{FF2B5EF4-FFF2-40B4-BE49-F238E27FC236}">
-                    <a16:creationId xmlns="" xmlns:a16="http://schemas.microsoft.com/office/drawing/2014/main" id="{414104F3-916E-8442-8B11-CE399A765C44}"/>
+                    <a16:creationId xmlns:a16="http://schemas.microsoft.com/office/drawing/2014/main" xmlns="" id="{414104F3-916E-8442-8B11-CE399A765C44}"/>
                   </a:ext>
                 </a:extLst>
               </p:cNvPr>
@@ -23041,7 +23047,7 @@
           <p:cNvPr id="9" name="Picture 8">
             <a:extLst>
               <a:ext uri="{FF2B5EF4-FFF2-40B4-BE49-F238E27FC236}">
-                <a16:creationId xmlns="" xmlns:a16="http://schemas.microsoft.com/office/drawing/2014/main" id="{BF15BAE1-504B-B046-921C-435331A07A32}"/>
+                <a16:creationId xmlns:a16="http://schemas.microsoft.com/office/drawing/2014/main" xmlns="" id="{BF15BAE1-504B-B046-921C-435331A07A32}"/>
               </a:ext>
             </a:extLst>
           </p:cNvPr>
@@ -23077,7 +23083,7 @@
           <p:cNvPr id="10" name="Right Arrow 9">
             <a:extLst>
               <a:ext uri="{FF2B5EF4-FFF2-40B4-BE49-F238E27FC236}">
-                <a16:creationId xmlns="" xmlns:a16="http://schemas.microsoft.com/office/drawing/2014/main" id="{94C9DDF9-4503-204A-9DCF-BF98426053C9}"/>
+                <a16:creationId xmlns:a16="http://schemas.microsoft.com/office/drawing/2014/main" xmlns="" id="{94C9DDF9-4503-204A-9DCF-BF98426053C9}"/>
               </a:ext>
             </a:extLst>
           </p:cNvPr>
@@ -23123,7 +23129,7 @@
           <p:cNvPr id="17" name="Picture 16">
             <a:extLst>
               <a:ext uri="{FF2B5EF4-FFF2-40B4-BE49-F238E27FC236}">
-                <a16:creationId xmlns="" xmlns:a16="http://schemas.microsoft.com/office/drawing/2014/main" id="{8E28E06C-9213-0149-B35F-F9E2CDA8F14E}"/>
+                <a16:creationId xmlns:a16="http://schemas.microsoft.com/office/drawing/2014/main" xmlns="" id="{8E28E06C-9213-0149-B35F-F9E2CDA8F14E}"/>
               </a:ext>
             </a:extLst>
           </p:cNvPr>
@@ -23155,7 +23161,7 @@
               <p:cNvPr id="11" name="TextBox 10">
                 <a:extLst>
                   <a:ext uri="{FF2B5EF4-FFF2-40B4-BE49-F238E27FC236}">
-                    <a16:creationId xmlns="" xmlns:a16="http://schemas.microsoft.com/office/drawing/2014/main" id="{37041112-33DD-6945-BBDF-ACF3D7A9F7B7}"/>
+                    <a16:creationId xmlns:a16="http://schemas.microsoft.com/office/drawing/2014/main" xmlns="" id="{37041112-33DD-6945-BBDF-ACF3D7A9F7B7}"/>
                   </a:ext>
                 </a:extLst>
               </p:cNvPr>
@@ -23270,7 +23276,7 @@
               <p:cNvPr id="12" name="TextBox 11">
                 <a:extLst>
                   <a:ext uri="{FF2B5EF4-FFF2-40B4-BE49-F238E27FC236}">
-                    <a16:creationId xmlns="" xmlns:a16="http://schemas.microsoft.com/office/drawing/2014/main" id="{9EE32115-1C86-9C42-AF18-F0CEE0C377A1}"/>
+                    <a16:creationId xmlns:a16="http://schemas.microsoft.com/office/drawing/2014/main" xmlns="" id="{9EE32115-1C86-9C42-AF18-F0CEE0C377A1}"/>
                   </a:ext>
                 </a:extLst>
               </p:cNvPr>
@@ -23383,7 +23389,7 @@
           <p:cNvPr id="13" name="TextBox 12">
             <a:extLst>
               <a:ext uri="{FF2B5EF4-FFF2-40B4-BE49-F238E27FC236}">
-                <a16:creationId xmlns="" xmlns:a16="http://schemas.microsoft.com/office/drawing/2014/main" id="{537E09A8-BC00-224A-BC56-D6A84F5016EA}"/>
+                <a16:creationId xmlns:a16="http://schemas.microsoft.com/office/drawing/2014/main" xmlns="" id="{537E09A8-BC00-224A-BC56-D6A84F5016EA}"/>
               </a:ext>
             </a:extLst>
           </p:cNvPr>
@@ -23505,7 +23511,7 @@
           <p:cNvPr id="7" name="Rectangle 6">
             <a:extLst>
               <a:ext uri="{FF2B5EF4-FFF2-40B4-BE49-F238E27FC236}">
-                <a16:creationId xmlns="" xmlns:a16="http://schemas.microsoft.com/office/drawing/2014/main" id="{934568A6-9E16-1747-BBDA-DDABE1317ABF}"/>
+                <a16:creationId xmlns:a16="http://schemas.microsoft.com/office/drawing/2014/main" xmlns="" id="{934568A6-9E16-1747-BBDA-DDABE1317ABF}"/>
               </a:ext>
             </a:extLst>
           </p:cNvPr>
@@ -23558,7 +23564,7 @@
               <p:cNvPr id="8" name="Rectangle 7">
                 <a:extLst>
                   <a:ext uri="{FF2B5EF4-FFF2-40B4-BE49-F238E27FC236}">
-                    <a16:creationId xmlns="" xmlns:a16="http://schemas.microsoft.com/office/drawing/2014/main" id="{414104F3-916E-8442-8B11-CE399A765C44}"/>
+                    <a16:creationId xmlns:a16="http://schemas.microsoft.com/office/drawing/2014/main" xmlns="" id="{414104F3-916E-8442-8B11-CE399A765C44}"/>
                   </a:ext>
                 </a:extLst>
               </p:cNvPr>
@@ -23987,7 +23993,7 @@
           <p:cNvPr id="9" name="Picture 8">
             <a:extLst>
               <a:ext uri="{FF2B5EF4-FFF2-40B4-BE49-F238E27FC236}">
-                <a16:creationId xmlns="" xmlns:a16="http://schemas.microsoft.com/office/drawing/2014/main" id="{BF15BAE1-504B-B046-921C-435331A07A32}"/>
+                <a16:creationId xmlns:a16="http://schemas.microsoft.com/office/drawing/2014/main" xmlns="" id="{BF15BAE1-504B-B046-921C-435331A07A32}"/>
               </a:ext>
             </a:extLst>
           </p:cNvPr>
@@ -24023,7 +24029,7 @@
           <p:cNvPr id="10" name="Right Arrow 9">
             <a:extLst>
               <a:ext uri="{FF2B5EF4-FFF2-40B4-BE49-F238E27FC236}">
-                <a16:creationId xmlns="" xmlns:a16="http://schemas.microsoft.com/office/drawing/2014/main" id="{94C9DDF9-4503-204A-9DCF-BF98426053C9}"/>
+                <a16:creationId xmlns:a16="http://schemas.microsoft.com/office/drawing/2014/main" xmlns="" id="{94C9DDF9-4503-204A-9DCF-BF98426053C9}"/>
               </a:ext>
             </a:extLst>
           </p:cNvPr>
@@ -24069,7 +24075,7 @@
           <p:cNvPr id="17" name="Picture 16">
             <a:extLst>
               <a:ext uri="{FF2B5EF4-FFF2-40B4-BE49-F238E27FC236}">
-                <a16:creationId xmlns="" xmlns:a16="http://schemas.microsoft.com/office/drawing/2014/main" id="{8E28E06C-9213-0149-B35F-F9E2CDA8F14E}"/>
+                <a16:creationId xmlns:a16="http://schemas.microsoft.com/office/drawing/2014/main" xmlns="" id="{8E28E06C-9213-0149-B35F-F9E2CDA8F14E}"/>
               </a:ext>
             </a:extLst>
           </p:cNvPr>
@@ -24101,7 +24107,7 @@
               <p:cNvPr id="11" name="TextBox 10">
                 <a:extLst>
                   <a:ext uri="{FF2B5EF4-FFF2-40B4-BE49-F238E27FC236}">
-                    <a16:creationId xmlns="" xmlns:a16="http://schemas.microsoft.com/office/drawing/2014/main" id="{F0021FB3-A36F-0E4D-9779-0FB3FFC9D816}"/>
+                    <a16:creationId xmlns:a16="http://schemas.microsoft.com/office/drawing/2014/main" xmlns="" id="{F0021FB3-A36F-0E4D-9779-0FB3FFC9D816}"/>
                   </a:ext>
                 </a:extLst>
               </p:cNvPr>
@@ -24216,7 +24222,7 @@
               <p:cNvPr id="12" name="TextBox 11">
                 <a:extLst>
                   <a:ext uri="{FF2B5EF4-FFF2-40B4-BE49-F238E27FC236}">
-                    <a16:creationId xmlns="" xmlns:a16="http://schemas.microsoft.com/office/drawing/2014/main" id="{7CBFFABE-606D-6647-9C96-05940C597CB5}"/>
+                    <a16:creationId xmlns:a16="http://schemas.microsoft.com/office/drawing/2014/main" xmlns="" id="{7CBFFABE-606D-6647-9C96-05940C597CB5}"/>
                   </a:ext>
                 </a:extLst>
               </p:cNvPr>
@@ -24331,7 +24337,7 @@
               <p:cNvPr id="13" name="TextBox 12">
                 <a:extLst>
                   <a:ext uri="{FF2B5EF4-FFF2-40B4-BE49-F238E27FC236}">
-                    <a16:creationId xmlns="" xmlns:a16="http://schemas.microsoft.com/office/drawing/2014/main" id="{BBF75692-95E3-524A-A032-D39A6C8B4A8D}"/>
+                    <a16:creationId xmlns:a16="http://schemas.microsoft.com/office/drawing/2014/main" xmlns="" id="{BBF75692-95E3-524A-A032-D39A6C8B4A8D}"/>
                   </a:ext>
                 </a:extLst>
               </p:cNvPr>
@@ -24444,7 +24450,7 @@
           <p:cNvPr id="14" name="TextBox 13">
             <a:extLst>
               <a:ext uri="{FF2B5EF4-FFF2-40B4-BE49-F238E27FC236}">
-                <a16:creationId xmlns="" xmlns:a16="http://schemas.microsoft.com/office/drawing/2014/main" id="{954AC17A-CB84-C848-B0EF-06DF4CB9B8B3}"/>
+                <a16:creationId xmlns:a16="http://schemas.microsoft.com/office/drawing/2014/main" xmlns="" id="{954AC17A-CB84-C848-B0EF-06DF4CB9B8B3}"/>
               </a:ext>
             </a:extLst>
           </p:cNvPr>
@@ -24566,7 +24572,7 @@
           <p:cNvPr id="7" name="Rectangle 6">
             <a:extLst>
               <a:ext uri="{FF2B5EF4-FFF2-40B4-BE49-F238E27FC236}">
-                <a16:creationId xmlns="" xmlns:a16="http://schemas.microsoft.com/office/drawing/2014/main" id="{934568A6-9E16-1747-BBDA-DDABE1317ABF}"/>
+                <a16:creationId xmlns:a16="http://schemas.microsoft.com/office/drawing/2014/main" xmlns="" id="{934568A6-9E16-1747-BBDA-DDABE1317ABF}"/>
               </a:ext>
             </a:extLst>
           </p:cNvPr>
@@ -24619,7 +24625,7 @@
               <p:cNvPr id="8" name="Rectangle 7">
                 <a:extLst>
                   <a:ext uri="{FF2B5EF4-FFF2-40B4-BE49-F238E27FC236}">
-                    <a16:creationId xmlns="" xmlns:a16="http://schemas.microsoft.com/office/drawing/2014/main" id="{414104F3-916E-8442-8B11-CE399A765C44}"/>
+                    <a16:creationId xmlns:a16="http://schemas.microsoft.com/office/drawing/2014/main" xmlns="" id="{414104F3-916E-8442-8B11-CE399A765C44}"/>
                   </a:ext>
                 </a:extLst>
               </p:cNvPr>
@@ -25048,7 +25054,7 @@
           <p:cNvPr id="9" name="Picture 8">
             <a:extLst>
               <a:ext uri="{FF2B5EF4-FFF2-40B4-BE49-F238E27FC236}">
-                <a16:creationId xmlns="" xmlns:a16="http://schemas.microsoft.com/office/drawing/2014/main" id="{BF15BAE1-504B-B046-921C-435331A07A32}"/>
+                <a16:creationId xmlns:a16="http://schemas.microsoft.com/office/drawing/2014/main" xmlns="" id="{BF15BAE1-504B-B046-921C-435331A07A32}"/>
               </a:ext>
             </a:extLst>
           </p:cNvPr>
@@ -25084,7 +25090,7 @@
           <p:cNvPr id="10" name="Right Arrow 9">
             <a:extLst>
               <a:ext uri="{FF2B5EF4-FFF2-40B4-BE49-F238E27FC236}">
-                <a16:creationId xmlns="" xmlns:a16="http://schemas.microsoft.com/office/drawing/2014/main" id="{94C9DDF9-4503-204A-9DCF-BF98426053C9}"/>
+                <a16:creationId xmlns:a16="http://schemas.microsoft.com/office/drawing/2014/main" xmlns="" id="{94C9DDF9-4503-204A-9DCF-BF98426053C9}"/>
               </a:ext>
             </a:extLst>
           </p:cNvPr>
@@ -25130,7 +25136,7 @@
           <p:cNvPr id="17" name="Picture 16">
             <a:extLst>
               <a:ext uri="{FF2B5EF4-FFF2-40B4-BE49-F238E27FC236}">
-                <a16:creationId xmlns="" xmlns:a16="http://schemas.microsoft.com/office/drawing/2014/main" id="{8E28E06C-9213-0149-B35F-F9E2CDA8F14E}"/>
+                <a16:creationId xmlns:a16="http://schemas.microsoft.com/office/drawing/2014/main" xmlns="" id="{8E28E06C-9213-0149-B35F-F9E2CDA8F14E}"/>
               </a:ext>
             </a:extLst>
           </p:cNvPr>
@@ -25160,7 +25166,7 @@
           <p:cNvPr id="11" name="TextBox 10">
             <a:extLst>
               <a:ext uri="{FF2B5EF4-FFF2-40B4-BE49-F238E27FC236}">
-                <a16:creationId xmlns="" xmlns:a16="http://schemas.microsoft.com/office/drawing/2014/main" id="{CD90184F-5D4E-EA4F-84BF-EE0615F396C2}"/>
+                <a16:creationId xmlns:a16="http://schemas.microsoft.com/office/drawing/2014/main" xmlns="" id="{CD90184F-5D4E-EA4F-84BF-EE0615F396C2}"/>
               </a:ext>
             </a:extLst>
           </p:cNvPr>
@@ -25282,7 +25288,7 @@
           <p:cNvPr id="7" name="Rectangle 6">
             <a:extLst>
               <a:ext uri="{FF2B5EF4-FFF2-40B4-BE49-F238E27FC236}">
-                <a16:creationId xmlns="" xmlns:a16="http://schemas.microsoft.com/office/drawing/2014/main" id="{934568A6-9E16-1747-BBDA-DDABE1317ABF}"/>
+                <a16:creationId xmlns:a16="http://schemas.microsoft.com/office/drawing/2014/main" xmlns="" id="{934568A6-9E16-1747-BBDA-DDABE1317ABF}"/>
               </a:ext>
             </a:extLst>
           </p:cNvPr>
@@ -25335,7 +25341,7 @@
               <p:cNvPr id="8" name="Rectangle 7">
                 <a:extLst>
                   <a:ext uri="{FF2B5EF4-FFF2-40B4-BE49-F238E27FC236}">
-                    <a16:creationId xmlns="" xmlns:a16="http://schemas.microsoft.com/office/drawing/2014/main" id="{414104F3-916E-8442-8B11-CE399A765C44}"/>
+                    <a16:creationId xmlns:a16="http://schemas.microsoft.com/office/drawing/2014/main" xmlns="" id="{414104F3-916E-8442-8B11-CE399A765C44}"/>
                   </a:ext>
                 </a:extLst>
               </p:cNvPr>
@@ -25764,7 +25770,7 @@
           <p:cNvPr id="9" name="Picture 8">
             <a:extLst>
               <a:ext uri="{FF2B5EF4-FFF2-40B4-BE49-F238E27FC236}">
-                <a16:creationId xmlns="" xmlns:a16="http://schemas.microsoft.com/office/drawing/2014/main" id="{BF15BAE1-504B-B046-921C-435331A07A32}"/>
+                <a16:creationId xmlns:a16="http://schemas.microsoft.com/office/drawing/2014/main" xmlns="" id="{BF15BAE1-504B-B046-921C-435331A07A32}"/>
               </a:ext>
             </a:extLst>
           </p:cNvPr>
@@ -25800,7 +25806,7 @@
           <p:cNvPr id="10" name="Right Arrow 9">
             <a:extLst>
               <a:ext uri="{FF2B5EF4-FFF2-40B4-BE49-F238E27FC236}">
-                <a16:creationId xmlns="" xmlns:a16="http://schemas.microsoft.com/office/drawing/2014/main" id="{94C9DDF9-4503-204A-9DCF-BF98426053C9}"/>
+                <a16:creationId xmlns:a16="http://schemas.microsoft.com/office/drawing/2014/main" xmlns="" id="{94C9DDF9-4503-204A-9DCF-BF98426053C9}"/>
               </a:ext>
             </a:extLst>
           </p:cNvPr>
@@ -25846,7 +25852,7 @@
           <p:cNvPr id="17" name="Picture 16">
             <a:extLst>
               <a:ext uri="{FF2B5EF4-FFF2-40B4-BE49-F238E27FC236}">
-                <a16:creationId xmlns="" xmlns:a16="http://schemas.microsoft.com/office/drawing/2014/main" id="{8E28E06C-9213-0149-B35F-F9E2CDA8F14E}"/>
+                <a16:creationId xmlns:a16="http://schemas.microsoft.com/office/drawing/2014/main" xmlns="" id="{8E28E06C-9213-0149-B35F-F9E2CDA8F14E}"/>
               </a:ext>
             </a:extLst>
           </p:cNvPr>
@@ -25876,7 +25882,7 @@
           <p:cNvPr id="3" name="TextBox 2">
             <a:extLst>
               <a:ext uri="{FF2B5EF4-FFF2-40B4-BE49-F238E27FC236}">
-                <a16:creationId xmlns="" xmlns:a16="http://schemas.microsoft.com/office/drawing/2014/main" id="{83D6B78B-2F24-B44E-90E2-B6325D7C5DDC}"/>
+                <a16:creationId xmlns:a16="http://schemas.microsoft.com/office/drawing/2014/main" xmlns="" id="{83D6B78B-2F24-B44E-90E2-B6325D7C5DDC}"/>
               </a:ext>
             </a:extLst>
           </p:cNvPr>
@@ -25911,7 +25917,7 @@
           <p:cNvPr id="11" name="TextBox 10">
             <a:extLst>
               <a:ext uri="{FF2B5EF4-FFF2-40B4-BE49-F238E27FC236}">
-                <a16:creationId xmlns="" xmlns:a16="http://schemas.microsoft.com/office/drawing/2014/main" id="{6CB1F0AA-2860-4A45-9C7A-8C220DE88C4C}"/>
+                <a16:creationId xmlns:a16="http://schemas.microsoft.com/office/drawing/2014/main" xmlns="" id="{6CB1F0AA-2860-4A45-9C7A-8C220DE88C4C}"/>
               </a:ext>
             </a:extLst>
           </p:cNvPr>
@@ -25951,7 +25957,7 @@
           <p:cNvPr id="4" name="TextBox 3">
             <a:extLst>
               <a:ext uri="{FF2B5EF4-FFF2-40B4-BE49-F238E27FC236}">
-                <a16:creationId xmlns="" xmlns:a16="http://schemas.microsoft.com/office/drawing/2014/main" id="{C822D018-C3B5-3741-9DD7-81726C4FEE4A}"/>
+                <a16:creationId xmlns:a16="http://schemas.microsoft.com/office/drawing/2014/main" xmlns="" id="{C822D018-C3B5-3741-9DD7-81726C4FEE4A}"/>
               </a:ext>
             </a:extLst>
           </p:cNvPr>
@@ -26617,7 +26623,7 @@
           <p:cNvPr id="2" name="Rectangle 1">
             <a:extLst>
               <a:ext uri="{FF2B5EF4-FFF2-40B4-BE49-F238E27FC236}">
-                <a16:creationId xmlns="" xmlns:a16="http://schemas.microsoft.com/office/drawing/2014/main" id="{44B75201-4883-464B-8606-95AB16148DF8}"/>
+                <a16:creationId xmlns:a16="http://schemas.microsoft.com/office/drawing/2014/main" xmlns="" id="{44B75201-4883-464B-8606-95AB16148DF8}"/>
               </a:ext>
             </a:extLst>
           </p:cNvPr>
@@ -27307,7 +27313,7 @@
           <p:cNvPr id="2" name="Rectangle 1">
             <a:extLst>
               <a:ext uri="{FF2B5EF4-FFF2-40B4-BE49-F238E27FC236}">
-                <a16:creationId xmlns="" xmlns:a16="http://schemas.microsoft.com/office/drawing/2014/main" id="{44B75201-4883-464B-8606-95AB16148DF8}"/>
+                <a16:creationId xmlns:a16="http://schemas.microsoft.com/office/drawing/2014/main" xmlns="" id="{44B75201-4883-464B-8606-95AB16148DF8}"/>
               </a:ext>
             </a:extLst>
           </p:cNvPr>
@@ -28096,7 +28102,7 @@
           <p:cNvPr id="2" name="Rectangle 1">
             <a:extLst>
               <a:ext uri="{FF2B5EF4-FFF2-40B4-BE49-F238E27FC236}">
-                <a16:creationId xmlns="" xmlns:a16="http://schemas.microsoft.com/office/drawing/2014/main" id="{44B75201-4883-464B-8606-95AB16148DF8}"/>
+                <a16:creationId xmlns:a16="http://schemas.microsoft.com/office/drawing/2014/main" xmlns="" id="{44B75201-4883-464B-8606-95AB16148DF8}"/>
               </a:ext>
             </a:extLst>
           </p:cNvPr>
@@ -28984,7 +28990,7 @@
           <p:cNvPr id="2" name="Rectangle 1">
             <a:extLst>
               <a:ext uri="{FF2B5EF4-FFF2-40B4-BE49-F238E27FC236}">
-                <a16:creationId xmlns="" xmlns:a16="http://schemas.microsoft.com/office/drawing/2014/main" id="{44B75201-4883-464B-8606-95AB16148DF8}"/>
+                <a16:creationId xmlns:a16="http://schemas.microsoft.com/office/drawing/2014/main" xmlns="" id="{44B75201-4883-464B-8606-95AB16148DF8}"/>
               </a:ext>
             </a:extLst>
           </p:cNvPr>
@@ -29739,7 +29745,7 @@
           <p:cNvPr id="2" name="Rectangle 1">
             <a:extLst>
               <a:ext uri="{FF2B5EF4-FFF2-40B4-BE49-F238E27FC236}">
-                <a16:creationId xmlns="" xmlns:a16="http://schemas.microsoft.com/office/drawing/2014/main" id="{44B75201-4883-464B-8606-95AB16148DF8}"/>
+                <a16:creationId xmlns:a16="http://schemas.microsoft.com/office/drawing/2014/main" xmlns="" id="{44B75201-4883-464B-8606-95AB16148DF8}"/>
               </a:ext>
             </a:extLst>
           </p:cNvPr>
@@ -29793,7 +29799,7 @@
           <p:cNvPr id="24" name="TextBox 23">
             <a:extLst>
               <a:ext uri="{FF2B5EF4-FFF2-40B4-BE49-F238E27FC236}">
-                <a16:creationId xmlns="" xmlns:a16="http://schemas.microsoft.com/office/drawing/2014/main" id="{69D7F542-A661-434C-9490-EEB116C79FE8}"/>
+                <a16:creationId xmlns:a16="http://schemas.microsoft.com/office/drawing/2014/main" xmlns="" id="{69D7F542-A661-434C-9490-EEB116C79FE8}"/>
               </a:ext>
             </a:extLst>
           </p:cNvPr>
@@ -29904,7 +29910,7 @@
           <p:cNvPr id="3" name="Oval 2">
             <a:extLst>
               <a:ext uri="{FF2B5EF4-FFF2-40B4-BE49-F238E27FC236}">
-                <a16:creationId xmlns="" xmlns:a16="http://schemas.microsoft.com/office/drawing/2014/main" id="{B073BD9C-6BDA-C347-9C0E-31CB52DA42B6}"/>
+                <a16:creationId xmlns:a16="http://schemas.microsoft.com/office/drawing/2014/main" xmlns="" id="{B073BD9C-6BDA-C347-9C0E-31CB52DA42B6}"/>
               </a:ext>
             </a:extLst>
           </p:cNvPr>
@@ -29958,7 +29964,7 @@
           <p:cNvPr id="19" name="Oval 18">
             <a:extLst>
               <a:ext uri="{FF2B5EF4-FFF2-40B4-BE49-F238E27FC236}">
-                <a16:creationId xmlns="" xmlns:a16="http://schemas.microsoft.com/office/drawing/2014/main" id="{B75FE795-2BFF-E54A-B090-C664817205DA}"/>
+                <a16:creationId xmlns:a16="http://schemas.microsoft.com/office/drawing/2014/main" xmlns="" id="{B75FE795-2BFF-E54A-B090-C664817205DA}"/>
               </a:ext>
             </a:extLst>
           </p:cNvPr>
@@ -30005,7 +30011,7 @@
           <p:cNvPr id="20" name="Oval 19">
             <a:extLst>
               <a:ext uri="{FF2B5EF4-FFF2-40B4-BE49-F238E27FC236}">
-                <a16:creationId xmlns="" xmlns:a16="http://schemas.microsoft.com/office/drawing/2014/main" id="{08F67ED2-E0EA-744D-A5C3-DFAF9C05EBB0}"/>
+                <a16:creationId xmlns:a16="http://schemas.microsoft.com/office/drawing/2014/main" xmlns="" id="{08F67ED2-E0EA-744D-A5C3-DFAF9C05EBB0}"/>
               </a:ext>
             </a:extLst>
           </p:cNvPr>
@@ -30052,7 +30058,7 @@
           <p:cNvPr id="38" name="Oval 37">
             <a:extLst>
               <a:ext uri="{FF2B5EF4-FFF2-40B4-BE49-F238E27FC236}">
-                <a16:creationId xmlns="" xmlns:a16="http://schemas.microsoft.com/office/drawing/2014/main" id="{D50BF41E-EF71-F94A-86B9-DF1B15F4B1FC}"/>
+                <a16:creationId xmlns:a16="http://schemas.microsoft.com/office/drawing/2014/main" xmlns="" id="{D50BF41E-EF71-F94A-86B9-DF1B15F4B1FC}"/>
               </a:ext>
             </a:extLst>
           </p:cNvPr>
@@ -30104,7 +30110,7 @@
           <p:cNvPr id="9" name="Graphic 8" descr="Binoculars">
             <a:extLst>
               <a:ext uri="{FF2B5EF4-FFF2-40B4-BE49-F238E27FC236}">
-                <a16:creationId xmlns="" xmlns:a16="http://schemas.microsoft.com/office/drawing/2014/main" id="{0307FDB9-D726-D54A-8E96-5C778AD4B9A7}"/>
+                <a16:creationId xmlns:a16="http://schemas.microsoft.com/office/drawing/2014/main" xmlns="" id="{0307FDB9-D726-D54A-8E96-5C778AD4B9A7}"/>
               </a:ext>
             </a:extLst>
           </p:cNvPr>
@@ -30117,7 +30123,7 @@
           <a:blip r:embed="rId3">
             <a:extLst>
               <a:ext uri="{96DAC541-7B7A-43D3-8B79-37D633B846F1}">
-                <asvg:svgBlip xmlns="" xmlns:asvg="http://schemas.microsoft.com/office/drawing/2016/SVG/main" r:embed="rId4"/>
+                <asvg:svgBlip xmlns:asvg="http://schemas.microsoft.com/office/drawing/2016/SVG/main" xmlns="" r:embed="rId4"/>
               </a:ext>
             </a:extLst>
           </a:blip>
@@ -30140,7 +30146,7 @@
           <p:cNvPr id="11" name="Graphic 10" descr="Atom">
             <a:extLst>
               <a:ext uri="{FF2B5EF4-FFF2-40B4-BE49-F238E27FC236}">
-                <a16:creationId xmlns="" xmlns:a16="http://schemas.microsoft.com/office/drawing/2014/main" id="{803445ED-BA53-F447-93B7-06103930BE36}"/>
+                <a16:creationId xmlns:a16="http://schemas.microsoft.com/office/drawing/2014/main" xmlns="" id="{803445ED-BA53-F447-93B7-06103930BE36}"/>
               </a:ext>
             </a:extLst>
           </p:cNvPr>
@@ -30153,7 +30159,7 @@
           <a:blip r:embed="rId5">
             <a:extLst>
               <a:ext uri="{96DAC541-7B7A-43D3-8B79-37D633B846F1}">
-                <asvg:svgBlip xmlns="" xmlns:asvg="http://schemas.microsoft.com/office/drawing/2016/SVG/main" r:embed="rId6"/>
+                <asvg:svgBlip xmlns:asvg="http://schemas.microsoft.com/office/drawing/2016/SVG/main" xmlns="" r:embed="rId6"/>
               </a:ext>
             </a:extLst>
           </a:blip>
@@ -30176,7 +30182,7 @@
           <p:cNvPr id="14" name="Graphic 13" descr="HeadWithGears">
             <a:extLst>
               <a:ext uri="{FF2B5EF4-FFF2-40B4-BE49-F238E27FC236}">
-                <a16:creationId xmlns="" xmlns:a16="http://schemas.microsoft.com/office/drawing/2014/main" id="{F1734F00-B7B6-2042-904B-EB85E52832BE}"/>
+                <a16:creationId xmlns:a16="http://schemas.microsoft.com/office/drawing/2014/main" xmlns="" id="{F1734F00-B7B6-2042-904B-EB85E52832BE}"/>
               </a:ext>
             </a:extLst>
           </p:cNvPr>
@@ -30189,7 +30195,7 @@
           <a:blip r:embed="rId7">
             <a:extLst>
               <a:ext uri="{96DAC541-7B7A-43D3-8B79-37D633B846F1}">
-                <asvg:svgBlip xmlns="" xmlns:asvg="http://schemas.microsoft.com/office/drawing/2016/SVG/main" r:embed="rId8"/>
+                <asvg:svgBlip xmlns:asvg="http://schemas.microsoft.com/office/drawing/2016/SVG/main" xmlns="" r:embed="rId8"/>
               </a:ext>
             </a:extLst>
           </a:blip>
